--- a/PowerPoints/06 - Syntax Analysis.pptx
+++ b/PowerPoints/06 - Syntax Analysis.pptx
@@ -33182,19 +33182,7 @@
               <a:rPr lang="en-US" sz="1800" dirty="0" err="1">
                 <a:latin typeface="Consolas" panose="020B0609020204030204" pitchFamily="49" charset="0"/>
               </a:rPr>
-              <a:t>ErrorHandler.getInstance</a:t>
-            </a:r>
-            <a:r>
-              <a:rPr lang="en-US" sz="1800" dirty="0">
-                <a:latin typeface="Consolas" panose="020B0609020204030204" pitchFamily="49" charset="0"/>
-              </a:rPr>
-              <a:t>().</a:t>
-            </a:r>
-            <a:r>
-              <a:rPr lang="en-US" sz="1800" dirty="0" err="1">
-                <a:latin typeface="Consolas" panose="020B0609020204030204" pitchFamily="49" charset="0"/>
-              </a:rPr>
-              <a:t>reportError</a:t>
+              <a:t>errorHandler.reportError</a:t>
             </a:r>
             <a:r>
               <a:rPr lang="en-US" sz="1800" dirty="0">
@@ -34045,16 +34033,10 @@
               </a:rPr>
             </a:br>
             <a:r>
-              <a:rPr lang="en-US" sz="1800">
-                <a:latin typeface="Consolas" panose="020B0609020204030204" pitchFamily="49" charset="0"/>
-              </a:rPr>
-              <a:t>                                     </a:t>
-            </a:r>
-            <a:r>
-              <a:rPr lang="en-US" sz="1800" dirty="0">
-                <a:latin typeface="Consolas" panose="020B0609020204030204" pitchFamily="49" charset="0"/>
-              </a:rPr>
-              <a:t>StandardCharsets.UTF_8));</a:t>
+              <a:rPr lang="en-US" sz="1800" dirty="0">
+                <a:latin typeface="Consolas" panose="020B0609020204030204" pitchFamily="49" charset="0"/>
+              </a:rPr>
+              <a:t>                                     StandardCharsets.UTF_8));</a:t>
             </a:r>
           </a:p>
           <a:p>

--- a/PowerPoints/06 - Syntax Analysis.pptx
+++ b/PowerPoints/06 - Syntax Analysis.pptx
@@ -14481,7 +14481,9 @@
               <a:t> also includes </a:t>
             </a:r>
             <a:r>
-              <a:rPr lang="en-US" u="sng" dirty="0"/>
+              <a:rPr lang="en-US" dirty="0">
+                <a:latin typeface="Consolas" panose="020B0609020204030204" pitchFamily="49" charset="0"/>
+              </a:rPr>
               <a:t>Follow(N)</a:t>
             </a:r>
             <a:r>

--- a/PowerPoints/06 - Syntax Analysis.pptx
+++ b/PowerPoints/06 - Syntax Analysis.pptx
@@ -9773,7 +9773,7 @@
           <a:p>
             <a:r>
               <a:rPr lang="en-US" dirty="0"/>
-              <a:t>The scanner method </a:t>
+              <a:t>Scanner method </a:t>
             </a:r>
             <a:r>
               <a:rPr lang="en-US" dirty="0" err="1">
@@ -13699,9 +13699,10 @@
           <a:lstStyle/>
           <a:p>
             <a:r>
-              <a:rPr lang="en-US" dirty="0"/>
+              <a:rPr lang="en-US"/>
               <a:t>Follow Sets from CPRL: Example 1</a:t>
             </a:r>
+            <a:endParaRPr lang="en-US" dirty="0"/>
           </a:p>
         </p:txBody>
       </p:sp>
@@ -13720,205 +13721,207 @@
           <a:bodyPr/>
           <a:lstStyle/>
           <a:p>
-            <a:r>
-              <a:rPr lang="en-US" dirty="0"/>
+            <a:pPr marL="0" indent="0">
+              <a:buNone/>
+            </a:pPr>
+            <a:r>
+              <a:rPr lang="en-US" sz="2200" dirty="0"/>
               <a:t>What can follow </a:t>
             </a:r>
             <a:r>
-              <a:rPr lang="en-US" dirty="0">
+              <a:rPr lang="en-US" sz="2200" dirty="0">
                 <a:latin typeface="Consolas" panose="020B0609020204030204" pitchFamily="49" charset="0"/>
               </a:rPr>
               <a:t>subprogramDecl</a:t>
             </a:r>
             <a:r>
-              <a:rPr lang="en-US" dirty="0"/>
+              <a:rPr lang="en-US" sz="2200" dirty="0"/>
               <a:t>?</a:t>
             </a:r>
           </a:p>
           <a:p>
-            <a:pPr lvl="1"/>
-            <a:r>
-              <a:rPr lang="en-US" dirty="0"/>
+            <a:r>
+              <a:rPr lang="en-US" sz="2100" dirty="0"/>
               <a:t>From the rule</a:t>
             </a:r>
           </a:p>
           <a:p>
-            <a:pPr marL="914400" lvl="2" indent="0">
-              <a:buNone/>
-            </a:pPr>
-            <a:r>
-              <a:rPr lang="en-US" dirty="0" err="1"/>
-              <a:t>subprogramDecls</a:t>
-            </a:r>
-            <a:r>
-              <a:rPr lang="en-US" dirty="0"/>
-              <a:t> = subprogramDecl { subprogramDecl } .</a:t>
-            </a:r>
-          </a:p>
-          <a:p>
-            <a:pPr marL="740664" lvl="1" indent="0">
-              <a:buNone/>
-            </a:pPr>
-            <a:r>
-              <a:rPr lang="en-US" dirty="0"/>
+            <a:pPr marL="514350" lvl="1" indent="0">
+              <a:buNone/>
+            </a:pPr>
+            <a:r>
+              <a:rPr lang="en-US" sz="1800" dirty="0"/>
+              <a:t>subprogramDecls = subprogramDecl { subprogramDecl } .</a:t>
+            </a:r>
+          </a:p>
+          <a:p>
+            <a:pPr marL="340614" indent="0">
+              <a:spcBef>
+                <a:spcPts val="500"/>
+              </a:spcBef>
+              <a:buNone/>
+            </a:pPr>
+            <a:r>
+              <a:rPr lang="en-US" sz="2100" dirty="0"/>
               <a:t>we know that </a:t>
             </a:r>
             <a:r>
-              <a:rPr lang="en-US" dirty="0">
+              <a:rPr lang="en-US" sz="2100" dirty="0">
                 <a:latin typeface="Consolas" panose="020B0609020204030204" pitchFamily="49" charset="0"/>
               </a:rPr>
               <a:t>subprogramDecl</a:t>
             </a:r>
             <a:r>
-              <a:rPr lang="en-US" dirty="0"/>
-              <a:t> can follow another   </a:t>
-            </a:r>
-            <a:r>
-              <a:rPr lang="en-US" dirty="0">
+              <a:rPr lang="en-US" sz="2100" dirty="0"/>
+              <a:t> can follow another </a:t>
+            </a:r>
+            <a:r>
+              <a:rPr lang="en-US" sz="2100" dirty="0">
                 <a:latin typeface="Consolas" panose="020B0609020204030204" pitchFamily="49" charset="0"/>
               </a:rPr>
               <a:t>subprogramDecl</a:t>
             </a:r>
             <a:r>
-              <a:rPr lang="en-US" dirty="0"/>
+              <a:rPr lang="en-US" sz="2100" dirty="0"/>
               <a:t>, so the follow set for </a:t>
             </a:r>
             <a:r>
-              <a:rPr lang="en-US" dirty="0">
+              <a:rPr lang="en-US" sz="2100" dirty="0">
                 <a:latin typeface="Consolas" panose="020B0609020204030204" pitchFamily="49" charset="0"/>
               </a:rPr>
               <a:t>subprogramDecl</a:t>
             </a:r>
             <a:r>
-              <a:rPr lang="en-US" dirty="0"/>
+              <a:rPr lang="en-US" sz="2100" dirty="0"/>
               <a:t> includes the first set of </a:t>
             </a:r>
             <a:r>
-              <a:rPr lang="en-US" dirty="0">
+              <a:rPr lang="en-US" sz="2100" dirty="0">
                 <a:latin typeface="Consolas" panose="020B0609020204030204" pitchFamily="49" charset="0"/>
               </a:rPr>
               <a:t>subprogramDecl</a:t>
             </a:r>
             <a:r>
-              <a:rPr lang="en-US" dirty="0"/>
+              <a:rPr lang="en-US" sz="2100" dirty="0"/>
               <a:t>; i.e., “</a:t>
             </a:r>
             <a:r>
-              <a:rPr lang="en-US" dirty="0">
+              <a:rPr lang="en-US" sz="2100" dirty="0">
                 <a:latin typeface="Consolas" panose="020B0609020204030204" pitchFamily="49" charset="0"/>
               </a:rPr>
               <a:t>proc</a:t>
             </a:r>
             <a:r>
-              <a:rPr lang="en-US" dirty="0"/>
+              <a:rPr lang="en-US" sz="2100" dirty="0"/>
               <a:t>” and “</a:t>
             </a:r>
             <a:r>
-              <a:rPr lang="en-US" dirty="0">
+              <a:rPr lang="en-US" sz="2100" dirty="0">
                 <a:latin typeface="Consolas" panose="020B0609020204030204" pitchFamily="49" charset="0"/>
               </a:rPr>
               <a:t>fun</a:t>
             </a:r>
             <a:r>
-              <a:rPr lang="en-US" dirty="0"/>
+              <a:rPr lang="en-US" sz="2100" dirty="0"/>
               <a:t>”.</a:t>
             </a:r>
           </a:p>
           <a:p>
-            <a:pPr lvl="1"/>
-            <a:r>
-              <a:rPr lang="en-US" dirty="0"/>
+            <a:r>
+              <a:rPr lang="en-US" sz="2100" dirty="0"/>
               <a:t>From the rule</a:t>
             </a:r>
           </a:p>
           <a:p>
-            <a:pPr marL="914400" lvl="2" indent="0">
-              <a:buNone/>
-            </a:pPr>
-            <a:r>
-              <a:rPr lang="en-US" dirty="0">
-                <a:latin typeface="Consolas" panose="020B0609020204030204" pitchFamily="49" charset="0"/>
-              </a:rPr>
-              <a:t>program = initialDecls </a:t>
-            </a:r>
-            <a:r>
-              <a:rPr lang="en-US" dirty="0" err="1">
-                <a:latin typeface="Consolas" panose="020B0609020204030204" pitchFamily="49" charset="0"/>
-              </a:rPr>
-              <a:t>subprogramDecls</a:t>
-            </a:r>
-            <a:r>
-              <a:rPr lang="en-US" dirty="0">
-                <a:latin typeface="Consolas" panose="020B0609020204030204" pitchFamily="49" charset="0"/>
-              </a:rPr>
-              <a:t> .</a:t>
-            </a:r>
-          </a:p>
-          <a:p>
-            <a:pPr marL="740664" lvl="2" indent="0">
-              <a:buNone/>
-            </a:pPr>
-            <a:r>
-              <a:rPr lang="en-US" sz="2000" dirty="0"/>
+            <a:pPr marL="514350" lvl="1" indent="0">
+              <a:buNone/>
+            </a:pPr>
+            <a:r>
+              <a:rPr lang="en-US" sz="1800" dirty="0">
+                <a:latin typeface="Consolas" panose="020B0609020204030204" pitchFamily="49" charset="0"/>
+              </a:rPr>
+              <a:t>program = </a:t>
+            </a:r>
+            <a:r>
+              <a:rPr lang="en-US" sz="1800" dirty="0" err="1">
+                <a:latin typeface="Consolas" panose="020B0609020204030204" pitchFamily="49" charset="0"/>
+              </a:rPr>
+              <a:t>initialDecls</a:t>
+            </a:r>
+            <a:r>
+              <a:rPr lang="en-US" sz="1800" dirty="0">
+                <a:latin typeface="Consolas" panose="020B0609020204030204" pitchFamily="49" charset="0"/>
+              </a:rPr>
+              <a:t> subprogramDecls .</a:t>
+            </a:r>
+          </a:p>
+          <a:p>
+            <a:pPr marL="340614" lvl="1" indent="0">
+              <a:spcBef>
+                <a:spcPts val="500"/>
+              </a:spcBef>
+              <a:buNone/>
+            </a:pPr>
+            <a:r>
+              <a:rPr lang="en-US" sz="2100" dirty="0"/>
               <a:t>we know that anything that can follow </a:t>
             </a:r>
             <a:r>
-              <a:rPr lang="en-US" sz="2000" dirty="0">
+              <a:rPr lang="en-US" sz="2100" dirty="0">
                 <a:latin typeface="Consolas" panose="020B0609020204030204" pitchFamily="49" charset="0"/>
               </a:rPr>
               <a:t>program</a:t>
             </a:r>
             <a:r>
-              <a:rPr lang="en-US" sz="2000" dirty="0"/>
+              <a:rPr lang="en-US" sz="2100" dirty="0"/>
               <a:t> can also follow</a:t>
             </a:r>
             <a:br>
-              <a:rPr lang="en-US" sz="2000" dirty="0"/>
+              <a:rPr lang="en-US" sz="2100" dirty="0"/>
             </a:br>
             <a:r>
-              <a:rPr lang="en-US" sz="2000" dirty="0">
+              <a:rPr lang="en-US" sz="2100" dirty="0">
                 <a:latin typeface="Consolas" panose="020B0609020204030204" pitchFamily="49" charset="0"/>
               </a:rPr>
               <a:t>subprogramDecl</a:t>
             </a:r>
             <a:r>
-              <a:rPr lang="en-US" sz="2000" dirty="0"/>
+              <a:rPr lang="en-US" sz="2100" dirty="0"/>
               <a:t>, so the follow set for </a:t>
             </a:r>
             <a:r>
-              <a:rPr lang="en-US" sz="2000" dirty="0">
+              <a:rPr lang="en-US" sz="2100" dirty="0">
                 <a:latin typeface="Consolas" panose="020B0609020204030204" pitchFamily="49" charset="0"/>
               </a:rPr>
               <a:t>subprogramDecl</a:t>
             </a:r>
             <a:r>
-              <a:rPr lang="en-US" sz="2000" dirty="0"/>
+              <a:rPr lang="en-US" sz="2100" dirty="0"/>
               <a:t> includes </a:t>
             </a:r>
             <a:r>
-              <a:rPr lang="en-US" sz="2000" dirty="0">
+              <a:rPr lang="en-US" sz="2100" dirty="0">
                 <a:latin typeface="Consolas" panose="020B0609020204030204" pitchFamily="49" charset="0"/>
               </a:rPr>
               <a:t>EOF</a:t>
             </a:r>
             <a:r>
-              <a:rPr lang="en-US" sz="2000" dirty="0"/>
+              <a:rPr lang="en-US" sz="2100" dirty="0"/>
               <a:t>.  (remember augmenting rule)</a:t>
             </a:r>
           </a:p>
           <a:p>
-            <a:pPr lvl="1"/>
-            <a:r>
-              <a:rPr lang="en-US" dirty="0"/>
+            <a:r>
+              <a:rPr lang="en-US" sz="2100" dirty="0"/>
               <a:t>Conclusion:</a:t>
             </a:r>
           </a:p>
           <a:p>
-            <a:pPr marL="914400" lvl="2" indent="0">
-              <a:buNone/>
-            </a:pPr>
-            <a:r>
-              <a:rPr lang="en-US" dirty="0">
+            <a:pPr marL="514350" lvl="1" indent="0">
+              <a:buNone/>
+            </a:pPr>
+            <a:r>
+              <a:rPr lang="en-US" sz="1800" dirty="0">
                 <a:latin typeface="Consolas" panose="020B0609020204030204" pitchFamily="49" charset="0"/>
               </a:rPr>
               <a:t>Follow(subprogramDecl) = { "proc", "fun", EOF }</a:t>
@@ -13945,6 +13948,7 @@
               <a:rPr lang="en-US"/>
               <a:t>©SoftMoore Consulting</a:t>
             </a:r>
+            <a:endParaRPr lang="en-US" dirty="0"/>
           </a:p>
         </p:txBody>
       </p:sp>
@@ -13968,7 +13972,7 @@
               <a:t>Slide </a:t>
             </a:r>
             <a:fld id="{2EF38682-C549-4590-B6B3-FA0D681E0236}" type="slidenum">
-              <a:rPr lang="en-US"/>
+              <a:rPr lang="en-US" smtClean="0"/>
               <a:pPr/>
               <a:t>24</a:t>
             </a:fld>
@@ -14103,6 +14107,9 @@
           <a:bodyPr/>
           <a:lstStyle/>
           <a:p>
+            <a:pPr marL="0" indent="0">
+              <a:buNone/>
+            </a:pPr>
             <a:r>
               <a:rPr lang="en-US" dirty="0"/>
               <a:t>What can follow </a:t>
@@ -14119,49 +14126,59 @@
             </a:r>
           </a:p>
           <a:p>
+            <a:r>
+              <a:rPr lang="en-US" dirty="0"/>
+              <a:t>...   (left as an exercise)</a:t>
+            </a:r>
+            <a:br>
+              <a:rPr lang="en-US" dirty="0"/>
+            </a:br>
+            <a:r>
+              <a:rPr lang="en-US" dirty="0"/>
+              <a:t>Hints:</a:t>
+            </a:r>
+          </a:p>
+          <a:p>
             <a:pPr lvl="1"/>
             <a:r>
               <a:rPr lang="en-US" dirty="0"/>
-              <a:t>...   (left as an exercise)</a:t>
-            </a:r>
-            <a:br>
-              <a:rPr lang="en-US" dirty="0"/>
-            </a:br>
-            <a:r>
-              <a:rPr lang="en-US" dirty="0"/>
-              <a:t>Hints:</a:t>
-            </a:r>
-          </a:p>
-          <a:p>
-            <a:pPr lvl="2"/>
-            <a:r>
-              <a:rPr lang="en-US" dirty="0"/>
               <a:t>Any statement can follow a loop statement.</a:t>
             </a:r>
           </a:p>
           <a:p>
-            <a:pPr lvl="2"/>
+            <a:pPr lvl="1"/>
             <a:r>
               <a:rPr lang="en-US" dirty="0"/>
               <a:t>A loop statement can be the last statement of a procedure.</a:t>
             </a:r>
           </a:p>
           <a:p>
-            <a:pPr lvl="1"/>
             <a:r>
               <a:rPr lang="en-US" dirty="0"/>
               <a:t>Conclusion:</a:t>
             </a:r>
           </a:p>
           <a:p>
-            <a:pPr marL="914400" lvl="2" indent="0">
+            <a:pPr marL="457200" lvl="2" indent="0">
               <a:buNone/>
             </a:pPr>
             <a:r>
               <a:rPr lang="en-US" dirty="0">
                 <a:latin typeface="Consolas" panose="020B0609020204030204" pitchFamily="49" charset="0"/>
               </a:rPr>
-              <a:t>Follow(loopStmt) = { identifier, "if", "else", "while",</a:t>
+              <a:t>Follow(</a:t>
+            </a:r>
+            <a:r>
+              <a:rPr lang="en-US" dirty="0" err="1">
+                <a:latin typeface="Consolas" panose="020B0609020204030204" pitchFamily="49" charset="0"/>
+              </a:rPr>
+              <a:t>loopStmt</a:t>
+            </a:r>
+            <a:r>
+              <a:rPr lang="en-US" dirty="0">
+                <a:latin typeface="Consolas" panose="020B0609020204030204" pitchFamily="49" charset="0"/>
+              </a:rPr>
+              <a:t>) = { identifier, "if", "else", "while",</a:t>
             </a:r>
             <a:br>
               <a:rPr lang="en-US" dirty="0">
@@ -14214,7 +14231,7 @@
         </p:nvSpPr>
         <p:spPr>
           <a:xfrm>
-            <a:off x="741464" y="4876800"/>
+            <a:off x="741464" y="5113347"/>
             <a:ext cx="7661072" cy="754053"/>
           </a:xfrm>
           <a:prstGeom prst="rect">
@@ -15060,13 +15077,6 @@
               <a:buNone/>
             </a:pPr>
             <a:r>
-              <a:rPr lang="en-US" sz="1800" dirty="0">
-                <a:latin typeface="Consolas" pitchFamily="49" charset="0"/>
-                <a:cs typeface="Consolas" pitchFamily="49" charset="0"/>
-              </a:rPr>
-              <a:t>   </a:t>
-            </a:r>
-            <a:r>
               <a:rPr lang="en-US" sz="1800" dirty="0" err="1">
                 <a:latin typeface="Consolas" pitchFamily="49" charset="0"/>
                 <a:cs typeface="Consolas" pitchFamily="49" charset="0"/>
@@ -15121,7 +15131,7 @@
                 <a:latin typeface="Consolas" pitchFamily="49" charset="0"/>
                 <a:cs typeface="Consolas" pitchFamily="49" charset="0"/>
               </a:rPr>
-              <a:t>  private void parseInitialDecls()</a:t>
+              <a:t>private void parseInitialDecls()</a:t>
             </a:r>
           </a:p>
           <a:p>
@@ -15136,7 +15146,7 @@
                 <a:latin typeface="Consolas" pitchFamily="49" charset="0"/>
                 <a:cs typeface="Consolas" pitchFamily="49" charset="0"/>
               </a:rPr>
-              <a:t>    {</a:t>
+              <a:t>  {</a:t>
             </a:r>
           </a:p>
           <a:p>
@@ -15151,35 +15161,67 @@
                 <a:latin typeface="Consolas" pitchFamily="49" charset="0"/>
                 <a:cs typeface="Consolas" pitchFamily="49" charset="0"/>
               </a:rPr>
-              <a:t>      while (</a:t>
-            </a:r>
-            <a:r>
-              <a:rPr lang="en-US" sz="1800" dirty="0" err="1">
+              <a:t>    while (scanner.getSymbol() == Symbol.constRW ||</a:t>
+            </a:r>
+          </a:p>
+          <a:p>
+            <a:pPr lvl="1">
+              <a:spcBef>
+                <a:spcPts val="100"/>
+              </a:spcBef>
+              <a:buNone/>
+            </a:pPr>
+            <a:r>
+              <a:rPr lang="en-US" sz="1800" dirty="0">
                 <a:latin typeface="Consolas" pitchFamily="49" charset="0"/>
                 <a:cs typeface="Consolas" pitchFamily="49" charset="0"/>
               </a:rPr>
-              <a:t>scanner.getSymbol</a:t>
-            </a:r>
+              <a:t>           scanner.getSymbol() == Symbol.varRW   ||</a:t>
+            </a:r>
+          </a:p>
+          <a:p>
+            <a:pPr lvl="1">
+              <a:spcBef>
+                <a:spcPts val="100"/>
+              </a:spcBef>
+              <a:buNone/>
+            </a:pPr>
             <a:r>
               <a:rPr lang="en-US" sz="1800" dirty="0">
                 <a:latin typeface="Consolas" pitchFamily="49" charset="0"/>
                 <a:cs typeface="Consolas" pitchFamily="49" charset="0"/>
               </a:rPr>
-              <a:t>() == </a:t>
-            </a:r>
-            <a:r>
-              <a:rPr lang="en-US" sz="1800" dirty="0" err="1">
+              <a:t>           scanner.getSymbol() == Symbol.typeRW)</a:t>
+            </a:r>
+          </a:p>
+          <a:p>
+            <a:pPr lvl="1">
+              <a:spcBef>
+                <a:spcPts val="100"/>
+              </a:spcBef>
+              <a:buNone/>
+            </a:pPr>
+            <a:r>
+              <a:rPr lang="en-US" sz="1800" dirty="0">
                 <a:latin typeface="Consolas" pitchFamily="49" charset="0"/>
                 <a:cs typeface="Consolas" pitchFamily="49" charset="0"/>
               </a:rPr>
-              <a:t>Symbol.constRW</a:t>
-            </a:r>
+              <a:t>      {</a:t>
+            </a:r>
+          </a:p>
+          <a:p>
+            <a:pPr lvl="1">
+              <a:spcBef>
+                <a:spcPts val="100"/>
+              </a:spcBef>
+              <a:buNone/>
+            </a:pPr>
             <a:r>
               <a:rPr lang="en-US" sz="1800" dirty="0">
                 <a:latin typeface="Consolas" pitchFamily="49" charset="0"/>
                 <a:cs typeface="Consolas" pitchFamily="49" charset="0"/>
               </a:rPr>
-              <a:t> ||</a:t>
+              <a:t>        parseInitialDecl();</a:t>
             </a:r>
           </a:p>
           <a:p>
@@ -15194,152 +15236,22 @@
                 <a:latin typeface="Consolas" pitchFamily="49" charset="0"/>
                 <a:cs typeface="Consolas" pitchFamily="49" charset="0"/>
               </a:rPr>
-              <a:t>             </a:t>
-            </a:r>
-            <a:r>
-              <a:rPr lang="en-US" sz="1800" dirty="0" err="1">
+              <a:t>      }</a:t>
+            </a:r>
+          </a:p>
+          <a:p>
+            <a:pPr lvl="1">
+              <a:spcBef>
+                <a:spcPts val="100"/>
+              </a:spcBef>
+              <a:buNone/>
+            </a:pPr>
+            <a:r>
+              <a:rPr lang="en-US" sz="1800" dirty="0">
                 <a:latin typeface="Consolas" pitchFamily="49" charset="0"/>
                 <a:cs typeface="Consolas" pitchFamily="49" charset="0"/>
               </a:rPr>
-              <a:t>scanner.getSymbol</a:t>
-            </a:r>
-            <a:r>
-              <a:rPr lang="en-US" sz="1800" dirty="0">
-                <a:latin typeface="Consolas" pitchFamily="49" charset="0"/>
-                <a:cs typeface="Consolas" pitchFamily="49" charset="0"/>
-              </a:rPr>
-              <a:t>() == </a:t>
-            </a:r>
-            <a:r>
-              <a:rPr lang="en-US" sz="1800" dirty="0" err="1">
-                <a:latin typeface="Consolas" pitchFamily="49" charset="0"/>
-                <a:cs typeface="Consolas" pitchFamily="49" charset="0"/>
-              </a:rPr>
-              <a:t>Symbol.varRW</a:t>
-            </a:r>
-            <a:r>
-              <a:rPr lang="en-US" sz="1800" dirty="0">
-                <a:latin typeface="Consolas" pitchFamily="49" charset="0"/>
-                <a:cs typeface="Consolas" pitchFamily="49" charset="0"/>
-              </a:rPr>
-              <a:t>   ||</a:t>
-            </a:r>
-          </a:p>
-          <a:p>
-            <a:pPr lvl="1">
-              <a:spcBef>
-                <a:spcPts val="100"/>
-              </a:spcBef>
-              <a:buNone/>
-            </a:pPr>
-            <a:r>
-              <a:rPr lang="en-US" sz="1800" dirty="0">
-                <a:latin typeface="Consolas" pitchFamily="49" charset="0"/>
-                <a:cs typeface="Consolas" pitchFamily="49" charset="0"/>
-              </a:rPr>
-              <a:t>             </a:t>
-            </a:r>
-            <a:r>
-              <a:rPr lang="en-US" sz="1800" dirty="0" err="1">
-                <a:latin typeface="Consolas" pitchFamily="49" charset="0"/>
-                <a:cs typeface="Consolas" pitchFamily="49" charset="0"/>
-              </a:rPr>
-              <a:t>scanner.getSymbol</a:t>
-            </a:r>
-            <a:r>
-              <a:rPr lang="en-US" sz="1800" dirty="0">
-                <a:latin typeface="Consolas" pitchFamily="49" charset="0"/>
-                <a:cs typeface="Consolas" pitchFamily="49" charset="0"/>
-              </a:rPr>
-              <a:t>() == </a:t>
-            </a:r>
-            <a:r>
-              <a:rPr lang="en-US" sz="1800" dirty="0" err="1">
-                <a:latin typeface="Consolas" pitchFamily="49" charset="0"/>
-                <a:cs typeface="Consolas" pitchFamily="49" charset="0"/>
-              </a:rPr>
-              <a:t>Symbol.typeRW</a:t>
-            </a:r>
-            <a:r>
-              <a:rPr lang="en-US" sz="1800" dirty="0">
-                <a:latin typeface="Consolas" pitchFamily="49" charset="0"/>
-                <a:cs typeface="Consolas" pitchFamily="49" charset="0"/>
-              </a:rPr>
-              <a:t>)</a:t>
-            </a:r>
-          </a:p>
-          <a:p>
-            <a:pPr lvl="1">
-              <a:spcBef>
-                <a:spcPts val="100"/>
-              </a:spcBef>
-              <a:buNone/>
-            </a:pPr>
-            <a:r>
-              <a:rPr lang="en-US" sz="1800" dirty="0">
-                <a:latin typeface="Consolas" pitchFamily="49" charset="0"/>
-                <a:cs typeface="Consolas" pitchFamily="49" charset="0"/>
-              </a:rPr>
-              <a:t>        {</a:t>
-            </a:r>
-          </a:p>
-          <a:p>
-            <a:pPr lvl="1">
-              <a:spcBef>
-                <a:spcPts val="100"/>
-              </a:spcBef>
-              <a:buNone/>
-            </a:pPr>
-            <a:r>
-              <a:rPr lang="en-US" sz="1800" dirty="0">
-                <a:latin typeface="Consolas" pitchFamily="49" charset="0"/>
-                <a:cs typeface="Consolas" pitchFamily="49" charset="0"/>
-              </a:rPr>
-              <a:t>          </a:t>
-            </a:r>
-            <a:r>
-              <a:rPr lang="en-US" sz="1800" dirty="0" err="1">
-                <a:latin typeface="Consolas" pitchFamily="49" charset="0"/>
-                <a:cs typeface="Consolas" pitchFamily="49" charset="0"/>
-              </a:rPr>
-              <a:t>parseInitialDecl</a:t>
-            </a:r>
-            <a:r>
-              <a:rPr lang="en-US" sz="1800" dirty="0">
-                <a:latin typeface="Consolas" pitchFamily="49" charset="0"/>
-                <a:cs typeface="Consolas" pitchFamily="49" charset="0"/>
-              </a:rPr>
-              <a:t>();</a:t>
-            </a:r>
-          </a:p>
-          <a:p>
-            <a:pPr lvl="1">
-              <a:spcBef>
-                <a:spcPts val="100"/>
-              </a:spcBef>
-              <a:buNone/>
-            </a:pPr>
-            <a:r>
-              <a:rPr lang="en-US" sz="1800" dirty="0">
-                <a:latin typeface="Consolas" pitchFamily="49" charset="0"/>
-                <a:cs typeface="Consolas" pitchFamily="49" charset="0"/>
-              </a:rPr>
-              <a:t>        }</a:t>
-            </a:r>
-          </a:p>
-          <a:p>
-            <a:pPr lvl="1">
-              <a:spcBef>
-                <a:spcPts val="100"/>
-              </a:spcBef>
-              <a:buNone/>
-            </a:pPr>
-            <a:r>
-              <a:rPr lang="en-US" sz="1800" dirty="0">
-                <a:latin typeface="Consolas" pitchFamily="49" charset="0"/>
-                <a:cs typeface="Consolas" pitchFamily="49" charset="0"/>
-              </a:rPr>
-              <a:t>    }</a:t>
+              <a:t>  }</a:t>
             </a:r>
             <a:endParaRPr lang="en-US" dirty="0">
               <a:latin typeface="Consolas" pitchFamily="49" charset="0"/>
@@ -21116,14 +21028,11 @@
                 <a:defRPr/>
               </a:pPr>
               <a:r>
-                <a:rPr lang="en-US" sz="1800" kern="0" dirty="0" err="1">
+                <a:rPr lang="en-US" sz="1800" kern="0" dirty="0">
                   <a:latin typeface="Arial" charset="0"/>
                 </a:rPr>
                 <a:t>subprogramDecls</a:t>
               </a:r>
-              <a:endParaRPr lang="en-US" sz="1800" kern="0" dirty="0">
-                <a:latin typeface="Arial" charset="0"/>
-              </a:endParaRPr>
             </a:p>
           </p:txBody>
         </p:sp>
@@ -27584,13 +27493,13 @@
               <a:rPr lang="en-US" dirty="0">
                 <a:latin typeface="Consolas" panose="020B0609020204030204" pitchFamily="49" charset="0"/>
               </a:rPr>
-              <a:t>public IdType get(Token </a:t>
+              <a:t>public IdType get(String </a:t>
             </a:r>
             <a:r>
               <a:rPr lang="en-US" dirty="0" err="1">
                 <a:latin typeface="Consolas" panose="020B0609020204030204" pitchFamily="49" charset="0"/>
               </a:rPr>
-              <a:t>idToken</a:t>
+              <a:t>idStr</a:t>
             </a:r>
             <a:r>
               <a:rPr lang="en-US" dirty="0">
@@ -28276,7 +28185,7 @@
           <a:bodyPr tIns="91440"/>
           <a:lstStyle/>
           <a:p>
-            <a:pPr marL="182880" indent="0">
+            <a:pPr marL="0" indent="0">
               <a:spcBef>
                 <a:spcPts val="100"/>
               </a:spcBef>
@@ -28302,7 +28211,7 @@
             </a:r>
           </a:p>
           <a:p>
-            <a:pPr marL="182880" lvl="1" indent="0">
+            <a:pPr marL="0" lvl="1" indent="0">
               <a:spcBef>
                 <a:spcPts val="100"/>
               </a:spcBef>
@@ -28316,7 +28225,7 @@
             </a:r>
           </a:p>
           <a:p>
-            <a:pPr marL="182880" lvl="1" indent="0">
+            <a:pPr marL="0" lvl="1" indent="0">
               <a:spcBef>
                 <a:spcPts val="100"/>
               </a:spcBef>
@@ -28330,7 +28239,7 @@
             </a:r>
           </a:p>
           <a:p>
-            <a:pPr marL="182880" lvl="1" indent="0">
+            <a:pPr marL="0" lvl="1" indent="0">
               <a:spcBef>
                 <a:spcPts val="100"/>
               </a:spcBef>
@@ -28344,7 +28253,7 @@
             </a:r>
           </a:p>
           <a:p>
-            <a:pPr marL="182880" lvl="1" indent="0">
+            <a:pPr marL="0" lvl="1" indent="0">
               <a:spcBef>
                 <a:spcPts val="100"/>
               </a:spcBef>
@@ -28358,7 +28267,7 @@
             </a:r>
           </a:p>
           <a:p>
-            <a:pPr marL="182880" lvl="1" indent="0">
+            <a:pPr marL="0" lvl="1" indent="0">
               <a:spcBef>
                 <a:spcPts val="100"/>
               </a:spcBef>
@@ -28368,7 +28277,7 @@
               <a:rPr lang="en-US" sz="1800" b="1" dirty="0">
                 <a:latin typeface="Consolas" panose="020B0609020204030204" pitchFamily="49" charset="0"/>
               </a:rPr>
-              <a:t>    String </a:t>
+              <a:t>    var </a:t>
             </a:r>
             <a:r>
               <a:rPr lang="en-US" sz="1800" b="1" dirty="0" err="1">
@@ -28396,7 +28305,7 @@
             </a:r>
           </a:p>
           <a:p>
-            <a:pPr marL="182880" lvl="1" indent="0">
+            <a:pPr marL="0" lvl="1" indent="0">
               <a:spcBef>
                 <a:spcPts val="100"/>
               </a:spcBef>
@@ -28406,35 +28315,23 @@
               <a:rPr lang="en-US" sz="1800" b="1" dirty="0">
                 <a:latin typeface="Consolas" panose="020B0609020204030204" pitchFamily="49" charset="0"/>
               </a:rPr>
-              <a:t>    IdType </a:t>
+              <a:t>    var idType = idTable.get(</a:t>
             </a:r>
             <a:r>
               <a:rPr lang="en-US" sz="1800" b="1" dirty="0" err="1">
                 <a:latin typeface="Consolas" panose="020B0609020204030204" pitchFamily="49" charset="0"/>
               </a:rPr>
-              <a:t>idType</a:t>
+              <a:t>idStr</a:t>
             </a:r>
             <a:r>
               <a:rPr lang="en-US" sz="1800" b="1" dirty="0">
                 <a:latin typeface="Consolas" panose="020B0609020204030204" pitchFamily="49" charset="0"/>
               </a:rPr>
-              <a:t> = idTable.get(</a:t>
-            </a:r>
-            <a:r>
-              <a:rPr lang="en-US" sz="1800" b="1" dirty="0" err="1">
-                <a:latin typeface="Consolas" panose="020B0609020204030204" pitchFamily="49" charset="0"/>
-              </a:rPr>
-              <a:t>idStr</a:t>
-            </a:r>
-            <a:r>
-              <a:rPr lang="en-US" sz="1800" b="1" dirty="0">
-                <a:latin typeface="Consolas" panose="020B0609020204030204" pitchFamily="49" charset="0"/>
-              </a:rPr>
               <a:t>);</a:t>
             </a:r>
           </a:p>
           <a:p>
-            <a:pPr marL="182880" lvl="1" indent="0">
+            <a:pPr marL="0" lvl="1" indent="0">
               <a:spcBef>
                 <a:spcPts val="100"/>
               </a:spcBef>
@@ -28445,7 +28342,7 @@
             </a:endParaRPr>
           </a:p>
           <a:p>
-            <a:pPr marL="182880" lvl="1" indent="0">
+            <a:pPr marL="0" lvl="1" indent="0">
               <a:spcBef>
                 <a:spcPts val="100"/>
               </a:spcBef>
@@ -28459,7 +28356,7 @@
             </a:r>
           </a:p>
           <a:p>
-            <a:pPr marL="182880" lvl="1" indent="0">
+            <a:pPr marL="0" lvl="1" indent="0">
               <a:spcBef>
                 <a:spcPts val="100"/>
               </a:spcBef>
@@ -28473,7 +28370,7 @@
             </a:r>
           </a:p>
           <a:p>
-            <a:pPr marL="182880" lvl="1" indent="0">
+            <a:pPr marL="0" lvl="1" indent="0">
               <a:spcBef>
                 <a:spcPts val="100"/>
               </a:spcBef>
@@ -28487,7 +28384,7 @@
             </a:r>
           </a:p>
           <a:p>
-            <a:pPr marL="182880" lvl="1" indent="0">
+            <a:pPr marL="0" lvl="1" indent="0">
               <a:spcBef>
                 <a:spcPts val="100"/>
               </a:spcBef>
@@ -28513,7 +28410,7 @@
             </a:r>
           </a:p>
           <a:p>
-            <a:pPr marL="182880" lvl="1" indent="0">
+            <a:pPr marL="0" lvl="1" indent="0">
               <a:spcBef>
                 <a:spcPts val="100"/>
               </a:spcBef>
@@ -28527,7 +28424,7 @@
             </a:r>
           </a:p>
           <a:p>
-            <a:pPr marL="182880" lvl="1" indent="0">
+            <a:pPr marL="0" lvl="1" indent="0">
               <a:spcBef>
                 <a:spcPts val="100"/>
               </a:spcBef>
@@ -28553,7 +28450,7 @@
             </a:r>
           </a:p>
           <a:p>
-            <a:pPr marL="182880" lvl="1" indent="0">
+            <a:pPr marL="0" lvl="1" indent="0">
               <a:spcBef>
                 <a:spcPts val="100"/>
               </a:spcBef>
@@ -28579,7 +28476,7 @@
             </a:r>
           </a:p>
           <a:p>
-            <a:pPr marL="182880" lvl="1" indent="0">
+            <a:pPr marL="0" lvl="1" indent="0">
               <a:spcBef>
                 <a:spcPts val="100"/>
               </a:spcBef>
@@ -28745,12 +28642,17 @@
             <p:ph type="body" idx="1"/>
           </p:nvPr>
         </p:nvSpPr>
-        <p:spPr/>
+        <p:spPr>
+          <a:xfrm>
+            <a:off x="381794" y="1363663"/>
+            <a:ext cx="8412480" cy="4935537"/>
+          </a:xfrm>
+        </p:spPr>
         <p:txBody>
           <a:bodyPr tIns="91440"/>
           <a:lstStyle/>
           <a:p>
-            <a:pPr marL="182880" indent="0">
+            <a:pPr marL="0" indent="0">
               <a:spcBef>
                 <a:spcPts val="100"/>
               </a:spcBef>
@@ -28764,7 +28666,7 @@
             </a:r>
           </a:p>
           <a:p>
-            <a:pPr marL="182880" indent="0">
+            <a:pPr marL="0" indent="0">
               <a:spcBef>
                 <a:spcPts val="100"/>
               </a:spcBef>
@@ -28787,7 +28689,7 @@
             </a:endParaRPr>
           </a:p>
           <a:p>
-            <a:pPr marL="182880" indent="0">
+            <a:pPr marL="0" indent="0">
               <a:spcBef>
                 <a:spcPts val="100"/>
               </a:spcBef>
@@ -28801,7 +28703,7 @@
             </a:r>
           </a:p>
           <a:p>
-            <a:pPr marL="182880" indent="0">
+            <a:pPr marL="0" indent="0">
               <a:spcBef>
                 <a:spcPts val="100"/>
               </a:spcBef>
@@ -28815,7 +28717,7 @@
             </a:r>
           </a:p>
           <a:p>
-            <a:pPr marL="182880" indent="0">
+            <a:pPr marL="0" indent="0">
               <a:spcBef>
                 <a:spcPts val="100"/>
               </a:spcBef>
@@ -28829,7 +28731,7 @@
             </a:r>
           </a:p>
           <a:p>
-            <a:pPr marL="182880" indent="0">
+            <a:pPr marL="0" indent="0">
               <a:spcBef>
                 <a:spcPts val="100"/>
               </a:spcBef>
@@ -28843,7 +28745,7 @@
             </a:r>
           </a:p>
           <a:p>
-            <a:pPr marL="182880" indent="0">
+            <a:pPr marL="0" indent="0">
               <a:spcBef>
                 <a:spcPts val="100"/>
               </a:spcBef>
@@ -28857,7 +28759,7 @@
             </a:r>
           </a:p>
           <a:p>
-            <a:pPr marL="182880" indent="0">
+            <a:pPr marL="0" indent="0">
               <a:spcBef>
                 <a:spcPts val="100"/>
               </a:spcBef>
@@ -28891,11 +28793,11 @@
               <a:rPr lang="en-US" sz="1800" b="1" dirty="0">
                 <a:latin typeface="Consolas" panose="020B0609020204030204" pitchFamily="49" charset="0"/>
               </a:rPr>
-              <a:t>() ==</a:t>
-            </a:r>
-          </a:p>
-          <a:p>
-            <a:pPr marL="182880" indent="0">
+              <a:t>() == Symbol.leftParen)</a:t>
+            </a:r>
+          </a:p>
+          <a:p>
+            <a:pPr marL="0" indent="0">
               <a:spcBef>
                 <a:spcPts val="100"/>
               </a:spcBef>
@@ -28905,11 +28807,23 @@
               <a:rPr lang="en-US" sz="1800" b="1" dirty="0">
                 <a:latin typeface="Consolas" panose="020B0609020204030204" pitchFamily="49" charset="0"/>
               </a:rPr>
-              <a:t>                                             Symbol.leftParen)</a:t>
-            </a:r>
-          </a:p>
-          <a:p>
-            <a:pPr marL="182880" indent="0">
+              <a:t>            </a:t>
+            </a:r>
+            <a:r>
+              <a:rPr lang="en-US" sz="1800" b="1" dirty="0" err="1">
+                <a:latin typeface="Consolas" panose="020B0609020204030204" pitchFamily="49" charset="0"/>
+              </a:rPr>
+              <a:t>parseFunctionCallExpr</a:t>
+            </a:r>
+            <a:r>
+              <a:rPr lang="en-US" sz="1800" b="1" dirty="0">
+                <a:latin typeface="Consolas" panose="020B0609020204030204" pitchFamily="49" charset="0"/>
+              </a:rPr>
+              <a:t>();</a:t>
+            </a:r>
+          </a:p>
+          <a:p>
+            <a:pPr marL="0" indent="0">
               <a:spcBef>
                 <a:spcPts val="100"/>
               </a:spcBef>
@@ -28919,23 +28833,25 @@
               <a:rPr lang="en-US" sz="1800" b="1" dirty="0">
                 <a:latin typeface="Consolas" panose="020B0609020204030204" pitchFamily="49" charset="0"/>
               </a:rPr>
-              <a:t>            </a:t>
-            </a:r>
-            <a:r>
-              <a:rPr lang="en-US" sz="1800" b="1" dirty="0" err="1">
-                <a:latin typeface="Consolas" panose="020B0609020204030204" pitchFamily="49" charset="0"/>
-              </a:rPr>
-              <a:t>parseFunctionCallExpr</a:t>
-            </a:r>
+              <a:t>        else</a:t>
+            </a:r>
+          </a:p>
+          <a:p>
+            <a:pPr marL="0" indent="0">
+              <a:spcBef>
+                <a:spcPts val="100"/>
+              </a:spcBef>
+              <a:buNone/>
+            </a:pPr>
             <a:r>
               <a:rPr lang="en-US" sz="1800" b="1" dirty="0">
                 <a:latin typeface="Consolas" panose="020B0609020204030204" pitchFamily="49" charset="0"/>
               </a:rPr>
-              <a:t>();</a:t>
-            </a:r>
-          </a:p>
-          <a:p>
-            <a:pPr marL="182880" indent="0">
+              <a:t>            throw error("Identifier \"" + scanner.getToken()</a:t>
+            </a:r>
+          </a:p>
+          <a:p>
+            <a:pPr marL="0" indent="0">
               <a:spcBef>
                 <a:spcPts val="100"/>
               </a:spcBef>
@@ -28945,59 +28861,31 @@
               <a:rPr lang="en-US" sz="1800" b="1" dirty="0">
                 <a:latin typeface="Consolas" panose="020B0609020204030204" pitchFamily="49" charset="0"/>
               </a:rPr>
-              <a:t>        else</a:t>
-            </a:r>
-          </a:p>
-          <a:p>
-            <a:pPr marL="182880" indent="0">
+              <a:t>                      + "\" has not been declared.");</a:t>
+            </a:r>
+          </a:p>
+          <a:p>
+            <a:pPr marL="0" indent="0">
               <a:spcBef>
                 <a:spcPts val="100"/>
               </a:spcBef>
               <a:buNone/>
             </a:pPr>
             <a:r>
-              <a:rPr lang="en-US" sz="1800" b="1" dirty="0">
-                <a:latin typeface="Consolas" panose="020B0609020204030204" pitchFamily="49" charset="0"/>
-              </a:rPr>
-              <a:t>            throw error("Identifier \"" + scanner.getToken()</a:t>
-            </a:r>
-          </a:p>
-          <a:p>
-            <a:pPr marL="182880" indent="0">
+              <a:rPr lang="en-US" sz="1800" dirty="0">
+                <a:latin typeface="Consolas" panose="020B0609020204030204" pitchFamily="49" charset="0"/>
+              </a:rPr>
+              <a:t>      }</a:t>
+            </a:r>
+          </a:p>
+          <a:p>
+            <a:pPr marL="0" indent="0">
               <a:spcBef>
                 <a:spcPts val="100"/>
               </a:spcBef>
               <a:buNone/>
             </a:pPr>
             <a:r>
-              <a:rPr lang="en-US" sz="1800" b="1" dirty="0">
-                <a:latin typeface="Consolas" panose="020B0609020204030204" pitchFamily="49" charset="0"/>
-              </a:rPr>
-              <a:t>                      + "\" has not been declared.");</a:t>
-            </a:r>
-          </a:p>
-          <a:p>
-            <a:pPr marL="182880" indent="0">
-              <a:spcBef>
-                <a:spcPts val="100"/>
-              </a:spcBef>
-              <a:buNone/>
-            </a:pPr>
-            <a:r>
-              <a:rPr lang="en-US" sz="1800" dirty="0">
-                <a:latin typeface="Consolas" panose="020B0609020204030204" pitchFamily="49" charset="0"/>
-              </a:rPr>
-              <a:t>      }</a:t>
-            </a:r>
-          </a:p>
-          <a:p>
-            <a:pPr marL="182880" indent="0">
-              <a:spcBef>
-                <a:spcPts val="100"/>
-              </a:spcBef>
-              <a:buNone/>
-            </a:pPr>
-            <a:r>
               <a:rPr lang="en-US" sz="1800" dirty="0">
                 <a:latin typeface="Consolas" panose="020B0609020204030204" pitchFamily="49" charset="0"/>
               </a:rPr>
@@ -29005,7 +28893,7 @@
             </a:r>
           </a:p>
           <a:p>
-            <a:pPr marL="182880" indent="0">
+            <a:pPr marL="0" indent="0">
               <a:spcBef>
                 <a:spcPts val="100"/>
               </a:spcBef>
@@ -29096,21 +28984,21 @@
               <a:buNone/>
             </a:pPr>
             <a:r>
-              <a:rPr lang="en-US" sz="1750" dirty="0">
+              <a:rPr lang="en-US" sz="1800" dirty="0">
                 <a:latin typeface="Consolas" pitchFamily="49" charset="0"/>
                 <a:cs typeface="Consolas" pitchFamily="49" charset="0"/>
               </a:rPr>
               <a:t>match(</a:t>
             </a:r>
             <a:r>
-              <a:rPr lang="en-US" sz="1750" dirty="0" err="1">
+              <a:rPr lang="en-US" sz="1800" dirty="0" err="1">
                 <a:latin typeface="Consolas" pitchFamily="49" charset="0"/>
                 <a:cs typeface="Consolas" pitchFamily="49" charset="0"/>
               </a:rPr>
               <a:t>Symbol.procRW</a:t>
             </a:r>
             <a:r>
-              <a:rPr lang="en-US" sz="1750" dirty="0">
+              <a:rPr lang="en-US" sz="1800" dirty="0">
                 <a:latin typeface="Consolas" pitchFamily="49" charset="0"/>
                 <a:cs typeface="Consolas" pitchFamily="49" charset="0"/>
               </a:rPr>
@@ -29125,21 +29013,21 @@
               <a:buNone/>
             </a:pPr>
             <a:r>
-              <a:rPr lang="en-US" sz="1750" dirty="0">
+              <a:rPr lang="en-US" sz="1800" dirty="0">
                 <a:latin typeface="Consolas" pitchFamily="49" charset="0"/>
                 <a:cs typeface="Consolas" pitchFamily="49" charset="0"/>
               </a:rPr>
-              <a:t>Token </a:t>
-            </a:r>
-            <a:r>
-              <a:rPr lang="en-US" sz="1750" dirty="0" err="1">
+              <a:t>var </a:t>
+            </a:r>
+            <a:r>
+              <a:rPr lang="en-US" sz="1800" dirty="0" err="1">
                 <a:latin typeface="Consolas" pitchFamily="49" charset="0"/>
                 <a:cs typeface="Consolas" pitchFamily="49" charset="0"/>
               </a:rPr>
               <a:t>procId</a:t>
             </a:r>
             <a:r>
-              <a:rPr lang="en-US" sz="1750" dirty="0">
+              <a:rPr lang="en-US" sz="1800" dirty="0">
                 <a:latin typeface="Consolas" pitchFamily="49" charset="0"/>
                 <a:cs typeface="Consolas" pitchFamily="49" charset="0"/>
               </a:rPr>
@@ -29154,7 +29042,7 @@
               <a:buNone/>
             </a:pPr>
             <a:r>
-              <a:rPr lang="en-US" sz="1750" dirty="0">
+              <a:rPr lang="en-US" sz="1800" dirty="0">
                 <a:latin typeface="Consolas" pitchFamily="49" charset="0"/>
                 <a:cs typeface="Consolas" pitchFamily="49" charset="0"/>
               </a:rPr>
@@ -29169,21 +29057,21 @@
               <a:buNone/>
             </a:pPr>
             <a:r>
-              <a:rPr lang="en-US" sz="1750" dirty="0">
+              <a:rPr lang="en-US" sz="1800" dirty="0">
                 <a:latin typeface="Consolas" pitchFamily="49" charset="0"/>
                 <a:cs typeface="Consolas" pitchFamily="49" charset="0"/>
               </a:rPr>
               <a:t>idTable.add(</a:t>
             </a:r>
             <a:r>
-              <a:rPr lang="en-US" sz="1750" dirty="0" err="1">
+              <a:rPr lang="en-US" sz="1800" dirty="0" err="1">
                 <a:latin typeface="Consolas" pitchFamily="49" charset="0"/>
                 <a:cs typeface="Consolas" pitchFamily="49" charset="0"/>
               </a:rPr>
               <a:t>procId</a:t>
             </a:r>
             <a:r>
-              <a:rPr lang="en-US" sz="1750" dirty="0">
+              <a:rPr lang="en-US" sz="1800" dirty="0">
                 <a:latin typeface="Consolas" pitchFamily="49" charset="0"/>
                 <a:cs typeface="Consolas" pitchFamily="49" charset="0"/>
               </a:rPr>
@@ -29198,7 +29086,7 @@
               <a:buNone/>
             </a:pPr>
             <a:r>
-              <a:rPr lang="en-US" sz="1750" dirty="0">
+              <a:rPr lang="en-US" sz="1800" dirty="0">
                 <a:latin typeface="Consolas" pitchFamily="49" charset="0"/>
                 <a:cs typeface="Consolas" pitchFamily="49" charset="0"/>
               </a:rPr>
@@ -29212,7 +29100,7 @@
               </a:spcBef>
               <a:buNone/>
             </a:pPr>
-            <a:endParaRPr lang="en-US" sz="1750" dirty="0">
+            <a:endParaRPr lang="en-US" sz="1800" dirty="0">
               <a:latin typeface="Consolas" pitchFamily="49" charset="0"/>
               <a:cs typeface="Consolas" pitchFamily="49" charset="0"/>
             </a:endParaRPr>
@@ -29225,7 +29113,7 @@
               <a:buNone/>
             </a:pPr>
             <a:r>
-              <a:rPr lang="en-US" sz="1750" dirty="0">
+              <a:rPr lang="en-US" sz="1800" dirty="0">
                 <a:latin typeface="Consolas" pitchFamily="49" charset="0"/>
                 <a:cs typeface="Consolas" pitchFamily="49" charset="0"/>
               </a:rPr>
@@ -29240,7 +29128,7 @@
               <a:buNone/>
             </a:pPr>
             <a:r>
-              <a:rPr lang="en-US" sz="1750" dirty="0">
+              <a:rPr lang="en-US" sz="1800" dirty="0">
                 <a:latin typeface="Consolas" pitchFamily="49" charset="0"/>
                 <a:cs typeface="Consolas" pitchFamily="49" charset="0"/>
               </a:rPr>
@@ -29255,21 +29143,21 @@
               <a:buNone/>
             </a:pPr>
             <a:r>
-              <a:rPr lang="en-US" sz="1750" dirty="0">
+              <a:rPr lang="en-US" sz="1800" dirty="0">
                 <a:latin typeface="Consolas" pitchFamily="49" charset="0"/>
                 <a:cs typeface="Consolas" pitchFamily="49" charset="0"/>
               </a:rPr>
               <a:t>    idTable.openScope(</a:t>
             </a:r>
             <a:r>
-              <a:rPr lang="en-US" sz="1750" dirty="0" err="1">
+              <a:rPr lang="en-US" sz="1800" dirty="0" err="1">
                 <a:latin typeface="Consolas" pitchFamily="49" charset="0"/>
                 <a:cs typeface="Consolas" pitchFamily="49" charset="0"/>
               </a:rPr>
               <a:t>ScopeLevel.LOCAL</a:t>
             </a:r>
             <a:r>
-              <a:rPr lang="en-US" sz="1750" dirty="0">
+              <a:rPr lang="en-US" sz="1800" dirty="0">
                 <a:latin typeface="Consolas" pitchFamily="49" charset="0"/>
                 <a:cs typeface="Consolas" pitchFamily="49" charset="0"/>
               </a:rPr>
@@ -29283,7 +29171,7 @@
               </a:spcBef>
               <a:buNone/>
             </a:pPr>
-            <a:endParaRPr lang="en-US" sz="1750" dirty="0">
+            <a:endParaRPr lang="en-US" sz="1800" dirty="0">
               <a:latin typeface="Consolas" pitchFamily="49" charset="0"/>
               <a:cs typeface="Consolas" pitchFamily="49" charset="0"/>
             </a:endParaRPr>
@@ -29296,21 +29184,21 @@
               <a:buNone/>
             </a:pPr>
             <a:r>
-              <a:rPr lang="en-US" sz="1750" dirty="0">
+              <a:rPr lang="en-US" sz="1800" dirty="0">
                 <a:latin typeface="Consolas" pitchFamily="49" charset="0"/>
                 <a:cs typeface="Consolas" pitchFamily="49" charset="0"/>
               </a:rPr>
               <a:t>    if (scanner.getSymbol().</a:t>
             </a:r>
             <a:r>
-              <a:rPr lang="en-US" sz="1750" dirty="0" err="1">
+              <a:rPr lang="en-US" sz="1800" dirty="0" err="1">
                 <a:latin typeface="Consolas" pitchFamily="49" charset="0"/>
                 <a:cs typeface="Consolas" pitchFamily="49" charset="0"/>
               </a:rPr>
               <a:t>isParameterDeclStarter</a:t>
             </a:r>
             <a:r>
-              <a:rPr lang="en-US" sz="1750" dirty="0">
+              <a:rPr lang="en-US" sz="1800" dirty="0">
                 <a:latin typeface="Consolas" pitchFamily="49" charset="0"/>
                 <a:cs typeface="Consolas" pitchFamily="49" charset="0"/>
               </a:rPr>
@@ -29325,21 +29213,21 @@
               <a:buNone/>
             </a:pPr>
             <a:r>
-              <a:rPr lang="en-US" sz="1750" dirty="0">
+              <a:rPr lang="en-US" sz="1800" dirty="0">
                 <a:latin typeface="Consolas" pitchFamily="49" charset="0"/>
                 <a:cs typeface="Consolas" pitchFamily="49" charset="0"/>
               </a:rPr>
               <a:t>        </a:t>
             </a:r>
             <a:r>
-              <a:rPr lang="en-US" sz="1750" dirty="0" err="1">
+              <a:rPr lang="en-US" sz="1800" dirty="0" err="1">
                 <a:latin typeface="Consolas" pitchFamily="49" charset="0"/>
                 <a:cs typeface="Consolas" pitchFamily="49" charset="0"/>
               </a:rPr>
               <a:t>parseFormalParameters</a:t>
             </a:r>
             <a:r>
-              <a:rPr lang="en-US" sz="1750" dirty="0">
+              <a:rPr lang="en-US" sz="1800" dirty="0">
                 <a:latin typeface="Consolas" pitchFamily="49" charset="0"/>
                 <a:cs typeface="Consolas" pitchFamily="49" charset="0"/>
               </a:rPr>
@@ -29353,7 +29241,7 @@
               </a:spcBef>
               <a:buNone/>
             </a:pPr>
-            <a:endParaRPr lang="en-US" sz="1750" dirty="0">
+            <a:endParaRPr lang="en-US" sz="1800" dirty="0">
               <a:latin typeface="Consolas" pitchFamily="49" charset="0"/>
               <a:cs typeface="Consolas" pitchFamily="49" charset="0"/>
             </a:endParaRPr>
@@ -29366,21 +29254,21 @@
               <a:buNone/>
             </a:pPr>
             <a:r>
-              <a:rPr lang="en-US" sz="1750" dirty="0">
+              <a:rPr lang="en-US" sz="1800" dirty="0">
                 <a:latin typeface="Consolas" pitchFamily="49" charset="0"/>
                 <a:cs typeface="Consolas" pitchFamily="49" charset="0"/>
               </a:rPr>
               <a:t>    match(</a:t>
             </a:r>
             <a:r>
-              <a:rPr lang="en-US" sz="1750" dirty="0" err="1">
+              <a:rPr lang="en-US" sz="1800" dirty="0" err="1">
                 <a:latin typeface="Consolas" pitchFamily="49" charset="0"/>
                 <a:cs typeface="Consolas" pitchFamily="49" charset="0"/>
               </a:rPr>
               <a:t>Symbol.rightParen</a:t>
             </a:r>
             <a:r>
-              <a:rPr lang="en-US" sz="1750" dirty="0">
+              <a:rPr lang="en-US" sz="1800" dirty="0">
                 <a:latin typeface="Consolas" pitchFamily="49" charset="0"/>
                 <a:cs typeface="Consolas" pitchFamily="49" charset="0"/>
               </a:rPr>
@@ -29395,21 +29283,21 @@
               <a:buNone/>
             </a:pPr>
             <a:r>
-              <a:rPr lang="en-US" sz="1750" dirty="0">
+              <a:rPr lang="en-US" sz="1800" dirty="0">
                 <a:latin typeface="Consolas" pitchFamily="49" charset="0"/>
                 <a:cs typeface="Consolas" pitchFamily="49" charset="0"/>
               </a:rPr>
               <a:t>    match(</a:t>
             </a:r>
             <a:r>
-              <a:rPr lang="en-US" sz="1750" dirty="0" err="1">
+              <a:rPr lang="en-US" sz="1800" dirty="0" err="1">
                 <a:latin typeface="Consolas" pitchFamily="49" charset="0"/>
                 <a:cs typeface="Consolas" pitchFamily="49" charset="0"/>
               </a:rPr>
               <a:t>Symbol.leftBrace</a:t>
             </a:r>
             <a:r>
-              <a:rPr lang="en-US" sz="1750" dirty="0">
+              <a:rPr lang="en-US" sz="1800" dirty="0">
                 <a:latin typeface="Consolas" pitchFamily="49" charset="0"/>
                 <a:cs typeface="Consolas" pitchFamily="49" charset="0"/>
               </a:rPr>
@@ -29424,7 +29312,7 @@
               <a:buNone/>
             </a:pPr>
             <a:r>
-              <a:rPr lang="en-US" sz="1750" dirty="0">
+              <a:rPr lang="en-US" sz="1800" dirty="0">
                 <a:latin typeface="Consolas" pitchFamily="49" charset="0"/>
                 <a:cs typeface="Consolas" pitchFamily="49" charset="0"/>
               </a:rPr>
@@ -29439,7 +29327,7 @@
               <a:buNone/>
             </a:pPr>
             <a:r>
-              <a:rPr lang="en-US" sz="1750" dirty="0">
+              <a:rPr lang="en-US" sz="1800" dirty="0">
                 <a:latin typeface="Consolas" pitchFamily="49" charset="0"/>
                 <a:cs typeface="Consolas" pitchFamily="49" charset="0"/>
               </a:rPr>
@@ -29454,7 +29342,7 @@
               <a:buNone/>
             </a:pPr>
             <a:r>
-              <a:rPr lang="en-US" sz="1750" dirty="0">
+              <a:rPr lang="en-US" sz="1800" dirty="0">
                 <a:latin typeface="Consolas" pitchFamily="49" charset="0"/>
                 <a:cs typeface="Consolas" pitchFamily="49" charset="0"/>
               </a:rPr>
@@ -29539,7 +29427,7 @@
         </p:nvSpPr>
         <p:spPr>
           <a:xfrm>
-            <a:off x="5347653" y="4805174"/>
+            <a:off x="5347653" y="4648200"/>
             <a:ext cx="3337560" cy="1508760"/>
           </a:xfrm>
           <a:prstGeom prst="rect">
@@ -29602,7 +29490,7 @@
         </p:nvSpPr>
         <p:spPr bwMode="auto">
           <a:xfrm>
-            <a:off x="5562600" y="2286000"/>
+            <a:off x="5638800" y="2297723"/>
             <a:ext cx="152400" cy="152400"/>
           </a:xfrm>
           <a:prstGeom prst="diamond">
@@ -29666,8 +29554,8 @@
         </p:nvCxnSpPr>
         <p:spPr bwMode="auto">
           <a:xfrm rot="16200000" flipV="1">
-            <a:off x="5636070" y="2441130"/>
-            <a:ext cx="2443860" cy="2286000"/>
+            <a:off x="5766582" y="2398542"/>
+            <a:ext cx="2274277" cy="2225040"/>
           </a:xfrm>
           <a:prstGeom prst="bentConnector2">
             <a:avLst/>
@@ -29680,7 +29568,7 @@
             <a:prstDash val="solid"/>
             <a:round/>
             <a:headEnd type="none" w="med" len="med"/>
-            <a:tailEnd type="stealth" w="lg" len="lg"/>
+            <a:tailEnd type="triangle"/>
           </a:ln>
           <a:effectLst/>
         </p:spPr>
@@ -29697,8 +29585,8 @@
         </p:nvCxnSpPr>
         <p:spPr bwMode="auto">
           <a:xfrm rot="10800000">
-            <a:off x="4690237" y="4506516"/>
-            <a:ext cx="657417" cy="1053038"/>
+            <a:off x="4800601" y="4583724"/>
+            <a:ext cx="547053" cy="818857"/>
           </a:xfrm>
           <a:prstGeom prst="bentConnector3">
             <a:avLst>
@@ -29713,7 +29601,7 @@
             <a:prstDash val="solid"/>
             <a:round/>
             <a:headEnd type="none" w="med" len="med"/>
-            <a:tailEnd type="stealth" w="lg" len="lg"/>
+            <a:tailEnd type="triangle"/>
           </a:ln>
           <a:effectLst/>
         </p:spPr>
@@ -29729,8 +29617,8 @@
         </p:nvCxnSpPr>
         <p:spPr bwMode="auto">
           <a:xfrm rot="16200000" flipV="1">
-            <a:off x="6303582" y="3108642"/>
-            <a:ext cx="1108836" cy="2286000"/>
+            <a:off x="6452382" y="3084342"/>
+            <a:ext cx="902677" cy="2225040"/>
           </a:xfrm>
           <a:prstGeom prst="bentConnector2">
             <a:avLst/>
@@ -29743,7 +29631,7 @@
             <a:prstDash val="solid"/>
             <a:round/>
             <a:headEnd type="none" w="med" len="med"/>
-            <a:tailEnd type="stealth" w="lg" len="lg"/>
+            <a:tailEnd type="triangle"/>
           </a:ln>
           <a:effectLst/>
         </p:spPr>
@@ -29756,7 +29644,7 @@
         </p:nvSpPr>
         <p:spPr bwMode="auto">
           <a:xfrm>
-            <a:off x="5562600" y="3621024"/>
+            <a:off x="5638800" y="3669323"/>
             <a:ext cx="152400" cy="152400"/>
           </a:xfrm>
           <a:prstGeom prst="diamond">
@@ -29817,7 +29705,68 @@
         </p:nvSpPr>
         <p:spPr bwMode="auto">
           <a:xfrm>
-            <a:off x="7924800" y="4806060"/>
+            <a:off x="7924800" y="4648200"/>
+            <a:ext cx="182880" cy="182880"/>
+          </a:xfrm>
+          <a:prstGeom prst="diamond">
+            <a:avLst/>
+          </a:prstGeom>
+          <a:noFill/>
+          <a:ln w="9525" cap="flat" cmpd="sng" algn="ctr">
+            <a:noFill/>
+            <a:prstDash val="solid"/>
+            <a:round/>
+            <a:headEnd type="none" w="med" len="med"/>
+            <a:tailEnd type="none" w="med" len="med"/>
+          </a:ln>
+          <a:effectLst/>
+        </p:spPr>
+        <p:txBody>
+          <a:bodyPr vert="horz" wrap="none" lIns="92075" tIns="46038" rIns="92075" bIns="46038" numCol="1" rtlCol="0" anchor="ctr" anchorCtr="0" compatLnSpc="1">
+            <a:prstTxWarp prst="textNoShape">
+              <a:avLst/>
+            </a:prstTxWarp>
+          </a:bodyPr>
+          <a:lstStyle/>
+          <a:p>
+            <a:pPr marL="0" marR="0" indent="0" algn="ctr" defTabSz="914400" rtl="0" eaLnBrk="0" fontAlgn="base" latinLnBrk="0" hangingPunct="0">
+              <a:lnSpc>
+                <a:spcPct val="100000"/>
+              </a:lnSpc>
+              <a:spcBef>
+                <a:spcPct val="0"/>
+              </a:spcBef>
+              <a:spcAft>
+                <a:spcPct val="0"/>
+              </a:spcAft>
+              <a:buClrTx/>
+              <a:buSzTx/>
+              <a:buFontTx/>
+              <a:buNone/>
+              <a:tabLst/>
+            </a:pPr>
+            <a:endParaRPr kumimoji="0" lang="en-US" sz="2400" b="0" i="0" u="none" strike="noStrike" cap="none" normalizeH="0" baseline="0">
+              <a:ln>
+                <a:noFill/>
+              </a:ln>
+              <a:solidFill>
+                <a:schemeClr val="tx1"/>
+              </a:solidFill>
+              <a:effectLst/>
+              <a:latin typeface="Arial" charset="0"/>
+            </a:endParaRPr>
+          </a:p>
+        </p:txBody>
+      </p:sp>
+      <p:sp>
+        <p:nvSpPr>
+          <p:cNvPr id="8" name="Diamond 7"/>
+          <p:cNvSpPr/>
+          <p:nvPr/>
+        </p:nvSpPr>
+        <p:spPr bwMode="auto">
+          <a:xfrm>
+            <a:off x="4648200" y="4507523"/>
             <a:ext cx="152400" cy="152400"/>
           </a:xfrm>
           <a:prstGeom prst="diamond">
@@ -29872,14 +29821,20 @@
       </p:sp>
       <p:sp>
         <p:nvSpPr>
-          <p:cNvPr id="8" name="Diamond 7"/>
+          <p:cNvPr id="23" name="Diamond 22">
+            <a:extLst>
+              <a:ext uri="{FF2B5EF4-FFF2-40B4-BE49-F238E27FC236}">
+                <a16:creationId xmlns:a16="http://schemas.microsoft.com/office/drawing/2014/main" id="{892FEDF8-6AD7-017B-8BFB-AA9E1CC168CA}"/>
+              </a:ext>
+            </a:extLst>
+          </p:cNvPr>
           <p:cNvSpPr/>
           <p:nvPr/>
         </p:nvSpPr>
         <p:spPr bwMode="auto">
           <a:xfrm>
-            <a:off x="4537836" y="4430316"/>
-            <a:ext cx="152400" cy="152400"/>
+            <a:off x="3634154" y="5596597"/>
+            <a:ext cx="182880" cy="182880"/>
           </a:xfrm>
           <a:prstGeom prst="diamond">
             <a:avLst/>
@@ -29931,73 +29886,6 @@
           </a:p>
         </p:txBody>
       </p:sp>
-      <p:sp>
-        <p:nvSpPr>
-          <p:cNvPr id="23" name="Diamond 22">
-            <a:extLst>
-              <a:ext uri="{FF2B5EF4-FFF2-40B4-BE49-F238E27FC236}">
-                <a16:creationId xmlns:a16="http://schemas.microsoft.com/office/drawing/2014/main" id="{892FEDF8-6AD7-017B-8BFB-AA9E1CC168CA}"/>
-              </a:ext>
-            </a:extLst>
-          </p:cNvPr>
-          <p:cNvSpPr/>
-          <p:nvPr/>
-        </p:nvSpPr>
-        <p:spPr bwMode="auto">
-          <a:xfrm>
-            <a:off x="3560064" y="5483354"/>
-            <a:ext cx="152400" cy="152400"/>
-          </a:xfrm>
-          <a:prstGeom prst="diamond">
-            <a:avLst/>
-          </a:prstGeom>
-          <a:noFill/>
-          <a:ln w="9525" cap="flat" cmpd="sng" algn="ctr">
-            <a:noFill/>
-            <a:prstDash val="solid"/>
-            <a:round/>
-            <a:headEnd type="none" w="med" len="med"/>
-            <a:tailEnd type="none" w="med" len="med"/>
-          </a:ln>
-          <a:effectLst/>
-        </p:spPr>
-        <p:txBody>
-          <a:bodyPr vert="horz" wrap="none" lIns="92075" tIns="46038" rIns="92075" bIns="46038" numCol="1" rtlCol="0" anchor="ctr" anchorCtr="0" compatLnSpc="1">
-            <a:prstTxWarp prst="textNoShape">
-              <a:avLst/>
-            </a:prstTxWarp>
-          </a:bodyPr>
-          <a:lstStyle/>
-          <a:p>
-            <a:pPr marL="0" marR="0" indent="0" algn="ctr" defTabSz="914400" rtl="0" eaLnBrk="0" fontAlgn="base" latinLnBrk="0" hangingPunct="0">
-              <a:lnSpc>
-                <a:spcPct val="100000"/>
-              </a:lnSpc>
-              <a:spcBef>
-                <a:spcPct val="0"/>
-              </a:spcBef>
-              <a:spcAft>
-                <a:spcPct val="0"/>
-              </a:spcAft>
-              <a:buClrTx/>
-              <a:buSzTx/>
-              <a:buFontTx/>
-              <a:buNone/>
-              <a:tabLst/>
-            </a:pPr>
-            <a:endParaRPr kumimoji="0" lang="en-US" sz="2400" b="0" i="0" u="none" strike="noStrike" cap="none" normalizeH="0" baseline="0">
-              <a:ln>
-                <a:noFill/>
-              </a:ln>
-              <a:solidFill>
-                <a:schemeClr val="tx1"/>
-              </a:solidFill>
-              <a:effectLst/>
-              <a:latin typeface="Arial" charset="0"/>
-            </a:endParaRPr>
-          </a:p>
-        </p:txBody>
-      </p:sp>
       <p:cxnSp>
         <p:nvCxnSpPr>
           <p:cNvPr id="24" name="Straight Arrow Connector 23">
@@ -30009,15 +29897,15 @@
           </p:cNvPr>
           <p:cNvCxnSpPr>
             <a:cxnSpLocks/>
-            <a:stCxn id="6" idx="1"/>
+            <a:stCxn id="9" idx="1"/>
             <a:endCxn id="23" idx="3"/>
           </p:cNvCxnSpPr>
           <p:nvPr/>
         </p:nvCxnSpPr>
         <p:spPr bwMode="auto">
           <a:xfrm flipH="1">
-            <a:off x="3712464" y="5559554"/>
-            <a:ext cx="1635189" cy="0"/>
+            <a:off x="3817034" y="5688037"/>
+            <a:ext cx="1530619" cy="0"/>
           </a:xfrm>
           <a:prstGeom prst="straightConnector1">
             <a:avLst/>
@@ -30035,6 +29923,73 @@
           <a:effectLst/>
         </p:spPr>
       </p:cxnSp>
+      <p:sp>
+        <p:nvSpPr>
+          <p:cNvPr id="9" name="Diamond 8">
+            <a:extLst>
+              <a:ext uri="{FF2B5EF4-FFF2-40B4-BE49-F238E27FC236}">
+                <a16:creationId xmlns:a16="http://schemas.microsoft.com/office/drawing/2014/main" id="{BBA07BC1-6C0C-A407-E434-5E332261B742}"/>
+              </a:ext>
+            </a:extLst>
+          </p:cNvPr>
+          <p:cNvSpPr/>
+          <p:nvPr/>
+        </p:nvSpPr>
+        <p:spPr bwMode="auto">
+          <a:xfrm>
+            <a:off x="5347653" y="5596597"/>
+            <a:ext cx="182880" cy="182880"/>
+          </a:xfrm>
+          <a:prstGeom prst="diamond">
+            <a:avLst/>
+          </a:prstGeom>
+          <a:noFill/>
+          <a:ln w="9525" cap="flat" cmpd="sng" algn="ctr">
+            <a:noFill/>
+            <a:prstDash val="solid"/>
+            <a:round/>
+            <a:headEnd type="none" w="med" len="med"/>
+            <a:tailEnd type="none" w="med" len="med"/>
+          </a:ln>
+          <a:effectLst/>
+        </p:spPr>
+        <p:txBody>
+          <a:bodyPr vert="horz" wrap="none" lIns="92075" tIns="46038" rIns="92075" bIns="46038" numCol="1" rtlCol="0" anchor="ctr" anchorCtr="0" compatLnSpc="1">
+            <a:prstTxWarp prst="textNoShape">
+              <a:avLst/>
+            </a:prstTxWarp>
+          </a:bodyPr>
+          <a:lstStyle/>
+          <a:p>
+            <a:pPr marL="0" marR="0" indent="0" algn="ctr" defTabSz="914400" rtl="0" eaLnBrk="0" fontAlgn="base" latinLnBrk="0" hangingPunct="0">
+              <a:lnSpc>
+                <a:spcPct val="100000"/>
+              </a:lnSpc>
+              <a:spcBef>
+                <a:spcPct val="0"/>
+              </a:spcBef>
+              <a:spcAft>
+                <a:spcPct val="0"/>
+              </a:spcAft>
+              <a:buClrTx/>
+              <a:buSzTx/>
+              <a:buFontTx/>
+              <a:buNone/>
+              <a:tabLst/>
+            </a:pPr>
+            <a:endParaRPr kumimoji="0" lang="en-US" sz="2400" b="0" i="0" u="none" strike="noStrike" cap="none" normalizeH="0" baseline="0">
+              <a:ln>
+                <a:noFill/>
+              </a:ln>
+              <a:solidFill>
+                <a:schemeClr val="tx1"/>
+              </a:solidFill>
+              <a:effectLst/>
+              <a:latin typeface="Arial" charset="0"/>
+            </a:endParaRPr>
+          </a:p>
+        </p:txBody>
+      </p:sp>
     </p:spTree>
   </p:cSld>
   <p:clrMapOvr>
@@ -30127,7 +30082,7 @@
               <a:buNone/>
             </a:pPr>
             <a:r>
-              <a:rPr lang="en-US" sz="1750" dirty="0">
+              <a:rPr lang="en-US" sz="1800" dirty="0">
                 <a:latin typeface="Consolas" pitchFamily="49" charset="0"/>
               </a:rPr>
               <a:t>finally</a:t>
@@ -30141,7 +30096,7 @@
               <a:buNone/>
             </a:pPr>
             <a:r>
-              <a:rPr lang="en-US" sz="1750" dirty="0">
+              <a:rPr lang="en-US" sz="1800" dirty="0">
                 <a:latin typeface="Consolas" pitchFamily="49" charset="0"/>
               </a:rPr>
               <a:t>  {</a:t>
@@ -30155,7 +30110,7 @@
               <a:buNone/>
             </a:pPr>
             <a:r>
-              <a:rPr lang="en-US" sz="1750" dirty="0">
+              <a:rPr lang="en-US" sz="1800" dirty="0">
                 <a:latin typeface="Consolas" pitchFamily="49" charset="0"/>
               </a:rPr>
               <a:t>    idTable.closeScope();</a:t>
@@ -30169,7 +30124,7 @@
               <a:buNone/>
             </a:pPr>
             <a:r>
-              <a:rPr lang="en-US" sz="1750" dirty="0">
+              <a:rPr lang="en-US" sz="1800" dirty="0">
                 <a:latin typeface="Consolas" pitchFamily="49" charset="0"/>
               </a:rPr>
               <a:t>  }</a:t>
@@ -30182,7 +30137,7 @@
               </a:spcBef>
               <a:buNone/>
             </a:pPr>
-            <a:endParaRPr lang="en-US" sz="1750" dirty="0">
+            <a:endParaRPr lang="en-US" sz="1800" dirty="0">
               <a:latin typeface="Consolas" pitchFamily="49" charset="0"/>
             </a:endParaRPr>
           </a:p>
@@ -30194,19 +30149,19 @@
               <a:buNone/>
             </a:pPr>
             <a:r>
-              <a:rPr lang="en-US" sz="1750" dirty="0">
+              <a:rPr lang="en-US" sz="1800" dirty="0">
                 <a:latin typeface="Consolas" pitchFamily="49" charset="0"/>
               </a:rPr>
               <a:t>match(</a:t>
             </a:r>
             <a:r>
-              <a:rPr lang="en-US" sz="1750" dirty="0" err="1">
+              <a:rPr lang="en-US" sz="1800" dirty="0" err="1">
                 <a:latin typeface="Consolas" pitchFamily="49" charset="0"/>
               </a:rPr>
               <a:t>Symbol.rightBrace</a:t>
             </a:r>
             <a:r>
-              <a:rPr lang="en-US" sz="1750" dirty="0">
+              <a:rPr lang="en-US" sz="1800" dirty="0">
                 <a:latin typeface="Consolas" pitchFamily="49" charset="0"/>
               </a:rPr>
               <a:t>);</a:t>
@@ -30365,21 +30320,37 @@
                 <a:latin typeface="Consolas" pitchFamily="49" charset="0"/>
                 <a:cs typeface="Consolas" pitchFamily="49" charset="0"/>
               </a:rPr>
-              <a:t>Symbol </a:t>
-            </a:r>
-            <a:r>
-              <a:rPr lang="en-US" sz="1800" dirty="0" err="1">
+              <a:t>var symbol = scanner.getSymbol();</a:t>
+            </a:r>
+          </a:p>
+          <a:p>
+            <a:pPr marL="91440" indent="0">
+              <a:spcBef>
+                <a:spcPts val="0"/>
+              </a:spcBef>
+              <a:buNone/>
+            </a:pPr>
+            <a:r>
+              <a:rPr lang="en-US" sz="1800" dirty="0">
                 <a:latin typeface="Consolas" pitchFamily="49" charset="0"/>
                 <a:cs typeface="Consolas" pitchFamily="49" charset="0"/>
               </a:rPr>
-              <a:t>symbol</a:t>
-            </a:r>
+              <a:t>if (symbol == Symbol.identifier)</a:t>
+            </a:r>
+          </a:p>
+          <a:p>
+            <a:pPr marL="91440" indent="0">
+              <a:spcBef>
+                <a:spcPts val="0"/>
+              </a:spcBef>
+              <a:buNone/>
+            </a:pPr>
             <a:r>
               <a:rPr lang="en-US" sz="1800" dirty="0">
                 <a:latin typeface="Consolas" pitchFamily="49" charset="0"/>
                 <a:cs typeface="Consolas" pitchFamily="49" charset="0"/>
               </a:rPr>
-              <a:t> = scanner.getSymbol();</a:t>
+              <a:t>  {</a:t>
             </a:r>
           </a:p>
           <a:p>
@@ -30394,7 +30365,7 @@
                 <a:latin typeface="Consolas" pitchFamily="49" charset="0"/>
                 <a:cs typeface="Consolas" pitchFamily="49" charset="0"/>
               </a:rPr>
-              <a:t>if (symbol == Symbol.identifier)</a:t>
+              <a:t>    // Handle identifiers based on how they are declared,</a:t>
             </a:r>
           </a:p>
           <a:p>
@@ -30409,7 +30380,7 @@
                 <a:latin typeface="Consolas" pitchFamily="49" charset="0"/>
                 <a:cs typeface="Consolas" pitchFamily="49" charset="0"/>
               </a:rPr>
-              <a:t>  {</a:t>
+              <a:t>    // or use the lookahead symbol if not declared.</a:t>
             </a:r>
           </a:p>
           <a:p>
@@ -30420,11 +30391,39 @@
               <a:buNone/>
             </a:pPr>
             <a:r>
-              <a:rPr lang="en-US" sz="1800" dirty="0">
+              <a:rPr lang="en-US" sz="1800" b="1" dirty="0">
                 <a:latin typeface="Consolas" pitchFamily="49" charset="0"/>
                 <a:cs typeface="Consolas" pitchFamily="49" charset="0"/>
               </a:rPr>
-              <a:t>    // Handle identifiers based on how they are declared,</a:t>
+              <a:t>    var </a:t>
+            </a:r>
+            <a:r>
+              <a:rPr lang="en-US" sz="1800" b="1" dirty="0" err="1">
+                <a:latin typeface="Consolas" pitchFamily="49" charset="0"/>
+                <a:cs typeface="Consolas" pitchFamily="49" charset="0"/>
+              </a:rPr>
+              <a:t>idStr</a:t>
+            </a:r>
+            <a:r>
+              <a:rPr lang="en-US" sz="1800" b="1" dirty="0">
+                <a:latin typeface="Consolas" pitchFamily="49" charset="0"/>
+                <a:cs typeface="Consolas" pitchFamily="49" charset="0"/>
+              </a:rPr>
+              <a:t>  = </a:t>
+            </a:r>
+            <a:r>
+              <a:rPr lang="en-US" sz="1800" b="1" dirty="0" err="1">
+                <a:latin typeface="Consolas" pitchFamily="49" charset="0"/>
+                <a:cs typeface="Consolas" pitchFamily="49" charset="0"/>
+              </a:rPr>
+              <a:t>scanner.getText</a:t>
+            </a:r>
+            <a:r>
+              <a:rPr lang="en-US" sz="1800" b="1" dirty="0">
+                <a:latin typeface="Consolas" pitchFamily="49" charset="0"/>
+                <a:cs typeface="Consolas" pitchFamily="49" charset="0"/>
+              </a:rPr>
+              <a:t>();</a:t>
             </a:r>
           </a:p>
           <a:p>
@@ -30435,83 +30434,11 @@
               <a:buNone/>
             </a:pPr>
             <a:r>
-              <a:rPr lang="en-US" sz="1800" dirty="0">
+              <a:rPr lang="en-US" sz="1800" b="1" dirty="0">
                 <a:latin typeface="Consolas" pitchFamily="49" charset="0"/>
                 <a:cs typeface="Consolas" pitchFamily="49" charset="0"/>
               </a:rPr>
-              <a:t>    // or use the lookahead symbol if not declared.</a:t>
-            </a:r>
-          </a:p>
-          <a:p>
-            <a:pPr marL="91440" indent="0">
-              <a:spcBef>
-                <a:spcPts val="0"/>
-              </a:spcBef>
-              <a:buNone/>
-            </a:pPr>
-            <a:r>
-              <a:rPr lang="en-US" sz="1800" b="1" dirty="0">
-                <a:latin typeface="Consolas" pitchFamily="49" charset="0"/>
-                <a:cs typeface="Consolas" pitchFamily="49" charset="0"/>
-              </a:rPr>
-              <a:t>    String </a:t>
-            </a:r>
-            <a:r>
-              <a:rPr lang="en-US" sz="1800" b="1" dirty="0" err="1">
-                <a:latin typeface="Consolas" pitchFamily="49" charset="0"/>
-                <a:cs typeface="Consolas" pitchFamily="49" charset="0"/>
-              </a:rPr>
-              <a:t>idStr</a:t>
-            </a:r>
-            <a:r>
-              <a:rPr lang="en-US" sz="1800" b="1" dirty="0">
-                <a:latin typeface="Consolas" pitchFamily="49" charset="0"/>
-                <a:cs typeface="Consolas" pitchFamily="49" charset="0"/>
-              </a:rPr>
-              <a:t>  = </a:t>
-            </a:r>
-            <a:r>
-              <a:rPr lang="en-US" sz="1800" b="1" dirty="0" err="1">
-                <a:latin typeface="Consolas" pitchFamily="49" charset="0"/>
-                <a:cs typeface="Consolas" pitchFamily="49" charset="0"/>
-              </a:rPr>
-              <a:t>scanner.getText</a:t>
-            </a:r>
-            <a:r>
-              <a:rPr lang="en-US" sz="1800" b="1" dirty="0">
-                <a:latin typeface="Consolas" pitchFamily="49" charset="0"/>
-                <a:cs typeface="Consolas" pitchFamily="49" charset="0"/>
-              </a:rPr>
-              <a:t>();</a:t>
-            </a:r>
-          </a:p>
-          <a:p>
-            <a:pPr marL="91440" indent="0">
-              <a:spcBef>
-                <a:spcPts val="0"/>
-              </a:spcBef>
-              <a:buNone/>
-            </a:pPr>
-            <a:r>
-              <a:rPr lang="en-US" sz="1800" b="1" dirty="0">
-                <a:latin typeface="Consolas" pitchFamily="49" charset="0"/>
-                <a:cs typeface="Consolas" pitchFamily="49" charset="0"/>
-              </a:rPr>
-              <a:t>    IdType </a:t>
-            </a:r>
-            <a:r>
-              <a:rPr lang="en-US" sz="1800" b="1" dirty="0" err="1">
-                <a:latin typeface="Consolas" pitchFamily="49" charset="0"/>
-                <a:cs typeface="Consolas" pitchFamily="49" charset="0"/>
-              </a:rPr>
-              <a:t>idType</a:t>
-            </a:r>
-            <a:r>
-              <a:rPr lang="en-US" sz="1800" b="1" dirty="0">
-                <a:latin typeface="Consolas" pitchFamily="49" charset="0"/>
-                <a:cs typeface="Consolas" pitchFamily="49" charset="0"/>
-              </a:rPr>
-              <a:t> = idTable.get(</a:t>
+              <a:t>    var idType = idTable.get(</a:t>
             </a:r>
             <a:r>
               <a:rPr lang="en-US" sz="1800" b="1" dirty="0" err="1">
@@ -30906,7 +30833,7 @@
                 <a:latin typeface="Consolas" pitchFamily="49" charset="0"/>
                 <a:cs typeface="Consolas" pitchFamily="49" charset="0"/>
               </a:rPr>
-              <a:t>        Symbol symbol2 = </a:t>
+              <a:t>        var symbol2 = </a:t>
             </a:r>
             <a:r>
               <a:rPr lang="en-US" sz="1800" b="1" dirty="0" err="1">
@@ -32128,19 +32055,19 @@
               <a:buNone/>
             </a:pPr>
             <a:r>
-              <a:rPr lang="en-US" sz="1750" dirty="0">
+              <a:rPr lang="en-US" sz="1800" dirty="0">
                 <a:latin typeface="Consolas" panose="020B0609020204030204" pitchFamily="49" charset="0"/>
               </a:rPr>
               <a:t>private void </a:t>
             </a:r>
             <a:r>
-              <a:rPr lang="en-US" sz="1750" dirty="0" err="1">
+              <a:rPr lang="en-US" sz="1800" dirty="0" err="1">
                 <a:latin typeface="Consolas" panose="020B0609020204030204" pitchFamily="49" charset="0"/>
               </a:rPr>
               <a:t>parseVariableCommon</a:t>
             </a:r>
             <a:r>
-              <a:rPr lang="en-US" sz="1750" dirty="0">
+              <a:rPr lang="en-US" sz="1800" dirty="0">
                 <a:latin typeface="Consolas" panose="020B0609020204030204" pitchFamily="49" charset="0"/>
               </a:rPr>
               <a:t>() throws ...</a:t>
@@ -32154,7 +32081,7 @@
               <a:buNone/>
             </a:pPr>
             <a:r>
-              <a:rPr lang="en-US" sz="1750" dirty="0">
+              <a:rPr lang="en-US" sz="1800" dirty="0">
                 <a:latin typeface="Consolas" panose="020B0609020204030204" pitchFamily="49" charset="0"/>
               </a:rPr>
               <a:t>  {</a:t>
@@ -32168,19 +32095,19 @@
               <a:buNone/>
             </a:pPr>
             <a:r>
-              <a:rPr lang="en-US" sz="1750" dirty="0">
-                <a:latin typeface="Consolas" panose="020B0609020204030204" pitchFamily="49" charset="0"/>
-              </a:rPr>
-              <a:t>    Token </a:t>
-            </a:r>
-            <a:r>
-              <a:rPr lang="en-US" sz="1750" dirty="0" err="1">
+              <a:rPr lang="en-US" sz="1800" dirty="0">
+                <a:latin typeface="Consolas" panose="020B0609020204030204" pitchFamily="49" charset="0"/>
+              </a:rPr>
+              <a:t>    var </a:t>
+            </a:r>
+            <a:r>
+              <a:rPr lang="en-US" sz="1800" dirty="0" err="1">
                 <a:latin typeface="Consolas" panose="020B0609020204030204" pitchFamily="49" charset="0"/>
               </a:rPr>
               <a:t>idToken</a:t>
             </a:r>
             <a:r>
-              <a:rPr lang="en-US" sz="1750" dirty="0">
+              <a:rPr lang="en-US" sz="1800" dirty="0">
                 <a:latin typeface="Consolas" panose="020B0609020204030204" pitchFamily="49" charset="0"/>
               </a:rPr>
               <a:t> = scanner.getToken();</a:t>
@@ -32194,7 +32121,7 @@
               <a:buNone/>
             </a:pPr>
             <a:r>
-              <a:rPr lang="en-US" sz="1750" dirty="0">
+              <a:rPr lang="en-US" sz="1800" dirty="0">
                 <a:latin typeface="Consolas" panose="020B0609020204030204" pitchFamily="49" charset="0"/>
               </a:rPr>
               <a:t>    match(Symbol.identifier);</a:t>
@@ -32208,31 +32135,19 @@
               <a:buNone/>
             </a:pPr>
             <a:r>
-              <a:rPr lang="en-US" sz="1750" dirty="0">
-                <a:latin typeface="Consolas" panose="020B0609020204030204" pitchFamily="49" charset="0"/>
-              </a:rPr>
-              <a:t>    IdType </a:t>
-            </a:r>
-            <a:r>
-              <a:rPr lang="en-US" sz="1750" dirty="0" err="1">
-                <a:latin typeface="Consolas" panose="020B0609020204030204" pitchFamily="49" charset="0"/>
-              </a:rPr>
-              <a:t>idType</a:t>
-            </a:r>
-            <a:r>
-              <a:rPr lang="en-US" sz="1750" dirty="0">
-                <a:latin typeface="Consolas" panose="020B0609020204030204" pitchFamily="49" charset="0"/>
-              </a:rPr>
-              <a:t> = idTable.get(</a:t>
-            </a:r>
-            <a:r>
-              <a:rPr lang="en-US" sz="1750" dirty="0" err="1">
+              <a:rPr lang="en-US" sz="1800" dirty="0">
+                <a:latin typeface="Consolas" panose="020B0609020204030204" pitchFamily="49" charset="0"/>
+              </a:rPr>
+              <a:t>    var idType = idTable.get(</a:t>
+            </a:r>
+            <a:r>
+              <a:rPr lang="en-US" sz="1800" dirty="0" err="1">
                 <a:latin typeface="Consolas" panose="020B0609020204030204" pitchFamily="49" charset="0"/>
               </a:rPr>
               <a:t>idToken.getText</a:t>
             </a:r>
             <a:r>
-              <a:rPr lang="en-US" sz="1750" dirty="0">
+              <a:rPr lang="en-US" sz="1800" dirty="0">
                 <a:latin typeface="Consolas" panose="020B0609020204030204" pitchFamily="49" charset="0"/>
               </a:rPr>
               <a:t>());</a:t>
@@ -32245,7 +32160,7 @@
               </a:spcBef>
               <a:buNone/>
             </a:pPr>
-            <a:endParaRPr lang="en-US" sz="1750" dirty="0">
+            <a:endParaRPr lang="en-US" sz="1800" dirty="0">
               <a:latin typeface="Consolas" panose="020B0609020204030204" pitchFamily="49" charset="0"/>
             </a:endParaRPr>
           </a:p>
@@ -32257,7 +32172,7 @@
               <a:buNone/>
             </a:pPr>
             <a:r>
-              <a:rPr lang="en-US" sz="1750" dirty="0">
+              <a:rPr lang="en-US" sz="1800" dirty="0">
                 <a:latin typeface="Consolas" panose="020B0609020204030204" pitchFamily="49" charset="0"/>
               </a:rPr>
               <a:t>    if (idType == null)</a:t>
@@ -32271,7 +32186,7 @@
               <a:buNone/>
             </a:pPr>
             <a:r>
-              <a:rPr lang="en-US" sz="1750" dirty="0">
+              <a:rPr lang="en-US" sz="1800" dirty="0">
                 <a:latin typeface="Consolas" panose="020B0609020204030204" pitchFamily="49" charset="0"/>
               </a:rPr>
               <a:t>      {</a:t>
@@ -32285,30 +32200,30 @@
               <a:buNone/>
             </a:pPr>
             <a:r>
-              <a:rPr lang="en-US" sz="1750" dirty="0">
-                <a:latin typeface="Consolas" panose="020B0609020204030204" pitchFamily="49" charset="0"/>
-              </a:rPr>
-              <a:t>        String </a:t>
-            </a:r>
-            <a:r>
-              <a:rPr lang="en-US" sz="1750" dirty="0" err="1">
+              <a:rPr lang="en-US" sz="1800" dirty="0">
+                <a:latin typeface="Consolas" panose="020B0609020204030204" pitchFamily="49" charset="0"/>
+              </a:rPr>
+              <a:t>        var </a:t>
+            </a:r>
+            <a:r>
+              <a:rPr lang="en-US" sz="1800" dirty="0" err="1">
                 <a:latin typeface="Consolas" panose="020B0609020204030204" pitchFamily="49" charset="0"/>
               </a:rPr>
               <a:t>errorMsg</a:t>
             </a:r>
             <a:r>
-              <a:rPr lang="en-US" sz="1750" dirty="0">
+              <a:rPr lang="en-US" sz="1800" dirty="0">
                 <a:latin typeface="Consolas" panose="020B0609020204030204" pitchFamily="49" charset="0"/>
               </a:rPr>
               <a:t> = "Identifier \"" + </a:t>
             </a:r>
             <a:r>
-              <a:rPr lang="en-US" sz="1750" dirty="0" err="1">
+              <a:rPr lang="en-US" sz="1800" dirty="0" err="1">
                 <a:latin typeface="Consolas" panose="020B0609020204030204" pitchFamily="49" charset="0"/>
               </a:rPr>
               <a:t>idToken</a:t>
             </a:r>
-            <a:endParaRPr lang="en-US" sz="1750" dirty="0">
+            <a:endParaRPr lang="en-US" sz="1800" dirty="0">
               <a:latin typeface="Consolas" panose="020B0609020204030204" pitchFamily="49" charset="0"/>
             </a:endParaRPr>
           </a:p>
@@ -32320,10 +32235,10 @@
               <a:buNone/>
             </a:pPr>
             <a:r>
-              <a:rPr lang="en-US" sz="1750" dirty="0">
-                <a:latin typeface="Consolas" panose="020B0609020204030204" pitchFamily="49" charset="0"/>
-              </a:rPr>
-              <a:t>                        + "\" has not been declared.";</a:t>
+              <a:rPr lang="en-US" sz="1800" dirty="0">
+                <a:latin typeface="Consolas" panose="020B0609020204030204" pitchFamily="49" charset="0"/>
+              </a:rPr>
+              <a:t>                     + "\" has not been declared.";</a:t>
             </a:r>
           </a:p>
           <a:p>
@@ -32334,31 +32249,31 @@
               <a:buNone/>
             </a:pPr>
             <a:r>
-              <a:rPr lang="en-US" sz="1750" dirty="0">
+              <a:rPr lang="en-US" sz="1800" dirty="0">
                 <a:latin typeface="Consolas" panose="020B0609020204030204" pitchFamily="49" charset="0"/>
               </a:rPr>
               <a:t>        throw error(</a:t>
             </a:r>
             <a:r>
-              <a:rPr lang="en-US" sz="1750" dirty="0" err="1">
+              <a:rPr lang="en-US" sz="1800" dirty="0" err="1">
                 <a:latin typeface="Consolas" panose="020B0609020204030204" pitchFamily="49" charset="0"/>
               </a:rPr>
               <a:t>idToken.getPosition</a:t>
             </a:r>
             <a:r>
-              <a:rPr lang="en-US" sz="1750" dirty="0">
+              <a:rPr lang="en-US" sz="1800" dirty="0">
                 <a:latin typeface="Consolas" panose="020B0609020204030204" pitchFamily="49" charset="0"/>
               </a:rPr>
               <a:t>(), </a:t>
             </a:r>
             <a:r>
-              <a:rPr lang="en-US" sz="1750" dirty="0" err="1">
+              <a:rPr lang="en-US" sz="1800" dirty="0" err="1">
                 <a:latin typeface="Consolas" panose="020B0609020204030204" pitchFamily="49" charset="0"/>
               </a:rPr>
               <a:t>errorMsg</a:t>
             </a:r>
             <a:r>
-              <a:rPr lang="en-US" sz="1750" dirty="0">
+              <a:rPr lang="en-US" sz="1800" dirty="0">
                 <a:latin typeface="Consolas" panose="020B0609020204030204" pitchFamily="49" charset="0"/>
               </a:rPr>
               <a:t>);</a:t>
@@ -32372,7 +32287,7 @@
               <a:buNone/>
             </a:pPr>
             <a:r>
-              <a:rPr lang="en-US" sz="1750" dirty="0">
+              <a:rPr lang="en-US" sz="1800" dirty="0">
                 <a:latin typeface="Consolas" panose="020B0609020204030204" pitchFamily="49" charset="0"/>
               </a:rPr>
               <a:t>      }</a:t>
@@ -32386,7 +32301,7 @@
               <a:buNone/>
             </a:pPr>
             <a:r>
-              <a:rPr lang="en-US" sz="1750" dirty="0">
+              <a:rPr lang="en-US" sz="1800" dirty="0">
                 <a:latin typeface="Consolas" panose="020B0609020204030204" pitchFamily="49" charset="0"/>
               </a:rPr>
               <a:t>    else if (idType != IdType.variableId)</a:t>
@@ -32400,7 +32315,7 @@
               <a:buNone/>
             </a:pPr>
             <a:r>
-              <a:rPr lang="en-US" sz="1750" dirty="0">
+              <a:rPr lang="en-US" sz="1800" dirty="0">
                 <a:latin typeface="Consolas" panose="020B0609020204030204" pitchFamily="49" charset="0"/>
               </a:rPr>
               <a:t>      {</a:t>
@@ -32414,30 +32329,30 @@
               <a:buNone/>
             </a:pPr>
             <a:r>
-              <a:rPr lang="en-US" sz="1750" dirty="0">
-                <a:latin typeface="Consolas" panose="020B0609020204030204" pitchFamily="49" charset="0"/>
-              </a:rPr>
-              <a:t>        String </a:t>
-            </a:r>
-            <a:r>
-              <a:rPr lang="en-US" sz="1750" dirty="0" err="1">
+              <a:rPr lang="en-US" sz="1800" dirty="0">
+                <a:latin typeface="Consolas" panose="020B0609020204030204" pitchFamily="49" charset="0"/>
+              </a:rPr>
+              <a:t>        var </a:t>
+            </a:r>
+            <a:r>
+              <a:rPr lang="en-US" sz="1800" dirty="0" err="1">
                 <a:latin typeface="Consolas" panose="020B0609020204030204" pitchFamily="49" charset="0"/>
               </a:rPr>
               <a:t>errorMsg</a:t>
             </a:r>
             <a:r>
-              <a:rPr lang="en-US" sz="1750" dirty="0">
+              <a:rPr lang="en-US" sz="1800" dirty="0">
                 <a:latin typeface="Consolas" panose="020B0609020204030204" pitchFamily="49" charset="0"/>
               </a:rPr>
               <a:t> = "Identifier \"" + </a:t>
             </a:r>
             <a:r>
-              <a:rPr lang="en-US" sz="1750" dirty="0" err="1">
+              <a:rPr lang="en-US" sz="1800" dirty="0" err="1">
                 <a:latin typeface="Consolas" panose="020B0609020204030204" pitchFamily="49" charset="0"/>
               </a:rPr>
               <a:t>idToken</a:t>
             </a:r>
-            <a:endParaRPr lang="en-US" sz="1750" dirty="0">
+            <a:endParaRPr lang="en-US" sz="1800" dirty="0">
               <a:latin typeface="Consolas" panose="020B0609020204030204" pitchFamily="49" charset="0"/>
             </a:endParaRPr>
           </a:p>
@@ -32449,10 +32364,10 @@
               <a:buNone/>
             </a:pPr>
             <a:r>
-              <a:rPr lang="en-US" sz="1750" dirty="0">
-                <a:latin typeface="Consolas" panose="020B0609020204030204" pitchFamily="49" charset="0"/>
-              </a:rPr>
-              <a:t>                          + "\" is not a variable.";</a:t>
+              <a:rPr lang="en-US" sz="1800" dirty="0">
+                <a:latin typeface="Consolas" panose="020B0609020204030204" pitchFamily="49" charset="0"/>
+              </a:rPr>
+              <a:t>                     + "\" is not a variable.";</a:t>
             </a:r>
           </a:p>
           <a:p>
@@ -32463,31 +32378,31 @@
               <a:buNone/>
             </a:pPr>
             <a:r>
-              <a:rPr lang="en-US" sz="1750" dirty="0">
+              <a:rPr lang="en-US" sz="1800" dirty="0">
                 <a:latin typeface="Consolas" panose="020B0609020204030204" pitchFamily="49" charset="0"/>
               </a:rPr>
               <a:t>        throw error(</a:t>
             </a:r>
             <a:r>
-              <a:rPr lang="en-US" sz="1750" dirty="0" err="1">
+              <a:rPr lang="en-US" sz="1800" dirty="0" err="1">
                 <a:latin typeface="Consolas" panose="020B0609020204030204" pitchFamily="49" charset="0"/>
               </a:rPr>
               <a:t>idToken.getPosition</a:t>
             </a:r>
             <a:r>
-              <a:rPr lang="en-US" sz="1750" dirty="0">
+              <a:rPr lang="en-US" sz="1800" dirty="0">
                 <a:latin typeface="Consolas" panose="020B0609020204030204" pitchFamily="49" charset="0"/>
               </a:rPr>
               <a:t>(), </a:t>
             </a:r>
             <a:r>
-              <a:rPr lang="en-US" sz="1750" dirty="0" err="1">
+              <a:rPr lang="en-US" sz="1800" dirty="0" err="1">
                 <a:latin typeface="Consolas" panose="020B0609020204030204" pitchFamily="49" charset="0"/>
               </a:rPr>
               <a:t>errorMsg</a:t>
             </a:r>
             <a:r>
-              <a:rPr lang="en-US" sz="1750" dirty="0">
+              <a:rPr lang="en-US" sz="1800" dirty="0">
                 <a:latin typeface="Consolas" panose="020B0609020204030204" pitchFamily="49" charset="0"/>
               </a:rPr>
               <a:t>);</a:t>
@@ -32501,7 +32416,7 @@
               <a:buNone/>
             </a:pPr>
             <a:r>
-              <a:rPr lang="en-US" sz="1750" dirty="0">
+              <a:rPr lang="en-US" sz="1800" dirty="0">
                 <a:latin typeface="Consolas" panose="020B0609020204030204" pitchFamily="49" charset="0"/>
               </a:rPr>
               <a:t>      }</a:t>
@@ -32684,19 +32599,19 @@
               <a:buNone/>
             </a:pPr>
             <a:r>
-              <a:rPr lang="en-US" sz="1750" dirty="0">
+              <a:rPr lang="en-US" sz="1800" dirty="0">
                 <a:latin typeface="Consolas" panose="020B0609020204030204" pitchFamily="49" charset="0"/>
               </a:rPr>
               <a:t>    while (scanner.getSymbol().</a:t>
             </a:r>
             <a:r>
-              <a:rPr lang="en-US" sz="1750" dirty="0" err="1">
+              <a:rPr lang="en-US" sz="1800" dirty="0" err="1">
                 <a:latin typeface="Consolas" panose="020B0609020204030204" pitchFamily="49" charset="0"/>
               </a:rPr>
               <a:t>isSelectorStarter</a:t>
             </a:r>
             <a:r>
-              <a:rPr lang="en-US" sz="1750" dirty="0">
+              <a:rPr lang="en-US" sz="1800" dirty="0">
                 <a:latin typeface="Consolas" panose="020B0609020204030204" pitchFamily="49" charset="0"/>
               </a:rPr>
               <a:t>())</a:t>
@@ -32710,7 +32625,7 @@
               <a:buNone/>
             </a:pPr>
             <a:r>
-              <a:rPr lang="en-US" sz="1750" dirty="0">
+              <a:rPr lang="en-US" sz="1800" dirty="0">
                 <a:latin typeface="Consolas" panose="020B0609020204030204" pitchFamily="49" charset="0"/>
               </a:rPr>
               <a:t>      {</a:t>
@@ -32724,19 +32639,19 @@
               <a:buNone/>
             </a:pPr>
             <a:r>
-              <a:rPr lang="en-US" sz="1750" dirty="0">
+              <a:rPr lang="en-US" sz="1800" dirty="0">
                 <a:latin typeface="Consolas" panose="020B0609020204030204" pitchFamily="49" charset="0"/>
               </a:rPr>
               <a:t>        if (scanner.getSymbol() == </a:t>
             </a:r>
             <a:r>
-              <a:rPr lang="en-US" sz="1750" dirty="0" err="1">
+              <a:rPr lang="en-US" sz="1800" dirty="0" err="1">
                 <a:latin typeface="Consolas" panose="020B0609020204030204" pitchFamily="49" charset="0"/>
               </a:rPr>
               <a:t>Symbol.leftBracket</a:t>
             </a:r>
             <a:r>
-              <a:rPr lang="en-US" sz="1750" dirty="0">
+              <a:rPr lang="en-US" sz="1800" dirty="0">
                 <a:latin typeface="Consolas" panose="020B0609020204030204" pitchFamily="49" charset="0"/>
               </a:rPr>
               <a:t>)</a:t>
@@ -32750,19 +32665,19 @@
               <a:buNone/>
             </a:pPr>
             <a:r>
-              <a:rPr lang="en-US" sz="1750" dirty="0">
+              <a:rPr lang="en-US" sz="1800" dirty="0">
                 <a:latin typeface="Consolas" panose="020B0609020204030204" pitchFamily="49" charset="0"/>
               </a:rPr>
               <a:t>            </a:t>
             </a:r>
             <a:r>
-              <a:rPr lang="en-US" sz="1750" dirty="0" err="1">
+              <a:rPr lang="en-US" sz="1800" dirty="0" err="1">
                 <a:latin typeface="Consolas" panose="020B0609020204030204" pitchFamily="49" charset="0"/>
               </a:rPr>
               <a:t>parseIndexExpr</a:t>
             </a:r>
             <a:r>
-              <a:rPr lang="en-US" sz="1750" dirty="0">
+              <a:rPr lang="en-US" sz="1800" dirty="0">
                 <a:latin typeface="Consolas" panose="020B0609020204030204" pitchFamily="49" charset="0"/>
               </a:rPr>
               <a:t>();</a:t>
@@ -32776,7 +32691,7 @@
               <a:buNone/>
             </a:pPr>
             <a:r>
-              <a:rPr lang="en-US" sz="1750" dirty="0">
+              <a:rPr lang="en-US" sz="1800" dirty="0">
                 <a:latin typeface="Consolas" panose="020B0609020204030204" pitchFamily="49" charset="0"/>
               </a:rPr>
               <a:t>        else if (scanner.getSymbol() == Symbol.dot)</a:t>
@@ -32790,19 +32705,19 @@
               <a:buNone/>
             </a:pPr>
             <a:r>
-              <a:rPr lang="en-US" sz="1750" dirty="0">
+              <a:rPr lang="en-US" sz="1800" dirty="0">
                 <a:latin typeface="Consolas" panose="020B0609020204030204" pitchFamily="49" charset="0"/>
               </a:rPr>
               <a:t>            </a:t>
             </a:r>
             <a:r>
-              <a:rPr lang="en-US" sz="1750" dirty="0" err="1">
+              <a:rPr lang="en-US" sz="1800" dirty="0" err="1">
                 <a:latin typeface="Consolas" panose="020B0609020204030204" pitchFamily="49" charset="0"/>
               </a:rPr>
               <a:t>parseFieldExpr</a:t>
             </a:r>
             <a:r>
-              <a:rPr lang="en-US" sz="1750" dirty="0">
+              <a:rPr lang="en-US" sz="1800" dirty="0">
                 <a:latin typeface="Consolas" panose="020B0609020204030204" pitchFamily="49" charset="0"/>
               </a:rPr>
               <a:t>();</a:t>
@@ -32816,7 +32731,7 @@
               <a:buNone/>
             </a:pPr>
             <a:r>
-              <a:rPr lang="en-US" sz="1750" dirty="0">
+              <a:rPr lang="en-US" sz="1800" dirty="0">
                 <a:latin typeface="Consolas" panose="020B0609020204030204" pitchFamily="49" charset="0"/>
               </a:rPr>
               <a:t>      }</a:t>
@@ -32830,7 +32745,7 @@
               <a:buNone/>
             </a:pPr>
             <a:r>
-              <a:rPr lang="en-US" sz="1750" dirty="0">
+              <a:rPr lang="en-US" sz="1800" dirty="0">
                 <a:latin typeface="Consolas" panose="020B0609020204030204" pitchFamily="49" charset="0"/>
               </a:rPr>
               <a:t>  }</a:t>
@@ -33950,12 +33865,17 @@
             <p:ph idx="1"/>
           </p:nvPr>
         </p:nvSpPr>
-        <p:spPr/>
-        <p:txBody>
-          <a:bodyPr/>
-          <a:lstStyle/>
-          <a:p>
-            <a:pPr marL="182880" indent="0">
+        <p:spPr>
+          <a:xfrm>
+            <a:off x="289560" y="1363663"/>
+            <a:ext cx="8778240" cy="4935537"/>
+          </a:xfrm>
+        </p:spPr>
+        <p:txBody>
+          <a:bodyPr/>
+          <a:lstStyle/>
+          <a:p>
+            <a:pPr marL="0" indent="0">
               <a:spcBef>
                 <a:spcPts val="200"/>
               </a:spcBef>
@@ -33981,7 +33901,7 @@
             </a:r>
           </a:p>
           <a:p>
-            <a:pPr marL="182880" indent="0">
+            <a:pPr marL="0" indent="0">
               <a:spcBef>
                 <a:spcPts val="200"/>
               </a:spcBef>
@@ -33991,6 +33911,56 @@
               <a:rPr lang="en-US" sz="1800" dirty="0">
                 <a:latin typeface="Consolas" panose="020B0609020204030204" pitchFamily="49" charset="0"/>
               </a:rPr>
+              <a:t>var </a:t>
+            </a:r>
+            <a:r>
+              <a:rPr lang="en-US" sz="1800" dirty="0" err="1">
+                <a:latin typeface="Consolas" panose="020B0609020204030204" pitchFamily="49" charset="0"/>
+              </a:rPr>
+              <a:t>fileReader</a:t>
+            </a:r>
+            <a:r>
+              <a:rPr lang="en-US" sz="1800" dirty="0">
+                <a:latin typeface="Consolas" panose="020B0609020204030204" pitchFamily="49" charset="0"/>
+              </a:rPr>
+              <a:t> = new </a:t>
+            </a:r>
+            <a:r>
+              <a:rPr lang="en-US" sz="1800" dirty="0" err="1">
+                <a:latin typeface="Consolas" panose="020B0609020204030204" pitchFamily="49" charset="0"/>
+              </a:rPr>
+              <a:t>FileReader</a:t>
+            </a:r>
+            <a:r>
+              <a:rPr lang="en-US" sz="1800" dirty="0">
+                <a:latin typeface="Consolas" panose="020B0609020204030204" pitchFamily="49" charset="0"/>
+              </a:rPr>
+              <a:t>(</a:t>
+            </a:r>
+            <a:r>
+              <a:rPr lang="en-US" sz="1800" dirty="0" err="1">
+                <a:latin typeface="Consolas" panose="020B0609020204030204" pitchFamily="49" charset="0"/>
+              </a:rPr>
+              <a:t>sourceFile</a:t>
+            </a:r>
+            <a:r>
+              <a:rPr lang="en-US" sz="1800" dirty="0">
+                <a:latin typeface="Consolas" panose="020B0609020204030204" pitchFamily="49" charset="0"/>
+              </a:rPr>
+              <a:t>, StandardCharsets.UTF_8);</a:t>
+            </a:r>
+          </a:p>
+          <a:p>
+            <a:pPr marL="0" indent="0">
+              <a:spcBef>
+                <a:spcPts val="200"/>
+              </a:spcBef>
+              <a:buNone/>
+            </a:pPr>
+            <a:r>
+              <a:rPr lang="en-US" sz="1800" dirty="0">
+                <a:latin typeface="Consolas" panose="020B0609020204030204" pitchFamily="49" charset="0"/>
+              </a:rPr>
               <a:t>var reader  = new </a:t>
             </a:r>
             <a:r>
@@ -34003,46 +33973,63 @@
               <a:rPr lang="en-US" sz="1800" dirty="0">
                 <a:latin typeface="Consolas" panose="020B0609020204030204" pitchFamily="49" charset="0"/>
               </a:rPr>
-              <a:t>(new </a:t>
+              <a:t>(</a:t>
             </a:r>
             <a:r>
               <a:rPr lang="en-US" sz="1800" dirty="0" err="1">
                 <a:latin typeface="Consolas" panose="020B0609020204030204" pitchFamily="49" charset="0"/>
               </a:rPr>
-              <a:t>FileReader</a:t>
-            </a:r>
-            <a:r>
-              <a:rPr lang="en-US" sz="1800" dirty="0">
-                <a:latin typeface="Consolas" panose="020B0609020204030204" pitchFamily="49" charset="0"/>
-              </a:rPr>
-              <a:t>(</a:t>
+              <a:t>fileReader</a:t>
+            </a:r>
+            <a:r>
+              <a:rPr lang="en-US" sz="1800" dirty="0">
+                <a:latin typeface="Consolas" panose="020B0609020204030204" pitchFamily="49" charset="0"/>
+              </a:rPr>
+              <a:t>);</a:t>
+            </a:r>
+          </a:p>
+          <a:p>
+            <a:pPr marL="0" indent="0">
+              <a:spcBef>
+                <a:spcPts val="200"/>
+              </a:spcBef>
+              <a:buNone/>
+            </a:pPr>
+            <a:r>
+              <a:rPr lang="en-US" sz="1800" dirty="0">
+                <a:latin typeface="Consolas" panose="020B0609020204030204" pitchFamily="49" charset="0"/>
+              </a:rPr>
+              <a:t>var source  = new Source(reader);</a:t>
+            </a:r>
+          </a:p>
+          <a:p>
+            <a:pPr marL="0" indent="0">
+              <a:spcBef>
+                <a:spcPts val="200"/>
+              </a:spcBef>
+              <a:buNone/>
+            </a:pPr>
+            <a:r>
+              <a:rPr lang="en-US" sz="1800" dirty="0">
+                <a:latin typeface="Consolas" panose="020B0609020204030204" pitchFamily="49" charset="0"/>
+              </a:rPr>
+              <a:t>var scanner = new Scanner(source, 4, </a:t>
             </a:r>
             <a:r>
               <a:rPr lang="en-US" sz="1800" dirty="0" err="1">
                 <a:latin typeface="Consolas" panose="020B0609020204030204" pitchFamily="49" charset="0"/>
               </a:rPr>
-              <a:t>sourceFile</a:t>
-            </a:r>
-            <a:r>
-              <a:rPr lang="en-US" sz="1800" dirty="0">
-                <a:latin typeface="Consolas" panose="020B0609020204030204" pitchFamily="49" charset="0"/>
-              </a:rPr>
-              <a:t>,</a:t>
-            </a:r>
-            <a:br>
-              <a:rPr lang="en-US" sz="1800" dirty="0">
-                <a:latin typeface="Consolas" panose="020B0609020204030204" pitchFamily="49" charset="0"/>
-              </a:rPr>
-            </a:br>
-            <a:r>
-              <a:rPr lang="en-US" sz="1800" dirty="0">
-                <a:latin typeface="Consolas" panose="020B0609020204030204" pitchFamily="49" charset="0"/>
-              </a:rPr>
-              <a:t>                                     StandardCharsets.UTF_8));</a:t>
-            </a:r>
-          </a:p>
-          <a:p>
-            <a:pPr marL="182880" indent="0">
+              <a:t>errorHandler</a:t>
+            </a:r>
+            <a:r>
+              <a:rPr lang="en-US" sz="1800" dirty="0">
+                <a:latin typeface="Consolas" panose="020B0609020204030204" pitchFamily="49" charset="0"/>
+              </a:rPr>
+              <a:t>);</a:t>
+            </a:r>
+          </a:p>
+          <a:p>
+            <a:pPr marL="0" indent="0">
               <a:spcBef>
                 <a:spcPts val="200"/>
               </a:spcBef>
@@ -34052,11 +34039,35 @@
               <a:rPr lang="en-US" sz="1800" dirty="0">
                 <a:latin typeface="Consolas" panose="020B0609020204030204" pitchFamily="49" charset="0"/>
               </a:rPr>
-              <a:t>var source  = new Source(reader);</a:t>
-            </a:r>
-          </a:p>
-          <a:p>
-            <a:pPr marL="182880" indent="0">
+              <a:t>var </a:t>
+            </a:r>
+            <a:r>
+              <a:rPr lang="en-US" sz="1800" dirty="0" err="1">
+                <a:latin typeface="Consolas" panose="020B0609020204030204" pitchFamily="49" charset="0"/>
+              </a:rPr>
+              <a:t>idTable</a:t>
+            </a:r>
+            <a:r>
+              <a:rPr lang="en-US" sz="1800" dirty="0">
+                <a:latin typeface="Consolas" panose="020B0609020204030204" pitchFamily="49" charset="0"/>
+              </a:rPr>
+              <a:t> = new </a:t>
+            </a:r>
+            <a:r>
+              <a:rPr lang="en-US" sz="1800" dirty="0" err="1">
+                <a:latin typeface="Consolas" panose="020B0609020204030204" pitchFamily="49" charset="0"/>
+              </a:rPr>
+              <a:t>IdTable</a:t>
+            </a:r>
+            <a:r>
+              <a:rPr lang="en-US" sz="1800" dirty="0">
+                <a:latin typeface="Consolas" panose="020B0609020204030204" pitchFamily="49" charset="0"/>
+              </a:rPr>
+              <a:t>();</a:t>
+            </a:r>
+          </a:p>
+          <a:p>
+            <a:pPr marL="0" indent="0">
               <a:spcBef>
                 <a:spcPts val="200"/>
               </a:spcBef>
@@ -34066,12 +34077,24 @@
               <a:rPr lang="en-US" sz="1800" dirty="0">
                 <a:latin typeface="Consolas" panose="020B0609020204030204" pitchFamily="49" charset="0"/>
               </a:rPr>
-              <a:t>var scanner = new Scanner(source, 4, </a:t>
+              <a:t>var parser  = new Parser(scanner, </a:t>
             </a:r>
             <a:r>
               <a:rPr lang="en-US" sz="1800" dirty="0" err="1">
                 <a:latin typeface="Consolas" panose="020B0609020204030204" pitchFamily="49" charset="0"/>
               </a:rPr>
+              <a:t>idTable</a:t>
+            </a:r>
+            <a:r>
+              <a:rPr lang="en-US" sz="1800" dirty="0">
+                <a:latin typeface="Consolas" panose="020B0609020204030204" pitchFamily="49" charset="0"/>
+              </a:rPr>
+              <a:t>, </a:t>
+            </a:r>
+            <a:r>
+              <a:rPr lang="en-US" sz="1800" dirty="0" err="1">
+                <a:latin typeface="Consolas" panose="020B0609020204030204" pitchFamily="49" charset="0"/>
+              </a:rPr>
               <a:t>errorHandler</a:t>
             </a:r>
             <a:r>
@@ -34082,83 +34105,7 @@
             </a:r>
           </a:p>
           <a:p>
-            <a:pPr marL="182880" indent="0">
-              <a:spcBef>
-                <a:spcPts val="200"/>
-              </a:spcBef>
-              <a:buNone/>
-            </a:pPr>
-            <a:r>
-              <a:rPr lang="en-US" sz="1800" dirty="0">
-                <a:latin typeface="Consolas" panose="020B0609020204030204" pitchFamily="49" charset="0"/>
-              </a:rPr>
-              <a:t>var </a:t>
-            </a:r>
-            <a:r>
-              <a:rPr lang="en-US" sz="1800" dirty="0" err="1">
-                <a:latin typeface="Consolas" panose="020B0609020204030204" pitchFamily="49" charset="0"/>
-              </a:rPr>
-              <a:t>idTable</a:t>
-            </a:r>
-            <a:r>
-              <a:rPr lang="en-US" sz="1800" dirty="0">
-                <a:latin typeface="Consolas" panose="020B0609020204030204" pitchFamily="49" charset="0"/>
-              </a:rPr>
-              <a:t> = new </a:t>
-            </a:r>
-            <a:r>
-              <a:rPr lang="en-US" sz="1800" dirty="0" err="1">
-                <a:latin typeface="Consolas" panose="020B0609020204030204" pitchFamily="49" charset="0"/>
-              </a:rPr>
-              <a:t>IdTable</a:t>
-            </a:r>
-            <a:r>
-              <a:rPr lang="en-US" sz="1800" dirty="0">
-                <a:latin typeface="Consolas" panose="020B0609020204030204" pitchFamily="49" charset="0"/>
-              </a:rPr>
-              <a:t>();</a:t>
-            </a:r>
-          </a:p>
-          <a:p>
-            <a:pPr marL="182880" indent="0">
-              <a:spcBef>
-                <a:spcPts val="200"/>
-              </a:spcBef>
-              <a:buNone/>
-            </a:pPr>
-            <a:r>
-              <a:rPr lang="en-US" sz="1800" dirty="0">
-                <a:latin typeface="Consolas" panose="020B0609020204030204" pitchFamily="49" charset="0"/>
-              </a:rPr>
-              <a:t>var parser  = new Parser(scanner, </a:t>
-            </a:r>
-            <a:r>
-              <a:rPr lang="en-US" sz="1800" dirty="0" err="1">
-                <a:latin typeface="Consolas" panose="020B0609020204030204" pitchFamily="49" charset="0"/>
-              </a:rPr>
-              <a:t>idTable</a:t>
-            </a:r>
-            <a:r>
-              <a:rPr lang="en-US" sz="1800" dirty="0">
-                <a:latin typeface="Consolas" panose="020B0609020204030204" pitchFamily="49" charset="0"/>
-              </a:rPr>
-              <a:t>, </a:t>
-            </a:r>
-            <a:r>
-              <a:rPr lang="en-US" sz="1800" dirty="0" err="1">
-                <a:latin typeface="Consolas" panose="020B0609020204030204" pitchFamily="49" charset="0"/>
-              </a:rPr>
-              <a:t>errorHandler</a:t>
-            </a:r>
-            <a:r>
-              <a:rPr lang="en-US" sz="1800" dirty="0">
-                <a:latin typeface="Consolas" panose="020B0609020204030204" pitchFamily="49" charset="0"/>
-              </a:rPr>
-              <a:t>);</a:t>
-            </a:r>
-          </a:p>
-          <a:p>
-            <a:pPr marL="182880" indent="0">
+            <a:pPr marL="0" indent="0">
               <a:spcBef>
                 <a:spcPts val="200"/>
               </a:spcBef>

--- a/PowerPoints/06 - Syntax Analysis.pptx
+++ b/PowerPoints/06 - Syntax Analysis.pptx
@@ -34,8 +34,8 @@
     <p:sldId id="373" r:id="rId22"/>
     <p:sldId id="345" r:id="rId23"/>
     <p:sldId id="339" r:id="rId24"/>
-    <p:sldId id="341" r:id="rId25"/>
-    <p:sldId id="342" r:id="rId26"/>
+    <p:sldId id="400" r:id="rId25"/>
+    <p:sldId id="401" r:id="rId26"/>
     <p:sldId id="346" r:id="rId27"/>
     <p:sldId id="347" r:id="rId28"/>
     <p:sldId id="385" r:id="rId29"/>
@@ -89,7 +89,7 @@
     <p:sldId id="399" r:id="rId77"/>
   </p:sldIdLst>
   <p:sldSz cx="9144000" cy="6858000" type="screen4x3"/>
-  <p:notesSz cx="7010400" cy="9296400"/>
+  <p:notesSz cx="7315200" cy="9601200"/>
   <p:defaultTextStyle>
     <a:defPPr>
       <a:defRPr lang="en-US"/>
@@ -232,12 +232,12 @@
     </p:ext>
     <p:ext uri="{2D200454-40CA-4A62-9FC3-DE9A4176ACB9}">
       <p15:notesGuideLst xmlns:p15="http://schemas.microsoft.com/office/powerpoint/2012/main">
-        <p15:guide id="1" orient="horz" pos="2928" userDrawn="1">
+        <p15:guide id="1" orient="horz" pos="3024" userDrawn="1">
           <p15:clr>
             <a:srgbClr val="A4A3A4"/>
           </p15:clr>
         </p15:guide>
-        <p15:guide id="2" pos="2208" userDrawn="1">
+        <p15:guide id="2" pos="2304" userDrawn="1">
           <p15:clr>
             <a:srgbClr val="A4A3A4"/>
           </p15:clr>
@@ -285,8 +285,8 @@
         </p:nvSpPr>
         <p:spPr bwMode="auto">
           <a:xfrm>
-            <a:off x="3971927" y="0"/>
-            <a:ext cx="3038475" cy="465138"/>
+            <a:off x="4144620" y="0"/>
+            <a:ext cx="3170583" cy="480388"/>
           </a:xfrm>
           <a:prstGeom prst="rect">
             <a:avLst/>
@@ -301,13 +301,13 @@
           <a:effectLst/>
         </p:spPr>
         <p:txBody>
-          <a:bodyPr vert="horz" wrap="square" lIns="93164" tIns="46582" rIns="93164" bIns="46582" numCol="1" anchor="t" anchorCtr="0" compatLnSpc="1">
+          <a:bodyPr vert="horz" wrap="square" lIns="96639" tIns="48320" rIns="96639" bIns="48320" numCol="1" anchor="t" anchorCtr="0" compatLnSpc="1">
             <a:prstTxWarp prst="textNoShape">
               <a:avLst/>
             </a:prstTxWarp>
           </a:bodyPr>
           <a:lstStyle>
-            <a:lvl1pPr algn="r" defTabSz="931726">
+            <a:lvl1pPr algn="r" defTabSz="966479">
               <a:defRPr sz="1200" smtClean="0"/>
             </a:lvl1pPr>
           </a:lstStyle>
@@ -336,8 +336,8 @@
         </p:nvSpPr>
         <p:spPr bwMode="auto">
           <a:xfrm>
-            <a:off x="3971927" y="8831265"/>
-            <a:ext cx="3038475" cy="465137"/>
+            <a:off x="4144620" y="9120815"/>
+            <a:ext cx="3170583" cy="480387"/>
           </a:xfrm>
           <a:prstGeom prst="rect">
             <a:avLst/>
@@ -352,13 +352,13 @@
           <a:effectLst/>
         </p:spPr>
         <p:txBody>
-          <a:bodyPr vert="horz" wrap="square" lIns="93164" tIns="46582" rIns="93164" bIns="46582" numCol="1" anchor="b" anchorCtr="0" compatLnSpc="1">
+          <a:bodyPr vert="horz" wrap="square" lIns="96639" tIns="48320" rIns="96639" bIns="48320" numCol="1" anchor="b" anchorCtr="0" compatLnSpc="1">
             <a:prstTxWarp prst="textNoShape">
               <a:avLst/>
             </a:prstTxWarp>
           </a:bodyPr>
           <a:lstStyle>
-            <a:lvl1pPr algn="r" defTabSz="931726">
+            <a:lvl1pPr algn="r" defTabSz="966479">
               <a:defRPr sz="1200" smtClean="0"/>
             </a:lvl1pPr>
           </a:lstStyle>
@@ -436,7 +436,7 @@
         <p:spPr bwMode="auto">
           <a:xfrm>
             <a:off x="2" y="0"/>
-            <a:ext cx="3038475" cy="465138"/>
+            <a:ext cx="3170583" cy="480388"/>
           </a:xfrm>
           <a:prstGeom prst="rect">
             <a:avLst/>
@@ -451,13 +451,13 @@
           <a:effectLst/>
         </p:spPr>
         <p:txBody>
-          <a:bodyPr vert="horz" wrap="square" lIns="93164" tIns="46582" rIns="93164" bIns="46582" numCol="1" anchor="t" anchorCtr="0" compatLnSpc="1">
+          <a:bodyPr vert="horz" wrap="square" lIns="96639" tIns="48320" rIns="96639" bIns="48320" numCol="1" anchor="t" anchorCtr="0" compatLnSpc="1">
             <a:prstTxWarp prst="textNoShape">
               <a:avLst/>
             </a:prstTxWarp>
           </a:bodyPr>
           <a:lstStyle>
-            <a:lvl1pPr algn="l" defTabSz="931726">
+            <a:lvl1pPr algn="l" defTabSz="966479">
               <a:defRPr sz="1200" smtClean="0"/>
             </a:lvl1pPr>
           </a:lstStyle>
@@ -484,8 +484,8 @@
         </p:nvSpPr>
         <p:spPr bwMode="auto">
           <a:xfrm>
-            <a:off x="3971927" y="0"/>
-            <a:ext cx="3038475" cy="465138"/>
+            <a:off x="4144620" y="0"/>
+            <a:ext cx="3170583" cy="480388"/>
           </a:xfrm>
           <a:prstGeom prst="rect">
             <a:avLst/>
@@ -500,13 +500,13 @@
           <a:effectLst/>
         </p:spPr>
         <p:txBody>
-          <a:bodyPr vert="horz" wrap="square" lIns="93164" tIns="46582" rIns="93164" bIns="46582" numCol="1" anchor="t" anchorCtr="0" compatLnSpc="1">
+          <a:bodyPr vert="horz" wrap="square" lIns="96639" tIns="48320" rIns="96639" bIns="48320" numCol="1" anchor="t" anchorCtr="0" compatLnSpc="1">
             <a:prstTxWarp prst="textNoShape">
               <a:avLst/>
             </a:prstTxWarp>
           </a:bodyPr>
           <a:lstStyle>
-            <a:lvl1pPr algn="r" defTabSz="931726">
+            <a:lvl1pPr algn="r" defTabSz="966479">
               <a:defRPr sz="1200" smtClean="0"/>
             </a:lvl1pPr>
           </a:lstStyle>
@@ -530,8 +530,8 @@
         </p:nvSpPr>
         <p:spPr bwMode="auto">
           <a:xfrm>
-            <a:off x="1181100" y="696913"/>
-            <a:ext cx="4648200" cy="3486150"/>
+            <a:off x="1257300" y="719138"/>
+            <a:ext cx="4800600" cy="3600450"/>
           </a:xfrm>
           <a:prstGeom prst="rect">
             <a:avLst/>
@@ -559,8 +559,8 @@
         </p:nvSpPr>
         <p:spPr bwMode="auto">
           <a:xfrm>
-            <a:off x="935040" y="4416427"/>
-            <a:ext cx="5140325" cy="4183063"/>
+            <a:off x="975695" y="4561228"/>
+            <a:ext cx="5363817" cy="4320213"/>
           </a:xfrm>
           <a:prstGeom prst="rect">
             <a:avLst/>
@@ -575,7 +575,7 @@
           <a:effectLst/>
         </p:spPr>
         <p:txBody>
-          <a:bodyPr vert="horz" wrap="square" lIns="93164" tIns="46582" rIns="93164" bIns="46582" numCol="1" anchor="t" anchorCtr="0" compatLnSpc="1">
+          <a:bodyPr vert="horz" wrap="square" lIns="96639" tIns="48320" rIns="96639" bIns="48320" numCol="1" anchor="t" anchorCtr="0" compatLnSpc="1">
             <a:prstTxWarp prst="textNoShape">
               <a:avLst/>
             </a:prstTxWarp>
@@ -630,8 +630,8 @@
         </p:nvSpPr>
         <p:spPr bwMode="auto">
           <a:xfrm>
-            <a:off x="2" y="8831265"/>
-            <a:ext cx="3038475" cy="465137"/>
+            <a:off x="2" y="9120815"/>
+            <a:ext cx="3170583" cy="480387"/>
           </a:xfrm>
           <a:prstGeom prst="rect">
             <a:avLst/>
@@ -646,13 +646,13 @@
           <a:effectLst/>
         </p:spPr>
         <p:txBody>
-          <a:bodyPr vert="horz" wrap="square" lIns="93164" tIns="46582" rIns="93164" bIns="46582" numCol="1" anchor="b" anchorCtr="0" compatLnSpc="1">
+          <a:bodyPr vert="horz" wrap="square" lIns="96639" tIns="48320" rIns="96639" bIns="48320" numCol="1" anchor="b" anchorCtr="0" compatLnSpc="1">
             <a:prstTxWarp prst="textNoShape">
               <a:avLst/>
             </a:prstTxWarp>
           </a:bodyPr>
           <a:lstStyle>
-            <a:lvl1pPr algn="l" defTabSz="931726">
+            <a:lvl1pPr algn="l" defTabSz="966479">
               <a:defRPr sz="1200" smtClean="0"/>
             </a:lvl1pPr>
           </a:lstStyle>
@@ -676,8 +676,8 @@
         </p:nvSpPr>
         <p:spPr bwMode="auto">
           <a:xfrm>
-            <a:off x="3971927" y="8831265"/>
-            <a:ext cx="3038475" cy="465137"/>
+            <a:off x="4144620" y="9120815"/>
+            <a:ext cx="3170583" cy="480387"/>
           </a:xfrm>
           <a:prstGeom prst="rect">
             <a:avLst/>
@@ -692,13 +692,13 @@
           <a:effectLst/>
         </p:spPr>
         <p:txBody>
-          <a:bodyPr vert="horz" wrap="square" lIns="93164" tIns="46582" rIns="93164" bIns="46582" numCol="1" anchor="b" anchorCtr="0" compatLnSpc="1">
+          <a:bodyPr vert="horz" wrap="square" lIns="96639" tIns="48320" rIns="96639" bIns="48320" numCol="1" anchor="b" anchorCtr="0" compatLnSpc="1">
             <a:prstTxWarp prst="textNoShape">
               <a:avLst/>
             </a:prstTxWarp>
           </a:bodyPr>
           <a:lstStyle>
-            <a:lvl1pPr algn="r" defTabSz="931726">
+            <a:lvl1pPr algn="r" defTabSz="966479">
               <a:defRPr sz="1200" smtClean="0"/>
             </a:lvl1pPr>
           </a:lstStyle>
@@ -5248,7 +5248,7 @@
           <a:bodyPr/>
           <a:lstStyle/>
           <a:p>
-            <a:pPr defTabSz="930138"/>
+            <a:pPr defTabSz="964832"/>
             <a:r>
               <a:rPr lang="en-US"/>
               <a:t>Subprograms</a:t>
@@ -5273,10 +5273,10 @@
           <a:bodyPr/>
           <a:lstStyle/>
           <a:p>
-            <a:pPr defTabSz="930138"/>
+            <a:pPr defTabSz="964832"/>
             <a:fld id="{F7624EB1-F083-4E77-9F78-569C6646FEF6}" type="slidenum">
               <a:rPr lang="en-US" smtClean="0"/>
-              <a:pPr defTabSz="930138"/>
+              <a:pPr defTabSz="964832"/>
               <a:t>52</a:t>
             </a:fld>
             <a:endParaRPr lang="en-US"/>
@@ -5366,7 +5366,7 @@
           <a:bodyPr/>
           <a:lstStyle/>
           <a:p>
-            <a:pPr defTabSz="930138"/>
+            <a:pPr defTabSz="964832"/>
             <a:r>
               <a:rPr lang="en-US"/>
               <a:t>Subprograms</a:t>
@@ -5391,10 +5391,10 @@
           <a:bodyPr/>
           <a:lstStyle/>
           <a:p>
-            <a:pPr defTabSz="930138"/>
+            <a:pPr defTabSz="964832"/>
             <a:fld id="{F7624EB1-F083-4E77-9F78-569C6646FEF6}" type="slidenum">
               <a:rPr lang="en-US" smtClean="0"/>
-              <a:pPr defTabSz="930138"/>
+              <a:pPr defTabSz="964832"/>
               <a:t>53</a:t>
             </a:fld>
             <a:endParaRPr lang="en-US"/>
@@ -5599,7 +5599,7 @@
           <a:bodyPr/>
           <a:lstStyle/>
           <a:p>
-            <a:pPr defTabSz="930138"/>
+            <a:pPr defTabSz="964832"/>
             <a:r>
               <a:rPr lang="en-US"/>
               <a:t>Subprograms</a:t>
@@ -5624,10 +5624,10 @@
           <a:bodyPr/>
           <a:lstStyle/>
           <a:p>
-            <a:pPr defTabSz="930138"/>
+            <a:pPr defTabSz="964832"/>
             <a:fld id="{D92411FA-7305-4EA7-A40B-F5D90476B901}" type="slidenum">
               <a:rPr lang="en-US" smtClean="0"/>
-              <a:pPr defTabSz="930138"/>
+              <a:pPr defTabSz="964832"/>
               <a:t>56</a:t>
             </a:fld>
             <a:endParaRPr lang="en-US"/>
@@ -5717,7 +5717,7 @@
           <a:bodyPr/>
           <a:lstStyle/>
           <a:p>
-            <a:pPr defTabSz="930138"/>
+            <a:pPr defTabSz="964832"/>
             <a:r>
               <a:rPr lang="en-US"/>
               <a:t>Subprograms</a:t>
@@ -5742,10 +5742,10 @@
           <a:bodyPr/>
           <a:lstStyle/>
           <a:p>
-            <a:pPr defTabSz="930138"/>
+            <a:pPr defTabSz="964832"/>
             <a:fld id="{D92411FA-7305-4EA7-A40B-F5D90476B901}" type="slidenum">
               <a:rPr lang="en-US" smtClean="0"/>
-              <a:pPr defTabSz="930138"/>
+              <a:pPr defTabSz="964832"/>
               <a:t>57</a:t>
             </a:fld>
             <a:endParaRPr lang="en-US"/>
@@ -5952,7 +5952,7 @@
           <a:bodyPr/>
           <a:lstStyle/>
           <a:p>
-            <a:pPr defTabSz="930138"/>
+            <a:pPr defTabSz="964832"/>
             <a:r>
               <a:rPr lang="en-US"/>
               <a:t>Subprograms</a:t>
@@ -5977,10 +5977,10 @@
           <a:bodyPr/>
           <a:lstStyle/>
           <a:p>
-            <a:pPr defTabSz="930138"/>
+            <a:pPr defTabSz="964832"/>
             <a:fld id="{E4963487-933C-4DBA-A7C2-D88BC4B3A77E}" type="slidenum">
               <a:rPr lang="en-US" smtClean="0"/>
-              <a:pPr defTabSz="930138"/>
+              <a:pPr defTabSz="964832"/>
               <a:t>59</a:t>
             </a:fld>
             <a:endParaRPr lang="en-US"/>
@@ -6196,7 +6196,7 @@
           <a:bodyPr/>
           <a:lstStyle/>
           <a:p>
-            <a:pPr defTabSz="930138"/>
+            <a:pPr defTabSz="964832"/>
             <a:r>
               <a:rPr lang="en-US"/>
               <a:t>Subprograms</a:t>
@@ -6221,10 +6221,10 @@
           <a:bodyPr/>
           <a:lstStyle/>
           <a:p>
-            <a:pPr defTabSz="930138"/>
+            <a:pPr defTabSz="964832"/>
             <a:fld id="{E4963487-933C-4DBA-A7C2-D88BC4B3A77E}" type="slidenum">
               <a:rPr lang="en-US" smtClean="0"/>
-              <a:pPr defTabSz="930138"/>
+              <a:pPr defTabSz="964832"/>
               <a:t>60</a:t>
             </a:fld>
             <a:endParaRPr lang="en-US"/>
@@ -6314,7 +6314,7 @@
           <a:bodyPr/>
           <a:lstStyle/>
           <a:p>
-            <a:pPr defTabSz="930138"/>
+            <a:pPr defTabSz="964832"/>
             <a:r>
               <a:rPr lang="en-US"/>
               <a:t>Subprograms</a:t>
@@ -6339,10 +6339,10 @@
           <a:bodyPr/>
           <a:lstStyle/>
           <a:p>
-            <a:pPr defTabSz="930138"/>
+            <a:pPr defTabSz="964832"/>
             <a:fld id="{E4963487-933C-4DBA-A7C2-D88BC4B3A77E}" type="slidenum">
               <a:rPr lang="en-US" smtClean="0"/>
-              <a:pPr defTabSz="930138"/>
+              <a:pPr defTabSz="964832"/>
               <a:t>61</a:t>
             </a:fld>
             <a:endParaRPr lang="en-US"/>
@@ -12169,6 +12169,68 @@
           </a:p>
         </p:txBody>
       </p:sp>
+      <p:sp>
+        <p:nvSpPr>
+          <p:cNvPr id="2" name="TextBox 1">
+            <a:extLst>
+              <a:ext uri="{FF2B5EF4-FFF2-40B4-BE49-F238E27FC236}">
+                <a16:creationId xmlns:a16="http://schemas.microsoft.com/office/drawing/2014/main" id="{934EE5EE-765C-EEA0-0C72-F050BF27EDA5}"/>
+              </a:ext>
+            </a:extLst>
+          </p:cNvPr>
+          <p:cNvSpPr txBox="1"/>
+          <p:nvPr/>
+        </p:nvSpPr>
+        <p:spPr>
+          <a:xfrm>
+            <a:off x="1201526" y="3505200"/>
+            <a:ext cx="6740948" cy="1569660"/>
+          </a:xfrm>
+          <a:prstGeom prst="rect">
+            <a:avLst/>
+          </a:prstGeom>
+          <a:noFill/>
+          <a:ln>
+            <a:solidFill>
+              <a:schemeClr val="tx1"/>
+            </a:solidFill>
+          </a:ln>
+        </p:spPr>
+        <p:txBody>
+          <a:bodyPr wrap="none" rtlCol="0">
+            <a:spAutoFit/>
+          </a:bodyPr>
+          <a:lstStyle/>
+          <a:p>
+            <a:pPr algn="l"/>
+            <a:r>
+              <a:rPr lang="en-US" dirty="0"/>
+              <a:t>The examples that follow use braces “{” and “}” </a:t>
+            </a:r>
+          </a:p>
+          <a:p>
+            <a:pPr algn="l"/>
+            <a:r>
+              <a:rPr lang="en-US" dirty="0"/>
+              <a:t>both as set notation to indicate membership and</a:t>
+            </a:r>
+          </a:p>
+          <a:p>
+            <a:pPr algn="l"/>
+            <a:r>
+              <a:rPr lang="en-US" dirty="0"/>
+              <a:t>as grammar notation to indicate zero or more.  </a:t>
+            </a:r>
+          </a:p>
+          <a:p>
+            <a:pPr algn="l"/>
+            <a:r>
+              <a:rPr lang="en-US" dirty="0"/>
+              <a:t>The meaning should be clear from the context.</a:t>
+            </a:r>
+          </a:p>
+        </p:txBody>
+      </p:sp>
     </p:spTree>
   </p:cSld>
   <p:clrMapOvr>
@@ -12690,7 +12752,7 @@
               <a:rPr lang="en-US" sz="2000" dirty="0" err="1">
                 <a:latin typeface="Consolas" panose="020B0609020204030204" pitchFamily="49" charset="0"/>
               </a:rPr>
-              <a:t>arrayTypeDecl</a:t>
+              <a:t>typeDecl</a:t>
             </a:r>
             <a:r>
               <a:rPr lang="en-US" sz="2000" dirty="0">
@@ -12708,13 +12770,7 @@
               <a:rPr lang="en-US" sz="2000" dirty="0">
                 <a:latin typeface="Consolas" panose="020B0609020204030204" pitchFamily="49" charset="0"/>
               </a:rPr>
-              <a:t> "=" ( </a:t>
-            </a:r>
-            <a:r>
-              <a:rPr lang="en-US" sz="2000" dirty="0" err="1">
-                <a:latin typeface="Consolas" panose="020B0609020204030204" pitchFamily="49" charset="0"/>
-              </a:rPr>
-              <a:t>arrayTypeDecl</a:t>
+              <a:t> "="</a:t>
             </a:r>
             <a:br>
               <a:rPr lang="en-US" sz="2000" dirty="0">
@@ -12725,7 +12781,19 @@
               <a:rPr lang="en-US" sz="2000" dirty="0">
                 <a:latin typeface="Consolas" panose="020B0609020204030204" pitchFamily="49" charset="0"/>
               </a:rPr>
-              <a:t>           | </a:t>
+              <a:t>    ( </a:t>
+            </a:r>
+            <a:r>
+              <a:rPr lang="en-US" sz="2000" dirty="0" err="1">
+                <a:latin typeface="Consolas" panose="020B0609020204030204" pitchFamily="49" charset="0"/>
+              </a:rPr>
+              <a:t>arrayTypeDecl</a:t>
+            </a:r>
+            <a:r>
+              <a:rPr lang="en-US" sz="2000" dirty="0">
+                <a:latin typeface="Consolas" panose="020B0609020204030204" pitchFamily="49" charset="0"/>
+              </a:rPr>
+              <a:t> | </a:t>
             </a:r>
             <a:r>
               <a:rPr lang="en-US" sz="2000" dirty="0" err="1">
@@ -12766,7 +12834,7 @@
               <a:rPr lang="en-US" sz="2000" dirty="0" err="1">
                 <a:latin typeface="Consolas" panose="020B0609020204030204" pitchFamily="49" charset="0"/>
               </a:rPr>
-              <a:t>arrayTypeDecl</a:t>
+              <a:t>typeDecl</a:t>
             </a:r>
             <a:r>
               <a:rPr lang="en-US" sz="2000" dirty="0">
@@ -13189,7 +13257,7 @@
               <a:rPr lang="en-US" sz="2200" dirty="0">
                 <a:latin typeface="Consolas" panose="020B0609020204030204" pitchFamily="49" charset="0"/>
               </a:rPr>
-              <a:t>First(E) ∪ First(F) ⊆ First([E] F)</a:t>
+              <a:t>First(E) ∪ First(F) ⊆ First({E} F)</a:t>
             </a:r>
             <a:r>
               <a:rPr lang="en-US" sz="2200" dirty="0"/>
@@ -13983,7 +14051,7 @@
     </p:spTree>
     <p:extLst>
       <p:ext uri="{BB962C8B-B14F-4D97-AF65-F5344CB8AC3E}">
-        <p14:creationId xmlns:p14="http://schemas.microsoft.com/office/powerpoint/2010/main" val="3071633791"/>
+        <p14:creationId xmlns:p14="http://schemas.microsoft.com/office/powerpoint/2010/main" val="664005165"/>
       </p:ext>
     </p:extLst>
   </p:cSld>
@@ -14294,7 +14362,7 @@
     </p:spTree>
     <p:extLst>
       <p:ext uri="{BB962C8B-B14F-4D97-AF65-F5344CB8AC3E}">
-        <p14:creationId xmlns:p14="http://schemas.microsoft.com/office/powerpoint/2010/main" val="3530960666"/>
+        <p14:creationId xmlns:p14="http://schemas.microsoft.com/office/powerpoint/2010/main" val="1774830597"/>
       </p:ext>
     </p:extLst>
   </p:cSld>
@@ -21028,11 +21096,14 @@
                 <a:defRPr/>
               </a:pPr>
               <a:r>
-                <a:rPr lang="en-US" sz="1800" kern="0" dirty="0">
+                <a:rPr lang="en-US" sz="1800" kern="0" dirty="0" err="1">
                   <a:latin typeface="Arial" charset="0"/>
                 </a:rPr>
                 <a:t>subprogramDecls</a:t>
               </a:r>
+              <a:endParaRPr lang="en-US" sz="1800" kern="0" dirty="0">
+                <a:latin typeface="Arial" charset="0"/>
+              </a:endParaRPr>
             </a:p>
           </p:txBody>
         </p:sp>
@@ -27493,7 +27564,19 @@
               <a:rPr lang="en-US" dirty="0">
                 <a:latin typeface="Consolas" panose="020B0609020204030204" pitchFamily="49" charset="0"/>
               </a:rPr>
-              <a:t>public IdType get(String </a:t>
+              <a:t>public IdType get(</a:t>
+            </a:r>
+            <a:r>
+              <a:rPr lang="en-US" dirty="0" err="1">
+                <a:latin typeface="Consolas" panose="020B0609020204030204" pitchFamily="49" charset="0"/>
+              </a:rPr>
+              <a:t>Strine</a:t>
+            </a:r>
+            <a:r>
+              <a:rPr lang="en-US" dirty="0">
+                <a:latin typeface="Consolas" panose="020B0609020204030204" pitchFamily="49" charset="0"/>
+              </a:rPr>
+              <a:t> </a:t>
             </a:r>
             <a:r>
               <a:rPr lang="en-US" dirty="0" err="1">

--- a/PowerPoints/06 - Syntax Analysis.pptx
+++ b/PowerPoints/06 - Syntax Analysis.pptx
@@ -20199,7 +20199,7 @@
           <a:p>
             <a:r>
               <a:rPr lang="en-US" sz="2350" dirty="0"/>
-              <a:t>In practice, the syntax of most programming languages can be defined, or at least closely approximated, by an LL(1) grammar</a:t>
+              <a:t>In practice, the syntax of most programming languages can be defined, or at least closely approximated, by an LL(k) grammar</a:t>
             </a:r>
           </a:p>
           <a:p>
@@ -20447,8 +20447,8 @@
         </p:nvSpPr>
         <p:spPr>
           <a:xfrm>
-            <a:off x="458788" y="1363663"/>
-            <a:ext cx="8226425" cy="4935537"/>
+            <a:off x="458787" y="1363663"/>
+            <a:ext cx="8321040" cy="4935537"/>
           </a:xfrm>
         </p:spPr>
         <p:txBody>
@@ -20465,16 +20465,50 @@
               <a:buNone/>
             </a:pPr>
             <a:r>
+              <a:rPr lang="en-US" sz="1800" dirty="0">
+                <a:latin typeface="Consolas" panose="020B0609020204030204" pitchFamily="49" charset="0"/>
+              </a:rPr>
+              <a:t>parseLoopStmt()         // called when parsing the outer loop</a:t>
+            </a:r>
+          </a:p>
+          <a:p>
+            <a:pPr marL="457200" lvl="1" indent="0">
+              <a:spcBef>
+                <a:spcPts val="100"/>
+              </a:spcBef>
+              <a:buNone/>
+            </a:pPr>
+            <a:r>
+              <a:rPr lang="en-US" sz="1800" dirty="0">
+                <a:latin typeface="Consolas" panose="020B0609020204030204" pitchFamily="49" charset="0"/>
+              </a:rPr>
+              <a:t>   ...</a:t>
+            </a:r>
+          </a:p>
+          <a:p>
+            <a:pPr marL="457200" lvl="1" indent="0">
+              <a:spcBef>
+                <a:spcPts val="100"/>
+              </a:spcBef>
+              <a:buNone/>
+            </a:pPr>
+            <a:r>
+              <a:rPr lang="en-US" sz="1800" dirty="0">
+                <a:latin typeface="Consolas" panose="020B0609020204030204" pitchFamily="49" charset="0"/>
+              </a:rPr>
+              <a:t>   </a:t>
+            </a:r>
+            <a:r>
               <a:rPr lang="en-US" sz="1800" dirty="0" err="1">
                 <a:latin typeface="Consolas" panose="020B0609020204030204" pitchFamily="49" charset="0"/>
               </a:rPr>
-              <a:t>parseLoop</a:t>
-            </a:r>
-            <a:r>
-              <a:rPr lang="en-US" sz="1800" dirty="0">
-                <a:latin typeface="Consolas" panose="020B0609020204030204" pitchFamily="49" charset="0"/>
-              </a:rPr>
-              <a:t>()         // called when parsing the outer loop</a:t>
+              <a:t>parseCompoundStmt</a:t>
+            </a:r>
+            <a:r>
+              <a:rPr lang="en-US" sz="1800" dirty="0">
+                <a:latin typeface="Consolas" panose="020B0609020204030204" pitchFamily="49" charset="0"/>
+              </a:rPr>
+              <a:t>()</a:t>
             </a:r>
           </a:p>
           <a:p>
@@ -20488,7 +20522,7 @@
               <a:rPr lang="en-US" sz="1800" dirty="0">
                 <a:latin typeface="Consolas" panose="020B0609020204030204" pitchFamily="49" charset="0"/>
               </a:rPr>
-              <a:t>   ...</a:t>
+              <a:t>      ...</a:t>
             </a:r>
           </a:p>
           <a:p>
@@ -20502,59 +20536,19 @@
               <a:rPr lang="en-US" sz="1800" dirty="0">
                 <a:latin typeface="Consolas" panose="020B0609020204030204" pitchFamily="49" charset="0"/>
               </a:rPr>
-              <a:t>   </a:t>
-            </a:r>
-            <a:r>
-              <a:rPr lang="en-US" sz="1800" dirty="0" err="1">
-                <a:latin typeface="Consolas" panose="020B0609020204030204" pitchFamily="49" charset="0"/>
-              </a:rPr>
-              <a:t>parseCompoundStmt</a:t>
-            </a:r>
-            <a:r>
-              <a:rPr lang="en-US" sz="1800" dirty="0">
-                <a:latin typeface="Consolas" panose="020B0609020204030204" pitchFamily="49" charset="0"/>
-              </a:rPr>
-              <a:t>()</a:t>
-            </a:r>
-          </a:p>
-          <a:p>
-            <a:pPr marL="457200" lvl="1" indent="0">
-              <a:spcBef>
-                <a:spcPts val="100"/>
-              </a:spcBef>
-              <a:buNone/>
-            </a:pPr>
-            <a:r>
-              <a:rPr lang="en-US" sz="1800" dirty="0">
-                <a:latin typeface="Consolas" panose="020B0609020204030204" pitchFamily="49" charset="0"/>
-              </a:rPr>
-              <a:t>      ...</a:t>
-            </a:r>
-          </a:p>
-          <a:p>
-            <a:pPr marL="457200" lvl="1" indent="0">
-              <a:spcBef>
-                <a:spcPts val="100"/>
-              </a:spcBef>
-              <a:buNone/>
-            </a:pPr>
-            <a:r>
-              <a:rPr lang="en-US" sz="1800" dirty="0">
-                <a:latin typeface="Consolas" panose="020B0609020204030204" pitchFamily="49" charset="0"/>
-              </a:rPr>
-              <a:t>      </a:t>
-            </a:r>
-            <a:r>
-              <a:rPr lang="en-US" sz="1800" dirty="0" err="1">
-                <a:latin typeface="Consolas" panose="020B0609020204030204" pitchFamily="49" charset="0"/>
-              </a:rPr>
-              <a:t>parseLoop</a:t>
-            </a:r>
-            <a:r>
-              <a:rPr lang="en-US" sz="1800" dirty="0">
-                <a:latin typeface="Consolas" panose="020B0609020204030204" pitchFamily="49" charset="0"/>
-              </a:rPr>
-              <a:t>()   // called when paring the inner loop</a:t>
+              <a:t>      parseLoopStmt()   // called </a:t>
+            </a:r>
+            <a:r>
+              <a:rPr lang="en-US" sz="1800">
+                <a:latin typeface="Consolas" panose="020B0609020204030204" pitchFamily="49" charset="0"/>
+              </a:rPr>
+              <a:t>when parsing </a:t>
+            </a:r>
+            <a:r>
+              <a:rPr lang="en-US" sz="1800" dirty="0">
+                <a:latin typeface="Consolas" panose="020B0609020204030204" pitchFamily="49" charset="0"/>
+              </a:rPr>
+              <a:t>the inner loop</a:t>
             </a:r>
           </a:p>
           <a:p>

--- a/PowerPoints/06 - Syntax Analysis.pptx
+++ b/PowerPoints/06 - Syntax Analysis.pptx
@@ -1,6 +1,6 @@
 
 <file path=ppt/presentation.xml><?xml version="1.0" encoding="utf-8"?>
-<p:presentation xmlns:a="http://schemas.openxmlformats.org/drawingml/2006/main" xmlns:r="http://schemas.openxmlformats.org/officeDocument/2006/relationships" xmlns:p="http://schemas.openxmlformats.org/presentationml/2006/main" saveSubsetFonts="1">
+<p:presentation xmlns:a="http://schemas.openxmlformats.org/drawingml/2006/main" xmlns:r="http://schemas.openxmlformats.org/officeDocument/2006/relationships" xmlns:p="http://schemas.openxmlformats.org/presentationml/2006/main" saveSubsetFonts="1" autoCompressPictures="0">
   <p:sldMasterIdLst>
     <p:sldMasterId id="2147483651" r:id="rId1"/>
   </p:sldMasterIdLst>
@@ -58,7 +58,7 @@
     <p:sldId id="370" r:id="rId46"/>
     <p:sldId id="258" r:id="rId47"/>
     <p:sldId id="271" r:id="rId48"/>
-    <p:sldId id="375" r:id="rId49"/>
+    <p:sldId id="355" r:id="rId49"/>
     <p:sldId id="376" r:id="rId50"/>
     <p:sldId id="377" r:id="rId51"/>
     <p:sldId id="378" r:id="rId52"/>
@@ -395,6 +395,7 @@
     </p:extLst>
   </p:cSld>
   <p:clrMap bg1="lt1" tx1="dk1" bg2="lt2" tx2="dk2" accent1="accent1" accent2="accent2" accent3="accent3" accent4="accent4" accent5="accent5" accent6="accent6" hlink="hlink" folHlink="folHlink"/>
+  <p:hf hdr="0" dt="0"/>
 </p:handoutMaster>
 </file>
 
@@ -725,7 +726,7 @@
     </p:extLst>
   </p:cSld>
   <p:clrMap bg1="lt1" tx1="dk1" bg2="lt2" tx2="dk2" accent1="accent1" accent2="accent2" accent3="accent3" accent4="accent4" accent5="accent5" accent6="accent6" hlink="hlink" folHlink="folHlink"/>
-  <p:hf ftr="0" dt="0"/>
+  <p:hf dt="0"/>
   <p:notesStyle>
     <a:lvl1pPr algn="l" rtl="0" eaLnBrk="0" fontAlgn="base" hangingPunct="0">
       <a:spcBef>
@@ -955,6 +956,34 @@
           </a:p>
         </p:txBody>
       </p:sp>
+      <p:sp>
+        <p:nvSpPr>
+          <p:cNvPr id="2" name="Footer Placeholder 1">
+            <a:extLst>
+              <a:ext uri="{FF2B5EF4-FFF2-40B4-BE49-F238E27FC236}">
+                <a16:creationId xmlns:a16="http://schemas.microsoft.com/office/drawing/2014/main" id="{EF6F6BBB-54CD-2A41-47D6-EF97D09B0021}"/>
+              </a:ext>
+            </a:extLst>
+          </p:cNvPr>
+          <p:cNvSpPr>
+            <a:spLocks noGrp="1"/>
+          </p:cNvSpPr>
+          <p:nvPr>
+            <p:ph type="ftr" sz="quarter" idx="4"/>
+          </p:nvPr>
+        </p:nvSpPr>
+        <p:spPr/>
+        <p:txBody>
+          <a:bodyPr/>
+          <a:lstStyle/>
+          <a:p>
+            <a:pPr>
+              <a:defRPr/>
+            </a:pPr>
+            <a:endParaRPr lang="en-US"/>
+          </a:p>
+        </p:txBody>
+      </p:sp>
     </p:spTree>
     <p:extLst>
       <p:ext uri="{BB962C8B-B14F-4D97-AF65-F5344CB8AC3E}">
@@ -1072,6 +1101,34 @@
           </a:p>
         </p:txBody>
       </p:sp>
+      <p:sp>
+        <p:nvSpPr>
+          <p:cNvPr id="6" name="Footer Placeholder 5">
+            <a:extLst>
+              <a:ext uri="{FF2B5EF4-FFF2-40B4-BE49-F238E27FC236}">
+                <a16:creationId xmlns:a16="http://schemas.microsoft.com/office/drawing/2014/main" id="{2FEB22EA-1098-2D62-C4BC-4658A9F0513E}"/>
+              </a:ext>
+            </a:extLst>
+          </p:cNvPr>
+          <p:cNvSpPr>
+            <a:spLocks noGrp="1"/>
+          </p:cNvSpPr>
+          <p:nvPr>
+            <p:ph type="ftr" sz="quarter" idx="4"/>
+          </p:nvPr>
+        </p:nvSpPr>
+        <p:spPr/>
+        <p:txBody>
+          <a:bodyPr/>
+          <a:lstStyle/>
+          <a:p>
+            <a:pPr>
+              <a:defRPr/>
+            </a:pPr>
+            <a:endParaRPr lang="en-US"/>
+          </a:p>
+        </p:txBody>
+      </p:sp>
     </p:spTree>
     <p:extLst>
       <p:ext uri="{BB962C8B-B14F-4D97-AF65-F5344CB8AC3E}">
@@ -1189,6 +1246,34 @@
           </a:p>
         </p:txBody>
       </p:sp>
+      <p:sp>
+        <p:nvSpPr>
+          <p:cNvPr id="6" name="Footer Placeholder 5">
+            <a:extLst>
+              <a:ext uri="{FF2B5EF4-FFF2-40B4-BE49-F238E27FC236}">
+                <a16:creationId xmlns:a16="http://schemas.microsoft.com/office/drawing/2014/main" id="{19791CEB-4539-CD14-4143-959511AE2626}"/>
+              </a:ext>
+            </a:extLst>
+          </p:cNvPr>
+          <p:cNvSpPr>
+            <a:spLocks noGrp="1"/>
+          </p:cNvSpPr>
+          <p:nvPr>
+            <p:ph type="ftr" sz="quarter" idx="4"/>
+          </p:nvPr>
+        </p:nvSpPr>
+        <p:spPr/>
+        <p:txBody>
+          <a:bodyPr/>
+          <a:lstStyle/>
+          <a:p>
+            <a:pPr>
+              <a:defRPr/>
+            </a:pPr>
+            <a:endParaRPr lang="en-US"/>
+          </a:p>
+        </p:txBody>
+      </p:sp>
     </p:spTree>
     <p:extLst>
       <p:ext uri="{BB962C8B-B14F-4D97-AF65-F5344CB8AC3E}">
@@ -1306,6 +1391,34 @@
           </a:p>
         </p:txBody>
       </p:sp>
+      <p:sp>
+        <p:nvSpPr>
+          <p:cNvPr id="6" name="Footer Placeholder 5">
+            <a:extLst>
+              <a:ext uri="{FF2B5EF4-FFF2-40B4-BE49-F238E27FC236}">
+                <a16:creationId xmlns:a16="http://schemas.microsoft.com/office/drawing/2014/main" id="{B03A319F-58E5-6D74-DAA8-5901A3667CB1}"/>
+              </a:ext>
+            </a:extLst>
+          </p:cNvPr>
+          <p:cNvSpPr>
+            <a:spLocks noGrp="1"/>
+          </p:cNvSpPr>
+          <p:nvPr>
+            <p:ph type="ftr" sz="quarter" idx="4"/>
+          </p:nvPr>
+        </p:nvSpPr>
+        <p:spPr/>
+        <p:txBody>
+          <a:bodyPr/>
+          <a:lstStyle/>
+          <a:p>
+            <a:pPr>
+              <a:defRPr/>
+            </a:pPr>
+            <a:endParaRPr lang="en-US"/>
+          </a:p>
+        </p:txBody>
+      </p:sp>
     </p:spTree>
     <p:extLst>
       <p:ext uri="{BB962C8B-B14F-4D97-AF65-F5344CB8AC3E}">
@@ -1423,6 +1536,34 @@
           </a:p>
         </p:txBody>
       </p:sp>
+      <p:sp>
+        <p:nvSpPr>
+          <p:cNvPr id="6" name="Footer Placeholder 5">
+            <a:extLst>
+              <a:ext uri="{FF2B5EF4-FFF2-40B4-BE49-F238E27FC236}">
+                <a16:creationId xmlns:a16="http://schemas.microsoft.com/office/drawing/2014/main" id="{589A4860-C86A-F40A-AF57-9ED8A350BD65}"/>
+              </a:ext>
+            </a:extLst>
+          </p:cNvPr>
+          <p:cNvSpPr>
+            <a:spLocks noGrp="1"/>
+          </p:cNvSpPr>
+          <p:nvPr>
+            <p:ph type="ftr" sz="quarter" idx="4"/>
+          </p:nvPr>
+        </p:nvSpPr>
+        <p:spPr/>
+        <p:txBody>
+          <a:bodyPr/>
+          <a:lstStyle/>
+          <a:p>
+            <a:pPr>
+              <a:defRPr/>
+            </a:pPr>
+            <a:endParaRPr lang="en-US"/>
+          </a:p>
+        </p:txBody>
+      </p:sp>
     </p:spTree>
     <p:extLst>
       <p:ext uri="{BB962C8B-B14F-4D97-AF65-F5344CB8AC3E}">
@@ -1540,6 +1681,34 @@
           </a:p>
         </p:txBody>
       </p:sp>
+      <p:sp>
+        <p:nvSpPr>
+          <p:cNvPr id="6" name="Footer Placeholder 5">
+            <a:extLst>
+              <a:ext uri="{FF2B5EF4-FFF2-40B4-BE49-F238E27FC236}">
+                <a16:creationId xmlns:a16="http://schemas.microsoft.com/office/drawing/2014/main" id="{A76FD7F7-3972-CE47-AAA4-E04EECAA7E9E}"/>
+              </a:ext>
+            </a:extLst>
+          </p:cNvPr>
+          <p:cNvSpPr>
+            <a:spLocks noGrp="1"/>
+          </p:cNvSpPr>
+          <p:nvPr>
+            <p:ph type="ftr" sz="quarter" idx="4"/>
+          </p:nvPr>
+        </p:nvSpPr>
+        <p:spPr/>
+        <p:txBody>
+          <a:bodyPr/>
+          <a:lstStyle/>
+          <a:p>
+            <a:pPr>
+              <a:defRPr/>
+            </a:pPr>
+            <a:endParaRPr lang="en-US"/>
+          </a:p>
+        </p:txBody>
+      </p:sp>
     </p:spTree>
     <p:extLst>
       <p:ext uri="{BB962C8B-B14F-4D97-AF65-F5344CB8AC3E}">
@@ -1657,6 +1826,34 @@
           </a:p>
         </p:txBody>
       </p:sp>
+      <p:sp>
+        <p:nvSpPr>
+          <p:cNvPr id="6" name="Footer Placeholder 5">
+            <a:extLst>
+              <a:ext uri="{FF2B5EF4-FFF2-40B4-BE49-F238E27FC236}">
+                <a16:creationId xmlns:a16="http://schemas.microsoft.com/office/drawing/2014/main" id="{A4A8A65C-E94F-9F6C-F239-10D7E9A743B8}"/>
+              </a:ext>
+            </a:extLst>
+          </p:cNvPr>
+          <p:cNvSpPr>
+            <a:spLocks noGrp="1"/>
+          </p:cNvSpPr>
+          <p:nvPr>
+            <p:ph type="ftr" sz="quarter" idx="4"/>
+          </p:nvPr>
+        </p:nvSpPr>
+        <p:spPr/>
+        <p:txBody>
+          <a:bodyPr/>
+          <a:lstStyle/>
+          <a:p>
+            <a:pPr>
+              <a:defRPr/>
+            </a:pPr>
+            <a:endParaRPr lang="en-US"/>
+          </a:p>
+        </p:txBody>
+      </p:sp>
     </p:spTree>
     <p:extLst>
       <p:ext uri="{BB962C8B-B14F-4D97-AF65-F5344CB8AC3E}">
@@ -1774,6 +1971,34 @@
           </a:p>
         </p:txBody>
       </p:sp>
+      <p:sp>
+        <p:nvSpPr>
+          <p:cNvPr id="6" name="Footer Placeholder 5">
+            <a:extLst>
+              <a:ext uri="{FF2B5EF4-FFF2-40B4-BE49-F238E27FC236}">
+                <a16:creationId xmlns:a16="http://schemas.microsoft.com/office/drawing/2014/main" id="{1F188A6D-6BC2-B694-5966-1E5AB972F30C}"/>
+              </a:ext>
+            </a:extLst>
+          </p:cNvPr>
+          <p:cNvSpPr>
+            <a:spLocks noGrp="1"/>
+          </p:cNvSpPr>
+          <p:nvPr>
+            <p:ph type="ftr" sz="quarter" idx="4"/>
+          </p:nvPr>
+        </p:nvSpPr>
+        <p:spPr/>
+        <p:txBody>
+          <a:bodyPr/>
+          <a:lstStyle/>
+          <a:p>
+            <a:pPr>
+              <a:defRPr/>
+            </a:pPr>
+            <a:endParaRPr lang="en-US"/>
+          </a:p>
+        </p:txBody>
+      </p:sp>
     </p:spTree>
     <p:extLst>
       <p:ext uri="{BB962C8B-B14F-4D97-AF65-F5344CB8AC3E}">
@@ -1891,6 +2116,34 @@
           </a:p>
         </p:txBody>
       </p:sp>
+      <p:sp>
+        <p:nvSpPr>
+          <p:cNvPr id="6" name="Footer Placeholder 5">
+            <a:extLst>
+              <a:ext uri="{FF2B5EF4-FFF2-40B4-BE49-F238E27FC236}">
+                <a16:creationId xmlns:a16="http://schemas.microsoft.com/office/drawing/2014/main" id="{8A61B463-FF55-8966-B3BF-F9BCFB15F983}"/>
+              </a:ext>
+            </a:extLst>
+          </p:cNvPr>
+          <p:cNvSpPr>
+            <a:spLocks noGrp="1"/>
+          </p:cNvSpPr>
+          <p:nvPr>
+            <p:ph type="ftr" sz="quarter" idx="4"/>
+          </p:nvPr>
+        </p:nvSpPr>
+        <p:spPr/>
+        <p:txBody>
+          <a:bodyPr/>
+          <a:lstStyle/>
+          <a:p>
+            <a:pPr>
+              <a:defRPr/>
+            </a:pPr>
+            <a:endParaRPr lang="en-US"/>
+          </a:p>
+        </p:txBody>
+      </p:sp>
     </p:spTree>
     <p:extLst>
       <p:ext uri="{BB962C8B-B14F-4D97-AF65-F5344CB8AC3E}">
@@ -2008,6 +2261,34 @@
           </a:p>
         </p:txBody>
       </p:sp>
+      <p:sp>
+        <p:nvSpPr>
+          <p:cNvPr id="6" name="Footer Placeholder 5">
+            <a:extLst>
+              <a:ext uri="{FF2B5EF4-FFF2-40B4-BE49-F238E27FC236}">
+                <a16:creationId xmlns:a16="http://schemas.microsoft.com/office/drawing/2014/main" id="{CC179EFE-E5CE-2170-97CE-39DB0F648939}"/>
+              </a:ext>
+            </a:extLst>
+          </p:cNvPr>
+          <p:cNvSpPr>
+            <a:spLocks noGrp="1"/>
+          </p:cNvSpPr>
+          <p:nvPr>
+            <p:ph type="ftr" sz="quarter" idx="4"/>
+          </p:nvPr>
+        </p:nvSpPr>
+        <p:spPr/>
+        <p:txBody>
+          <a:bodyPr/>
+          <a:lstStyle/>
+          <a:p>
+            <a:pPr>
+              <a:defRPr/>
+            </a:pPr>
+            <a:endParaRPr lang="en-US"/>
+          </a:p>
+        </p:txBody>
+      </p:sp>
     </p:spTree>
     <p:extLst>
       <p:ext uri="{BB962C8B-B14F-4D97-AF65-F5344CB8AC3E}">
@@ -2125,6 +2406,34 @@
           </a:p>
         </p:txBody>
       </p:sp>
+      <p:sp>
+        <p:nvSpPr>
+          <p:cNvPr id="6" name="Footer Placeholder 5">
+            <a:extLst>
+              <a:ext uri="{FF2B5EF4-FFF2-40B4-BE49-F238E27FC236}">
+                <a16:creationId xmlns:a16="http://schemas.microsoft.com/office/drawing/2014/main" id="{2C96E2EC-16E2-FF7B-F685-C22C76F86826}"/>
+              </a:ext>
+            </a:extLst>
+          </p:cNvPr>
+          <p:cNvSpPr>
+            <a:spLocks noGrp="1"/>
+          </p:cNvSpPr>
+          <p:nvPr>
+            <p:ph type="ftr" sz="quarter" idx="4"/>
+          </p:nvPr>
+        </p:nvSpPr>
+        <p:spPr/>
+        <p:txBody>
+          <a:bodyPr/>
+          <a:lstStyle/>
+          <a:p>
+            <a:pPr>
+              <a:defRPr/>
+            </a:pPr>
+            <a:endParaRPr lang="en-US"/>
+          </a:p>
+        </p:txBody>
+      </p:sp>
     </p:spTree>
     <p:extLst>
       <p:ext uri="{BB962C8B-B14F-4D97-AF65-F5344CB8AC3E}">
@@ -2242,6 +2551,34 @@
           </a:p>
         </p:txBody>
       </p:sp>
+      <p:sp>
+        <p:nvSpPr>
+          <p:cNvPr id="6" name="Footer Placeholder 5">
+            <a:extLst>
+              <a:ext uri="{FF2B5EF4-FFF2-40B4-BE49-F238E27FC236}">
+                <a16:creationId xmlns:a16="http://schemas.microsoft.com/office/drawing/2014/main" id="{38F89F4A-55B7-9E9D-E9FA-8DA4BBF9514E}"/>
+              </a:ext>
+            </a:extLst>
+          </p:cNvPr>
+          <p:cNvSpPr>
+            <a:spLocks noGrp="1"/>
+          </p:cNvSpPr>
+          <p:nvPr>
+            <p:ph type="ftr" sz="quarter" idx="4"/>
+          </p:nvPr>
+        </p:nvSpPr>
+        <p:spPr/>
+        <p:txBody>
+          <a:bodyPr/>
+          <a:lstStyle/>
+          <a:p>
+            <a:pPr>
+              <a:defRPr/>
+            </a:pPr>
+            <a:endParaRPr lang="en-US"/>
+          </a:p>
+        </p:txBody>
+      </p:sp>
     </p:spTree>
     <p:extLst>
       <p:ext uri="{BB962C8B-B14F-4D97-AF65-F5344CB8AC3E}">
@@ -2359,6 +2696,34 @@
           </a:p>
         </p:txBody>
       </p:sp>
+      <p:sp>
+        <p:nvSpPr>
+          <p:cNvPr id="6" name="Footer Placeholder 5">
+            <a:extLst>
+              <a:ext uri="{FF2B5EF4-FFF2-40B4-BE49-F238E27FC236}">
+                <a16:creationId xmlns:a16="http://schemas.microsoft.com/office/drawing/2014/main" id="{564F2F33-AA3E-4570-6664-859343795968}"/>
+              </a:ext>
+            </a:extLst>
+          </p:cNvPr>
+          <p:cNvSpPr>
+            <a:spLocks noGrp="1"/>
+          </p:cNvSpPr>
+          <p:nvPr>
+            <p:ph type="ftr" sz="quarter" idx="4"/>
+          </p:nvPr>
+        </p:nvSpPr>
+        <p:spPr/>
+        <p:txBody>
+          <a:bodyPr/>
+          <a:lstStyle/>
+          <a:p>
+            <a:pPr>
+              <a:defRPr/>
+            </a:pPr>
+            <a:endParaRPr lang="en-US"/>
+          </a:p>
+        </p:txBody>
+      </p:sp>
     </p:spTree>
     <p:extLst>
       <p:ext uri="{BB962C8B-B14F-4D97-AF65-F5344CB8AC3E}">
@@ -2476,6 +2841,34 @@
           </a:p>
         </p:txBody>
       </p:sp>
+      <p:sp>
+        <p:nvSpPr>
+          <p:cNvPr id="6" name="Footer Placeholder 5">
+            <a:extLst>
+              <a:ext uri="{FF2B5EF4-FFF2-40B4-BE49-F238E27FC236}">
+                <a16:creationId xmlns:a16="http://schemas.microsoft.com/office/drawing/2014/main" id="{8257AB88-0481-5C22-997B-5F44B6699328}"/>
+              </a:ext>
+            </a:extLst>
+          </p:cNvPr>
+          <p:cNvSpPr>
+            <a:spLocks noGrp="1"/>
+          </p:cNvSpPr>
+          <p:nvPr>
+            <p:ph type="ftr" sz="quarter" idx="4"/>
+          </p:nvPr>
+        </p:nvSpPr>
+        <p:spPr/>
+        <p:txBody>
+          <a:bodyPr/>
+          <a:lstStyle/>
+          <a:p>
+            <a:pPr>
+              <a:defRPr/>
+            </a:pPr>
+            <a:endParaRPr lang="en-US"/>
+          </a:p>
+        </p:txBody>
+      </p:sp>
     </p:spTree>
     <p:extLst>
       <p:ext uri="{BB962C8B-B14F-4D97-AF65-F5344CB8AC3E}">
@@ -2593,6 +2986,34 @@
           </a:p>
         </p:txBody>
       </p:sp>
+      <p:sp>
+        <p:nvSpPr>
+          <p:cNvPr id="6" name="Footer Placeholder 5">
+            <a:extLst>
+              <a:ext uri="{FF2B5EF4-FFF2-40B4-BE49-F238E27FC236}">
+                <a16:creationId xmlns:a16="http://schemas.microsoft.com/office/drawing/2014/main" id="{A8F7926A-FCF8-9009-5170-B1B29D62CA19}"/>
+              </a:ext>
+            </a:extLst>
+          </p:cNvPr>
+          <p:cNvSpPr>
+            <a:spLocks noGrp="1"/>
+          </p:cNvSpPr>
+          <p:nvPr>
+            <p:ph type="ftr" sz="quarter" idx="4"/>
+          </p:nvPr>
+        </p:nvSpPr>
+        <p:spPr/>
+        <p:txBody>
+          <a:bodyPr/>
+          <a:lstStyle/>
+          <a:p>
+            <a:pPr>
+              <a:defRPr/>
+            </a:pPr>
+            <a:endParaRPr lang="en-US"/>
+          </a:p>
+        </p:txBody>
+      </p:sp>
     </p:spTree>
     <p:extLst>
       <p:ext uri="{BB962C8B-B14F-4D97-AF65-F5344CB8AC3E}">
@@ -2710,6 +3131,34 @@
           </a:p>
         </p:txBody>
       </p:sp>
+      <p:sp>
+        <p:nvSpPr>
+          <p:cNvPr id="6" name="Footer Placeholder 5">
+            <a:extLst>
+              <a:ext uri="{FF2B5EF4-FFF2-40B4-BE49-F238E27FC236}">
+                <a16:creationId xmlns:a16="http://schemas.microsoft.com/office/drawing/2014/main" id="{82A23E28-E61E-4032-A72F-244E45C3B40E}"/>
+              </a:ext>
+            </a:extLst>
+          </p:cNvPr>
+          <p:cNvSpPr>
+            <a:spLocks noGrp="1"/>
+          </p:cNvSpPr>
+          <p:nvPr>
+            <p:ph type="ftr" sz="quarter" idx="4"/>
+          </p:nvPr>
+        </p:nvSpPr>
+        <p:spPr/>
+        <p:txBody>
+          <a:bodyPr/>
+          <a:lstStyle/>
+          <a:p>
+            <a:pPr>
+              <a:defRPr/>
+            </a:pPr>
+            <a:endParaRPr lang="en-US"/>
+          </a:p>
+        </p:txBody>
+      </p:sp>
     </p:spTree>
     <p:extLst>
       <p:ext uri="{BB962C8B-B14F-4D97-AF65-F5344CB8AC3E}">
@@ -2827,6 +3276,34 @@
           </a:p>
         </p:txBody>
       </p:sp>
+      <p:sp>
+        <p:nvSpPr>
+          <p:cNvPr id="6" name="Footer Placeholder 5">
+            <a:extLst>
+              <a:ext uri="{FF2B5EF4-FFF2-40B4-BE49-F238E27FC236}">
+                <a16:creationId xmlns:a16="http://schemas.microsoft.com/office/drawing/2014/main" id="{964E94CC-0460-3583-B843-79C6935C36C5}"/>
+              </a:ext>
+            </a:extLst>
+          </p:cNvPr>
+          <p:cNvSpPr>
+            <a:spLocks noGrp="1"/>
+          </p:cNvSpPr>
+          <p:nvPr>
+            <p:ph type="ftr" sz="quarter" idx="4"/>
+          </p:nvPr>
+        </p:nvSpPr>
+        <p:spPr/>
+        <p:txBody>
+          <a:bodyPr/>
+          <a:lstStyle/>
+          <a:p>
+            <a:pPr>
+              <a:defRPr/>
+            </a:pPr>
+            <a:endParaRPr lang="en-US"/>
+          </a:p>
+        </p:txBody>
+      </p:sp>
     </p:spTree>
     <p:extLst>
       <p:ext uri="{BB962C8B-B14F-4D97-AF65-F5344CB8AC3E}">
@@ -2944,6 +3421,34 @@
           </a:p>
         </p:txBody>
       </p:sp>
+      <p:sp>
+        <p:nvSpPr>
+          <p:cNvPr id="6" name="Footer Placeholder 5">
+            <a:extLst>
+              <a:ext uri="{FF2B5EF4-FFF2-40B4-BE49-F238E27FC236}">
+                <a16:creationId xmlns:a16="http://schemas.microsoft.com/office/drawing/2014/main" id="{BBF55111-E228-0243-8F2C-68A64697C0D2}"/>
+              </a:ext>
+            </a:extLst>
+          </p:cNvPr>
+          <p:cNvSpPr>
+            <a:spLocks noGrp="1"/>
+          </p:cNvSpPr>
+          <p:nvPr>
+            <p:ph type="ftr" sz="quarter" idx="4"/>
+          </p:nvPr>
+        </p:nvSpPr>
+        <p:spPr/>
+        <p:txBody>
+          <a:bodyPr/>
+          <a:lstStyle/>
+          <a:p>
+            <a:pPr>
+              <a:defRPr/>
+            </a:pPr>
+            <a:endParaRPr lang="en-US"/>
+          </a:p>
+        </p:txBody>
+      </p:sp>
     </p:spTree>
     <p:extLst>
       <p:ext uri="{BB962C8B-B14F-4D97-AF65-F5344CB8AC3E}">
@@ -3061,6 +3566,34 @@
           </a:p>
         </p:txBody>
       </p:sp>
+      <p:sp>
+        <p:nvSpPr>
+          <p:cNvPr id="6" name="Footer Placeholder 5">
+            <a:extLst>
+              <a:ext uri="{FF2B5EF4-FFF2-40B4-BE49-F238E27FC236}">
+                <a16:creationId xmlns:a16="http://schemas.microsoft.com/office/drawing/2014/main" id="{2BD9768C-7FF6-8511-7D53-EA2F1220D953}"/>
+              </a:ext>
+            </a:extLst>
+          </p:cNvPr>
+          <p:cNvSpPr>
+            <a:spLocks noGrp="1"/>
+          </p:cNvSpPr>
+          <p:nvPr>
+            <p:ph type="ftr" sz="quarter" idx="4"/>
+          </p:nvPr>
+        </p:nvSpPr>
+        <p:spPr/>
+        <p:txBody>
+          <a:bodyPr/>
+          <a:lstStyle/>
+          <a:p>
+            <a:pPr>
+              <a:defRPr/>
+            </a:pPr>
+            <a:endParaRPr lang="en-US"/>
+          </a:p>
+        </p:txBody>
+      </p:sp>
     </p:spTree>
     <p:extLst>
       <p:ext uri="{BB962C8B-B14F-4D97-AF65-F5344CB8AC3E}">
@@ -3178,6 +3711,34 @@
           </a:p>
         </p:txBody>
       </p:sp>
+      <p:sp>
+        <p:nvSpPr>
+          <p:cNvPr id="6" name="Footer Placeholder 5">
+            <a:extLst>
+              <a:ext uri="{FF2B5EF4-FFF2-40B4-BE49-F238E27FC236}">
+                <a16:creationId xmlns:a16="http://schemas.microsoft.com/office/drawing/2014/main" id="{4FDADB7B-B04F-E46D-C352-344368E915DF}"/>
+              </a:ext>
+            </a:extLst>
+          </p:cNvPr>
+          <p:cNvSpPr>
+            <a:spLocks noGrp="1"/>
+          </p:cNvSpPr>
+          <p:nvPr>
+            <p:ph type="ftr" sz="quarter" idx="4"/>
+          </p:nvPr>
+        </p:nvSpPr>
+        <p:spPr/>
+        <p:txBody>
+          <a:bodyPr/>
+          <a:lstStyle/>
+          <a:p>
+            <a:pPr>
+              <a:defRPr/>
+            </a:pPr>
+            <a:endParaRPr lang="en-US"/>
+          </a:p>
+        </p:txBody>
+      </p:sp>
     </p:spTree>
     <p:extLst>
       <p:ext uri="{BB962C8B-B14F-4D97-AF65-F5344CB8AC3E}">
@@ -3295,6 +3856,34 @@
           </a:p>
         </p:txBody>
       </p:sp>
+      <p:sp>
+        <p:nvSpPr>
+          <p:cNvPr id="6" name="Footer Placeholder 5">
+            <a:extLst>
+              <a:ext uri="{FF2B5EF4-FFF2-40B4-BE49-F238E27FC236}">
+                <a16:creationId xmlns:a16="http://schemas.microsoft.com/office/drawing/2014/main" id="{B969B7A0-1DBC-04BC-4C90-6C7B4AD4A101}"/>
+              </a:ext>
+            </a:extLst>
+          </p:cNvPr>
+          <p:cNvSpPr>
+            <a:spLocks noGrp="1"/>
+          </p:cNvSpPr>
+          <p:nvPr>
+            <p:ph type="ftr" sz="quarter" idx="4"/>
+          </p:nvPr>
+        </p:nvSpPr>
+        <p:spPr/>
+        <p:txBody>
+          <a:bodyPr/>
+          <a:lstStyle/>
+          <a:p>
+            <a:pPr>
+              <a:defRPr/>
+            </a:pPr>
+            <a:endParaRPr lang="en-US"/>
+          </a:p>
+        </p:txBody>
+      </p:sp>
     </p:spTree>
     <p:extLst>
       <p:ext uri="{BB962C8B-B14F-4D97-AF65-F5344CB8AC3E}">
@@ -3412,6 +4001,34 @@
           </a:p>
         </p:txBody>
       </p:sp>
+      <p:sp>
+        <p:nvSpPr>
+          <p:cNvPr id="6" name="Footer Placeholder 5">
+            <a:extLst>
+              <a:ext uri="{FF2B5EF4-FFF2-40B4-BE49-F238E27FC236}">
+                <a16:creationId xmlns:a16="http://schemas.microsoft.com/office/drawing/2014/main" id="{700DA4D9-02AA-56F1-61FE-4FAB1DB2E264}"/>
+              </a:ext>
+            </a:extLst>
+          </p:cNvPr>
+          <p:cNvSpPr>
+            <a:spLocks noGrp="1"/>
+          </p:cNvSpPr>
+          <p:nvPr>
+            <p:ph type="ftr" sz="quarter" idx="4"/>
+          </p:nvPr>
+        </p:nvSpPr>
+        <p:spPr/>
+        <p:txBody>
+          <a:bodyPr/>
+          <a:lstStyle/>
+          <a:p>
+            <a:pPr>
+              <a:defRPr/>
+            </a:pPr>
+            <a:endParaRPr lang="en-US"/>
+          </a:p>
+        </p:txBody>
+      </p:sp>
     </p:spTree>
     <p:extLst>
       <p:ext uri="{BB962C8B-B14F-4D97-AF65-F5344CB8AC3E}">
@@ -3529,6 +4146,34 @@
           </a:p>
         </p:txBody>
       </p:sp>
+      <p:sp>
+        <p:nvSpPr>
+          <p:cNvPr id="6" name="Footer Placeholder 5">
+            <a:extLst>
+              <a:ext uri="{FF2B5EF4-FFF2-40B4-BE49-F238E27FC236}">
+                <a16:creationId xmlns:a16="http://schemas.microsoft.com/office/drawing/2014/main" id="{E41429C7-4DE7-3237-9441-0DA18D749CE0}"/>
+              </a:ext>
+            </a:extLst>
+          </p:cNvPr>
+          <p:cNvSpPr>
+            <a:spLocks noGrp="1"/>
+          </p:cNvSpPr>
+          <p:nvPr>
+            <p:ph type="ftr" sz="quarter" idx="4"/>
+          </p:nvPr>
+        </p:nvSpPr>
+        <p:spPr/>
+        <p:txBody>
+          <a:bodyPr/>
+          <a:lstStyle/>
+          <a:p>
+            <a:pPr>
+              <a:defRPr/>
+            </a:pPr>
+            <a:endParaRPr lang="en-US"/>
+          </a:p>
+        </p:txBody>
+      </p:sp>
     </p:spTree>
     <p:extLst>
       <p:ext uri="{BB962C8B-B14F-4D97-AF65-F5344CB8AC3E}">
@@ -3646,6 +4291,34 @@
           </a:p>
         </p:txBody>
       </p:sp>
+      <p:sp>
+        <p:nvSpPr>
+          <p:cNvPr id="6" name="Footer Placeholder 5">
+            <a:extLst>
+              <a:ext uri="{FF2B5EF4-FFF2-40B4-BE49-F238E27FC236}">
+                <a16:creationId xmlns:a16="http://schemas.microsoft.com/office/drawing/2014/main" id="{548A51D2-7B80-999A-91BB-B673E8574C92}"/>
+              </a:ext>
+            </a:extLst>
+          </p:cNvPr>
+          <p:cNvSpPr>
+            <a:spLocks noGrp="1"/>
+          </p:cNvSpPr>
+          <p:nvPr>
+            <p:ph type="ftr" sz="quarter" idx="4"/>
+          </p:nvPr>
+        </p:nvSpPr>
+        <p:spPr/>
+        <p:txBody>
+          <a:bodyPr/>
+          <a:lstStyle/>
+          <a:p>
+            <a:pPr>
+              <a:defRPr/>
+            </a:pPr>
+            <a:endParaRPr lang="en-US"/>
+          </a:p>
+        </p:txBody>
+      </p:sp>
     </p:spTree>
     <p:extLst>
       <p:ext uri="{BB962C8B-B14F-4D97-AF65-F5344CB8AC3E}">
@@ -3763,6 +4436,34 @@
           </a:p>
         </p:txBody>
       </p:sp>
+      <p:sp>
+        <p:nvSpPr>
+          <p:cNvPr id="6" name="Footer Placeholder 5">
+            <a:extLst>
+              <a:ext uri="{FF2B5EF4-FFF2-40B4-BE49-F238E27FC236}">
+                <a16:creationId xmlns:a16="http://schemas.microsoft.com/office/drawing/2014/main" id="{656E4406-33FC-9B35-62EF-D54EFB658161}"/>
+              </a:ext>
+            </a:extLst>
+          </p:cNvPr>
+          <p:cNvSpPr>
+            <a:spLocks noGrp="1"/>
+          </p:cNvSpPr>
+          <p:nvPr>
+            <p:ph type="ftr" sz="quarter" idx="4"/>
+          </p:nvPr>
+        </p:nvSpPr>
+        <p:spPr/>
+        <p:txBody>
+          <a:bodyPr/>
+          <a:lstStyle/>
+          <a:p>
+            <a:pPr>
+              <a:defRPr/>
+            </a:pPr>
+            <a:endParaRPr lang="en-US"/>
+          </a:p>
+        </p:txBody>
+      </p:sp>
     </p:spTree>
     <p:extLst>
       <p:ext uri="{BB962C8B-B14F-4D97-AF65-F5344CB8AC3E}">
@@ -3880,6 +4581,34 @@
           </a:p>
         </p:txBody>
       </p:sp>
+      <p:sp>
+        <p:nvSpPr>
+          <p:cNvPr id="6" name="Footer Placeholder 5">
+            <a:extLst>
+              <a:ext uri="{FF2B5EF4-FFF2-40B4-BE49-F238E27FC236}">
+                <a16:creationId xmlns:a16="http://schemas.microsoft.com/office/drawing/2014/main" id="{C7125CBC-762B-A750-267E-9E55D709DD5D}"/>
+              </a:ext>
+            </a:extLst>
+          </p:cNvPr>
+          <p:cNvSpPr>
+            <a:spLocks noGrp="1"/>
+          </p:cNvSpPr>
+          <p:nvPr>
+            <p:ph type="ftr" sz="quarter" idx="4"/>
+          </p:nvPr>
+        </p:nvSpPr>
+        <p:spPr/>
+        <p:txBody>
+          <a:bodyPr/>
+          <a:lstStyle/>
+          <a:p>
+            <a:pPr>
+              <a:defRPr/>
+            </a:pPr>
+            <a:endParaRPr lang="en-US"/>
+          </a:p>
+        </p:txBody>
+      </p:sp>
     </p:spTree>
     <p:extLst>
       <p:ext uri="{BB962C8B-B14F-4D97-AF65-F5344CB8AC3E}">
@@ -3997,6 +4726,34 @@
           </a:p>
         </p:txBody>
       </p:sp>
+      <p:sp>
+        <p:nvSpPr>
+          <p:cNvPr id="6" name="Footer Placeholder 5">
+            <a:extLst>
+              <a:ext uri="{FF2B5EF4-FFF2-40B4-BE49-F238E27FC236}">
+                <a16:creationId xmlns:a16="http://schemas.microsoft.com/office/drawing/2014/main" id="{A76B5BA9-7D21-0A84-A544-480E4134D64F}"/>
+              </a:ext>
+            </a:extLst>
+          </p:cNvPr>
+          <p:cNvSpPr>
+            <a:spLocks noGrp="1"/>
+          </p:cNvSpPr>
+          <p:nvPr>
+            <p:ph type="ftr" sz="quarter" idx="4"/>
+          </p:nvPr>
+        </p:nvSpPr>
+        <p:spPr/>
+        <p:txBody>
+          <a:bodyPr/>
+          <a:lstStyle/>
+          <a:p>
+            <a:pPr>
+              <a:defRPr/>
+            </a:pPr>
+            <a:endParaRPr lang="en-US"/>
+          </a:p>
+        </p:txBody>
+      </p:sp>
     </p:spTree>
     <p:extLst>
       <p:ext uri="{BB962C8B-B14F-4D97-AF65-F5344CB8AC3E}">
@@ -4114,6 +4871,34 @@
           </a:p>
         </p:txBody>
       </p:sp>
+      <p:sp>
+        <p:nvSpPr>
+          <p:cNvPr id="6" name="Footer Placeholder 5">
+            <a:extLst>
+              <a:ext uri="{FF2B5EF4-FFF2-40B4-BE49-F238E27FC236}">
+                <a16:creationId xmlns:a16="http://schemas.microsoft.com/office/drawing/2014/main" id="{2CDCBFA7-E05E-0B80-4FF3-0CA68C443E0E}"/>
+              </a:ext>
+            </a:extLst>
+          </p:cNvPr>
+          <p:cNvSpPr>
+            <a:spLocks noGrp="1"/>
+          </p:cNvSpPr>
+          <p:nvPr>
+            <p:ph type="ftr" sz="quarter" idx="4"/>
+          </p:nvPr>
+        </p:nvSpPr>
+        <p:spPr/>
+        <p:txBody>
+          <a:bodyPr/>
+          <a:lstStyle/>
+          <a:p>
+            <a:pPr>
+              <a:defRPr/>
+            </a:pPr>
+            <a:endParaRPr lang="en-US"/>
+          </a:p>
+        </p:txBody>
+      </p:sp>
     </p:spTree>
     <p:extLst>
       <p:ext uri="{BB962C8B-B14F-4D97-AF65-F5344CB8AC3E}">
@@ -4231,6 +5016,34 @@
           </a:p>
         </p:txBody>
       </p:sp>
+      <p:sp>
+        <p:nvSpPr>
+          <p:cNvPr id="6" name="Footer Placeholder 5">
+            <a:extLst>
+              <a:ext uri="{FF2B5EF4-FFF2-40B4-BE49-F238E27FC236}">
+                <a16:creationId xmlns:a16="http://schemas.microsoft.com/office/drawing/2014/main" id="{F5DB2E2C-6B16-66CE-03DF-87E9C8A45A7F}"/>
+              </a:ext>
+            </a:extLst>
+          </p:cNvPr>
+          <p:cNvSpPr>
+            <a:spLocks noGrp="1"/>
+          </p:cNvSpPr>
+          <p:nvPr>
+            <p:ph type="ftr" sz="quarter" idx="4"/>
+          </p:nvPr>
+        </p:nvSpPr>
+        <p:spPr/>
+        <p:txBody>
+          <a:bodyPr/>
+          <a:lstStyle/>
+          <a:p>
+            <a:pPr>
+              <a:defRPr/>
+            </a:pPr>
+            <a:endParaRPr lang="en-US"/>
+          </a:p>
+        </p:txBody>
+      </p:sp>
     </p:spTree>
     <p:extLst>
       <p:ext uri="{BB962C8B-B14F-4D97-AF65-F5344CB8AC3E}">
@@ -4348,6 +5161,34 @@
           </a:p>
         </p:txBody>
       </p:sp>
+      <p:sp>
+        <p:nvSpPr>
+          <p:cNvPr id="6" name="Footer Placeholder 5">
+            <a:extLst>
+              <a:ext uri="{FF2B5EF4-FFF2-40B4-BE49-F238E27FC236}">
+                <a16:creationId xmlns:a16="http://schemas.microsoft.com/office/drawing/2014/main" id="{AD8E2FB4-5BC4-91C7-BE25-A1D3A2DD9D50}"/>
+              </a:ext>
+            </a:extLst>
+          </p:cNvPr>
+          <p:cNvSpPr>
+            <a:spLocks noGrp="1"/>
+          </p:cNvSpPr>
+          <p:nvPr>
+            <p:ph type="ftr" sz="quarter" idx="4"/>
+          </p:nvPr>
+        </p:nvSpPr>
+        <p:spPr/>
+        <p:txBody>
+          <a:bodyPr/>
+          <a:lstStyle/>
+          <a:p>
+            <a:pPr>
+              <a:defRPr/>
+            </a:pPr>
+            <a:endParaRPr lang="en-US"/>
+          </a:p>
+        </p:txBody>
+      </p:sp>
     </p:spTree>
     <p:extLst>
       <p:ext uri="{BB962C8B-B14F-4D97-AF65-F5344CB8AC3E}">
@@ -4465,6 +5306,34 @@
           </a:p>
         </p:txBody>
       </p:sp>
+      <p:sp>
+        <p:nvSpPr>
+          <p:cNvPr id="6" name="Footer Placeholder 5">
+            <a:extLst>
+              <a:ext uri="{FF2B5EF4-FFF2-40B4-BE49-F238E27FC236}">
+                <a16:creationId xmlns:a16="http://schemas.microsoft.com/office/drawing/2014/main" id="{C9762A75-37CC-0C15-7007-8EB96DBE7193}"/>
+              </a:ext>
+            </a:extLst>
+          </p:cNvPr>
+          <p:cNvSpPr>
+            <a:spLocks noGrp="1"/>
+          </p:cNvSpPr>
+          <p:nvPr>
+            <p:ph type="ftr" sz="quarter" idx="4"/>
+          </p:nvPr>
+        </p:nvSpPr>
+        <p:spPr/>
+        <p:txBody>
+          <a:bodyPr/>
+          <a:lstStyle/>
+          <a:p>
+            <a:pPr>
+              <a:defRPr/>
+            </a:pPr>
+            <a:endParaRPr lang="en-US"/>
+          </a:p>
+        </p:txBody>
+      </p:sp>
     </p:spTree>
     <p:extLst>
       <p:ext uri="{BB962C8B-B14F-4D97-AF65-F5344CB8AC3E}">
@@ -4582,6 +5451,34 @@
           </a:p>
         </p:txBody>
       </p:sp>
+      <p:sp>
+        <p:nvSpPr>
+          <p:cNvPr id="6" name="Footer Placeholder 5">
+            <a:extLst>
+              <a:ext uri="{FF2B5EF4-FFF2-40B4-BE49-F238E27FC236}">
+                <a16:creationId xmlns:a16="http://schemas.microsoft.com/office/drawing/2014/main" id="{7ACD662D-734D-C59A-385E-3359174801A6}"/>
+              </a:ext>
+            </a:extLst>
+          </p:cNvPr>
+          <p:cNvSpPr>
+            <a:spLocks noGrp="1"/>
+          </p:cNvSpPr>
+          <p:nvPr>
+            <p:ph type="ftr" sz="quarter" idx="4"/>
+          </p:nvPr>
+        </p:nvSpPr>
+        <p:spPr/>
+        <p:txBody>
+          <a:bodyPr/>
+          <a:lstStyle/>
+          <a:p>
+            <a:pPr>
+              <a:defRPr/>
+            </a:pPr>
+            <a:endParaRPr lang="en-US"/>
+          </a:p>
+        </p:txBody>
+      </p:sp>
     </p:spTree>
     <p:extLst>
       <p:ext uri="{BB962C8B-B14F-4D97-AF65-F5344CB8AC3E}">
@@ -4699,6 +5596,34 @@
           </a:p>
         </p:txBody>
       </p:sp>
+      <p:sp>
+        <p:nvSpPr>
+          <p:cNvPr id="6" name="Footer Placeholder 5">
+            <a:extLst>
+              <a:ext uri="{FF2B5EF4-FFF2-40B4-BE49-F238E27FC236}">
+                <a16:creationId xmlns:a16="http://schemas.microsoft.com/office/drawing/2014/main" id="{6D67DF14-C81D-3E26-E9F9-3578633F3C3A}"/>
+              </a:ext>
+            </a:extLst>
+          </p:cNvPr>
+          <p:cNvSpPr>
+            <a:spLocks noGrp="1"/>
+          </p:cNvSpPr>
+          <p:nvPr>
+            <p:ph type="ftr" sz="quarter" idx="4"/>
+          </p:nvPr>
+        </p:nvSpPr>
+        <p:spPr/>
+        <p:txBody>
+          <a:bodyPr/>
+          <a:lstStyle/>
+          <a:p>
+            <a:pPr>
+              <a:defRPr/>
+            </a:pPr>
+            <a:endParaRPr lang="en-US"/>
+          </a:p>
+        </p:txBody>
+      </p:sp>
     </p:spTree>
     <p:extLst>
       <p:ext uri="{BB962C8B-B14F-4D97-AF65-F5344CB8AC3E}">
@@ -4816,6 +5741,34 @@
           </a:p>
         </p:txBody>
       </p:sp>
+      <p:sp>
+        <p:nvSpPr>
+          <p:cNvPr id="6" name="Footer Placeholder 5">
+            <a:extLst>
+              <a:ext uri="{FF2B5EF4-FFF2-40B4-BE49-F238E27FC236}">
+                <a16:creationId xmlns:a16="http://schemas.microsoft.com/office/drawing/2014/main" id="{CF36A529-B680-7469-7F62-94B5171B6CD3}"/>
+              </a:ext>
+            </a:extLst>
+          </p:cNvPr>
+          <p:cNvSpPr>
+            <a:spLocks noGrp="1"/>
+          </p:cNvSpPr>
+          <p:nvPr>
+            <p:ph type="ftr" sz="quarter" idx="4"/>
+          </p:nvPr>
+        </p:nvSpPr>
+        <p:spPr/>
+        <p:txBody>
+          <a:bodyPr/>
+          <a:lstStyle/>
+          <a:p>
+            <a:pPr>
+              <a:defRPr/>
+            </a:pPr>
+            <a:endParaRPr lang="en-US"/>
+          </a:p>
+        </p:txBody>
+      </p:sp>
     </p:spTree>
     <p:extLst>
       <p:ext uri="{BB962C8B-B14F-4D97-AF65-F5344CB8AC3E}">
@@ -4931,6 +5884,34 @@
           </a:p>
         </p:txBody>
       </p:sp>
+      <p:sp>
+        <p:nvSpPr>
+          <p:cNvPr id="6" name="Footer Placeholder 5">
+            <a:extLst>
+              <a:ext uri="{FF2B5EF4-FFF2-40B4-BE49-F238E27FC236}">
+                <a16:creationId xmlns:a16="http://schemas.microsoft.com/office/drawing/2014/main" id="{79BDBAF2-BD23-F3DB-0749-8B412ABC8CBF}"/>
+              </a:ext>
+            </a:extLst>
+          </p:cNvPr>
+          <p:cNvSpPr>
+            <a:spLocks noGrp="1"/>
+          </p:cNvSpPr>
+          <p:nvPr>
+            <p:ph type="ftr" sz="quarter" idx="4"/>
+          </p:nvPr>
+        </p:nvSpPr>
+        <p:spPr/>
+        <p:txBody>
+          <a:bodyPr/>
+          <a:lstStyle/>
+          <a:p>
+            <a:pPr>
+              <a:defRPr/>
+            </a:pPr>
+            <a:endParaRPr lang="en-US"/>
+          </a:p>
+        </p:txBody>
+      </p:sp>
     </p:spTree>
     <p:extLst>
       <p:ext uri="{BB962C8B-B14F-4D97-AF65-F5344CB8AC3E}">
@@ -5048,6 +6029,34 @@
           </a:p>
         </p:txBody>
       </p:sp>
+      <p:sp>
+        <p:nvSpPr>
+          <p:cNvPr id="6" name="Footer Placeholder 5">
+            <a:extLst>
+              <a:ext uri="{FF2B5EF4-FFF2-40B4-BE49-F238E27FC236}">
+                <a16:creationId xmlns:a16="http://schemas.microsoft.com/office/drawing/2014/main" id="{0BAF33CC-F4E2-FBF7-BA19-46526A51017E}"/>
+              </a:ext>
+            </a:extLst>
+          </p:cNvPr>
+          <p:cNvSpPr>
+            <a:spLocks noGrp="1"/>
+          </p:cNvSpPr>
+          <p:nvPr>
+            <p:ph type="ftr" sz="quarter" idx="4"/>
+          </p:nvPr>
+        </p:nvSpPr>
+        <p:spPr/>
+        <p:txBody>
+          <a:bodyPr/>
+          <a:lstStyle/>
+          <a:p>
+            <a:pPr>
+              <a:defRPr/>
+            </a:pPr>
+            <a:endParaRPr lang="en-US"/>
+          </a:p>
+        </p:txBody>
+      </p:sp>
     </p:spTree>
     <p:extLst>
       <p:ext uri="{BB962C8B-B14F-4D97-AF65-F5344CB8AC3E}">
@@ -5165,6 +6174,34 @@
           </a:p>
         </p:txBody>
       </p:sp>
+      <p:sp>
+        <p:nvSpPr>
+          <p:cNvPr id="6" name="Footer Placeholder 5">
+            <a:extLst>
+              <a:ext uri="{FF2B5EF4-FFF2-40B4-BE49-F238E27FC236}">
+                <a16:creationId xmlns:a16="http://schemas.microsoft.com/office/drawing/2014/main" id="{2F2B1B5B-DEDD-F824-8FF1-BA7B0BBF9A02}"/>
+              </a:ext>
+            </a:extLst>
+          </p:cNvPr>
+          <p:cNvSpPr>
+            <a:spLocks noGrp="1"/>
+          </p:cNvSpPr>
+          <p:nvPr>
+            <p:ph type="ftr" sz="quarter" idx="4"/>
+          </p:nvPr>
+        </p:nvSpPr>
+        <p:spPr/>
+        <p:txBody>
+          <a:bodyPr/>
+          <a:lstStyle/>
+          <a:p>
+            <a:pPr>
+              <a:defRPr/>
+            </a:pPr>
+            <a:endParaRPr lang="en-US"/>
+          </a:p>
+        </p:txBody>
+      </p:sp>
     </p:spTree>
     <p:extLst>
       <p:ext uri="{BB962C8B-B14F-4D97-AF65-F5344CB8AC3E}">
@@ -5283,6 +6320,34 @@
           </a:p>
         </p:txBody>
       </p:sp>
+      <p:sp>
+        <p:nvSpPr>
+          <p:cNvPr id="2" name="Footer Placeholder 1">
+            <a:extLst>
+              <a:ext uri="{FF2B5EF4-FFF2-40B4-BE49-F238E27FC236}">
+                <a16:creationId xmlns:a16="http://schemas.microsoft.com/office/drawing/2014/main" id="{36D74F12-0A3F-A6C5-B4EC-1BF916FA0EAE}"/>
+              </a:ext>
+            </a:extLst>
+          </p:cNvPr>
+          <p:cNvSpPr>
+            <a:spLocks noGrp="1"/>
+          </p:cNvSpPr>
+          <p:nvPr>
+            <p:ph type="ftr" sz="quarter" idx="4"/>
+          </p:nvPr>
+        </p:nvSpPr>
+        <p:spPr/>
+        <p:txBody>
+          <a:bodyPr/>
+          <a:lstStyle/>
+          <a:p>
+            <a:pPr>
+              <a:defRPr/>
+            </a:pPr>
+            <a:endParaRPr lang="en-US"/>
+          </a:p>
+        </p:txBody>
+      </p:sp>
     </p:spTree>
     <p:extLst>
       <p:ext uri="{BB962C8B-B14F-4D97-AF65-F5344CB8AC3E}">
@@ -5401,6 +6466,34 @@
           </a:p>
         </p:txBody>
       </p:sp>
+      <p:sp>
+        <p:nvSpPr>
+          <p:cNvPr id="2" name="Footer Placeholder 1">
+            <a:extLst>
+              <a:ext uri="{FF2B5EF4-FFF2-40B4-BE49-F238E27FC236}">
+                <a16:creationId xmlns:a16="http://schemas.microsoft.com/office/drawing/2014/main" id="{31225189-24E3-F07A-7FA8-A85FA076DB4B}"/>
+              </a:ext>
+            </a:extLst>
+          </p:cNvPr>
+          <p:cNvSpPr>
+            <a:spLocks noGrp="1"/>
+          </p:cNvSpPr>
+          <p:nvPr>
+            <p:ph type="ftr" sz="quarter" idx="4"/>
+          </p:nvPr>
+        </p:nvSpPr>
+        <p:spPr/>
+        <p:txBody>
+          <a:bodyPr/>
+          <a:lstStyle/>
+          <a:p>
+            <a:pPr>
+              <a:defRPr/>
+            </a:pPr>
+            <a:endParaRPr lang="en-US"/>
+          </a:p>
+        </p:txBody>
+      </p:sp>
     </p:spTree>
     <p:extLst>
       <p:ext uri="{BB962C8B-B14F-4D97-AF65-F5344CB8AC3E}">
@@ -5516,6 +6609,34 @@
           </a:p>
         </p:txBody>
       </p:sp>
+      <p:sp>
+        <p:nvSpPr>
+          <p:cNvPr id="6" name="Footer Placeholder 5">
+            <a:extLst>
+              <a:ext uri="{FF2B5EF4-FFF2-40B4-BE49-F238E27FC236}">
+                <a16:creationId xmlns:a16="http://schemas.microsoft.com/office/drawing/2014/main" id="{7CC76622-38D0-0D4C-6499-BD46CD1761CC}"/>
+              </a:ext>
+            </a:extLst>
+          </p:cNvPr>
+          <p:cNvSpPr>
+            <a:spLocks noGrp="1"/>
+          </p:cNvSpPr>
+          <p:nvPr>
+            <p:ph type="ftr" sz="quarter" idx="4"/>
+          </p:nvPr>
+        </p:nvSpPr>
+        <p:spPr/>
+        <p:txBody>
+          <a:bodyPr/>
+          <a:lstStyle/>
+          <a:p>
+            <a:pPr>
+              <a:defRPr/>
+            </a:pPr>
+            <a:endParaRPr lang="en-US"/>
+          </a:p>
+        </p:txBody>
+      </p:sp>
     </p:spTree>
     <p:extLst>
       <p:ext uri="{BB962C8B-B14F-4D97-AF65-F5344CB8AC3E}">
@@ -5634,6 +6755,34 @@
           </a:p>
         </p:txBody>
       </p:sp>
+      <p:sp>
+        <p:nvSpPr>
+          <p:cNvPr id="2" name="Footer Placeholder 1">
+            <a:extLst>
+              <a:ext uri="{FF2B5EF4-FFF2-40B4-BE49-F238E27FC236}">
+                <a16:creationId xmlns:a16="http://schemas.microsoft.com/office/drawing/2014/main" id="{772A73B1-1478-090B-45E1-21D0EC71ECCD}"/>
+              </a:ext>
+            </a:extLst>
+          </p:cNvPr>
+          <p:cNvSpPr>
+            <a:spLocks noGrp="1"/>
+          </p:cNvSpPr>
+          <p:nvPr>
+            <p:ph type="ftr" sz="quarter" idx="4"/>
+          </p:nvPr>
+        </p:nvSpPr>
+        <p:spPr/>
+        <p:txBody>
+          <a:bodyPr/>
+          <a:lstStyle/>
+          <a:p>
+            <a:pPr>
+              <a:defRPr/>
+            </a:pPr>
+            <a:endParaRPr lang="en-US"/>
+          </a:p>
+        </p:txBody>
+      </p:sp>
     </p:spTree>
     <p:extLst>
       <p:ext uri="{BB962C8B-B14F-4D97-AF65-F5344CB8AC3E}">
@@ -5752,6 +6901,34 @@
           </a:p>
         </p:txBody>
       </p:sp>
+      <p:sp>
+        <p:nvSpPr>
+          <p:cNvPr id="2" name="Footer Placeholder 1">
+            <a:extLst>
+              <a:ext uri="{FF2B5EF4-FFF2-40B4-BE49-F238E27FC236}">
+                <a16:creationId xmlns:a16="http://schemas.microsoft.com/office/drawing/2014/main" id="{E8C10080-F208-4D70-6F07-007FC328BFC9}"/>
+              </a:ext>
+            </a:extLst>
+          </p:cNvPr>
+          <p:cNvSpPr>
+            <a:spLocks noGrp="1"/>
+          </p:cNvSpPr>
+          <p:nvPr>
+            <p:ph type="ftr" sz="quarter" idx="4"/>
+          </p:nvPr>
+        </p:nvSpPr>
+        <p:spPr/>
+        <p:txBody>
+          <a:bodyPr/>
+          <a:lstStyle/>
+          <a:p>
+            <a:pPr>
+              <a:defRPr/>
+            </a:pPr>
+            <a:endParaRPr lang="en-US"/>
+          </a:p>
+        </p:txBody>
+      </p:sp>
     </p:spTree>
     <p:extLst>
       <p:ext uri="{BB962C8B-B14F-4D97-AF65-F5344CB8AC3E}">
@@ -5869,6 +7046,34 @@
           </a:p>
         </p:txBody>
       </p:sp>
+      <p:sp>
+        <p:nvSpPr>
+          <p:cNvPr id="6" name="Footer Placeholder 5">
+            <a:extLst>
+              <a:ext uri="{FF2B5EF4-FFF2-40B4-BE49-F238E27FC236}">
+                <a16:creationId xmlns:a16="http://schemas.microsoft.com/office/drawing/2014/main" id="{F772B800-ABED-A093-D54B-819B02B53716}"/>
+              </a:ext>
+            </a:extLst>
+          </p:cNvPr>
+          <p:cNvSpPr>
+            <a:spLocks noGrp="1"/>
+          </p:cNvSpPr>
+          <p:nvPr>
+            <p:ph type="ftr" sz="quarter" idx="4"/>
+          </p:nvPr>
+        </p:nvSpPr>
+        <p:spPr/>
+        <p:txBody>
+          <a:bodyPr/>
+          <a:lstStyle/>
+          <a:p>
+            <a:pPr>
+              <a:defRPr/>
+            </a:pPr>
+            <a:endParaRPr lang="en-US"/>
+          </a:p>
+        </p:txBody>
+      </p:sp>
     </p:spTree>
     <p:extLst>
       <p:ext uri="{BB962C8B-B14F-4D97-AF65-F5344CB8AC3E}">
@@ -5987,6 +7192,34 @@
           </a:p>
         </p:txBody>
       </p:sp>
+      <p:sp>
+        <p:nvSpPr>
+          <p:cNvPr id="2" name="Footer Placeholder 1">
+            <a:extLst>
+              <a:ext uri="{FF2B5EF4-FFF2-40B4-BE49-F238E27FC236}">
+                <a16:creationId xmlns:a16="http://schemas.microsoft.com/office/drawing/2014/main" id="{E8D34BB8-FDA8-C5EB-392F-C8019CF9DBA0}"/>
+              </a:ext>
+            </a:extLst>
+          </p:cNvPr>
+          <p:cNvSpPr>
+            <a:spLocks noGrp="1"/>
+          </p:cNvSpPr>
+          <p:nvPr>
+            <p:ph type="ftr" sz="quarter" idx="4"/>
+          </p:nvPr>
+        </p:nvSpPr>
+        <p:spPr/>
+        <p:txBody>
+          <a:bodyPr/>
+          <a:lstStyle/>
+          <a:p>
+            <a:pPr>
+              <a:defRPr/>
+            </a:pPr>
+            <a:endParaRPr lang="en-US"/>
+          </a:p>
+        </p:txBody>
+      </p:sp>
     </p:spTree>
     <p:extLst>
       <p:ext uri="{BB962C8B-B14F-4D97-AF65-F5344CB8AC3E}">
@@ -6113,6 +7346,34 @@
           </a:p>
         </p:txBody>
       </p:sp>
+      <p:sp>
+        <p:nvSpPr>
+          <p:cNvPr id="2" name="Footer Placeholder 1">
+            <a:extLst>
+              <a:ext uri="{FF2B5EF4-FFF2-40B4-BE49-F238E27FC236}">
+                <a16:creationId xmlns:a16="http://schemas.microsoft.com/office/drawing/2014/main" id="{524B82C4-7688-AAA5-832D-130CDDBCD0C9}"/>
+              </a:ext>
+            </a:extLst>
+          </p:cNvPr>
+          <p:cNvSpPr>
+            <a:spLocks noGrp="1"/>
+          </p:cNvSpPr>
+          <p:nvPr>
+            <p:ph type="ftr" sz="quarter" idx="4"/>
+          </p:nvPr>
+        </p:nvSpPr>
+        <p:spPr/>
+        <p:txBody>
+          <a:bodyPr/>
+          <a:lstStyle/>
+          <a:p>
+            <a:pPr>
+              <a:defRPr/>
+            </a:pPr>
+            <a:endParaRPr lang="en-US"/>
+          </a:p>
+        </p:txBody>
+      </p:sp>
     </p:spTree>
     <p:extLst>
       <p:ext uri="{BB962C8B-B14F-4D97-AF65-F5344CB8AC3E}">
@@ -6231,6 +7492,34 @@
           </a:p>
         </p:txBody>
       </p:sp>
+      <p:sp>
+        <p:nvSpPr>
+          <p:cNvPr id="2" name="Footer Placeholder 1">
+            <a:extLst>
+              <a:ext uri="{FF2B5EF4-FFF2-40B4-BE49-F238E27FC236}">
+                <a16:creationId xmlns:a16="http://schemas.microsoft.com/office/drawing/2014/main" id="{E3FEBB74-773B-E94A-DCB0-43654F4307CB}"/>
+              </a:ext>
+            </a:extLst>
+          </p:cNvPr>
+          <p:cNvSpPr>
+            <a:spLocks noGrp="1"/>
+          </p:cNvSpPr>
+          <p:nvPr>
+            <p:ph type="ftr" sz="quarter" idx="4"/>
+          </p:nvPr>
+        </p:nvSpPr>
+        <p:spPr/>
+        <p:txBody>
+          <a:bodyPr/>
+          <a:lstStyle/>
+          <a:p>
+            <a:pPr>
+              <a:defRPr/>
+            </a:pPr>
+            <a:endParaRPr lang="en-US"/>
+          </a:p>
+        </p:txBody>
+      </p:sp>
     </p:spTree>
     <p:extLst>
       <p:ext uri="{BB962C8B-B14F-4D97-AF65-F5344CB8AC3E}">
@@ -6349,6 +7638,34 @@
           </a:p>
         </p:txBody>
       </p:sp>
+      <p:sp>
+        <p:nvSpPr>
+          <p:cNvPr id="2" name="Footer Placeholder 1">
+            <a:extLst>
+              <a:ext uri="{FF2B5EF4-FFF2-40B4-BE49-F238E27FC236}">
+                <a16:creationId xmlns:a16="http://schemas.microsoft.com/office/drawing/2014/main" id="{ED4B69BF-1C52-6261-A262-1E7A2B78D599}"/>
+              </a:ext>
+            </a:extLst>
+          </p:cNvPr>
+          <p:cNvSpPr>
+            <a:spLocks noGrp="1"/>
+          </p:cNvSpPr>
+          <p:nvPr>
+            <p:ph type="ftr" sz="quarter" idx="4"/>
+          </p:nvPr>
+        </p:nvSpPr>
+        <p:spPr/>
+        <p:txBody>
+          <a:bodyPr/>
+          <a:lstStyle/>
+          <a:p>
+            <a:pPr>
+              <a:defRPr/>
+            </a:pPr>
+            <a:endParaRPr lang="en-US"/>
+          </a:p>
+        </p:txBody>
+      </p:sp>
     </p:spTree>
     <p:extLst>
       <p:ext uri="{BB962C8B-B14F-4D97-AF65-F5344CB8AC3E}">
@@ -6466,6 +7783,34 @@
           </a:p>
         </p:txBody>
       </p:sp>
+      <p:sp>
+        <p:nvSpPr>
+          <p:cNvPr id="6" name="Footer Placeholder 5">
+            <a:extLst>
+              <a:ext uri="{FF2B5EF4-FFF2-40B4-BE49-F238E27FC236}">
+                <a16:creationId xmlns:a16="http://schemas.microsoft.com/office/drawing/2014/main" id="{826A039A-F97C-4F88-E93F-8529A44143F9}"/>
+              </a:ext>
+            </a:extLst>
+          </p:cNvPr>
+          <p:cNvSpPr>
+            <a:spLocks noGrp="1"/>
+          </p:cNvSpPr>
+          <p:nvPr>
+            <p:ph type="ftr" sz="quarter" idx="4"/>
+          </p:nvPr>
+        </p:nvSpPr>
+        <p:spPr/>
+        <p:txBody>
+          <a:bodyPr/>
+          <a:lstStyle/>
+          <a:p>
+            <a:pPr>
+              <a:defRPr/>
+            </a:pPr>
+            <a:endParaRPr lang="en-US"/>
+          </a:p>
+        </p:txBody>
+      </p:sp>
     </p:spTree>
     <p:extLst>
       <p:ext uri="{BB962C8B-B14F-4D97-AF65-F5344CB8AC3E}">
@@ -6583,6 +7928,34 @@
           </a:p>
         </p:txBody>
       </p:sp>
+      <p:sp>
+        <p:nvSpPr>
+          <p:cNvPr id="6" name="Footer Placeholder 5">
+            <a:extLst>
+              <a:ext uri="{FF2B5EF4-FFF2-40B4-BE49-F238E27FC236}">
+                <a16:creationId xmlns:a16="http://schemas.microsoft.com/office/drawing/2014/main" id="{59E64430-E633-AECE-D73B-A399EF01C8CD}"/>
+              </a:ext>
+            </a:extLst>
+          </p:cNvPr>
+          <p:cNvSpPr>
+            <a:spLocks noGrp="1"/>
+          </p:cNvSpPr>
+          <p:nvPr>
+            <p:ph type="ftr" sz="quarter" idx="4"/>
+          </p:nvPr>
+        </p:nvSpPr>
+        <p:spPr/>
+        <p:txBody>
+          <a:bodyPr/>
+          <a:lstStyle/>
+          <a:p>
+            <a:pPr>
+              <a:defRPr/>
+            </a:pPr>
+            <a:endParaRPr lang="en-US"/>
+          </a:p>
+        </p:txBody>
+      </p:sp>
     </p:spTree>
     <p:extLst>
       <p:ext uri="{BB962C8B-B14F-4D97-AF65-F5344CB8AC3E}">
@@ -6700,6 +8073,34 @@
           </a:p>
         </p:txBody>
       </p:sp>
+      <p:sp>
+        <p:nvSpPr>
+          <p:cNvPr id="6" name="Footer Placeholder 5">
+            <a:extLst>
+              <a:ext uri="{FF2B5EF4-FFF2-40B4-BE49-F238E27FC236}">
+                <a16:creationId xmlns:a16="http://schemas.microsoft.com/office/drawing/2014/main" id="{C7AD30B5-F13A-5EAE-2262-FC9F5B9BA48E}"/>
+              </a:ext>
+            </a:extLst>
+          </p:cNvPr>
+          <p:cNvSpPr>
+            <a:spLocks noGrp="1"/>
+          </p:cNvSpPr>
+          <p:nvPr>
+            <p:ph type="ftr" sz="quarter" idx="4"/>
+          </p:nvPr>
+        </p:nvSpPr>
+        <p:spPr/>
+        <p:txBody>
+          <a:bodyPr/>
+          <a:lstStyle/>
+          <a:p>
+            <a:pPr>
+              <a:defRPr/>
+            </a:pPr>
+            <a:endParaRPr lang="en-US"/>
+          </a:p>
+        </p:txBody>
+      </p:sp>
     </p:spTree>
     <p:extLst>
       <p:ext uri="{BB962C8B-B14F-4D97-AF65-F5344CB8AC3E}">
@@ -6817,6 +8218,34 @@
           </a:p>
         </p:txBody>
       </p:sp>
+      <p:sp>
+        <p:nvSpPr>
+          <p:cNvPr id="6" name="Footer Placeholder 5">
+            <a:extLst>
+              <a:ext uri="{FF2B5EF4-FFF2-40B4-BE49-F238E27FC236}">
+                <a16:creationId xmlns:a16="http://schemas.microsoft.com/office/drawing/2014/main" id="{176B2B6A-A45F-167E-291A-F05FF6724998}"/>
+              </a:ext>
+            </a:extLst>
+          </p:cNvPr>
+          <p:cNvSpPr>
+            <a:spLocks noGrp="1"/>
+          </p:cNvSpPr>
+          <p:nvPr>
+            <p:ph type="ftr" sz="quarter" idx="4"/>
+          </p:nvPr>
+        </p:nvSpPr>
+        <p:spPr/>
+        <p:txBody>
+          <a:bodyPr/>
+          <a:lstStyle/>
+          <a:p>
+            <a:pPr>
+              <a:defRPr/>
+            </a:pPr>
+            <a:endParaRPr lang="en-US"/>
+          </a:p>
+        </p:txBody>
+      </p:sp>
     </p:spTree>
     <p:extLst>
       <p:ext uri="{BB962C8B-B14F-4D97-AF65-F5344CB8AC3E}">
@@ -6934,6 +8363,34 @@
           </a:p>
         </p:txBody>
       </p:sp>
+      <p:sp>
+        <p:nvSpPr>
+          <p:cNvPr id="6" name="Footer Placeholder 5">
+            <a:extLst>
+              <a:ext uri="{FF2B5EF4-FFF2-40B4-BE49-F238E27FC236}">
+                <a16:creationId xmlns:a16="http://schemas.microsoft.com/office/drawing/2014/main" id="{CA80B2A6-FDB4-B8F3-7391-4CA2DA66C725}"/>
+              </a:ext>
+            </a:extLst>
+          </p:cNvPr>
+          <p:cNvSpPr>
+            <a:spLocks noGrp="1"/>
+          </p:cNvSpPr>
+          <p:nvPr>
+            <p:ph type="ftr" sz="quarter" idx="4"/>
+          </p:nvPr>
+        </p:nvSpPr>
+        <p:spPr/>
+        <p:txBody>
+          <a:bodyPr/>
+          <a:lstStyle/>
+          <a:p>
+            <a:pPr>
+              <a:defRPr/>
+            </a:pPr>
+            <a:endParaRPr lang="en-US"/>
+          </a:p>
+        </p:txBody>
+      </p:sp>
     </p:spTree>
     <p:extLst>
       <p:ext uri="{BB962C8B-B14F-4D97-AF65-F5344CB8AC3E}">
@@ -7051,6 +8508,34 @@
           </a:p>
         </p:txBody>
       </p:sp>
+      <p:sp>
+        <p:nvSpPr>
+          <p:cNvPr id="6" name="Footer Placeholder 5">
+            <a:extLst>
+              <a:ext uri="{FF2B5EF4-FFF2-40B4-BE49-F238E27FC236}">
+                <a16:creationId xmlns:a16="http://schemas.microsoft.com/office/drawing/2014/main" id="{6DBA83EB-7719-347D-0DB1-77EFCD6D3166}"/>
+              </a:ext>
+            </a:extLst>
+          </p:cNvPr>
+          <p:cNvSpPr>
+            <a:spLocks noGrp="1"/>
+          </p:cNvSpPr>
+          <p:nvPr>
+            <p:ph type="ftr" sz="quarter" idx="4"/>
+          </p:nvPr>
+        </p:nvSpPr>
+        <p:spPr/>
+        <p:txBody>
+          <a:bodyPr/>
+          <a:lstStyle/>
+          <a:p>
+            <a:pPr>
+              <a:defRPr/>
+            </a:pPr>
+            <a:endParaRPr lang="en-US"/>
+          </a:p>
+        </p:txBody>
+      </p:sp>
     </p:spTree>
     <p:extLst>
       <p:ext uri="{BB962C8B-B14F-4D97-AF65-F5344CB8AC3E}">
@@ -7168,6 +8653,34 @@
           </a:p>
         </p:txBody>
       </p:sp>
+      <p:sp>
+        <p:nvSpPr>
+          <p:cNvPr id="6" name="Footer Placeholder 5">
+            <a:extLst>
+              <a:ext uri="{FF2B5EF4-FFF2-40B4-BE49-F238E27FC236}">
+                <a16:creationId xmlns:a16="http://schemas.microsoft.com/office/drawing/2014/main" id="{B02201BB-0225-D070-4E18-D0A12F1B9FEA}"/>
+              </a:ext>
+            </a:extLst>
+          </p:cNvPr>
+          <p:cNvSpPr>
+            <a:spLocks noGrp="1"/>
+          </p:cNvSpPr>
+          <p:nvPr>
+            <p:ph type="ftr" sz="quarter" idx="4"/>
+          </p:nvPr>
+        </p:nvSpPr>
+        <p:spPr/>
+        <p:txBody>
+          <a:bodyPr/>
+          <a:lstStyle/>
+          <a:p>
+            <a:pPr>
+              <a:defRPr/>
+            </a:pPr>
+            <a:endParaRPr lang="en-US"/>
+          </a:p>
+        </p:txBody>
+      </p:sp>
     </p:spTree>
     <p:extLst>
       <p:ext uri="{BB962C8B-B14F-4D97-AF65-F5344CB8AC3E}">
@@ -7285,6 +8798,34 @@
           </a:p>
         </p:txBody>
       </p:sp>
+      <p:sp>
+        <p:nvSpPr>
+          <p:cNvPr id="6" name="Footer Placeholder 5">
+            <a:extLst>
+              <a:ext uri="{FF2B5EF4-FFF2-40B4-BE49-F238E27FC236}">
+                <a16:creationId xmlns:a16="http://schemas.microsoft.com/office/drawing/2014/main" id="{3A1C9420-8BB0-F766-5C79-25AACC04CE9D}"/>
+              </a:ext>
+            </a:extLst>
+          </p:cNvPr>
+          <p:cNvSpPr>
+            <a:spLocks noGrp="1"/>
+          </p:cNvSpPr>
+          <p:nvPr>
+            <p:ph type="ftr" sz="quarter" idx="4"/>
+          </p:nvPr>
+        </p:nvSpPr>
+        <p:spPr/>
+        <p:txBody>
+          <a:bodyPr/>
+          <a:lstStyle/>
+          <a:p>
+            <a:pPr>
+              <a:defRPr/>
+            </a:pPr>
+            <a:endParaRPr lang="en-US"/>
+          </a:p>
+        </p:txBody>
+      </p:sp>
     </p:spTree>
     <p:extLst>
       <p:ext uri="{BB962C8B-B14F-4D97-AF65-F5344CB8AC3E}">
@@ -7402,6 +8943,34 @@
           </a:p>
         </p:txBody>
       </p:sp>
+      <p:sp>
+        <p:nvSpPr>
+          <p:cNvPr id="6" name="Footer Placeholder 5">
+            <a:extLst>
+              <a:ext uri="{FF2B5EF4-FFF2-40B4-BE49-F238E27FC236}">
+                <a16:creationId xmlns:a16="http://schemas.microsoft.com/office/drawing/2014/main" id="{44F66C79-0D80-4958-88F2-F255AE223AD4}"/>
+              </a:ext>
+            </a:extLst>
+          </p:cNvPr>
+          <p:cNvSpPr>
+            <a:spLocks noGrp="1"/>
+          </p:cNvSpPr>
+          <p:nvPr>
+            <p:ph type="ftr" sz="quarter" idx="4"/>
+          </p:nvPr>
+        </p:nvSpPr>
+        <p:spPr/>
+        <p:txBody>
+          <a:bodyPr/>
+          <a:lstStyle/>
+          <a:p>
+            <a:pPr>
+              <a:defRPr/>
+            </a:pPr>
+            <a:endParaRPr lang="en-US"/>
+          </a:p>
+        </p:txBody>
+      </p:sp>
     </p:spTree>
     <p:extLst>
       <p:ext uri="{BB962C8B-B14F-4D97-AF65-F5344CB8AC3E}">
@@ -7519,6 +9088,34 @@
           </a:p>
         </p:txBody>
       </p:sp>
+      <p:sp>
+        <p:nvSpPr>
+          <p:cNvPr id="6" name="Footer Placeholder 5">
+            <a:extLst>
+              <a:ext uri="{FF2B5EF4-FFF2-40B4-BE49-F238E27FC236}">
+                <a16:creationId xmlns:a16="http://schemas.microsoft.com/office/drawing/2014/main" id="{FC294F83-5544-41C2-6DDE-9C8934041873}"/>
+              </a:ext>
+            </a:extLst>
+          </p:cNvPr>
+          <p:cNvSpPr>
+            <a:spLocks noGrp="1"/>
+          </p:cNvSpPr>
+          <p:nvPr>
+            <p:ph type="ftr" sz="quarter" idx="4"/>
+          </p:nvPr>
+        </p:nvSpPr>
+        <p:spPr/>
+        <p:txBody>
+          <a:bodyPr/>
+          <a:lstStyle/>
+          <a:p>
+            <a:pPr>
+              <a:defRPr/>
+            </a:pPr>
+            <a:endParaRPr lang="en-US"/>
+          </a:p>
+        </p:txBody>
+      </p:sp>
     </p:spTree>
     <p:extLst>
       <p:ext uri="{BB962C8B-B14F-4D97-AF65-F5344CB8AC3E}">
@@ -7636,6 +9233,34 @@
           </a:p>
         </p:txBody>
       </p:sp>
+      <p:sp>
+        <p:nvSpPr>
+          <p:cNvPr id="6" name="Footer Placeholder 5">
+            <a:extLst>
+              <a:ext uri="{FF2B5EF4-FFF2-40B4-BE49-F238E27FC236}">
+                <a16:creationId xmlns:a16="http://schemas.microsoft.com/office/drawing/2014/main" id="{B0564266-3D50-1715-AA02-3D11DC2690FB}"/>
+              </a:ext>
+            </a:extLst>
+          </p:cNvPr>
+          <p:cNvSpPr>
+            <a:spLocks noGrp="1"/>
+          </p:cNvSpPr>
+          <p:nvPr>
+            <p:ph type="ftr" sz="quarter" idx="4"/>
+          </p:nvPr>
+        </p:nvSpPr>
+        <p:spPr/>
+        <p:txBody>
+          <a:bodyPr/>
+          <a:lstStyle/>
+          <a:p>
+            <a:pPr>
+              <a:defRPr/>
+            </a:pPr>
+            <a:endParaRPr lang="en-US"/>
+          </a:p>
+        </p:txBody>
+      </p:sp>
     </p:spTree>
     <p:extLst>
       <p:ext uri="{BB962C8B-B14F-4D97-AF65-F5344CB8AC3E}">
@@ -7749,6 +9374,34 @@
               </a:pPr>
               <a:t>12</a:t>
             </a:fld>
+            <a:endParaRPr lang="en-US"/>
+          </a:p>
+        </p:txBody>
+      </p:sp>
+      <p:sp>
+        <p:nvSpPr>
+          <p:cNvPr id="6" name="Footer Placeholder 5">
+            <a:extLst>
+              <a:ext uri="{FF2B5EF4-FFF2-40B4-BE49-F238E27FC236}">
+                <a16:creationId xmlns:a16="http://schemas.microsoft.com/office/drawing/2014/main" id="{3A8B4644-3E45-B7F2-F485-8189C1B18A63}"/>
+              </a:ext>
+            </a:extLst>
+          </p:cNvPr>
+          <p:cNvSpPr>
+            <a:spLocks noGrp="1"/>
+          </p:cNvSpPr>
+          <p:nvPr>
+            <p:ph type="ftr" sz="quarter" idx="4"/>
+          </p:nvPr>
+        </p:nvSpPr>
+        <p:spPr/>
+        <p:txBody>
+          <a:bodyPr/>
+          <a:lstStyle/>
+          <a:p>
+            <a:pPr>
+              <a:defRPr/>
+            </a:pPr>
             <a:endParaRPr lang="en-US"/>
           </a:p>
         </p:txBody>
@@ -9355,83 +11008,92 @@
       </p:sp>
       <p:sp>
         <p:nvSpPr>
-          <p:cNvPr id="3075" name="Rectangle 1030"/>
+          <p:cNvPr id="3076" name="Rectangle 2"/>
           <p:cNvSpPr>
             <a:spLocks noGrp="1" noChangeArrowheads="1"/>
           </p:cNvSpPr>
           <p:nvPr>
+            <p:ph type="ctrTitle"/>
+          </p:nvPr>
+        </p:nvSpPr>
+        <p:spPr/>
+        <p:txBody>
+          <a:bodyPr/>
+          <a:lstStyle/>
+          <a:p>
+            <a:r>
+              <a:rPr lang="en-US" dirty="0"/>
+              <a:t>Syntax Analysis</a:t>
+            </a:r>
+            <a:br>
+              <a:rPr lang="en-US" dirty="0"/>
+            </a:br>
+            <a:r>
+              <a:rPr lang="en-US" sz="3000" dirty="0"/>
+              <a:t>(a.k.a. Parsing)</a:t>
+            </a:r>
+          </a:p>
+        </p:txBody>
+      </p:sp>
+      <p:sp>
+        <p:nvSpPr>
+          <p:cNvPr id="3077" name="Rectangle 3"/>
+          <p:cNvSpPr>
+            <a:spLocks noGrp="1" noChangeArrowheads="1"/>
+          </p:cNvSpPr>
+          <p:nvPr>
+            <p:ph type="subTitle" idx="1"/>
+          </p:nvPr>
+        </p:nvSpPr>
+        <p:spPr/>
+        <p:txBody>
+          <a:bodyPr/>
+          <a:lstStyle/>
+          <a:p>
+            <a:pPr algn="ctr"/>
+            <a:r>
+              <a:rPr lang="en-US" sz="2700" dirty="0"/>
+              <a:t>Grammar analysis and recursive descent parsing.</a:t>
+            </a:r>
+          </a:p>
+        </p:txBody>
+      </p:sp>
+      <p:sp>
+        <p:nvSpPr>
+          <p:cNvPr id="3" name="Slide Number Placeholder 2">
+            <a:extLst>
+              <a:ext uri="{FF2B5EF4-FFF2-40B4-BE49-F238E27FC236}">
+                <a16:creationId xmlns:a16="http://schemas.microsoft.com/office/drawing/2014/main" id="{880DF012-93A4-4B16-4AF9-45643B866160}"/>
+              </a:ext>
+            </a:extLst>
+          </p:cNvPr>
+          <p:cNvSpPr>
+            <a:spLocks noGrp="1"/>
+          </p:cNvSpPr>
+          <p:nvPr>
             <p:ph type="sldNum" sz="quarter" idx="11"/>
           </p:nvPr>
         </p:nvSpPr>
-        <p:spPr>
-          <a:noFill/>
-        </p:spPr>
-        <p:txBody>
-          <a:bodyPr/>
-          <a:lstStyle/>
-          <a:p>
+        <p:spPr/>
+        <p:txBody>
+          <a:bodyPr/>
+          <a:lstStyle/>
+          <a:p>
+            <a:pPr>
+              <a:defRPr/>
+            </a:pPr>
             <a:r>
               <a:rPr lang="en-US"/>
               <a:t>Slide </a:t>
             </a:r>
-            <a:fld id="{7FA3670F-EC8F-4261-9377-269ADC05270A}" type="slidenum">
-              <a:rPr lang="en-US"/>
-              <a:pPr/>
+            <a:fld id="{C4B77F53-B4BB-4C95-959A-F68CD984A564}" type="slidenum">
+              <a:rPr lang="en-US" smtClean="0"/>
+              <a:pPr>
+                <a:defRPr/>
+              </a:pPr>
               <a:t>1</a:t>
             </a:fld>
             <a:endParaRPr lang="en-US"/>
-          </a:p>
-        </p:txBody>
-      </p:sp>
-      <p:sp>
-        <p:nvSpPr>
-          <p:cNvPr id="3076" name="Rectangle 2"/>
-          <p:cNvSpPr>
-            <a:spLocks noGrp="1" noChangeArrowheads="1"/>
-          </p:cNvSpPr>
-          <p:nvPr>
-            <p:ph type="ctrTitle"/>
-          </p:nvPr>
-        </p:nvSpPr>
-        <p:spPr/>
-        <p:txBody>
-          <a:bodyPr/>
-          <a:lstStyle/>
-          <a:p>
-            <a:r>
-              <a:rPr lang="en-US" dirty="0"/>
-              <a:t>Syntax Analysis</a:t>
-            </a:r>
-            <a:br>
-              <a:rPr lang="en-US" dirty="0"/>
-            </a:br>
-            <a:r>
-              <a:rPr lang="en-US" sz="3000" dirty="0"/>
-              <a:t>(a.k.a. Parsing)</a:t>
-            </a:r>
-          </a:p>
-        </p:txBody>
-      </p:sp>
-      <p:sp>
-        <p:nvSpPr>
-          <p:cNvPr id="3077" name="Rectangle 3"/>
-          <p:cNvSpPr>
-            <a:spLocks noGrp="1" noChangeArrowheads="1"/>
-          </p:cNvSpPr>
-          <p:nvPr>
-            <p:ph type="subTitle" idx="1"/>
-          </p:nvPr>
-        </p:nvSpPr>
-        <p:spPr/>
-        <p:txBody>
-          <a:bodyPr/>
-          <a:lstStyle/>
-          <a:p>
-            <a:pPr algn="ctr"/>
-            <a:r>
-              <a:rPr lang="en-US" sz="2700" dirty="0"/>
-              <a:t>Grammar analysis and recursive descent parsing.</a:t>
-            </a:r>
           </a:p>
         </p:txBody>
       </p:sp>
@@ -9486,36 +11148,6 @@
       </p:sp>
       <p:sp>
         <p:nvSpPr>
-          <p:cNvPr id="9219" name="Slide Number Placeholder 4"/>
-          <p:cNvSpPr>
-            <a:spLocks noGrp="1"/>
-          </p:cNvSpPr>
-          <p:nvPr>
-            <p:ph type="sldNum" sz="quarter" idx="11"/>
-          </p:nvPr>
-        </p:nvSpPr>
-        <p:spPr>
-          <a:noFill/>
-        </p:spPr>
-        <p:txBody>
-          <a:bodyPr/>
-          <a:lstStyle/>
-          <a:p>
-            <a:r>
-              <a:rPr lang="en-US"/>
-              <a:t>Slide </a:t>
-            </a:r>
-            <a:fld id="{0C81F343-11D8-4A96-AD6F-874DA0A3951E}" type="slidenum">
-              <a:rPr lang="en-US"/>
-              <a:pPr/>
-              <a:t>10</a:t>
-            </a:fld>
-            <a:endParaRPr lang="en-US"/>
-          </a:p>
-        </p:txBody>
-      </p:sp>
-      <p:sp>
-        <p:nvSpPr>
           <p:cNvPr id="9220" name="Rectangle 4"/>
           <p:cNvSpPr>
             <a:spLocks noGrp="1" noChangeArrowheads="1"/>
@@ -9686,6 +11318,45 @@
               <a:rPr lang="en-US" dirty="0"/>
               <a:t>.</a:t>
             </a:r>
+          </a:p>
+        </p:txBody>
+      </p:sp>
+      <p:sp>
+        <p:nvSpPr>
+          <p:cNvPr id="3" name="Slide Number Placeholder 2">
+            <a:extLst>
+              <a:ext uri="{FF2B5EF4-FFF2-40B4-BE49-F238E27FC236}">
+                <a16:creationId xmlns:a16="http://schemas.microsoft.com/office/drawing/2014/main" id="{4DAE85FA-B614-A1B2-F6F1-24D4B2A9716B}"/>
+              </a:ext>
+            </a:extLst>
+          </p:cNvPr>
+          <p:cNvSpPr>
+            <a:spLocks noGrp="1"/>
+          </p:cNvSpPr>
+          <p:nvPr>
+            <p:ph type="sldNum" sz="quarter" idx="11"/>
+          </p:nvPr>
+        </p:nvSpPr>
+        <p:spPr/>
+        <p:txBody>
+          <a:bodyPr/>
+          <a:lstStyle/>
+          <a:p>
+            <a:pPr>
+              <a:defRPr/>
+            </a:pPr>
+            <a:r>
+              <a:rPr lang="en-US"/>
+              <a:t>Slide </a:t>
+            </a:r>
+            <a:fld id="{0F05040F-3DD5-4422-8E21-6095A5B4132F}" type="slidenum">
+              <a:rPr lang="en-US" smtClean="0"/>
+              <a:pPr>
+                <a:defRPr/>
+              </a:pPr>
+              <a:t>10</a:t>
+            </a:fld>
+            <a:endParaRPr lang="en-US"/>
           </a:p>
         </p:txBody>
       </p:sp>
@@ -9901,7 +11572,13 @@
       </p:sp>
       <p:sp>
         <p:nvSpPr>
-          <p:cNvPr id="5" name="Slide Number Placeholder 4"/>
+          <p:cNvPr id="7" name="Slide Number Placeholder 6">
+            <a:extLst>
+              <a:ext uri="{FF2B5EF4-FFF2-40B4-BE49-F238E27FC236}">
+                <a16:creationId xmlns:a16="http://schemas.microsoft.com/office/drawing/2014/main" id="{3B2D1AD5-35C2-10ED-7E52-7917271AB185}"/>
+              </a:ext>
+            </a:extLst>
+          </p:cNvPr>
           <p:cNvSpPr>
             <a:spLocks noGrp="1"/>
           </p:cNvSpPr>
@@ -10071,7 +11748,13 @@
       </p:sp>
       <p:sp>
         <p:nvSpPr>
-          <p:cNvPr id="5" name="Slide Number Placeholder 4"/>
+          <p:cNvPr id="7" name="Slide Number Placeholder 6">
+            <a:extLst>
+              <a:ext uri="{FF2B5EF4-FFF2-40B4-BE49-F238E27FC236}">
+                <a16:creationId xmlns:a16="http://schemas.microsoft.com/office/drawing/2014/main" id="{5EF51D0F-25AF-4851-9EE8-FE82361AD22A}"/>
+              </a:ext>
+            </a:extLst>
+          </p:cNvPr>
           <p:cNvSpPr>
             <a:spLocks noGrp="1"/>
           </p:cNvSpPr>
@@ -10158,36 +11841,6 @@
       </p:sp>
       <p:sp>
         <p:nvSpPr>
-          <p:cNvPr id="10243" name="Slide Number Placeholder 4"/>
-          <p:cNvSpPr>
-            <a:spLocks noGrp="1"/>
-          </p:cNvSpPr>
-          <p:nvPr>
-            <p:ph type="sldNum" sz="quarter" idx="11"/>
-          </p:nvPr>
-        </p:nvSpPr>
-        <p:spPr>
-          <a:noFill/>
-        </p:spPr>
-        <p:txBody>
-          <a:bodyPr/>
-          <a:lstStyle/>
-          <a:p>
-            <a:r>
-              <a:rPr lang="en-US"/>
-              <a:t>Slide </a:t>
-            </a:r>
-            <a:fld id="{1EE2AF44-A86A-466A-97F8-1FFAF91DE9BE}" type="slidenum">
-              <a:rPr lang="en-US"/>
-              <a:pPr/>
-              <a:t>13</a:t>
-            </a:fld>
-            <a:endParaRPr lang="en-US"/>
-          </a:p>
-        </p:txBody>
-      </p:sp>
-      <p:sp>
-        <p:nvSpPr>
           <p:cNvPr id="10244" name="Rectangle 2"/>
           <p:cNvSpPr>
             <a:spLocks noGrp="1" noChangeArrowheads="1"/>
@@ -10337,6 +11990,45 @@
               <a:rPr lang="en-US" dirty="0"/>
               <a:t>	We focus on systematic implementation of this method by examining the right side of the rule.</a:t>
             </a:r>
+          </a:p>
+        </p:txBody>
+      </p:sp>
+      <p:sp>
+        <p:nvSpPr>
+          <p:cNvPr id="3" name="Slide Number Placeholder 2">
+            <a:extLst>
+              <a:ext uri="{FF2B5EF4-FFF2-40B4-BE49-F238E27FC236}">
+                <a16:creationId xmlns:a16="http://schemas.microsoft.com/office/drawing/2014/main" id="{291AD283-02BF-33A7-2F60-7D8698941F1F}"/>
+              </a:ext>
+            </a:extLst>
+          </p:cNvPr>
+          <p:cNvSpPr>
+            <a:spLocks noGrp="1"/>
+          </p:cNvSpPr>
+          <p:nvPr>
+            <p:ph type="sldNum" sz="quarter" idx="11"/>
+          </p:nvPr>
+        </p:nvSpPr>
+        <p:spPr/>
+        <p:txBody>
+          <a:bodyPr/>
+          <a:lstStyle/>
+          <a:p>
+            <a:pPr>
+              <a:defRPr/>
+            </a:pPr>
+            <a:r>
+              <a:rPr lang="en-US"/>
+              <a:t>Slide </a:t>
+            </a:r>
+            <a:fld id="{0F05040F-3DD5-4422-8E21-6095A5B4132F}" type="slidenum">
+              <a:rPr lang="en-US" smtClean="0"/>
+              <a:pPr>
+                <a:defRPr/>
+              </a:pPr>
+              <a:t>13</a:t>
+            </a:fld>
+            <a:endParaRPr lang="en-US"/>
           </a:p>
         </p:txBody>
       </p:sp>
@@ -10391,7 +12083,231 @@
       </p:sp>
       <p:sp>
         <p:nvSpPr>
-          <p:cNvPr id="11267" name="Slide Number Placeholder 4"/>
+          <p:cNvPr id="11268" name="Rectangle 2"/>
+          <p:cNvSpPr>
+            <a:spLocks noGrp="1" noChangeArrowheads="1"/>
+          </p:cNvSpPr>
+          <p:nvPr>
+            <p:ph type="title"/>
+          </p:nvPr>
+        </p:nvSpPr>
+        <p:spPr/>
+        <p:txBody>
+          <a:bodyPr/>
+          <a:lstStyle/>
+          <a:p>
+            <a:r>
+              <a:rPr lang="en-US" dirty="0"/>
+              <a:t>Parsing Guideline 2</a:t>
+            </a:r>
+          </a:p>
+        </p:txBody>
+      </p:sp>
+      <p:sp>
+        <p:nvSpPr>
+          <p:cNvPr id="11269" name="Rectangle 3"/>
+          <p:cNvSpPr>
+            <a:spLocks noGrp="1" noChangeArrowheads="1"/>
+          </p:cNvSpPr>
+          <p:nvPr>
+            <p:ph type="body" idx="1"/>
+          </p:nvPr>
+        </p:nvSpPr>
+        <p:spPr/>
+        <p:txBody>
+          <a:bodyPr/>
+          <a:lstStyle/>
+          <a:p>
+            <a:r>
+              <a:rPr lang="en-US" dirty="0"/>
+              <a:t>A sequence of syntax factors </a:t>
+            </a:r>
+            <a:r>
+              <a:rPr lang="en-US" dirty="0">
+                <a:latin typeface="Consolas" panose="020B0609020204030204" pitchFamily="49" charset="0"/>
+              </a:rPr>
+              <a:t>F</a:t>
+            </a:r>
+            <a:r>
+              <a:rPr lang="en-US" baseline="-25000" dirty="0">
+                <a:latin typeface="Consolas" panose="020B0609020204030204" pitchFamily="49" charset="0"/>
+              </a:rPr>
+              <a:t>1</a:t>
+            </a:r>
+            <a:r>
+              <a:rPr lang="en-US" dirty="0">
+                <a:latin typeface="Consolas" panose="020B0609020204030204" pitchFamily="49" charset="0"/>
+              </a:rPr>
+              <a:t> F</a:t>
+            </a:r>
+            <a:r>
+              <a:rPr lang="en-US" baseline="-25000" dirty="0">
+                <a:latin typeface="Consolas" panose="020B0609020204030204" pitchFamily="49" charset="0"/>
+              </a:rPr>
+              <a:t>2</a:t>
+            </a:r>
+            <a:r>
+              <a:rPr lang="en-US" dirty="0">
+                <a:latin typeface="Consolas" panose="020B0609020204030204" pitchFamily="49" charset="0"/>
+              </a:rPr>
+              <a:t> F</a:t>
+            </a:r>
+            <a:r>
+              <a:rPr lang="en-US" baseline="-25000" dirty="0">
+                <a:latin typeface="Consolas" panose="020B0609020204030204" pitchFamily="49" charset="0"/>
+              </a:rPr>
+              <a:t>3</a:t>
+            </a:r>
+            <a:r>
+              <a:rPr lang="en-US" dirty="0">
+                <a:latin typeface="Consolas" panose="020B0609020204030204" pitchFamily="49" charset="0"/>
+              </a:rPr>
+              <a:t> ...</a:t>
+            </a:r>
+            <a:r>
+              <a:rPr lang="en-US" dirty="0"/>
+              <a:t> is recognized by parsing the individual factors one at a time in order.</a:t>
+            </a:r>
+          </a:p>
+          <a:p>
+            <a:r>
+              <a:rPr lang="en-US" dirty="0"/>
+              <a:t>In other words, the algorithm for parsing </a:t>
+            </a:r>
+            <a:r>
+              <a:rPr lang="en-US" dirty="0">
+                <a:latin typeface="Consolas" panose="020B0609020204030204" pitchFamily="49" charset="0"/>
+              </a:rPr>
+              <a:t>F</a:t>
+            </a:r>
+            <a:r>
+              <a:rPr lang="en-US" baseline="-25000" dirty="0">
+                <a:latin typeface="Consolas" panose="020B0609020204030204" pitchFamily="49" charset="0"/>
+              </a:rPr>
+              <a:t>1</a:t>
+            </a:r>
+            <a:r>
+              <a:rPr lang="en-US" dirty="0">
+                <a:latin typeface="Consolas" panose="020B0609020204030204" pitchFamily="49" charset="0"/>
+              </a:rPr>
+              <a:t> F</a:t>
+            </a:r>
+            <a:r>
+              <a:rPr lang="en-US" baseline="-25000" dirty="0">
+                <a:latin typeface="Consolas" panose="020B0609020204030204" pitchFamily="49" charset="0"/>
+              </a:rPr>
+              <a:t>2</a:t>
+            </a:r>
+            <a:r>
+              <a:rPr lang="en-US" dirty="0">
+                <a:latin typeface="Consolas" panose="020B0609020204030204" pitchFamily="49" charset="0"/>
+              </a:rPr>
+              <a:t> F</a:t>
+            </a:r>
+            <a:r>
+              <a:rPr lang="en-US" baseline="-25000" dirty="0">
+                <a:latin typeface="Consolas" panose="020B0609020204030204" pitchFamily="49" charset="0"/>
+              </a:rPr>
+              <a:t>3</a:t>
+            </a:r>
+            <a:r>
+              <a:rPr lang="en-US" dirty="0">
+                <a:latin typeface="Consolas" panose="020B0609020204030204" pitchFamily="49" charset="0"/>
+              </a:rPr>
+              <a:t> ...</a:t>
+            </a:r>
+            <a:r>
+              <a:rPr lang="en-US" dirty="0"/>
+              <a:t> is simply</a:t>
+            </a:r>
+          </a:p>
+          <a:p>
+            <a:pPr lvl="1"/>
+            <a:r>
+              <a:rPr lang="en-US" dirty="0"/>
+              <a:t>the algorithm for parsing </a:t>
+            </a:r>
+            <a:r>
+              <a:rPr lang="en-US" dirty="0">
+                <a:latin typeface="Consolas" panose="020B0609020204030204" pitchFamily="49" charset="0"/>
+              </a:rPr>
+              <a:t>F</a:t>
+            </a:r>
+            <a:r>
+              <a:rPr lang="en-US" baseline="-25000" dirty="0">
+                <a:latin typeface="Consolas" panose="020B0609020204030204" pitchFamily="49" charset="0"/>
+              </a:rPr>
+              <a:t>1</a:t>
+            </a:r>
+            <a:r>
+              <a:rPr lang="en-US" dirty="0"/>
+              <a:t> followed by</a:t>
+            </a:r>
+          </a:p>
+          <a:p>
+            <a:pPr lvl="1"/>
+            <a:r>
+              <a:rPr lang="en-US" dirty="0"/>
+              <a:t>the algorithm for parsing </a:t>
+            </a:r>
+            <a:r>
+              <a:rPr lang="en-US" dirty="0">
+                <a:latin typeface="Consolas" panose="020B0609020204030204" pitchFamily="49" charset="0"/>
+              </a:rPr>
+              <a:t>F</a:t>
+            </a:r>
+            <a:r>
+              <a:rPr lang="en-US" baseline="-25000" dirty="0">
+                <a:latin typeface="Consolas" panose="020B0609020204030204" pitchFamily="49" charset="0"/>
+              </a:rPr>
+              <a:t>2</a:t>
+            </a:r>
+            <a:r>
+              <a:rPr lang="en-US" dirty="0"/>
+              <a:t> followed by</a:t>
+            </a:r>
+          </a:p>
+          <a:p>
+            <a:pPr lvl="1"/>
+            <a:r>
+              <a:rPr lang="en-US" dirty="0"/>
+              <a:t>the algorithm for parsing </a:t>
+            </a:r>
+            <a:r>
+              <a:rPr lang="en-US" dirty="0">
+                <a:latin typeface="Consolas" panose="020B0609020204030204" pitchFamily="49" charset="0"/>
+              </a:rPr>
+              <a:t>F</a:t>
+            </a:r>
+            <a:r>
+              <a:rPr lang="en-US" baseline="-25000" dirty="0">
+                <a:latin typeface="Consolas" panose="020B0609020204030204" pitchFamily="49" charset="0"/>
+              </a:rPr>
+              <a:t>3</a:t>
+            </a:r>
+            <a:r>
+              <a:rPr lang="en-US" dirty="0"/>
+              <a:t> followed by</a:t>
+            </a:r>
+          </a:p>
+          <a:p>
+            <a:pPr lvl="1"/>
+            <a:r>
+              <a:rPr lang="en-US" dirty="0"/>
+              <a:t>…</a:t>
+            </a:r>
+          </a:p>
+        </p:txBody>
+      </p:sp>
+      <p:sp>
+        <p:nvSpPr>
+          <p:cNvPr id="3" name="Slide Number Placeholder 2">
+            <a:extLst>
+              <a:ext uri="{FF2B5EF4-FFF2-40B4-BE49-F238E27FC236}">
+                <a16:creationId xmlns:a16="http://schemas.microsoft.com/office/drawing/2014/main" id="{C5ACC5A4-FC82-DC77-62CB-0EB282C16F28}"/>
+              </a:ext>
+            </a:extLst>
+          </p:cNvPr>
           <p:cNvSpPr>
             <a:spLocks noGrp="1"/>
           </p:cNvSpPr>
@@ -10399,241 +12315,26 @@
             <p:ph type="sldNum" sz="quarter" idx="11"/>
           </p:nvPr>
         </p:nvSpPr>
-        <p:spPr>
-          <a:noFill/>
-        </p:spPr>
-        <p:txBody>
-          <a:bodyPr/>
-          <a:lstStyle/>
-          <a:p>
+        <p:spPr/>
+        <p:txBody>
+          <a:bodyPr/>
+          <a:lstStyle/>
+          <a:p>
+            <a:pPr>
+              <a:defRPr/>
+            </a:pPr>
             <a:r>
               <a:rPr lang="en-US"/>
               <a:t>Slide </a:t>
             </a:r>
-            <a:fld id="{2FD446EE-589A-4C39-9258-577C172775D9}" type="slidenum">
-              <a:rPr lang="en-US"/>
-              <a:pPr/>
+            <a:fld id="{0F05040F-3DD5-4422-8E21-6095A5B4132F}" type="slidenum">
+              <a:rPr lang="en-US" smtClean="0"/>
+              <a:pPr>
+                <a:defRPr/>
+              </a:pPr>
               <a:t>14</a:t>
             </a:fld>
             <a:endParaRPr lang="en-US"/>
-          </a:p>
-        </p:txBody>
-      </p:sp>
-      <p:sp>
-        <p:nvSpPr>
-          <p:cNvPr id="11268" name="Rectangle 2"/>
-          <p:cNvSpPr>
-            <a:spLocks noGrp="1" noChangeArrowheads="1"/>
-          </p:cNvSpPr>
-          <p:nvPr>
-            <p:ph type="title"/>
-          </p:nvPr>
-        </p:nvSpPr>
-        <p:spPr/>
-        <p:txBody>
-          <a:bodyPr/>
-          <a:lstStyle/>
-          <a:p>
-            <a:r>
-              <a:rPr lang="en-US" dirty="0"/>
-              <a:t>Parsing Guideline 2</a:t>
-            </a:r>
-          </a:p>
-        </p:txBody>
-      </p:sp>
-      <p:sp>
-        <p:nvSpPr>
-          <p:cNvPr id="11269" name="Rectangle 3"/>
-          <p:cNvSpPr>
-            <a:spLocks noGrp="1" noChangeArrowheads="1"/>
-          </p:cNvSpPr>
-          <p:nvPr>
-            <p:ph type="body" idx="1"/>
-          </p:nvPr>
-        </p:nvSpPr>
-        <p:spPr/>
-        <p:txBody>
-          <a:bodyPr/>
-          <a:lstStyle/>
-          <a:p>
-            <a:r>
-              <a:rPr lang="en-US" dirty="0"/>
-              <a:t>A sequence of syntax factors </a:t>
-            </a:r>
-            <a:r>
-              <a:rPr lang="en-US" dirty="0">
-                <a:latin typeface="Consolas" panose="020B0609020204030204" pitchFamily="49" charset="0"/>
-              </a:rPr>
-              <a:t>F</a:t>
-            </a:r>
-            <a:r>
-              <a:rPr lang="en-US" baseline="-25000" dirty="0">
-                <a:latin typeface="Consolas" panose="020B0609020204030204" pitchFamily="49" charset="0"/>
-              </a:rPr>
-              <a:t>1</a:t>
-            </a:r>
-            <a:r>
-              <a:rPr lang="en-US" dirty="0">
-                <a:latin typeface="Consolas" panose="020B0609020204030204" pitchFamily="49" charset="0"/>
-              </a:rPr>
-              <a:t> F</a:t>
-            </a:r>
-            <a:r>
-              <a:rPr lang="en-US" baseline="-25000" dirty="0">
-                <a:latin typeface="Consolas" panose="020B0609020204030204" pitchFamily="49" charset="0"/>
-              </a:rPr>
-              <a:t>2</a:t>
-            </a:r>
-            <a:r>
-              <a:rPr lang="en-US" dirty="0">
-                <a:latin typeface="Consolas" panose="020B0609020204030204" pitchFamily="49" charset="0"/>
-              </a:rPr>
-              <a:t> F</a:t>
-            </a:r>
-            <a:r>
-              <a:rPr lang="en-US" baseline="-25000" dirty="0">
-                <a:latin typeface="Consolas" panose="020B0609020204030204" pitchFamily="49" charset="0"/>
-              </a:rPr>
-              <a:t>3</a:t>
-            </a:r>
-            <a:r>
-              <a:rPr lang="en-US" dirty="0">
-                <a:latin typeface="Consolas" panose="020B0609020204030204" pitchFamily="49" charset="0"/>
-              </a:rPr>
-              <a:t> ...</a:t>
-            </a:r>
-            <a:r>
-              <a:rPr lang="en-US" dirty="0"/>
-              <a:t> is recognized by parsing the individual factors one at a time in order.</a:t>
-            </a:r>
-          </a:p>
-          <a:p>
-            <a:r>
-              <a:rPr lang="en-US" dirty="0"/>
-              <a:t>In other words, the algorithm for parsing </a:t>
-            </a:r>
-            <a:r>
-              <a:rPr lang="en-US" dirty="0">
-                <a:latin typeface="Consolas" panose="020B0609020204030204" pitchFamily="49" charset="0"/>
-              </a:rPr>
-              <a:t>F</a:t>
-            </a:r>
-            <a:r>
-              <a:rPr lang="en-US" baseline="-25000" dirty="0">
-                <a:latin typeface="Consolas" panose="020B0609020204030204" pitchFamily="49" charset="0"/>
-              </a:rPr>
-              <a:t>1</a:t>
-            </a:r>
-            <a:r>
-              <a:rPr lang="en-US" dirty="0">
-                <a:latin typeface="Consolas" panose="020B0609020204030204" pitchFamily="49" charset="0"/>
-              </a:rPr>
-              <a:t> F</a:t>
-            </a:r>
-            <a:r>
-              <a:rPr lang="en-US" baseline="-25000" dirty="0">
-                <a:latin typeface="Consolas" panose="020B0609020204030204" pitchFamily="49" charset="0"/>
-              </a:rPr>
-              <a:t>2</a:t>
-            </a:r>
-            <a:r>
-              <a:rPr lang="en-US" dirty="0">
-                <a:latin typeface="Consolas" panose="020B0609020204030204" pitchFamily="49" charset="0"/>
-              </a:rPr>
-              <a:t> F</a:t>
-            </a:r>
-            <a:r>
-              <a:rPr lang="en-US" baseline="-25000" dirty="0">
-                <a:latin typeface="Consolas" panose="020B0609020204030204" pitchFamily="49" charset="0"/>
-              </a:rPr>
-              <a:t>3</a:t>
-            </a:r>
-            <a:r>
-              <a:rPr lang="en-US" dirty="0">
-                <a:latin typeface="Consolas" panose="020B0609020204030204" pitchFamily="49" charset="0"/>
-              </a:rPr>
-              <a:t> ...</a:t>
-            </a:r>
-            <a:r>
-              <a:rPr lang="en-US" dirty="0"/>
-              <a:t> is simply</a:t>
-            </a:r>
-          </a:p>
-          <a:p>
-            <a:pPr lvl="1"/>
-            <a:r>
-              <a:rPr lang="en-US" dirty="0"/>
-              <a:t>the algorithm for parsing </a:t>
-            </a:r>
-            <a:r>
-              <a:rPr lang="en-US" dirty="0">
-                <a:latin typeface="Consolas" panose="020B0609020204030204" pitchFamily="49" charset="0"/>
-              </a:rPr>
-              <a:t>F</a:t>
-            </a:r>
-            <a:r>
-              <a:rPr lang="en-US" baseline="-25000" dirty="0">
-                <a:latin typeface="Consolas" panose="020B0609020204030204" pitchFamily="49" charset="0"/>
-              </a:rPr>
-              <a:t>1</a:t>
-            </a:r>
-            <a:r>
-              <a:rPr lang="en-US" dirty="0"/>
-              <a:t> followed by</a:t>
-            </a:r>
-          </a:p>
-          <a:p>
-            <a:pPr lvl="1"/>
-            <a:r>
-              <a:rPr lang="en-US" dirty="0"/>
-              <a:t>the algorithm for parsing </a:t>
-            </a:r>
-            <a:r>
-              <a:rPr lang="en-US" dirty="0">
-                <a:latin typeface="Consolas" panose="020B0609020204030204" pitchFamily="49" charset="0"/>
-              </a:rPr>
-              <a:t>F</a:t>
-            </a:r>
-            <a:r>
-              <a:rPr lang="en-US" baseline="-25000" dirty="0">
-                <a:latin typeface="Consolas" panose="020B0609020204030204" pitchFamily="49" charset="0"/>
-              </a:rPr>
-              <a:t>2</a:t>
-            </a:r>
-            <a:r>
-              <a:rPr lang="en-US" dirty="0"/>
-              <a:t> followed by</a:t>
-            </a:r>
-          </a:p>
-          <a:p>
-            <a:pPr lvl="1"/>
-            <a:r>
-              <a:rPr lang="en-US" dirty="0"/>
-              <a:t>the algorithm for parsing </a:t>
-            </a:r>
-            <a:r>
-              <a:rPr lang="en-US" dirty="0">
-                <a:latin typeface="Consolas" panose="020B0609020204030204" pitchFamily="49" charset="0"/>
-              </a:rPr>
-              <a:t>F</a:t>
-            </a:r>
-            <a:r>
-              <a:rPr lang="en-US" baseline="-25000" dirty="0">
-                <a:latin typeface="Consolas" panose="020B0609020204030204" pitchFamily="49" charset="0"/>
-              </a:rPr>
-              <a:t>3</a:t>
-            </a:r>
-            <a:r>
-              <a:rPr lang="en-US" dirty="0"/>
-              <a:t> followed by</a:t>
-            </a:r>
-          </a:p>
-          <a:p>
-            <a:pPr lvl="1"/>
-            <a:r>
-              <a:rPr lang="en-US" dirty="0"/>
-              <a:t>…</a:t>
-            </a:r>
           </a:p>
         </p:txBody>
       </p:sp>
@@ -10688,36 +12389,6 @@
       </p:sp>
       <p:sp>
         <p:nvSpPr>
-          <p:cNvPr id="12291" name="Slide Number Placeholder 4"/>
-          <p:cNvSpPr>
-            <a:spLocks noGrp="1"/>
-          </p:cNvSpPr>
-          <p:nvPr>
-            <p:ph type="sldNum" sz="quarter" idx="11"/>
-          </p:nvPr>
-        </p:nvSpPr>
-        <p:spPr>
-          <a:noFill/>
-        </p:spPr>
-        <p:txBody>
-          <a:bodyPr/>
-          <a:lstStyle/>
-          <a:p>
-            <a:r>
-              <a:rPr lang="en-US"/>
-              <a:t>Slide </a:t>
-            </a:r>
-            <a:fld id="{A67F0797-B4EB-4031-84E7-CA013858C795}" type="slidenum">
-              <a:rPr lang="en-US"/>
-              <a:pPr/>
-              <a:t>15</a:t>
-            </a:fld>
-            <a:endParaRPr lang="en-US"/>
-          </a:p>
-        </p:txBody>
-      </p:sp>
-      <p:sp>
-        <p:nvSpPr>
           <p:cNvPr id="12292" name="Rectangle 4"/>
           <p:cNvSpPr>
             <a:spLocks noGrp="1" noChangeArrowheads="1"/>
@@ -10864,6 +12535,45 @@
               <a:t>";"</a:t>
             </a:r>
             <a:endParaRPr lang="en-US" dirty="0"/>
+          </a:p>
+        </p:txBody>
+      </p:sp>
+      <p:sp>
+        <p:nvSpPr>
+          <p:cNvPr id="3" name="Slide Number Placeholder 2">
+            <a:extLst>
+              <a:ext uri="{FF2B5EF4-FFF2-40B4-BE49-F238E27FC236}">
+                <a16:creationId xmlns:a16="http://schemas.microsoft.com/office/drawing/2014/main" id="{EF7B611A-8F5B-131D-FAA6-D6FE8A458497}"/>
+              </a:ext>
+            </a:extLst>
+          </p:cNvPr>
+          <p:cNvSpPr>
+            <a:spLocks noGrp="1"/>
+          </p:cNvSpPr>
+          <p:nvPr>
+            <p:ph type="sldNum" sz="quarter" idx="11"/>
+          </p:nvPr>
+        </p:nvSpPr>
+        <p:spPr/>
+        <p:txBody>
+          <a:bodyPr/>
+          <a:lstStyle/>
+          <a:p>
+            <a:pPr>
+              <a:defRPr/>
+            </a:pPr>
+            <a:r>
+              <a:rPr lang="en-US"/>
+              <a:t>Slide </a:t>
+            </a:r>
+            <a:fld id="{0F05040F-3DD5-4422-8E21-6095A5B4132F}" type="slidenum">
+              <a:rPr lang="en-US" smtClean="0"/>
+              <a:pPr>
+                <a:defRPr/>
+              </a:pPr>
+              <a:t>15</a:t>
+            </a:fld>
+            <a:endParaRPr lang="en-US"/>
           </a:p>
         </p:txBody>
       </p:sp>
@@ -10918,36 +12628,6 @@
       </p:sp>
       <p:sp>
         <p:nvSpPr>
-          <p:cNvPr id="13315" name="Slide Number Placeholder 4"/>
-          <p:cNvSpPr>
-            <a:spLocks noGrp="1"/>
-          </p:cNvSpPr>
-          <p:nvPr>
-            <p:ph type="sldNum" sz="quarter" idx="11"/>
-          </p:nvPr>
-        </p:nvSpPr>
-        <p:spPr>
-          <a:noFill/>
-        </p:spPr>
-        <p:txBody>
-          <a:bodyPr/>
-          <a:lstStyle/>
-          <a:p>
-            <a:r>
-              <a:rPr lang="en-US"/>
-              <a:t>Slide </a:t>
-            </a:r>
-            <a:fld id="{574D965B-4E1A-459E-B346-8CA2EC1892D8}" type="slidenum">
-              <a:rPr lang="en-US"/>
-              <a:pPr/>
-              <a:t>16</a:t>
-            </a:fld>
-            <a:endParaRPr lang="en-US"/>
-          </a:p>
-        </p:txBody>
-      </p:sp>
-      <p:sp>
-        <p:nvSpPr>
           <p:cNvPr id="13316" name="Rectangle 4"/>
           <p:cNvSpPr>
             <a:spLocks noGrp="1" noChangeArrowheads="1"/>
@@ -11228,6 +12908,45 @@
               <a:t> match(Symbol.assign);</a:t>
             </a:r>
             <a:endParaRPr lang="en-US" sz="1800" dirty="0"/>
+          </a:p>
+        </p:txBody>
+      </p:sp>
+      <p:sp>
+        <p:nvSpPr>
+          <p:cNvPr id="3" name="Slide Number Placeholder 2">
+            <a:extLst>
+              <a:ext uri="{FF2B5EF4-FFF2-40B4-BE49-F238E27FC236}">
+                <a16:creationId xmlns:a16="http://schemas.microsoft.com/office/drawing/2014/main" id="{B260C657-82D6-6F89-A51A-18BFF91D9C74}"/>
+              </a:ext>
+            </a:extLst>
+          </p:cNvPr>
+          <p:cNvSpPr>
+            <a:spLocks noGrp="1"/>
+          </p:cNvSpPr>
+          <p:nvPr>
+            <p:ph type="sldNum" sz="quarter" idx="11"/>
+          </p:nvPr>
+        </p:nvSpPr>
+        <p:spPr/>
+        <p:txBody>
+          <a:bodyPr/>
+          <a:lstStyle/>
+          <a:p>
+            <a:pPr>
+              <a:defRPr/>
+            </a:pPr>
+            <a:r>
+              <a:rPr lang="en-US"/>
+              <a:t>Slide </a:t>
+            </a:r>
+            <a:fld id="{0F05040F-3DD5-4422-8E21-6095A5B4132F}" type="slidenum">
+              <a:rPr lang="en-US" smtClean="0"/>
+              <a:pPr>
+                <a:defRPr/>
+              </a:pPr>
+              <a:t>16</a:t>
+            </a:fld>
+            <a:endParaRPr lang="en-US"/>
           </a:p>
         </p:txBody>
       </p:sp>
@@ -11282,7 +13001,142 @@
       </p:sp>
       <p:sp>
         <p:nvSpPr>
-          <p:cNvPr id="14339" name="Slide Number Placeholder 4"/>
+          <p:cNvPr id="14340" name="Rectangle 4"/>
+          <p:cNvSpPr>
+            <a:spLocks noGrp="1" noChangeArrowheads="1"/>
+          </p:cNvSpPr>
+          <p:nvPr>
+            <p:ph type="title"/>
+          </p:nvPr>
+        </p:nvSpPr>
+        <p:spPr/>
+        <p:txBody>
+          <a:bodyPr/>
+          <a:lstStyle/>
+          <a:p>
+            <a:r>
+              <a:rPr lang="en-US" dirty="0"/>
+              <a:t>Parsing Guideline 4</a:t>
+            </a:r>
+          </a:p>
+        </p:txBody>
+      </p:sp>
+      <p:sp>
+        <p:nvSpPr>
+          <p:cNvPr id="14341" name="Rectangle 5"/>
+          <p:cNvSpPr>
+            <a:spLocks noGrp="1" noChangeArrowheads="1"/>
+          </p:cNvSpPr>
+          <p:nvPr>
+            <p:ph type="body" idx="1"/>
+          </p:nvPr>
+        </p:nvSpPr>
+        <p:spPr/>
+        <p:txBody>
+          <a:bodyPr/>
+          <a:lstStyle/>
+          <a:p>
+            <a:r>
+              <a:rPr lang="en-US" dirty="0"/>
+              <a:t>A nonterminal symbol </a:t>
+            </a:r>
+            <a:r>
+              <a:rPr lang="en-US" dirty="0">
+                <a:latin typeface="Consolas" panose="020B0609020204030204" pitchFamily="49" charset="0"/>
+              </a:rPr>
+              <a:t>N</a:t>
+            </a:r>
+            <a:r>
+              <a:rPr lang="en-US" dirty="0"/>
+              <a:t> on the right side of a rule is recognized by calling the method corresponding to the rule for </a:t>
+            </a:r>
+            <a:r>
+              <a:rPr lang="en-US" dirty="0">
+                <a:latin typeface="Consolas" panose="020B0609020204030204" pitchFamily="49" charset="0"/>
+              </a:rPr>
+              <a:t>N</a:t>
+            </a:r>
+            <a:r>
+              <a:rPr lang="en-US" dirty="0"/>
+              <a:t>; i.e., the algorithm for recognizing nonterminal </a:t>
+            </a:r>
+            <a:r>
+              <a:rPr lang="en-US" dirty="0">
+                <a:latin typeface="Consolas" panose="020B0609020204030204" pitchFamily="49" charset="0"/>
+              </a:rPr>
+              <a:t>N</a:t>
+            </a:r>
+            <a:r>
+              <a:rPr lang="en-US" dirty="0"/>
+              <a:t> is simply a call to the method </a:t>
+            </a:r>
+            <a:r>
+              <a:rPr lang="en-US" dirty="0" err="1">
+                <a:latin typeface="Consolas" pitchFamily="49" charset="0"/>
+              </a:rPr>
+              <a:t>parseN</a:t>
+            </a:r>
+            <a:r>
+              <a:rPr lang="en-US" dirty="0">
+                <a:latin typeface="Consolas" pitchFamily="49" charset="0"/>
+              </a:rPr>
+              <a:t>()</a:t>
+            </a:r>
+            <a:r>
+              <a:rPr lang="en-US" dirty="0"/>
+              <a:t>.</a:t>
+            </a:r>
+          </a:p>
+          <a:p>
+            <a:r>
+              <a:rPr lang="en-US" dirty="0"/>
+              <a:t>Example: The algorithm for recognizing the nonterminal symbol </a:t>
+            </a:r>
+            <a:r>
+              <a:rPr lang="en-US" dirty="0">
+                <a:latin typeface="Consolas" pitchFamily="49" charset="0"/>
+              </a:rPr>
+              <a:t>expression</a:t>
+            </a:r>
+            <a:r>
+              <a:rPr lang="en-US" dirty="0"/>
+              <a:t> on the right side of a rule is simply</a:t>
+            </a:r>
+            <a:br>
+              <a:rPr lang="en-US" dirty="0"/>
+            </a:br>
+            <a:r>
+              <a:rPr lang="en-US" dirty="0"/>
+              <a:t>a call to the method </a:t>
+            </a:r>
+            <a:r>
+              <a:rPr lang="en-US" dirty="0" err="1">
+                <a:latin typeface="Consolas" pitchFamily="49" charset="0"/>
+              </a:rPr>
+              <a:t>parseExpression</a:t>
+            </a:r>
+            <a:r>
+              <a:rPr lang="en-US" dirty="0">
+                <a:latin typeface="Consolas" pitchFamily="49" charset="0"/>
+              </a:rPr>
+              <a:t>()</a:t>
+            </a:r>
+            <a:r>
+              <a:rPr lang="en-US" dirty="0"/>
+              <a:t>.</a:t>
+            </a:r>
+          </a:p>
+        </p:txBody>
+      </p:sp>
+      <p:sp>
+        <p:nvSpPr>
+          <p:cNvPr id="3" name="Slide Number Placeholder 2">
+            <a:extLst>
+              <a:ext uri="{FF2B5EF4-FFF2-40B4-BE49-F238E27FC236}">
+                <a16:creationId xmlns:a16="http://schemas.microsoft.com/office/drawing/2014/main" id="{A9BA252C-FCA3-C918-9732-0B7D3C67D709}"/>
+              </a:ext>
+            </a:extLst>
+          </p:cNvPr>
           <p:cNvSpPr>
             <a:spLocks noGrp="1"/>
           </p:cNvSpPr>
@@ -11290,152 +13144,26 @@
             <p:ph type="sldNum" sz="quarter" idx="11"/>
           </p:nvPr>
         </p:nvSpPr>
-        <p:spPr>
-          <a:noFill/>
-        </p:spPr>
-        <p:txBody>
-          <a:bodyPr/>
-          <a:lstStyle/>
-          <a:p>
+        <p:spPr/>
+        <p:txBody>
+          <a:bodyPr/>
+          <a:lstStyle/>
+          <a:p>
+            <a:pPr>
+              <a:defRPr/>
+            </a:pPr>
             <a:r>
               <a:rPr lang="en-US"/>
               <a:t>Slide </a:t>
             </a:r>
-            <a:fld id="{620E6FF0-13EE-4CFE-85B4-75EB8C45B3B2}" type="slidenum">
-              <a:rPr lang="en-US"/>
-              <a:pPr/>
+            <a:fld id="{0F05040F-3DD5-4422-8E21-6095A5B4132F}" type="slidenum">
+              <a:rPr lang="en-US" smtClean="0"/>
+              <a:pPr>
+                <a:defRPr/>
+              </a:pPr>
               <a:t>17</a:t>
             </a:fld>
             <a:endParaRPr lang="en-US"/>
-          </a:p>
-        </p:txBody>
-      </p:sp>
-      <p:sp>
-        <p:nvSpPr>
-          <p:cNvPr id="14340" name="Rectangle 4"/>
-          <p:cNvSpPr>
-            <a:spLocks noGrp="1" noChangeArrowheads="1"/>
-          </p:cNvSpPr>
-          <p:nvPr>
-            <p:ph type="title"/>
-          </p:nvPr>
-        </p:nvSpPr>
-        <p:spPr/>
-        <p:txBody>
-          <a:bodyPr/>
-          <a:lstStyle/>
-          <a:p>
-            <a:r>
-              <a:rPr lang="en-US" dirty="0"/>
-              <a:t>Parsing Guideline 4</a:t>
-            </a:r>
-          </a:p>
-        </p:txBody>
-      </p:sp>
-      <p:sp>
-        <p:nvSpPr>
-          <p:cNvPr id="14341" name="Rectangle 5"/>
-          <p:cNvSpPr>
-            <a:spLocks noGrp="1" noChangeArrowheads="1"/>
-          </p:cNvSpPr>
-          <p:nvPr>
-            <p:ph type="body" idx="1"/>
-          </p:nvPr>
-        </p:nvSpPr>
-        <p:spPr/>
-        <p:txBody>
-          <a:bodyPr/>
-          <a:lstStyle/>
-          <a:p>
-            <a:r>
-              <a:rPr lang="en-US" dirty="0"/>
-              <a:t>A nonterminal symbol </a:t>
-            </a:r>
-            <a:r>
-              <a:rPr lang="en-US" dirty="0">
-                <a:latin typeface="Consolas" panose="020B0609020204030204" pitchFamily="49" charset="0"/>
-              </a:rPr>
-              <a:t>N</a:t>
-            </a:r>
-            <a:r>
-              <a:rPr lang="en-US" dirty="0"/>
-              <a:t> on the right side of a rule is recognized by calling the method corresponding to the rule for </a:t>
-            </a:r>
-            <a:r>
-              <a:rPr lang="en-US" dirty="0">
-                <a:latin typeface="Consolas" panose="020B0609020204030204" pitchFamily="49" charset="0"/>
-              </a:rPr>
-              <a:t>N</a:t>
-            </a:r>
-            <a:r>
-              <a:rPr lang="en-US" dirty="0"/>
-              <a:t>; i.e., the algorithm for recognizing nonterminal </a:t>
-            </a:r>
-            <a:r>
-              <a:rPr lang="en-US" dirty="0">
-                <a:latin typeface="Consolas" panose="020B0609020204030204" pitchFamily="49" charset="0"/>
-              </a:rPr>
-              <a:t>N</a:t>
-            </a:r>
-            <a:r>
-              <a:rPr lang="en-US" dirty="0"/>
-              <a:t> is simply a call to the method </a:t>
-            </a:r>
-            <a:r>
-              <a:rPr lang="en-US" dirty="0" err="1">
-                <a:latin typeface="Consolas" pitchFamily="49" charset="0"/>
-              </a:rPr>
-              <a:t>parseN</a:t>
-            </a:r>
-            <a:r>
-              <a:rPr lang="en-US" dirty="0">
-                <a:latin typeface="Consolas" pitchFamily="49" charset="0"/>
-              </a:rPr>
-              <a:t>()</a:t>
-            </a:r>
-            <a:r>
-              <a:rPr lang="en-US" dirty="0"/>
-              <a:t>.</a:t>
-            </a:r>
-          </a:p>
-          <a:p>
-            <a:r>
-              <a:rPr lang="en-US" dirty="0"/>
-              <a:t>Example: The algorithm for recognizing the nonterminal symbol </a:t>
-            </a:r>
-            <a:r>
-              <a:rPr lang="en-US" dirty="0">
-                <a:latin typeface="Consolas" pitchFamily="49" charset="0"/>
-              </a:rPr>
-              <a:t>expression</a:t>
-            </a:r>
-            <a:r>
-              <a:rPr lang="en-US" dirty="0"/>
-              <a:t> on the right side of a rule is simply</a:t>
-            </a:r>
-            <a:br>
-              <a:rPr lang="en-US" dirty="0"/>
-            </a:br>
-            <a:r>
-              <a:rPr lang="en-US" dirty="0"/>
-              <a:t>a call to the method </a:t>
-            </a:r>
-            <a:r>
-              <a:rPr lang="en-US" dirty="0" err="1">
-                <a:latin typeface="Consolas" pitchFamily="49" charset="0"/>
-              </a:rPr>
-              <a:t>parseExpression</a:t>
-            </a:r>
-            <a:r>
-              <a:rPr lang="en-US" dirty="0">
-                <a:latin typeface="Consolas" pitchFamily="49" charset="0"/>
-              </a:rPr>
-              <a:t>()</a:t>
-            </a:r>
-            <a:r>
-              <a:rPr lang="en-US" dirty="0"/>
-              <a:t>.</a:t>
-            </a:r>
           </a:p>
         </p:txBody>
       </p:sp>
@@ -11485,36 +13213,6 @@
               <a:rPr lang="en-US"/>
               <a:t>©SoftMoore Consulting</a:t>
             </a:r>
-          </a:p>
-        </p:txBody>
-      </p:sp>
-      <p:sp>
-        <p:nvSpPr>
-          <p:cNvPr id="15363" name="Slide Number Placeholder 4"/>
-          <p:cNvSpPr>
-            <a:spLocks noGrp="1"/>
-          </p:cNvSpPr>
-          <p:nvPr>
-            <p:ph type="sldNum" sz="quarter" idx="11"/>
-          </p:nvPr>
-        </p:nvSpPr>
-        <p:spPr>
-          <a:noFill/>
-        </p:spPr>
-        <p:txBody>
-          <a:bodyPr/>
-          <a:lstStyle/>
-          <a:p>
-            <a:r>
-              <a:rPr lang="en-US"/>
-              <a:t>Slide </a:t>
-            </a:r>
-            <a:fld id="{DA27B0D9-1254-4601-820A-CE52EA116A9E}" type="slidenum">
-              <a:rPr lang="en-US"/>
-              <a:pPr/>
-              <a:t>18</a:t>
-            </a:fld>
-            <a:endParaRPr lang="en-US"/>
           </a:p>
         </p:txBody>
       </p:sp>
@@ -12012,6 +13710,45 @@
           </p:txBody>
         </p:sp>
       </p:grpSp>
+      <p:sp>
+        <p:nvSpPr>
+          <p:cNvPr id="6" name="Slide Number Placeholder 5">
+            <a:extLst>
+              <a:ext uri="{FF2B5EF4-FFF2-40B4-BE49-F238E27FC236}">
+                <a16:creationId xmlns:a16="http://schemas.microsoft.com/office/drawing/2014/main" id="{ECED8654-FC6C-08ED-4A44-7362DBF8CBF1}"/>
+              </a:ext>
+            </a:extLst>
+          </p:cNvPr>
+          <p:cNvSpPr>
+            <a:spLocks noGrp="1"/>
+          </p:cNvSpPr>
+          <p:nvPr>
+            <p:ph type="sldNum" sz="quarter" idx="11"/>
+          </p:nvPr>
+        </p:nvSpPr>
+        <p:spPr/>
+        <p:txBody>
+          <a:bodyPr/>
+          <a:lstStyle/>
+          <a:p>
+            <a:pPr>
+              <a:defRPr/>
+            </a:pPr>
+            <a:r>
+              <a:rPr lang="en-US"/>
+              <a:t>Slide </a:t>
+            </a:r>
+            <a:fld id="{0F05040F-3DD5-4422-8E21-6095A5B4132F}" type="slidenum">
+              <a:rPr lang="en-US" smtClean="0"/>
+              <a:pPr>
+                <a:defRPr/>
+              </a:pPr>
+              <a:t>18</a:t>
+            </a:fld>
+            <a:endParaRPr lang="en-US"/>
+          </a:p>
+        </p:txBody>
+      </p:sp>
     </p:spTree>
   </p:cSld>
   <p:clrMapOvr>
@@ -12063,36 +13800,6 @@
       </p:sp>
       <p:sp>
         <p:nvSpPr>
-          <p:cNvPr id="16387" name="Slide Number Placeholder 4"/>
-          <p:cNvSpPr>
-            <a:spLocks noGrp="1"/>
-          </p:cNvSpPr>
-          <p:nvPr>
-            <p:ph type="sldNum" sz="quarter" idx="11"/>
-          </p:nvPr>
-        </p:nvSpPr>
-        <p:spPr>
-          <a:noFill/>
-        </p:spPr>
-        <p:txBody>
-          <a:bodyPr/>
-          <a:lstStyle/>
-          <a:p>
-            <a:r>
-              <a:rPr lang="en-US"/>
-              <a:t>Slide </a:t>
-            </a:r>
-            <a:fld id="{2EF38682-C549-4590-B6B3-FA0D681E0236}" type="slidenum">
-              <a:rPr lang="en-US"/>
-              <a:pPr/>
-              <a:t>19</a:t>
-            </a:fld>
-            <a:endParaRPr lang="en-US"/>
-          </a:p>
-        </p:txBody>
-      </p:sp>
-      <p:sp>
-        <p:nvSpPr>
           <p:cNvPr id="16388" name="Rectangle 2"/>
           <p:cNvSpPr>
             <a:spLocks noGrp="1" noChangeArrowheads="1"/>
@@ -12228,6 +13935,45 @@
               <a:rPr lang="en-US" dirty="0"/>
               <a:t>The meaning should be clear from the context.</a:t>
             </a:r>
+          </a:p>
+        </p:txBody>
+      </p:sp>
+      <p:sp>
+        <p:nvSpPr>
+          <p:cNvPr id="4" name="Slide Number Placeholder 3">
+            <a:extLst>
+              <a:ext uri="{FF2B5EF4-FFF2-40B4-BE49-F238E27FC236}">
+                <a16:creationId xmlns:a16="http://schemas.microsoft.com/office/drawing/2014/main" id="{21B2F504-4BAF-781C-DF70-891A15EA5DD9}"/>
+              </a:ext>
+            </a:extLst>
+          </p:cNvPr>
+          <p:cNvSpPr>
+            <a:spLocks noGrp="1"/>
+          </p:cNvSpPr>
+          <p:nvPr>
+            <p:ph type="sldNum" sz="quarter" idx="11"/>
+          </p:nvPr>
+        </p:nvSpPr>
+        <p:spPr/>
+        <p:txBody>
+          <a:bodyPr/>
+          <a:lstStyle/>
+          <a:p>
+            <a:pPr>
+              <a:defRPr/>
+            </a:pPr>
+            <a:r>
+              <a:rPr lang="en-US"/>
+              <a:t>Slide </a:t>
+            </a:r>
+            <a:fld id="{0F05040F-3DD5-4422-8E21-6095A5B4132F}" type="slidenum">
+              <a:rPr lang="en-US" smtClean="0"/>
+              <a:pPr>
+                <a:defRPr/>
+              </a:pPr>
+              <a:t>19</a:t>
+            </a:fld>
+            <a:endParaRPr lang="en-US"/>
           </a:p>
         </p:txBody>
       </p:sp>
@@ -12534,10 +14280,10 @@
       </p:sp>
       <p:sp>
         <p:nvSpPr>
-          <p:cNvPr id="5" name="Slide Number Placeholder 4">
+          <p:cNvPr id="7" name="Slide Number Placeholder 6">
             <a:extLst>
               <a:ext uri="{FF2B5EF4-FFF2-40B4-BE49-F238E27FC236}">
-                <a16:creationId xmlns:a16="http://schemas.microsoft.com/office/drawing/2014/main" id="{67E45DDF-5B1E-5CC1-98CC-FBED220F9970}"/>
+                <a16:creationId xmlns:a16="http://schemas.microsoft.com/office/drawing/2014/main" id="{43BE07F7-E916-5072-527C-7FD207B77639}"/>
               </a:ext>
             </a:extLst>
           </p:cNvPr>
@@ -13028,7 +14774,13 @@
       </p:sp>
       <p:sp>
         <p:nvSpPr>
-          <p:cNvPr id="16387" name="Slide Number Placeholder 4"/>
+          <p:cNvPr id="3" name="Slide Number Placeholder 2">
+            <a:extLst>
+              <a:ext uri="{FF2B5EF4-FFF2-40B4-BE49-F238E27FC236}">
+                <a16:creationId xmlns:a16="http://schemas.microsoft.com/office/drawing/2014/main" id="{D98086D2-23CB-0C4E-D860-26083CF3D278}"/>
+              </a:ext>
+            </a:extLst>
+          </p:cNvPr>
           <p:cNvSpPr>
             <a:spLocks noGrp="1"/>
           </p:cNvSpPr>
@@ -13041,13 +14793,18 @@
           <a:bodyPr/>
           <a:lstStyle/>
           <a:p>
+            <a:pPr>
+              <a:defRPr/>
+            </a:pPr>
             <a:r>
               <a:rPr lang="en-US"/>
               <a:t>Slide </a:t>
             </a:r>
-            <a:fld id="{2EF38682-C549-4590-B6B3-FA0D681E0236}" type="slidenum">
-              <a:rPr lang="en-US"/>
-              <a:pPr/>
+            <a:fld id="{0F05040F-3DD5-4422-8E21-6095A5B4132F}" type="slidenum">
+              <a:rPr lang="en-US" smtClean="0"/>
+              <a:pPr>
+                <a:defRPr/>
+              </a:pPr>
               <a:t>20</a:t>
             </a:fld>
             <a:endParaRPr lang="en-US"/>
@@ -13336,7 +15093,13 @@
       </p:sp>
       <p:sp>
         <p:nvSpPr>
-          <p:cNvPr id="26627" name="Slide Number Placeholder 4"/>
+          <p:cNvPr id="3" name="Slide Number Placeholder 2">
+            <a:extLst>
+              <a:ext uri="{FF2B5EF4-FFF2-40B4-BE49-F238E27FC236}">
+                <a16:creationId xmlns:a16="http://schemas.microsoft.com/office/drawing/2014/main" id="{E067E506-27D2-88AF-A8FB-C022FF61B466}"/>
+              </a:ext>
+            </a:extLst>
+          </p:cNvPr>
           <p:cNvSpPr>
             <a:spLocks noGrp="1"/>
           </p:cNvSpPr>
@@ -13349,13 +15112,18 @@
           <a:bodyPr/>
           <a:lstStyle/>
           <a:p>
+            <a:pPr>
+              <a:defRPr/>
+            </a:pPr>
             <a:r>
               <a:rPr lang="en-US"/>
               <a:t>Slide </a:t>
             </a:r>
-            <a:fld id="{BA19FA14-D1FE-4538-B3AF-B78738B28387}" type="slidenum">
-              <a:rPr lang="en-US"/>
-              <a:pPr/>
+            <a:fld id="{0F05040F-3DD5-4422-8E21-6095A5B4132F}" type="slidenum">
+              <a:rPr lang="en-US" smtClean="0"/>
+              <a:pPr>
+                <a:defRPr/>
+              </a:pPr>
               <a:t>21</a:t>
             </a:fld>
             <a:endParaRPr lang="en-US"/>
@@ -13418,7 +15186,63 @@
       </p:sp>
       <p:sp>
         <p:nvSpPr>
-          <p:cNvPr id="27651" name="Slide Number Placeholder 4"/>
+          <p:cNvPr id="27652" name="Rectangle 2"/>
+          <p:cNvSpPr>
+            <a:spLocks noGrp="1" noChangeArrowheads="1"/>
+          </p:cNvSpPr>
+          <p:nvPr>
+            <p:ph type="title"/>
+          </p:nvPr>
+        </p:nvSpPr>
+        <p:spPr/>
+        <p:txBody>
+          <a:bodyPr/>
+          <a:lstStyle/>
+          <a:p>
+            <a:r>
+              <a:rPr lang="en-US"/>
+              <a:t>Strategy for Computing First Sets</a:t>
+            </a:r>
+          </a:p>
+        </p:txBody>
+      </p:sp>
+      <p:sp>
+        <p:nvSpPr>
+          <p:cNvPr id="27653" name="Rectangle 3"/>
+          <p:cNvSpPr>
+            <a:spLocks noGrp="1" noChangeArrowheads="1"/>
+          </p:cNvSpPr>
+          <p:nvPr>
+            <p:ph type="body" idx="1"/>
+          </p:nvPr>
+        </p:nvSpPr>
+        <p:spPr/>
+        <p:txBody>
+          <a:bodyPr/>
+          <a:lstStyle/>
+          <a:p>
+            <a:r>
+              <a:rPr lang="en-US" dirty="0"/>
+              <a:t>Use a bottom-up approach</a:t>
+            </a:r>
+          </a:p>
+          <a:p>
+            <a:r>
+              <a:rPr lang="en-US" dirty="0"/>
+              <a:t>Start with simplest rules and work toward more complicated (composite) rules.</a:t>
+            </a:r>
+          </a:p>
+        </p:txBody>
+      </p:sp>
+      <p:sp>
+        <p:nvSpPr>
+          <p:cNvPr id="3" name="Slide Number Placeholder 2">
+            <a:extLst>
+              <a:ext uri="{FF2B5EF4-FFF2-40B4-BE49-F238E27FC236}">
+                <a16:creationId xmlns:a16="http://schemas.microsoft.com/office/drawing/2014/main" id="{8C111EFB-4CEC-9292-FF0F-24DA17CE99C1}"/>
+              </a:ext>
+            </a:extLst>
+          </p:cNvPr>
           <p:cNvSpPr>
             <a:spLocks noGrp="1"/>
           </p:cNvSpPr>
@@ -13426,73 +15250,26 @@
             <p:ph type="sldNum" sz="quarter" idx="11"/>
           </p:nvPr>
         </p:nvSpPr>
-        <p:spPr>
-          <a:noFill/>
-        </p:spPr>
-        <p:txBody>
-          <a:bodyPr/>
-          <a:lstStyle/>
-          <a:p>
+        <p:spPr/>
+        <p:txBody>
+          <a:bodyPr/>
+          <a:lstStyle/>
+          <a:p>
+            <a:pPr>
+              <a:defRPr/>
+            </a:pPr>
             <a:r>
               <a:rPr lang="en-US"/>
               <a:t>Slide </a:t>
             </a:r>
-            <a:fld id="{FA92AF2F-9BA5-4881-80DA-DC442126E5D5}" type="slidenum">
-              <a:rPr lang="en-US"/>
-              <a:pPr/>
+            <a:fld id="{0F05040F-3DD5-4422-8E21-6095A5B4132F}" type="slidenum">
+              <a:rPr lang="en-US" smtClean="0"/>
+              <a:pPr>
+                <a:defRPr/>
+              </a:pPr>
               <a:t>22</a:t>
             </a:fld>
             <a:endParaRPr lang="en-US"/>
-          </a:p>
-        </p:txBody>
-      </p:sp>
-      <p:sp>
-        <p:nvSpPr>
-          <p:cNvPr id="27652" name="Rectangle 2"/>
-          <p:cNvSpPr>
-            <a:spLocks noGrp="1" noChangeArrowheads="1"/>
-          </p:cNvSpPr>
-          <p:nvPr>
-            <p:ph type="title"/>
-          </p:nvPr>
-        </p:nvSpPr>
-        <p:spPr/>
-        <p:txBody>
-          <a:bodyPr/>
-          <a:lstStyle/>
-          <a:p>
-            <a:r>
-              <a:rPr lang="en-US"/>
-              <a:t>Strategy for Computing First Sets</a:t>
-            </a:r>
-          </a:p>
-        </p:txBody>
-      </p:sp>
-      <p:sp>
-        <p:nvSpPr>
-          <p:cNvPr id="27653" name="Rectangle 3"/>
-          <p:cNvSpPr>
-            <a:spLocks noGrp="1" noChangeArrowheads="1"/>
-          </p:cNvSpPr>
-          <p:nvPr>
-            <p:ph type="body" idx="1"/>
-          </p:nvPr>
-        </p:nvSpPr>
-        <p:spPr/>
-        <p:txBody>
-          <a:bodyPr/>
-          <a:lstStyle/>
-          <a:p>
-            <a:r>
-              <a:rPr lang="en-US" dirty="0"/>
-              <a:t>Use a bottom-up approach</a:t>
-            </a:r>
-          </a:p>
-          <a:p>
-            <a:r>
-              <a:rPr lang="en-US" dirty="0"/>
-              <a:t>Start with simplest rules and work toward more complicated (composite) rules.</a:t>
-            </a:r>
           </a:p>
         </p:txBody>
       </p:sp>
@@ -13552,7 +15329,154 @@
       </p:sp>
       <p:sp>
         <p:nvSpPr>
-          <p:cNvPr id="16387" name="Slide Number Placeholder 4"/>
+          <p:cNvPr id="16388" name="Rectangle 2"/>
+          <p:cNvSpPr>
+            <a:spLocks noGrp="1" noChangeArrowheads="1"/>
+          </p:cNvSpPr>
+          <p:nvPr>
+            <p:ph type="title"/>
+          </p:nvPr>
+        </p:nvSpPr>
+        <p:spPr/>
+        <p:txBody>
+          <a:bodyPr/>
+          <a:lstStyle/>
+          <a:p>
+            <a:r>
+              <a:rPr lang="en-US" dirty="0"/>
+              <a:t>Follow Sets</a:t>
+            </a:r>
+            <a:endParaRPr lang="en-US" sz="2400" dirty="0"/>
+          </a:p>
+        </p:txBody>
+      </p:sp>
+      <p:sp>
+        <p:nvSpPr>
+          <p:cNvPr id="16389" name="Rectangle 3"/>
+          <p:cNvSpPr>
+            <a:spLocks noGrp="1" noChangeArrowheads="1"/>
+          </p:cNvSpPr>
+          <p:nvPr>
+            <p:ph type="body" idx="1"/>
+          </p:nvPr>
+        </p:nvSpPr>
+        <p:spPr/>
+        <p:txBody>
+          <a:bodyPr/>
+          <a:lstStyle/>
+          <a:p>
+            <a:r>
+              <a:rPr lang="en-US" dirty="0"/>
+              <a:t>The set of all </a:t>
+            </a:r>
+            <a:r>
+              <a:rPr lang="en-US" b="1" dirty="0"/>
+              <a:t>terminal</a:t>
+            </a:r>
+            <a:r>
+              <a:rPr lang="en-US" dirty="0"/>
+              <a:t> symbols that can follow immediately after a syntax expression E is denoted </a:t>
+            </a:r>
+            <a:r>
+              <a:rPr lang="en-US" dirty="0">
+                <a:latin typeface="Consolas" panose="020B0609020204030204" pitchFamily="49" charset="0"/>
+              </a:rPr>
+              <a:t>Follow(E)</a:t>
+            </a:r>
+            <a:r>
+              <a:rPr lang="en-US" dirty="0"/>
+              <a:t>.</a:t>
+            </a:r>
+          </a:p>
+          <a:p>
+            <a:r>
+              <a:rPr lang="en-US" dirty="0"/>
+              <a:t>Understanding follow sets is important not only for parser development but also for error recovery.  </a:t>
+            </a:r>
+          </a:p>
+          <a:p>
+            <a:r>
+              <a:rPr lang="en-US" dirty="0"/>
+              <a:t>If </a:t>
+            </a:r>
+            <a:r>
+              <a:rPr lang="en-US" dirty="0">
+                <a:latin typeface="Consolas" panose="020B0609020204030204" pitchFamily="49" charset="0"/>
+              </a:rPr>
+              <a:t>N</a:t>
+            </a:r>
+            <a:r>
+              <a:rPr lang="en-US" dirty="0"/>
+              <a:t> is a nonterminal, we will use </a:t>
+            </a:r>
+            <a:r>
+              <a:rPr lang="en-US" dirty="0">
+                <a:latin typeface="Consolas" panose="020B0609020204030204" pitchFamily="49" charset="0"/>
+              </a:rPr>
+              <a:t>Follow(N)</a:t>
+            </a:r>
+            <a:r>
+              <a:rPr lang="en-US" dirty="0"/>
+              <a:t> during error recovery when trying to parse </a:t>
+            </a:r>
+            <a:r>
+              <a:rPr lang="en-US" dirty="0">
+                <a:latin typeface="Consolas" panose="020B0609020204030204" pitchFamily="49" charset="0"/>
+              </a:rPr>
+              <a:t>N</a:t>
+            </a:r>
+            <a:r>
+              <a:rPr lang="en-US" dirty="0"/>
+              <a:t>.  To compute </a:t>
+            </a:r>
+            <a:r>
+              <a:rPr lang="en-US" dirty="0">
+                <a:latin typeface="Consolas" panose="020B0609020204030204" pitchFamily="49" charset="0"/>
+              </a:rPr>
+              <a:t>Follow(N)</a:t>
+            </a:r>
+            <a:r>
+              <a:rPr lang="en-US" dirty="0"/>
+              <a:t> for a nonterminal </a:t>
+            </a:r>
+            <a:r>
+              <a:rPr lang="en-US" dirty="0">
+                <a:latin typeface="Consolas" panose="020B0609020204030204" pitchFamily="49" charset="0"/>
+              </a:rPr>
+              <a:t>N</a:t>
+            </a:r>
+            <a:r>
+              <a:rPr lang="en-US" dirty="0"/>
+              <a:t>, you must analyze all rules that reference </a:t>
+            </a:r>
+            <a:r>
+              <a:rPr lang="en-US" dirty="0">
+                <a:latin typeface="Consolas" panose="020B0609020204030204" pitchFamily="49" charset="0"/>
+              </a:rPr>
+              <a:t>N</a:t>
+            </a:r>
+            <a:r>
+              <a:rPr lang="en-US" dirty="0"/>
+              <a:t>.</a:t>
+            </a:r>
+          </a:p>
+          <a:p>
+            <a:r>
+              <a:rPr lang="en-US" dirty="0"/>
+              <a:t>Computation of follow sets can be a bit more involved than computation of first sets.</a:t>
+            </a:r>
+          </a:p>
+        </p:txBody>
+      </p:sp>
+      <p:sp>
+        <p:nvSpPr>
+          <p:cNvPr id="3" name="Slide Number Placeholder 2">
+            <a:extLst>
+              <a:ext uri="{FF2B5EF4-FFF2-40B4-BE49-F238E27FC236}">
+                <a16:creationId xmlns:a16="http://schemas.microsoft.com/office/drawing/2014/main" id="{FA8B8A73-050B-2076-32C8-14A045672121}"/>
+              </a:ext>
+            </a:extLst>
+          </p:cNvPr>
           <p:cNvSpPr>
             <a:spLocks noGrp="1"/>
           </p:cNvSpPr>
@@ -13560,164 +15484,26 @@
             <p:ph type="sldNum" sz="quarter" idx="11"/>
           </p:nvPr>
         </p:nvSpPr>
-        <p:spPr>
-          <a:noFill/>
-        </p:spPr>
-        <p:txBody>
-          <a:bodyPr/>
-          <a:lstStyle/>
-          <a:p>
+        <p:spPr/>
+        <p:txBody>
+          <a:bodyPr/>
+          <a:lstStyle/>
+          <a:p>
+            <a:pPr>
+              <a:defRPr/>
+            </a:pPr>
             <a:r>
               <a:rPr lang="en-US"/>
               <a:t>Slide </a:t>
             </a:r>
-            <a:fld id="{2EF38682-C549-4590-B6B3-FA0D681E0236}" type="slidenum">
-              <a:rPr lang="en-US"/>
-              <a:pPr/>
+            <a:fld id="{0F05040F-3DD5-4422-8E21-6095A5B4132F}" type="slidenum">
+              <a:rPr lang="en-US" smtClean="0"/>
+              <a:pPr>
+                <a:defRPr/>
+              </a:pPr>
               <a:t>23</a:t>
             </a:fld>
             <a:endParaRPr lang="en-US"/>
-          </a:p>
-        </p:txBody>
-      </p:sp>
-      <p:sp>
-        <p:nvSpPr>
-          <p:cNvPr id="16388" name="Rectangle 2"/>
-          <p:cNvSpPr>
-            <a:spLocks noGrp="1" noChangeArrowheads="1"/>
-          </p:cNvSpPr>
-          <p:nvPr>
-            <p:ph type="title"/>
-          </p:nvPr>
-        </p:nvSpPr>
-        <p:spPr/>
-        <p:txBody>
-          <a:bodyPr/>
-          <a:lstStyle/>
-          <a:p>
-            <a:r>
-              <a:rPr lang="en-US" dirty="0"/>
-              <a:t>Follow Sets</a:t>
-            </a:r>
-            <a:endParaRPr lang="en-US" sz="2400" dirty="0"/>
-          </a:p>
-        </p:txBody>
-      </p:sp>
-      <p:sp>
-        <p:nvSpPr>
-          <p:cNvPr id="16389" name="Rectangle 3"/>
-          <p:cNvSpPr>
-            <a:spLocks noGrp="1" noChangeArrowheads="1"/>
-          </p:cNvSpPr>
-          <p:nvPr>
-            <p:ph type="body" idx="1"/>
-          </p:nvPr>
-        </p:nvSpPr>
-        <p:spPr/>
-        <p:txBody>
-          <a:bodyPr/>
-          <a:lstStyle/>
-          <a:p>
-            <a:r>
-              <a:rPr lang="en-US" dirty="0"/>
-              <a:t>The set of all </a:t>
-            </a:r>
-            <a:r>
-              <a:rPr lang="en-US" b="1" dirty="0"/>
-              <a:t>terminal</a:t>
-            </a:r>
-            <a:r>
-              <a:rPr lang="en-US" dirty="0"/>
-              <a:t> symbols that can follow immediately after a syntax expression E is denoted </a:t>
-            </a:r>
-            <a:r>
-              <a:rPr lang="en-US" dirty="0">
-                <a:latin typeface="Consolas" panose="020B0609020204030204" pitchFamily="49" charset="0"/>
-              </a:rPr>
-              <a:t>Follow(E)</a:t>
-            </a:r>
-            <a:r>
-              <a:rPr lang="en-US" dirty="0"/>
-              <a:t>.</a:t>
-            </a:r>
-          </a:p>
-          <a:p>
-            <a:r>
-              <a:rPr lang="en-US" dirty="0"/>
-              <a:t>Understanding follow sets is important not only for parser development but also for error recovery.  </a:t>
-            </a:r>
-          </a:p>
-          <a:p>
-            <a:r>
-              <a:rPr lang="en-US" dirty="0"/>
-              <a:t>If </a:t>
-            </a:r>
-            <a:r>
-              <a:rPr lang="en-US" dirty="0">
-                <a:latin typeface="Consolas" panose="020B0609020204030204" pitchFamily="49" charset="0"/>
-              </a:rPr>
-              <a:t>N</a:t>
-            </a:r>
-            <a:r>
-              <a:rPr lang="en-US" dirty="0"/>
-              <a:t> is a nonterminal, we will use </a:t>
-            </a:r>
-            <a:r>
-              <a:rPr lang="en-US" dirty="0">
-                <a:latin typeface="Consolas" panose="020B0609020204030204" pitchFamily="49" charset="0"/>
-              </a:rPr>
-              <a:t>Follow(N)</a:t>
-            </a:r>
-            <a:r>
-              <a:rPr lang="en-US" dirty="0"/>
-              <a:t> during error recovery when trying to parse </a:t>
-            </a:r>
-            <a:r>
-              <a:rPr lang="en-US" dirty="0">
-                <a:latin typeface="Consolas" panose="020B0609020204030204" pitchFamily="49" charset="0"/>
-              </a:rPr>
-              <a:t>N</a:t>
-            </a:r>
-            <a:r>
-              <a:rPr lang="en-US" dirty="0"/>
-              <a:t>.  To compute </a:t>
-            </a:r>
-            <a:r>
-              <a:rPr lang="en-US" dirty="0">
-                <a:latin typeface="Consolas" panose="020B0609020204030204" pitchFamily="49" charset="0"/>
-              </a:rPr>
-              <a:t>Follow(N)</a:t>
-            </a:r>
-            <a:r>
-              <a:rPr lang="en-US" dirty="0"/>
-              <a:t> for a nonterminal </a:t>
-            </a:r>
-            <a:r>
-              <a:rPr lang="en-US" dirty="0">
-                <a:latin typeface="Consolas" panose="020B0609020204030204" pitchFamily="49" charset="0"/>
-              </a:rPr>
-              <a:t>N</a:t>
-            </a:r>
-            <a:r>
-              <a:rPr lang="en-US" dirty="0"/>
-              <a:t>, you must analyze all rules that reference </a:t>
-            </a:r>
-            <a:r>
-              <a:rPr lang="en-US" dirty="0">
-                <a:latin typeface="Consolas" panose="020B0609020204030204" pitchFamily="49" charset="0"/>
-              </a:rPr>
-              <a:t>N</a:t>
-            </a:r>
-            <a:r>
-              <a:rPr lang="en-US" dirty="0"/>
-              <a:t>.</a:t>
-            </a:r>
-          </a:p>
-          <a:p>
-            <a:r>
-              <a:rPr lang="en-US" dirty="0"/>
-              <a:t>Computation of follow sets can be a bit more involved than computation of first sets.</a:t>
-            </a:r>
           </a:p>
         </p:txBody>
       </p:sp>
@@ -14022,7 +15808,13 @@
       </p:sp>
       <p:sp>
         <p:nvSpPr>
-          <p:cNvPr id="16387" name="Slide Number Placeholder 4"/>
+          <p:cNvPr id="3" name="Slide Number Placeholder 2">
+            <a:extLst>
+              <a:ext uri="{FF2B5EF4-FFF2-40B4-BE49-F238E27FC236}">
+                <a16:creationId xmlns:a16="http://schemas.microsoft.com/office/drawing/2014/main" id="{C8056D6B-A3BD-A095-702E-76123671B731}"/>
+              </a:ext>
+            </a:extLst>
+          </p:cNvPr>
           <p:cNvSpPr>
             <a:spLocks noGrp="1"/>
           </p:cNvSpPr>
@@ -14035,13 +15827,18 @@
           <a:bodyPr/>
           <a:lstStyle/>
           <a:p>
+            <a:pPr>
+              <a:defRPr/>
+            </a:pPr>
             <a:r>
               <a:rPr lang="en-US"/>
               <a:t>Slide </a:t>
             </a:r>
-            <a:fld id="{2EF38682-C549-4590-B6B3-FA0D681E0236}" type="slidenum">
+            <a:fld id="{0F05040F-3DD5-4422-8E21-6095A5B4132F}" type="slidenum">
               <a:rPr lang="en-US" smtClean="0"/>
-              <a:pPr/>
+              <a:pPr>
+                <a:defRPr/>
+              </a:pPr>
               <a:t>24</a:t>
             </a:fld>
             <a:endParaRPr lang="en-US"/>
@@ -14104,36 +15901,6 @@
       </p:sp>
       <p:sp>
         <p:nvSpPr>
-          <p:cNvPr id="16387" name="Slide Number Placeholder 4"/>
-          <p:cNvSpPr>
-            <a:spLocks noGrp="1"/>
-          </p:cNvSpPr>
-          <p:nvPr>
-            <p:ph type="sldNum" sz="quarter" idx="11"/>
-          </p:nvPr>
-        </p:nvSpPr>
-        <p:spPr>
-          <a:noFill/>
-        </p:spPr>
-        <p:txBody>
-          <a:bodyPr/>
-          <a:lstStyle/>
-          <a:p>
-            <a:r>
-              <a:rPr lang="en-US"/>
-              <a:t>Slide </a:t>
-            </a:r>
-            <a:fld id="{2EF38682-C549-4590-B6B3-FA0D681E0236}" type="slidenum">
-              <a:rPr lang="en-US"/>
-              <a:pPr/>
-              <a:t>25</a:t>
-            </a:fld>
-            <a:endParaRPr lang="en-US"/>
-          </a:p>
-        </p:txBody>
-      </p:sp>
-      <p:sp>
-        <p:nvSpPr>
           <p:cNvPr id="16388" name="Rectangle 2"/>
           <p:cNvSpPr>
             <a:spLocks noGrp="1" noChangeArrowheads="1"/>
@@ -14356,6 +16123,45 @@
               </a:rPr>
               <a:t>) = Follow(statement)</a:t>
             </a:r>
+          </a:p>
+        </p:txBody>
+      </p:sp>
+      <p:sp>
+        <p:nvSpPr>
+          <p:cNvPr id="4" name="Slide Number Placeholder 3">
+            <a:extLst>
+              <a:ext uri="{FF2B5EF4-FFF2-40B4-BE49-F238E27FC236}">
+                <a16:creationId xmlns:a16="http://schemas.microsoft.com/office/drawing/2014/main" id="{C0431EA7-511E-5DD3-FB56-2E5A638B835C}"/>
+              </a:ext>
+            </a:extLst>
+          </p:cNvPr>
+          <p:cNvSpPr>
+            <a:spLocks noGrp="1"/>
+          </p:cNvSpPr>
+          <p:nvPr>
+            <p:ph type="sldNum" sz="quarter" idx="11"/>
+          </p:nvPr>
+        </p:nvSpPr>
+        <p:spPr/>
+        <p:txBody>
+          <a:bodyPr/>
+          <a:lstStyle/>
+          <a:p>
+            <a:pPr>
+              <a:defRPr/>
+            </a:pPr>
+            <a:r>
+              <a:rPr lang="en-US"/>
+              <a:t>Slide </a:t>
+            </a:r>
+            <a:fld id="{0F05040F-3DD5-4422-8E21-6095A5B4132F}" type="slidenum">
+              <a:rPr lang="en-US" smtClean="0"/>
+              <a:pPr>
+                <a:defRPr/>
+              </a:pPr>
+              <a:t>25</a:t>
+            </a:fld>
+            <a:endParaRPr lang="en-US"/>
           </a:p>
         </p:txBody>
       </p:sp>
@@ -14415,7 +16221,238 @@
       </p:sp>
       <p:sp>
         <p:nvSpPr>
-          <p:cNvPr id="29699" name="Slide Number Placeholder 4"/>
+          <p:cNvPr id="29700" name="Rectangle 2"/>
+          <p:cNvSpPr>
+            <a:spLocks noGrp="1" noChangeArrowheads="1"/>
+          </p:cNvSpPr>
+          <p:nvPr>
+            <p:ph type="title"/>
+          </p:nvPr>
+        </p:nvSpPr>
+        <p:spPr/>
+        <p:txBody>
+          <a:bodyPr/>
+          <a:lstStyle/>
+          <a:p>
+            <a:r>
+              <a:rPr lang="en-US"/>
+              <a:t>Rules for Computing Follow Sets</a:t>
+            </a:r>
+          </a:p>
+        </p:txBody>
+      </p:sp>
+      <p:sp>
+        <p:nvSpPr>
+          <p:cNvPr id="29701" name="Rectangle 3"/>
+          <p:cNvSpPr>
+            <a:spLocks noGrp="1" noChangeArrowheads="1"/>
+          </p:cNvSpPr>
+          <p:nvPr>
+            <p:ph type="body" idx="1"/>
+          </p:nvPr>
+        </p:nvSpPr>
+        <p:spPr/>
+        <p:txBody>
+          <a:bodyPr/>
+          <a:lstStyle/>
+          <a:p>
+            <a:pPr>
+              <a:buFontTx/>
+              <a:buNone/>
+            </a:pPr>
+            <a:r>
+              <a:rPr lang="en-US" dirty="0"/>
+              <a:t>Computing </a:t>
+            </a:r>
+            <a:r>
+              <a:rPr lang="en-US" dirty="0">
+                <a:latin typeface="Consolas" panose="020B0609020204030204" pitchFamily="49" charset="0"/>
+              </a:rPr>
+              <a:t>Follow(T)</a:t>
+            </a:r>
+          </a:p>
+          <a:p>
+            <a:r>
+              <a:rPr lang="en-US" dirty="0"/>
+              <a:t>Consider all production rules similar to the following:</a:t>
+            </a:r>
+          </a:p>
+          <a:p>
+            <a:pPr marL="914400" lvl="2" indent="0">
+              <a:buNone/>
+            </a:pPr>
+            <a:r>
+              <a:rPr lang="en-US" dirty="0">
+                <a:latin typeface="Consolas" panose="020B0609020204030204" pitchFamily="49" charset="0"/>
+              </a:rPr>
+              <a:t>N = S T U .      N = S {T} U .      N = S [T] U .</a:t>
+            </a:r>
+          </a:p>
+          <a:p>
+            <a:pPr lvl="1"/>
+            <a:r>
+              <a:rPr lang="en-US" dirty="0"/>
+              <a:t>Then </a:t>
+            </a:r>
+            <a:r>
+              <a:rPr lang="en-US" dirty="0">
+                <a:latin typeface="Consolas" panose="020B0609020204030204" pitchFamily="49" charset="0"/>
+              </a:rPr>
+              <a:t>Follow(T)</a:t>
+            </a:r>
+            <a:r>
+              <a:rPr lang="en-US" dirty="0"/>
+              <a:t> includes </a:t>
+            </a:r>
+            <a:r>
+              <a:rPr lang="en-US" dirty="0">
+                <a:latin typeface="Consolas" panose="020B0609020204030204" pitchFamily="49" charset="0"/>
+              </a:rPr>
+              <a:t>First(U)</a:t>
+            </a:r>
+            <a:r>
+              <a:rPr lang="en-US" dirty="0"/>
+              <a:t>.</a:t>
+            </a:r>
+          </a:p>
+          <a:p>
+            <a:pPr lvl="1"/>
+            <a:r>
+              <a:rPr lang="en-US" dirty="0"/>
+              <a:t>If </a:t>
+            </a:r>
+            <a:r>
+              <a:rPr lang="en-US" dirty="0">
+                <a:latin typeface="Consolas" panose="020B0609020204030204" pitchFamily="49" charset="0"/>
+              </a:rPr>
+              <a:t>U</a:t>
+            </a:r>
+            <a:r>
+              <a:rPr lang="en-US" dirty="0"/>
+              <a:t> can be empty, then </a:t>
+            </a:r>
+            <a:r>
+              <a:rPr lang="en-US" dirty="0">
+                <a:latin typeface="Consolas" panose="020B0609020204030204" pitchFamily="49" charset="0"/>
+              </a:rPr>
+              <a:t>Follow(T)</a:t>
+            </a:r>
+            <a:r>
+              <a:rPr lang="en-US" dirty="0"/>
+              <a:t> also includes </a:t>
+            </a:r>
+            <a:r>
+              <a:rPr lang="en-US" dirty="0">
+                <a:latin typeface="Consolas" panose="020B0609020204030204" pitchFamily="49" charset="0"/>
+              </a:rPr>
+              <a:t>Follow(N)</a:t>
+            </a:r>
+            <a:r>
+              <a:rPr lang="en-US" dirty="0"/>
+              <a:t>.</a:t>
+            </a:r>
+          </a:p>
+          <a:p>
+            <a:r>
+              <a:rPr lang="en-US" dirty="0"/>
+              <a:t>Consider all production rules similar to the following:</a:t>
+            </a:r>
+          </a:p>
+          <a:p>
+            <a:pPr marL="914400" lvl="2" indent="0">
+              <a:buNone/>
+            </a:pPr>
+            <a:r>
+              <a:rPr lang="en-US" dirty="0">
+                <a:latin typeface="Consolas" panose="020B0609020204030204" pitchFamily="49" charset="0"/>
+              </a:rPr>
+              <a:t>N = S T .      N = S {T} .      N = S [T] .</a:t>
+            </a:r>
+          </a:p>
+          <a:p>
+            <a:pPr lvl="1"/>
+            <a:r>
+              <a:rPr lang="en-US" dirty="0"/>
+              <a:t>In all these cases, </a:t>
+            </a:r>
+            <a:r>
+              <a:rPr lang="en-US" dirty="0">
+                <a:latin typeface="Consolas" panose="020B0609020204030204" pitchFamily="49" charset="0"/>
+              </a:rPr>
+              <a:t>Follow(T)</a:t>
+            </a:r>
+            <a:r>
+              <a:rPr lang="en-US" dirty="0"/>
+              <a:t> includes </a:t>
+            </a:r>
+            <a:r>
+              <a:rPr lang="en-US" dirty="0">
+                <a:latin typeface="Consolas" panose="020B0609020204030204" pitchFamily="49" charset="0"/>
+              </a:rPr>
+              <a:t>Follow(N)</a:t>
+            </a:r>
+            <a:r>
+              <a:rPr lang="en-US" dirty="0"/>
+              <a:t>.</a:t>
+            </a:r>
+          </a:p>
+          <a:p>
+            <a:r>
+              <a:rPr lang="en-US" dirty="0"/>
+              <a:t>If </a:t>
+            </a:r>
+            <a:r>
+              <a:rPr lang="en-US" dirty="0">
+                <a:latin typeface="Consolas" panose="020B0609020204030204" pitchFamily="49" charset="0"/>
+              </a:rPr>
+              <a:t>T</a:t>
+            </a:r>
+            <a:r>
+              <a:rPr lang="en-US" dirty="0"/>
+              <a:t> occurs in the form </a:t>
+            </a:r>
+            <a:r>
+              <a:rPr lang="en-US" dirty="0">
+                <a:latin typeface="Consolas" panose="020B0609020204030204" pitchFamily="49" charset="0"/>
+              </a:rPr>
+              <a:t>{T}</a:t>
+            </a:r>
+            <a:r>
+              <a:rPr lang="en-US" dirty="0"/>
+              <a:t>, then </a:t>
+            </a:r>
+            <a:r>
+              <a:rPr lang="en-US" dirty="0">
+                <a:latin typeface="Consolas" panose="020B0609020204030204" pitchFamily="49" charset="0"/>
+              </a:rPr>
+              <a:t>Follow(T)</a:t>
+            </a:r>
+            <a:r>
+              <a:rPr lang="en-US" dirty="0"/>
+              <a:t> includes </a:t>
+            </a:r>
+            <a:r>
+              <a:rPr lang="en-US" dirty="0">
+                <a:latin typeface="Consolas" panose="020B0609020204030204" pitchFamily="49" charset="0"/>
+              </a:rPr>
+              <a:t>First(T)</a:t>
+            </a:r>
+            <a:r>
+              <a:rPr lang="en-US" dirty="0"/>
+              <a:t>.</a:t>
+            </a:r>
+          </a:p>
+        </p:txBody>
+      </p:sp>
+      <p:sp>
+        <p:nvSpPr>
+          <p:cNvPr id="3" name="Slide Number Placeholder 2">
+            <a:extLst>
+              <a:ext uri="{FF2B5EF4-FFF2-40B4-BE49-F238E27FC236}">
+                <a16:creationId xmlns:a16="http://schemas.microsoft.com/office/drawing/2014/main" id="{978C3F26-761A-5AB8-2C6B-09E6FEFB8677}"/>
+              </a:ext>
+            </a:extLst>
+          </p:cNvPr>
           <p:cNvSpPr>
             <a:spLocks noGrp="1"/>
           </p:cNvSpPr>
@@ -14423,248 +16460,26 @@
             <p:ph type="sldNum" sz="quarter" idx="11"/>
           </p:nvPr>
         </p:nvSpPr>
-        <p:spPr>
-          <a:noFill/>
-        </p:spPr>
-        <p:txBody>
-          <a:bodyPr/>
-          <a:lstStyle/>
-          <a:p>
+        <p:spPr/>
+        <p:txBody>
+          <a:bodyPr/>
+          <a:lstStyle/>
+          <a:p>
+            <a:pPr>
+              <a:defRPr/>
+            </a:pPr>
             <a:r>
               <a:rPr lang="en-US"/>
               <a:t>Slide </a:t>
             </a:r>
-            <a:fld id="{CADE6112-263F-4C46-BADB-6A731720FD25}" type="slidenum">
-              <a:rPr lang="en-US"/>
-              <a:pPr/>
+            <a:fld id="{0F05040F-3DD5-4422-8E21-6095A5B4132F}" type="slidenum">
+              <a:rPr lang="en-US" smtClean="0"/>
+              <a:pPr>
+                <a:defRPr/>
+              </a:pPr>
               <a:t>26</a:t>
             </a:fld>
             <a:endParaRPr lang="en-US"/>
-          </a:p>
-        </p:txBody>
-      </p:sp>
-      <p:sp>
-        <p:nvSpPr>
-          <p:cNvPr id="29700" name="Rectangle 2"/>
-          <p:cNvSpPr>
-            <a:spLocks noGrp="1" noChangeArrowheads="1"/>
-          </p:cNvSpPr>
-          <p:nvPr>
-            <p:ph type="title"/>
-          </p:nvPr>
-        </p:nvSpPr>
-        <p:spPr/>
-        <p:txBody>
-          <a:bodyPr/>
-          <a:lstStyle/>
-          <a:p>
-            <a:r>
-              <a:rPr lang="en-US"/>
-              <a:t>Rules for Computing Follow Sets</a:t>
-            </a:r>
-          </a:p>
-        </p:txBody>
-      </p:sp>
-      <p:sp>
-        <p:nvSpPr>
-          <p:cNvPr id="29701" name="Rectangle 3"/>
-          <p:cNvSpPr>
-            <a:spLocks noGrp="1" noChangeArrowheads="1"/>
-          </p:cNvSpPr>
-          <p:nvPr>
-            <p:ph type="body" idx="1"/>
-          </p:nvPr>
-        </p:nvSpPr>
-        <p:spPr/>
-        <p:txBody>
-          <a:bodyPr/>
-          <a:lstStyle/>
-          <a:p>
-            <a:pPr>
-              <a:buFontTx/>
-              <a:buNone/>
-            </a:pPr>
-            <a:r>
-              <a:rPr lang="en-US" dirty="0"/>
-              <a:t>Computing </a:t>
-            </a:r>
-            <a:r>
-              <a:rPr lang="en-US" dirty="0">
-                <a:latin typeface="Consolas" panose="020B0609020204030204" pitchFamily="49" charset="0"/>
-              </a:rPr>
-              <a:t>Follow(T)</a:t>
-            </a:r>
-          </a:p>
-          <a:p>
-            <a:r>
-              <a:rPr lang="en-US" dirty="0"/>
-              <a:t>Consider all production rules similar to the following:</a:t>
-            </a:r>
-          </a:p>
-          <a:p>
-            <a:pPr marL="914400" lvl="2" indent="0">
-              <a:buNone/>
-            </a:pPr>
-            <a:r>
-              <a:rPr lang="en-US" dirty="0">
-                <a:latin typeface="Consolas" panose="020B0609020204030204" pitchFamily="49" charset="0"/>
-              </a:rPr>
-              <a:t>N = S T U .      N = S {T} U .      N = S [T] U .</a:t>
-            </a:r>
-          </a:p>
-          <a:p>
-            <a:pPr lvl="1"/>
-            <a:r>
-              <a:rPr lang="en-US" dirty="0"/>
-              <a:t>Then </a:t>
-            </a:r>
-            <a:r>
-              <a:rPr lang="en-US" dirty="0">
-                <a:latin typeface="Consolas" panose="020B0609020204030204" pitchFamily="49" charset="0"/>
-              </a:rPr>
-              <a:t>Follow(T)</a:t>
-            </a:r>
-            <a:r>
-              <a:rPr lang="en-US" dirty="0"/>
-              <a:t> includes </a:t>
-            </a:r>
-            <a:r>
-              <a:rPr lang="en-US" dirty="0">
-                <a:latin typeface="Consolas" panose="020B0609020204030204" pitchFamily="49" charset="0"/>
-              </a:rPr>
-              <a:t>First(U)</a:t>
-            </a:r>
-            <a:r>
-              <a:rPr lang="en-US" dirty="0"/>
-              <a:t>.</a:t>
-            </a:r>
-          </a:p>
-          <a:p>
-            <a:pPr lvl="1"/>
-            <a:r>
-              <a:rPr lang="en-US" dirty="0"/>
-              <a:t>If </a:t>
-            </a:r>
-            <a:r>
-              <a:rPr lang="en-US" dirty="0">
-                <a:latin typeface="Consolas" panose="020B0609020204030204" pitchFamily="49" charset="0"/>
-              </a:rPr>
-              <a:t>U</a:t>
-            </a:r>
-            <a:r>
-              <a:rPr lang="en-US" dirty="0"/>
-              <a:t> can be empty, then </a:t>
-            </a:r>
-            <a:r>
-              <a:rPr lang="en-US" dirty="0">
-                <a:latin typeface="Consolas" panose="020B0609020204030204" pitchFamily="49" charset="0"/>
-              </a:rPr>
-              <a:t>Follow(T)</a:t>
-            </a:r>
-            <a:r>
-              <a:rPr lang="en-US" dirty="0"/>
-              <a:t> also includes </a:t>
-            </a:r>
-            <a:r>
-              <a:rPr lang="en-US" dirty="0">
-                <a:latin typeface="Consolas" panose="020B0609020204030204" pitchFamily="49" charset="0"/>
-              </a:rPr>
-              <a:t>Follow(N)</a:t>
-            </a:r>
-            <a:r>
-              <a:rPr lang="en-US" dirty="0"/>
-              <a:t>.</a:t>
-            </a:r>
-          </a:p>
-          <a:p>
-            <a:r>
-              <a:rPr lang="en-US" dirty="0"/>
-              <a:t>Consider all production rules similar to the following:</a:t>
-            </a:r>
-          </a:p>
-          <a:p>
-            <a:pPr marL="914400" lvl="2" indent="0">
-              <a:buNone/>
-            </a:pPr>
-            <a:r>
-              <a:rPr lang="en-US" dirty="0">
-                <a:latin typeface="Consolas" panose="020B0609020204030204" pitchFamily="49" charset="0"/>
-              </a:rPr>
-              <a:t>N = S T .      N = S {T} .      N = S [T] .</a:t>
-            </a:r>
-          </a:p>
-          <a:p>
-            <a:pPr lvl="1"/>
-            <a:r>
-              <a:rPr lang="en-US" dirty="0"/>
-              <a:t>In all these cases, </a:t>
-            </a:r>
-            <a:r>
-              <a:rPr lang="en-US" dirty="0">
-                <a:latin typeface="Consolas" panose="020B0609020204030204" pitchFamily="49" charset="0"/>
-              </a:rPr>
-              <a:t>Follow(T)</a:t>
-            </a:r>
-            <a:r>
-              <a:rPr lang="en-US" dirty="0"/>
-              <a:t> includes </a:t>
-            </a:r>
-            <a:r>
-              <a:rPr lang="en-US" dirty="0">
-                <a:latin typeface="Consolas" panose="020B0609020204030204" pitchFamily="49" charset="0"/>
-              </a:rPr>
-              <a:t>Follow(N)</a:t>
-            </a:r>
-            <a:r>
-              <a:rPr lang="en-US" dirty="0"/>
-              <a:t>.</a:t>
-            </a:r>
-          </a:p>
-          <a:p>
-            <a:r>
-              <a:rPr lang="en-US" dirty="0"/>
-              <a:t>If </a:t>
-            </a:r>
-            <a:r>
-              <a:rPr lang="en-US" dirty="0">
-                <a:latin typeface="Consolas" panose="020B0609020204030204" pitchFamily="49" charset="0"/>
-              </a:rPr>
-              <a:t>T</a:t>
-            </a:r>
-            <a:r>
-              <a:rPr lang="en-US" dirty="0"/>
-              <a:t> occurs in the form </a:t>
-            </a:r>
-            <a:r>
-              <a:rPr lang="en-US" dirty="0">
-                <a:latin typeface="Consolas" panose="020B0609020204030204" pitchFamily="49" charset="0"/>
-              </a:rPr>
-              <a:t>{T}</a:t>
-            </a:r>
-            <a:r>
-              <a:rPr lang="en-US" dirty="0"/>
-              <a:t>, then </a:t>
-            </a:r>
-            <a:r>
-              <a:rPr lang="en-US" dirty="0">
-                <a:latin typeface="Consolas" panose="020B0609020204030204" pitchFamily="49" charset="0"/>
-              </a:rPr>
-              <a:t>Follow(T)</a:t>
-            </a:r>
-            <a:r>
-              <a:rPr lang="en-US" dirty="0"/>
-              <a:t> includes </a:t>
-            </a:r>
-            <a:r>
-              <a:rPr lang="en-US" dirty="0">
-                <a:latin typeface="Consolas" panose="020B0609020204030204" pitchFamily="49" charset="0"/>
-              </a:rPr>
-              <a:t>First(T)</a:t>
-            </a:r>
-            <a:r>
-              <a:rPr lang="en-US" dirty="0"/>
-              <a:t>.</a:t>
-            </a:r>
           </a:p>
         </p:txBody>
       </p:sp>
@@ -14724,7 +16539,63 @@
       </p:sp>
       <p:sp>
         <p:nvSpPr>
-          <p:cNvPr id="30723" name="Slide Number Placeholder 4"/>
+          <p:cNvPr id="30724" name="Rectangle 2"/>
+          <p:cNvSpPr>
+            <a:spLocks noGrp="1" noChangeArrowheads="1"/>
+          </p:cNvSpPr>
+          <p:nvPr>
+            <p:ph type="title"/>
+          </p:nvPr>
+        </p:nvSpPr>
+        <p:spPr/>
+        <p:txBody>
+          <a:bodyPr/>
+          <a:lstStyle/>
+          <a:p>
+            <a:r>
+              <a:rPr lang="en-US"/>
+              <a:t>Strategy for Computing Follow Sets</a:t>
+            </a:r>
+          </a:p>
+        </p:txBody>
+      </p:sp>
+      <p:sp>
+        <p:nvSpPr>
+          <p:cNvPr id="30725" name="Rectangle 3"/>
+          <p:cNvSpPr>
+            <a:spLocks noGrp="1" noChangeArrowheads="1"/>
+          </p:cNvSpPr>
+          <p:nvPr>
+            <p:ph type="body" idx="1"/>
+          </p:nvPr>
+        </p:nvSpPr>
+        <p:spPr/>
+        <p:txBody>
+          <a:bodyPr/>
+          <a:lstStyle/>
+          <a:p>
+            <a:r>
+              <a:rPr lang="en-US" dirty="0"/>
+              <a:t>Use a top-down approach.</a:t>
+            </a:r>
+          </a:p>
+          <a:p>
+            <a:r>
+              <a:rPr lang="en-US" dirty="0"/>
+              <a:t>Start with first rule (the one containing the start symbol) and work toward the simpler rules.</a:t>
+            </a:r>
+          </a:p>
+        </p:txBody>
+      </p:sp>
+      <p:sp>
+        <p:nvSpPr>
+          <p:cNvPr id="3" name="Slide Number Placeholder 2">
+            <a:extLst>
+              <a:ext uri="{FF2B5EF4-FFF2-40B4-BE49-F238E27FC236}">
+                <a16:creationId xmlns:a16="http://schemas.microsoft.com/office/drawing/2014/main" id="{D5437ACB-E84D-6BAD-DB82-9461E18C8BAA}"/>
+              </a:ext>
+            </a:extLst>
+          </p:cNvPr>
           <p:cNvSpPr>
             <a:spLocks noGrp="1"/>
           </p:cNvSpPr>
@@ -14732,73 +16603,26 @@
             <p:ph type="sldNum" sz="quarter" idx="11"/>
           </p:nvPr>
         </p:nvSpPr>
-        <p:spPr>
-          <a:noFill/>
-        </p:spPr>
-        <p:txBody>
-          <a:bodyPr/>
-          <a:lstStyle/>
-          <a:p>
+        <p:spPr/>
+        <p:txBody>
+          <a:bodyPr/>
+          <a:lstStyle/>
+          <a:p>
+            <a:pPr>
+              <a:defRPr/>
+            </a:pPr>
             <a:r>
               <a:rPr lang="en-US"/>
               <a:t>Slide </a:t>
             </a:r>
-            <a:fld id="{8F258D45-8470-4041-87A6-EC8D88B70F2D}" type="slidenum">
-              <a:rPr lang="en-US"/>
-              <a:pPr/>
+            <a:fld id="{0F05040F-3DD5-4422-8E21-6095A5B4132F}" type="slidenum">
+              <a:rPr lang="en-US" smtClean="0"/>
+              <a:pPr>
+                <a:defRPr/>
+              </a:pPr>
               <a:t>27</a:t>
             </a:fld>
             <a:endParaRPr lang="en-US"/>
-          </a:p>
-        </p:txBody>
-      </p:sp>
-      <p:sp>
-        <p:nvSpPr>
-          <p:cNvPr id="30724" name="Rectangle 2"/>
-          <p:cNvSpPr>
-            <a:spLocks noGrp="1" noChangeArrowheads="1"/>
-          </p:cNvSpPr>
-          <p:nvPr>
-            <p:ph type="title"/>
-          </p:nvPr>
-        </p:nvSpPr>
-        <p:spPr/>
-        <p:txBody>
-          <a:bodyPr/>
-          <a:lstStyle/>
-          <a:p>
-            <a:r>
-              <a:rPr lang="en-US"/>
-              <a:t>Strategy for Computing Follow Sets</a:t>
-            </a:r>
-          </a:p>
-        </p:txBody>
-      </p:sp>
-      <p:sp>
-        <p:nvSpPr>
-          <p:cNvPr id="30725" name="Rectangle 3"/>
-          <p:cNvSpPr>
-            <a:spLocks noGrp="1" noChangeArrowheads="1"/>
-          </p:cNvSpPr>
-          <p:nvPr>
-            <p:ph type="body" idx="1"/>
-          </p:nvPr>
-        </p:nvSpPr>
-        <p:spPr/>
-        <p:txBody>
-          <a:bodyPr/>
-          <a:lstStyle/>
-          <a:p>
-            <a:r>
-              <a:rPr lang="en-US" dirty="0"/>
-              <a:t>Use a top-down approach.</a:t>
-            </a:r>
-          </a:p>
-          <a:p>
-            <a:r>
-              <a:rPr lang="en-US" dirty="0"/>
-              <a:t>Start with first rule (the one containing the start symbol) and work toward the simpler rules.</a:t>
-            </a:r>
           </a:p>
         </p:txBody>
       </p:sp>
@@ -14858,36 +16682,6 @@
       </p:sp>
       <p:sp>
         <p:nvSpPr>
-          <p:cNvPr id="17411" name="Slide Number Placeholder 4"/>
-          <p:cNvSpPr>
-            <a:spLocks noGrp="1"/>
-          </p:cNvSpPr>
-          <p:nvPr>
-            <p:ph type="sldNum" sz="quarter" idx="11"/>
-          </p:nvPr>
-        </p:nvSpPr>
-        <p:spPr>
-          <a:noFill/>
-        </p:spPr>
-        <p:txBody>
-          <a:bodyPr/>
-          <a:lstStyle/>
-          <a:p>
-            <a:r>
-              <a:rPr lang="en-US"/>
-              <a:t>Slide </a:t>
-            </a:r>
-            <a:fld id="{D1FF52FF-6953-4631-AE4B-4E1C962F2CD1}" type="slidenum">
-              <a:rPr lang="en-US"/>
-              <a:pPr/>
-              <a:t>28</a:t>
-            </a:fld>
-            <a:endParaRPr lang="en-US"/>
-          </a:p>
-        </p:txBody>
-      </p:sp>
-      <p:sp>
-        <p:nvSpPr>
           <p:cNvPr id="17412" name="Rectangle 4"/>
           <p:cNvSpPr>
             <a:spLocks noGrp="1" noChangeArrowheads="1"/>
@@ -15059,6 +16853,45 @@
               </a:rPr>
               <a:t>First(E) ∩ Follow({E}) = ∅.</a:t>
             </a:r>
+          </a:p>
+        </p:txBody>
+      </p:sp>
+      <p:sp>
+        <p:nvSpPr>
+          <p:cNvPr id="3" name="Slide Number Placeholder 2">
+            <a:extLst>
+              <a:ext uri="{FF2B5EF4-FFF2-40B4-BE49-F238E27FC236}">
+                <a16:creationId xmlns:a16="http://schemas.microsoft.com/office/drawing/2014/main" id="{127A7828-E1B3-AC97-50B0-8986738CF1A0}"/>
+              </a:ext>
+            </a:extLst>
+          </p:cNvPr>
+          <p:cNvSpPr>
+            <a:spLocks noGrp="1"/>
+          </p:cNvSpPr>
+          <p:nvPr>
+            <p:ph type="sldNum" sz="quarter" idx="11"/>
+          </p:nvPr>
+        </p:nvSpPr>
+        <p:spPr/>
+        <p:txBody>
+          <a:bodyPr/>
+          <a:lstStyle/>
+          <a:p>
+            <a:pPr>
+              <a:defRPr/>
+            </a:pPr>
+            <a:r>
+              <a:rPr lang="en-US"/>
+              <a:t>Slide </a:t>
+            </a:r>
+            <a:fld id="{0F05040F-3DD5-4422-8E21-6095A5B4132F}" type="slidenum">
+              <a:rPr lang="en-US" smtClean="0"/>
+              <a:pPr>
+                <a:defRPr/>
+              </a:pPr>
+              <a:t>28</a:t>
+            </a:fld>
+            <a:endParaRPr lang="en-US"/>
           </a:p>
         </p:txBody>
       </p:sp>
@@ -15352,7 +17185,13 @@
       </p:sp>
       <p:sp>
         <p:nvSpPr>
-          <p:cNvPr id="18435" name="Slide Number Placeholder 4"/>
+          <p:cNvPr id="3" name="Slide Number Placeholder 2">
+            <a:extLst>
+              <a:ext uri="{FF2B5EF4-FFF2-40B4-BE49-F238E27FC236}">
+                <a16:creationId xmlns:a16="http://schemas.microsoft.com/office/drawing/2014/main" id="{572C0F45-9B88-8FD2-E46A-88926A619145}"/>
+              </a:ext>
+            </a:extLst>
+          </p:cNvPr>
           <p:cNvSpPr>
             <a:spLocks noGrp="1"/>
           </p:cNvSpPr>
@@ -15365,13 +17204,18 @@
           <a:bodyPr/>
           <a:lstStyle/>
           <a:p>
+            <a:pPr>
+              <a:defRPr/>
+            </a:pPr>
             <a:r>
               <a:rPr lang="en-US"/>
               <a:t>Slide </a:t>
             </a:r>
-            <a:fld id="{9056FA40-A277-4C9F-853A-085C6BCB0531}" type="slidenum">
+            <a:fld id="{0F05040F-3DD5-4422-8E21-6095A5B4132F}" type="slidenum">
               <a:rPr lang="en-US" smtClean="0"/>
-              <a:pPr/>
+              <a:pPr>
+                <a:defRPr/>
+              </a:pPr>
               <a:t>29</a:t>
             </a:fld>
             <a:endParaRPr lang="en-US"/>
@@ -15722,10 +17566,10 @@
       </p:sp>
       <p:sp>
         <p:nvSpPr>
-          <p:cNvPr id="5" name="Slide Number Placeholder 4">
+          <p:cNvPr id="7" name="Slide Number Placeholder 6">
             <a:extLst>
               <a:ext uri="{FF2B5EF4-FFF2-40B4-BE49-F238E27FC236}">
-                <a16:creationId xmlns:a16="http://schemas.microsoft.com/office/drawing/2014/main" id="{67E45DDF-5B1E-5CC1-98CC-FBED220F9970}"/>
+                <a16:creationId xmlns:a16="http://schemas.microsoft.com/office/drawing/2014/main" id="{8FFB8407-CF48-6F19-4D91-229D92C81B22}"/>
               </a:ext>
             </a:extLst>
           </p:cNvPr>
@@ -16294,7 +18138,13 @@
       </p:sp>
       <p:sp>
         <p:nvSpPr>
-          <p:cNvPr id="5" name="Slide Number Placeholder 4"/>
+          <p:cNvPr id="7" name="Slide Number Placeholder 6">
+            <a:extLst>
+              <a:ext uri="{FF2B5EF4-FFF2-40B4-BE49-F238E27FC236}">
+                <a16:creationId xmlns:a16="http://schemas.microsoft.com/office/drawing/2014/main" id="{56E37DF4-C3D6-1D52-99D5-17763E4A0EFC}"/>
+              </a:ext>
+            </a:extLst>
+          </p:cNvPr>
           <p:cNvSpPr>
             <a:spLocks noGrp="1"/>
           </p:cNvSpPr>
@@ -16722,7 +18572,13 @@
       </p:sp>
       <p:sp>
         <p:nvSpPr>
-          <p:cNvPr id="5" name="Slide Number Placeholder 4"/>
+          <p:cNvPr id="6" name="Slide Number Placeholder 5">
+            <a:extLst>
+              <a:ext uri="{FF2B5EF4-FFF2-40B4-BE49-F238E27FC236}">
+                <a16:creationId xmlns:a16="http://schemas.microsoft.com/office/drawing/2014/main" id="{0C9E3DC6-FA12-52BA-E663-7CA116488912}"/>
+              </a:ext>
+            </a:extLst>
+          </p:cNvPr>
           <p:cNvSpPr>
             <a:spLocks noGrp="1"/>
           </p:cNvSpPr>
@@ -16735,13 +18591,18 @@
           <a:bodyPr/>
           <a:lstStyle/>
           <a:p>
+            <a:pPr>
+              <a:defRPr/>
+            </a:pPr>
             <a:r>
               <a:rPr lang="en-US"/>
               <a:t>Slide </a:t>
             </a:r>
             <a:fld id="{0F05040F-3DD5-4422-8E21-6095A5B4132F}" type="slidenum">
               <a:rPr lang="en-US" smtClean="0"/>
-              <a:pPr/>
+              <a:pPr>
+                <a:defRPr/>
+              </a:pPr>
               <a:t>31</a:t>
             </a:fld>
             <a:endParaRPr lang="en-US"/>
@@ -17017,7 +18878,13 @@
       </p:sp>
       <p:sp>
         <p:nvSpPr>
-          <p:cNvPr id="5" name="Slide Number Placeholder 4"/>
+          <p:cNvPr id="6" name="Slide Number Placeholder 5">
+            <a:extLst>
+              <a:ext uri="{FF2B5EF4-FFF2-40B4-BE49-F238E27FC236}">
+                <a16:creationId xmlns:a16="http://schemas.microsoft.com/office/drawing/2014/main" id="{2BC508AB-D768-9CF3-1C82-EA6968A93251}"/>
+              </a:ext>
+            </a:extLst>
+          </p:cNvPr>
           <p:cNvSpPr>
             <a:spLocks noGrp="1"/>
           </p:cNvSpPr>
@@ -17030,13 +18897,18 @@
           <a:bodyPr/>
           <a:lstStyle/>
           <a:p>
+            <a:pPr>
+              <a:defRPr/>
+            </a:pPr>
             <a:r>
               <a:rPr lang="en-US"/>
               <a:t>Slide </a:t>
             </a:r>
             <a:fld id="{0F05040F-3DD5-4422-8E21-6095A5B4132F}" type="slidenum">
               <a:rPr lang="en-US" smtClean="0"/>
-              <a:pPr/>
+              <a:pPr>
+                <a:defRPr/>
+              </a:pPr>
               <a:t>32</a:t>
             </a:fld>
             <a:endParaRPr lang="en-US"/>
@@ -17284,7 +19156,13 @@
       </p:sp>
       <p:sp>
         <p:nvSpPr>
-          <p:cNvPr id="5" name="Slide Number Placeholder 4"/>
+          <p:cNvPr id="7" name="Slide Number Placeholder 6">
+            <a:extLst>
+              <a:ext uri="{FF2B5EF4-FFF2-40B4-BE49-F238E27FC236}">
+                <a16:creationId xmlns:a16="http://schemas.microsoft.com/office/drawing/2014/main" id="{2F168EDE-3F2E-445C-7E4F-DDEA4F74B6B2}"/>
+              </a:ext>
+            </a:extLst>
+          </p:cNvPr>
           <p:cNvSpPr>
             <a:spLocks noGrp="1"/>
           </p:cNvSpPr>
@@ -17366,36 +19244,6 @@
       </p:sp>
       <p:sp>
         <p:nvSpPr>
-          <p:cNvPr id="19459" name="Slide Number Placeholder 4"/>
-          <p:cNvSpPr>
-            <a:spLocks noGrp="1"/>
-          </p:cNvSpPr>
-          <p:nvPr>
-            <p:ph type="sldNum" sz="quarter" idx="11"/>
-          </p:nvPr>
-        </p:nvSpPr>
-        <p:spPr>
-          <a:noFill/>
-        </p:spPr>
-        <p:txBody>
-          <a:bodyPr/>
-          <a:lstStyle/>
-          <a:p>
-            <a:r>
-              <a:rPr lang="en-US"/>
-              <a:t>Slide </a:t>
-            </a:r>
-            <a:fld id="{F28D1DD6-7A5D-44E5-B845-2D8D0D66AD0E}" type="slidenum">
-              <a:rPr lang="en-US"/>
-              <a:pPr/>
-              <a:t>34</a:t>
-            </a:fld>
-            <a:endParaRPr lang="en-US"/>
-          </a:p>
-        </p:txBody>
-      </p:sp>
-      <p:sp>
-        <p:nvSpPr>
           <p:cNvPr id="19460" name="Rectangle 2"/>
           <p:cNvSpPr>
             <a:spLocks noGrp="1" noChangeArrowheads="1"/>
@@ -17545,6 +19393,45 @@
               </a:rPr>
               <a:t>while &lt;condition involving lookahead symbols for E&gt;</a:t>
             </a:r>
+          </a:p>
+        </p:txBody>
+      </p:sp>
+      <p:sp>
+        <p:nvSpPr>
+          <p:cNvPr id="3" name="Slide Number Placeholder 2">
+            <a:extLst>
+              <a:ext uri="{FF2B5EF4-FFF2-40B4-BE49-F238E27FC236}">
+                <a16:creationId xmlns:a16="http://schemas.microsoft.com/office/drawing/2014/main" id="{9407BCB9-C7EE-C485-DDB9-E6B98198656D}"/>
+              </a:ext>
+            </a:extLst>
+          </p:cNvPr>
+          <p:cNvSpPr>
+            <a:spLocks noGrp="1"/>
+          </p:cNvSpPr>
+          <p:nvPr>
+            <p:ph type="sldNum" sz="quarter" idx="11"/>
+          </p:nvPr>
+        </p:nvSpPr>
+        <p:spPr/>
+        <p:txBody>
+          <a:bodyPr/>
+          <a:lstStyle/>
+          <a:p>
+            <a:pPr>
+              <a:defRPr/>
+            </a:pPr>
+            <a:r>
+              <a:rPr lang="en-US"/>
+              <a:t>Slide </a:t>
+            </a:r>
+            <a:fld id="{0F05040F-3DD5-4422-8E21-6095A5B4132F}" type="slidenum">
+              <a:rPr lang="en-US" smtClean="0"/>
+              <a:pPr>
+                <a:defRPr/>
+              </a:pPr>
+              <a:t>34</a:t>
+            </a:fld>
+            <a:endParaRPr lang="en-US"/>
           </a:p>
         </p:txBody>
       </p:sp>
@@ -17599,36 +19486,6 @@
       </p:sp>
       <p:sp>
         <p:nvSpPr>
-          <p:cNvPr id="21507" name="Slide Number Placeholder 4"/>
-          <p:cNvSpPr>
-            <a:spLocks noGrp="1"/>
-          </p:cNvSpPr>
-          <p:nvPr>
-            <p:ph type="sldNum" sz="quarter" idx="11"/>
-          </p:nvPr>
-        </p:nvSpPr>
-        <p:spPr>
-          <a:noFill/>
-        </p:spPr>
-        <p:txBody>
-          <a:bodyPr/>
-          <a:lstStyle/>
-          <a:p>
-            <a:r>
-              <a:rPr lang="en-US"/>
-              <a:t>Slide </a:t>
-            </a:r>
-            <a:fld id="{4ED2D3A3-4A81-444F-BDBF-E33BD959AF76}" type="slidenum">
-              <a:rPr lang="en-US"/>
-              <a:pPr/>
-              <a:t>35</a:t>
-            </a:fld>
-            <a:endParaRPr lang="en-US"/>
-          </a:p>
-        </p:txBody>
-      </p:sp>
-      <p:sp>
-        <p:nvSpPr>
           <p:cNvPr id="21508" name="Rectangle 2"/>
           <p:cNvSpPr>
             <a:spLocks noGrp="1" noChangeArrowheads="1"/>
@@ -17735,6 +19592,45 @@
               <a:rPr lang="en-US" dirty="0"/>
               <a:t>. </a:t>
             </a:r>
+          </a:p>
+        </p:txBody>
+      </p:sp>
+      <p:sp>
+        <p:nvSpPr>
+          <p:cNvPr id="3" name="Slide Number Placeholder 2">
+            <a:extLst>
+              <a:ext uri="{FF2B5EF4-FFF2-40B4-BE49-F238E27FC236}">
+                <a16:creationId xmlns:a16="http://schemas.microsoft.com/office/drawing/2014/main" id="{7D995800-3675-8E36-E578-BBF1B9AD81F8}"/>
+              </a:ext>
+            </a:extLst>
+          </p:cNvPr>
+          <p:cNvSpPr>
+            <a:spLocks noGrp="1"/>
+          </p:cNvSpPr>
+          <p:nvPr>
+            <p:ph type="sldNum" sz="quarter" idx="11"/>
+          </p:nvPr>
+        </p:nvSpPr>
+        <p:spPr/>
+        <p:txBody>
+          <a:bodyPr/>
+          <a:lstStyle/>
+          <a:p>
+            <a:pPr>
+              <a:defRPr/>
+            </a:pPr>
+            <a:r>
+              <a:rPr lang="en-US"/>
+              <a:t>Slide </a:t>
+            </a:r>
+            <a:fld id="{0F05040F-3DD5-4422-8E21-6095A5B4132F}" type="slidenum">
+              <a:rPr lang="en-US" smtClean="0"/>
+              <a:pPr>
+                <a:defRPr/>
+              </a:pPr>
+              <a:t>35</a:t>
+            </a:fld>
+            <a:endParaRPr lang="en-US"/>
           </a:p>
         </p:txBody>
       </p:sp>
@@ -17979,10 +19875,10 @@
       </p:sp>
       <p:sp>
         <p:nvSpPr>
-          <p:cNvPr id="5" name="Slide Number Placeholder 4">
+          <p:cNvPr id="7" name="Slide Number Placeholder 6">
             <a:extLst>
               <a:ext uri="{FF2B5EF4-FFF2-40B4-BE49-F238E27FC236}">
-                <a16:creationId xmlns:a16="http://schemas.microsoft.com/office/drawing/2014/main" id="{702846C6-B96A-4688-8248-99AC75E55153}"/>
+                <a16:creationId xmlns:a16="http://schemas.microsoft.com/office/drawing/2014/main" id="{FFAA2D45-9D64-310A-A543-AE97A243EF42}"/>
               </a:ext>
             </a:extLst>
           </p:cNvPr>
@@ -18067,36 +19963,6 @@
               <a:rPr lang="en-US"/>
               <a:t>©SoftMoore Consulting</a:t>
             </a:r>
-          </a:p>
-        </p:txBody>
-      </p:sp>
-      <p:sp>
-        <p:nvSpPr>
-          <p:cNvPr id="22531" name="Slide Number Placeholder 4"/>
-          <p:cNvSpPr>
-            <a:spLocks noGrp="1"/>
-          </p:cNvSpPr>
-          <p:nvPr>
-            <p:ph type="sldNum" sz="quarter" idx="11"/>
-          </p:nvPr>
-        </p:nvSpPr>
-        <p:spPr>
-          <a:noFill/>
-        </p:spPr>
-        <p:txBody>
-          <a:bodyPr/>
-          <a:lstStyle/>
-          <a:p>
-            <a:r>
-              <a:rPr lang="en-US"/>
-              <a:t>Slide </a:t>
-            </a:r>
-            <a:fld id="{0E1AD59E-1EB5-4709-A752-D75D75221FA1}" type="slidenum">
-              <a:rPr lang="en-US"/>
-              <a:pPr/>
-              <a:t>37</a:t>
-            </a:fld>
-            <a:endParaRPr lang="en-US"/>
           </a:p>
         </p:txBody>
       </p:sp>
@@ -18557,6 +20423,45 @@
           </a:p>
         </p:txBody>
       </p:sp>
+      <p:sp>
+        <p:nvSpPr>
+          <p:cNvPr id="4" name="Slide Number Placeholder 3">
+            <a:extLst>
+              <a:ext uri="{FF2B5EF4-FFF2-40B4-BE49-F238E27FC236}">
+                <a16:creationId xmlns:a16="http://schemas.microsoft.com/office/drawing/2014/main" id="{7BFD2FC8-5EDA-8CC7-08B0-85370E39E98B}"/>
+              </a:ext>
+            </a:extLst>
+          </p:cNvPr>
+          <p:cNvSpPr>
+            <a:spLocks noGrp="1"/>
+          </p:cNvSpPr>
+          <p:nvPr>
+            <p:ph type="sldNum" sz="quarter" idx="11"/>
+          </p:nvPr>
+        </p:nvSpPr>
+        <p:spPr/>
+        <p:txBody>
+          <a:bodyPr/>
+          <a:lstStyle/>
+          <a:p>
+            <a:pPr>
+              <a:defRPr/>
+            </a:pPr>
+            <a:r>
+              <a:rPr lang="en-US"/>
+              <a:t>Slide </a:t>
+            </a:r>
+            <a:fld id="{0F05040F-3DD5-4422-8E21-6095A5B4132F}" type="slidenum">
+              <a:rPr lang="en-US" smtClean="0"/>
+              <a:pPr>
+                <a:defRPr/>
+              </a:pPr>
+              <a:t>37</a:t>
+            </a:fld>
+            <a:endParaRPr lang="en-US"/>
+          </a:p>
+        </p:txBody>
+      </p:sp>
     </p:spTree>
   </p:cSld>
   <p:clrMapOvr>
@@ -18608,36 +20513,6 @@
       </p:sp>
       <p:sp>
         <p:nvSpPr>
-          <p:cNvPr id="23555" name="Slide Number Placeholder 4"/>
-          <p:cNvSpPr>
-            <a:spLocks noGrp="1"/>
-          </p:cNvSpPr>
-          <p:nvPr>
-            <p:ph type="sldNum" sz="quarter" idx="11"/>
-          </p:nvPr>
-        </p:nvSpPr>
-        <p:spPr>
-          <a:noFill/>
-        </p:spPr>
-        <p:txBody>
-          <a:bodyPr/>
-          <a:lstStyle/>
-          <a:p>
-            <a:r>
-              <a:rPr lang="en-US"/>
-              <a:t>Slide </a:t>
-            </a:r>
-            <a:fld id="{A446E5C1-4856-4EE4-B89D-6E3CCA497F64}" type="slidenum">
-              <a:rPr lang="en-US"/>
-              <a:pPr/>
-              <a:t>38</a:t>
-            </a:fld>
-            <a:endParaRPr lang="en-US"/>
-          </a:p>
-        </p:txBody>
-      </p:sp>
-      <p:sp>
-        <p:nvSpPr>
           <p:cNvPr id="23556" name="Rectangle 2"/>
           <p:cNvSpPr>
             <a:spLocks noGrp="1" noChangeArrowheads="1"/>
@@ -18807,6 +20682,45 @@
             <a:endParaRPr lang="en-US" dirty="0">
               <a:sym typeface="Symbol" pitchFamily="18" charset="2"/>
             </a:endParaRPr>
+          </a:p>
+        </p:txBody>
+      </p:sp>
+      <p:sp>
+        <p:nvSpPr>
+          <p:cNvPr id="3" name="Slide Number Placeholder 2">
+            <a:extLst>
+              <a:ext uri="{FF2B5EF4-FFF2-40B4-BE49-F238E27FC236}">
+                <a16:creationId xmlns:a16="http://schemas.microsoft.com/office/drawing/2014/main" id="{D5AF57ED-C763-10BA-3D79-256FD2EDC9EF}"/>
+              </a:ext>
+            </a:extLst>
+          </p:cNvPr>
+          <p:cNvSpPr>
+            <a:spLocks noGrp="1"/>
+          </p:cNvSpPr>
+          <p:nvPr>
+            <p:ph type="sldNum" sz="quarter" idx="11"/>
+          </p:nvPr>
+        </p:nvSpPr>
+        <p:spPr/>
+        <p:txBody>
+          <a:bodyPr/>
+          <a:lstStyle/>
+          <a:p>
+            <a:pPr>
+              <a:defRPr/>
+            </a:pPr>
+            <a:r>
+              <a:rPr lang="en-US"/>
+              <a:t>Slide </a:t>
+            </a:r>
+            <a:fld id="{0F05040F-3DD5-4422-8E21-6095A5B4132F}" type="slidenum">
+              <a:rPr lang="en-US" smtClean="0"/>
+              <a:pPr>
+                <a:defRPr/>
+              </a:pPr>
+              <a:t>38</a:t>
+            </a:fld>
+            <a:endParaRPr lang="en-US"/>
           </a:p>
         </p:txBody>
       </p:sp>
@@ -18861,36 +20775,6 @@
       </p:sp>
       <p:sp>
         <p:nvSpPr>
-          <p:cNvPr id="24579" name="Slide Number Placeholder 4"/>
-          <p:cNvSpPr>
-            <a:spLocks noGrp="1"/>
-          </p:cNvSpPr>
-          <p:nvPr>
-            <p:ph type="sldNum" sz="quarter" idx="11"/>
-          </p:nvPr>
-        </p:nvSpPr>
-        <p:spPr>
-          <a:noFill/>
-        </p:spPr>
-        <p:txBody>
-          <a:bodyPr/>
-          <a:lstStyle/>
-          <a:p>
-            <a:r>
-              <a:rPr lang="en-US"/>
-              <a:t>Slide </a:t>
-            </a:r>
-            <a:fld id="{BF1F58F9-8185-44A0-954C-2F4CAAD93839}" type="slidenum">
-              <a:rPr lang="en-US"/>
-              <a:pPr/>
-              <a:t>39</a:t>
-            </a:fld>
-            <a:endParaRPr lang="en-US"/>
-          </a:p>
-        </p:txBody>
-      </p:sp>
-      <p:sp>
-        <p:nvSpPr>
           <p:cNvPr id="24580" name="Rectangle 2"/>
           <p:cNvSpPr>
             <a:spLocks noGrp="1" noChangeArrowheads="1"/>
@@ -19207,6 +21091,45 @@
               <a:rPr lang="en-US" sz="2000" dirty="0"/>
               <a:t> statement.)</a:t>
             </a:r>
+          </a:p>
+        </p:txBody>
+      </p:sp>
+      <p:sp>
+        <p:nvSpPr>
+          <p:cNvPr id="4" name="Slide Number Placeholder 3">
+            <a:extLst>
+              <a:ext uri="{FF2B5EF4-FFF2-40B4-BE49-F238E27FC236}">
+                <a16:creationId xmlns:a16="http://schemas.microsoft.com/office/drawing/2014/main" id="{228D4B16-8A12-968D-6B72-135243F37F25}"/>
+              </a:ext>
+            </a:extLst>
+          </p:cNvPr>
+          <p:cNvSpPr>
+            <a:spLocks noGrp="1"/>
+          </p:cNvSpPr>
+          <p:nvPr>
+            <p:ph type="sldNum" sz="quarter" idx="11"/>
+          </p:nvPr>
+        </p:nvSpPr>
+        <p:spPr/>
+        <p:txBody>
+          <a:bodyPr/>
+          <a:lstStyle/>
+          <a:p>
+            <a:pPr>
+              <a:defRPr/>
+            </a:pPr>
+            <a:r>
+              <a:rPr lang="en-US"/>
+              <a:t>Slide </a:t>
+            </a:r>
+            <a:fld id="{0F05040F-3DD5-4422-8E21-6095A5B4132F}" type="slidenum">
+              <a:rPr lang="en-US" smtClean="0"/>
+              <a:pPr>
+                <a:defRPr/>
+              </a:pPr>
+              <a:t>39</a:t>
+            </a:fld>
+            <a:endParaRPr lang="en-US"/>
           </a:p>
         </p:txBody>
       </p:sp>
@@ -19653,45 +21576,6 @@
               <a:rPr lang="en-US"/>
               <a:t>©SoftMoore Consulting</a:t>
             </a:r>
-          </a:p>
-        </p:txBody>
-      </p:sp>
-      <p:sp>
-        <p:nvSpPr>
-          <p:cNvPr id="5" name="Slide Number Placeholder 4">
-            <a:extLst>
-              <a:ext uri="{FF2B5EF4-FFF2-40B4-BE49-F238E27FC236}">
-                <a16:creationId xmlns:a16="http://schemas.microsoft.com/office/drawing/2014/main" id="{67E45DDF-5B1E-5CC1-98CC-FBED220F9970}"/>
-              </a:ext>
-            </a:extLst>
-          </p:cNvPr>
-          <p:cNvSpPr>
-            <a:spLocks noGrp="1"/>
-          </p:cNvSpPr>
-          <p:nvPr>
-            <p:ph type="sldNum" sz="quarter" idx="11"/>
-          </p:nvPr>
-        </p:nvSpPr>
-        <p:spPr/>
-        <p:txBody>
-          <a:bodyPr/>
-          <a:lstStyle/>
-          <a:p>
-            <a:pPr>
-              <a:defRPr/>
-            </a:pPr>
-            <a:r>
-              <a:rPr lang="en-US"/>
-              <a:t>Slide </a:t>
-            </a:r>
-            <a:fld id="{0F05040F-3DD5-4422-8E21-6095A5B4132F}" type="slidenum">
-              <a:rPr lang="en-US" smtClean="0"/>
-              <a:pPr>
-                <a:defRPr/>
-              </a:pPr>
-              <a:t>4</a:t>
-            </a:fld>
-            <a:endParaRPr lang="en-US"/>
           </a:p>
         </p:txBody>
       </p:sp>
@@ -19878,6 +21762,45 @@
           <a:effectLst/>
         </p:spPr>
       </p:cxnSp>
+      <p:sp>
+        <p:nvSpPr>
+          <p:cNvPr id="10" name="Slide Number Placeholder 9">
+            <a:extLst>
+              <a:ext uri="{FF2B5EF4-FFF2-40B4-BE49-F238E27FC236}">
+                <a16:creationId xmlns:a16="http://schemas.microsoft.com/office/drawing/2014/main" id="{AF85B808-8768-9C62-4C07-5FF73EE38B8F}"/>
+              </a:ext>
+            </a:extLst>
+          </p:cNvPr>
+          <p:cNvSpPr>
+            <a:spLocks noGrp="1"/>
+          </p:cNvSpPr>
+          <p:nvPr>
+            <p:ph type="sldNum" sz="quarter" idx="11"/>
+          </p:nvPr>
+        </p:nvSpPr>
+        <p:spPr/>
+        <p:txBody>
+          <a:bodyPr/>
+          <a:lstStyle/>
+          <a:p>
+            <a:pPr>
+              <a:defRPr/>
+            </a:pPr>
+            <a:r>
+              <a:rPr lang="en-US"/>
+              <a:t>Slide </a:t>
+            </a:r>
+            <a:fld id="{0F05040F-3DD5-4422-8E21-6095A5B4132F}" type="slidenum">
+              <a:rPr lang="en-US" smtClean="0"/>
+              <a:pPr>
+                <a:defRPr/>
+              </a:pPr>
+              <a:t>4</a:t>
+            </a:fld>
+            <a:endParaRPr lang="en-US"/>
+          </a:p>
+        </p:txBody>
+      </p:sp>
     </p:spTree>
     <p:extLst>
       <p:ext uri="{BB962C8B-B14F-4D97-AF65-F5344CB8AC3E}">
@@ -19934,7 +21857,97 @@
       </p:sp>
       <p:sp>
         <p:nvSpPr>
-          <p:cNvPr id="25603" name="Slide Number Placeholder 4"/>
+          <p:cNvPr id="25604" name="Rectangle 2"/>
+          <p:cNvSpPr>
+            <a:spLocks noGrp="1" noChangeArrowheads="1"/>
+          </p:cNvSpPr>
+          <p:nvPr>
+            <p:ph type="title"/>
+          </p:nvPr>
+        </p:nvSpPr>
+        <p:spPr/>
+        <p:txBody>
+          <a:bodyPr/>
+          <a:lstStyle/>
+          <a:p>
+            <a:r>
+              <a:rPr lang="en-US" dirty="0"/>
+              <a:t>LL(k) Grammars</a:t>
+            </a:r>
+          </a:p>
+        </p:txBody>
+      </p:sp>
+      <p:sp>
+        <p:nvSpPr>
+          <p:cNvPr id="25605" name="Rectangle 3"/>
+          <p:cNvSpPr>
+            <a:spLocks noGrp="1" noChangeArrowheads="1"/>
+          </p:cNvSpPr>
+          <p:nvPr>
+            <p:ph type="body" idx="1"/>
+          </p:nvPr>
+        </p:nvSpPr>
+        <p:spPr/>
+        <p:txBody>
+          <a:bodyPr/>
+          <a:lstStyle/>
+          <a:p>
+            <a:r>
+              <a:rPr lang="en-US" sz="2350" dirty="0"/>
+              <a:t>If a context-free grammar satisfies all grammar restrictions outlined above, and if all parsing decisions involve at most k lookahead symbols, then the grammar is called an </a:t>
+            </a:r>
+            <a:r>
+              <a:rPr lang="en-US" sz="2350" b="1" dirty="0"/>
+              <a:t>LL(k) grammar</a:t>
+            </a:r>
+            <a:r>
+              <a:rPr lang="en-US" sz="2350" dirty="0"/>
+              <a:t>.</a:t>
+            </a:r>
+          </a:p>
+          <a:p>
+            <a:pPr lvl="1"/>
+            <a:r>
+              <a:rPr lang="en-US" dirty="0"/>
+              <a:t>An LL(1) grammar is one for which all parsing decisions can be made by considering only one lookahead symbol.</a:t>
+            </a:r>
+          </a:p>
+          <a:p>
+            <a:r>
+              <a:rPr lang="en-US" sz="2350" dirty="0"/>
+              <a:t>Note that LL(k) is a property of the grammar, not the language.</a:t>
+            </a:r>
+          </a:p>
+          <a:p>
+            <a:r>
+              <a:rPr lang="en-US" sz="2350" dirty="0"/>
+              <a:t>Not all grammars are LL(k).</a:t>
+            </a:r>
+          </a:p>
+          <a:p>
+            <a:pPr lvl="1"/>
+            <a:r>
+              <a:rPr lang="en-US" dirty="0"/>
+              <a:t>Any grammar has left recursion is not LL(k).</a:t>
+            </a:r>
+          </a:p>
+          <a:p>
+            <a:r>
+              <a:rPr lang="en-US" sz="2350" dirty="0"/>
+              <a:t>Recursive descent parsing using k lookahead symbols can be used only if the grammar is LL(k).</a:t>
+            </a:r>
+          </a:p>
+        </p:txBody>
+      </p:sp>
+      <p:sp>
+        <p:nvSpPr>
+          <p:cNvPr id="3" name="Slide Number Placeholder 2">
+            <a:extLst>
+              <a:ext uri="{FF2B5EF4-FFF2-40B4-BE49-F238E27FC236}">
+                <a16:creationId xmlns:a16="http://schemas.microsoft.com/office/drawing/2014/main" id="{2C37253C-B343-B6B3-B5FA-D492FBDB2ADB}"/>
+              </a:ext>
+            </a:extLst>
+          </p:cNvPr>
           <p:cNvSpPr>
             <a:spLocks noGrp="1"/>
           </p:cNvSpPr>
@@ -19942,107 +21955,26 @@
             <p:ph type="sldNum" sz="quarter" idx="11"/>
           </p:nvPr>
         </p:nvSpPr>
-        <p:spPr>
-          <a:noFill/>
-        </p:spPr>
-        <p:txBody>
-          <a:bodyPr/>
-          <a:lstStyle/>
-          <a:p>
+        <p:spPr/>
+        <p:txBody>
+          <a:bodyPr/>
+          <a:lstStyle/>
+          <a:p>
+            <a:pPr>
+              <a:defRPr/>
+            </a:pPr>
             <a:r>
               <a:rPr lang="en-US"/>
               <a:t>Slide </a:t>
             </a:r>
-            <a:fld id="{74DA72EF-C538-422F-84F3-E7E30703B4D9}" type="slidenum">
-              <a:rPr lang="en-US"/>
-              <a:pPr/>
+            <a:fld id="{0F05040F-3DD5-4422-8E21-6095A5B4132F}" type="slidenum">
+              <a:rPr lang="en-US" smtClean="0"/>
+              <a:pPr>
+                <a:defRPr/>
+              </a:pPr>
               <a:t>40</a:t>
             </a:fld>
             <a:endParaRPr lang="en-US"/>
-          </a:p>
-        </p:txBody>
-      </p:sp>
-      <p:sp>
-        <p:nvSpPr>
-          <p:cNvPr id="25604" name="Rectangle 2"/>
-          <p:cNvSpPr>
-            <a:spLocks noGrp="1" noChangeArrowheads="1"/>
-          </p:cNvSpPr>
-          <p:nvPr>
-            <p:ph type="title"/>
-          </p:nvPr>
-        </p:nvSpPr>
-        <p:spPr/>
-        <p:txBody>
-          <a:bodyPr/>
-          <a:lstStyle/>
-          <a:p>
-            <a:r>
-              <a:rPr lang="en-US" dirty="0"/>
-              <a:t>LL(k) Grammars</a:t>
-            </a:r>
-          </a:p>
-        </p:txBody>
-      </p:sp>
-      <p:sp>
-        <p:nvSpPr>
-          <p:cNvPr id="25605" name="Rectangle 3"/>
-          <p:cNvSpPr>
-            <a:spLocks noGrp="1" noChangeArrowheads="1"/>
-          </p:cNvSpPr>
-          <p:nvPr>
-            <p:ph type="body" idx="1"/>
-          </p:nvPr>
-        </p:nvSpPr>
-        <p:spPr/>
-        <p:txBody>
-          <a:bodyPr/>
-          <a:lstStyle/>
-          <a:p>
-            <a:r>
-              <a:rPr lang="en-US" sz="2350" dirty="0"/>
-              <a:t>If a context-free grammar satisfies all grammar restrictions outlined above, and if all parsing decisions involve at most k lookahead symbols, then the grammar is called an </a:t>
-            </a:r>
-            <a:r>
-              <a:rPr lang="en-US" sz="2350" b="1" dirty="0"/>
-              <a:t>LL(k) grammar</a:t>
-            </a:r>
-            <a:r>
-              <a:rPr lang="en-US" sz="2350" dirty="0"/>
-              <a:t>.</a:t>
-            </a:r>
-          </a:p>
-          <a:p>
-            <a:pPr lvl="1"/>
-            <a:r>
-              <a:rPr lang="en-US" dirty="0"/>
-              <a:t>An LL(1) grammar is one for which all parsing decisions can be made by considering only one lookahead symbol.</a:t>
-            </a:r>
-          </a:p>
-          <a:p>
-            <a:r>
-              <a:rPr lang="en-US" sz="2350" dirty="0"/>
-              <a:t>Note that LL(k) is a property of the grammar, not the language.</a:t>
-            </a:r>
-          </a:p>
-          <a:p>
-            <a:r>
-              <a:rPr lang="en-US" sz="2350" dirty="0"/>
-              <a:t>Not all grammars are LL(k).</a:t>
-            </a:r>
-          </a:p>
-          <a:p>
-            <a:pPr lvl="1"/>
-            <a:r>
-              <a:rPr lang="en-US" dirty="0"/>
-              <a:t>Any grammar has left recursion is not LL(k).</a:t>
-            </a:r>
-          </a:p>
-          <a:p>
-            <a:r>
-              <a:rPr lang="en-US" sz="2350" dirty="0"/>
-              <a:t>Recursive descent parsing using k lookahead symbols can be used only if the grammar is LL(k).</a:t>
-            </a:r>
           </a:p>
         </p:txBody>
       </p:sp>
@@ -20097,7 +22029,111 @@
       </p:sp>
       <p:sp>
         <p:nvSpPr>
-          <p:cNvPr id="25603" name="Slide Number Placeholder 4"/>
+          <p:cNvPr id="25604" name="Rectangle 2"/>
+          <p:cNvSpPr>
+            <a:spLocks noGrp="1" noChangeArrowheads="1"/>
+          </p:cNvSpPr>
+          <p:nvPr>
+            <p:ph type="title"/>
+          </p:nvPr>
+        </p:nvSpPr>
+        <p:spPr/>
+        <p:txBody>
+          <a:bodyPr/>
+          <a:lstStyle/>
+          <a:p>
+            <a:r>
+              <a:rPr lang="en-US" dirty="0"/>
+              <a:t>LL(k) Grammars</a:t>
+            </a:r>
+            <a:br>
+              <a:rPr lang="en-US" dirty="0"/>
+            </a:br>
+            <a:r>
+              <a:rPr lang="en-US" sz="2400" dirty="0"/>
+              <a:t>(continued)</a:t>
+            </a:r>
+            <a:endParaRPr lang="en-US" dirty="0"/>
+          </a:p>
+        </p:txBody>
+      </p:sp>
+      <p:sp>
+        <p:nvSpPr>
+          <p:cNvPr id="25605" name="Rectangle 3"/>
+          <p:cNvSpPr>
+            <a:spLocks noGrp="1" noChangeArrowheads="1"/>
+          </p:cNvSpPr>
+          <p:nvPr>
+            <p:ph type="body" idx="1"/>
+          </p:nvPr>
+        </p:nvSpPr>
+        <p:spPr/>
+        <p:txBody>
+          <a:bodyPr/>
+          <a:lstStyle/>
+          <a:p>
+            <a:r>
+              <a:rPr lang="en-US" sz="2350" dirty="0"/>
+              <a:t>Interpretation of “LL(k)”</a:t>
+            </a:r>
+          </a:p>
+          <a:p>
+            <a:pPr lvl="1"/>
+            <a:r>
+              <a:rPr lang="en-US" dirty="0"/>
+              <a:t>First ‘L’: left-to-right parse (read the source file from left to right)</a:t>
+            </a:r>
+          </a:p>
+          <a:p>
+            <a:pPr lvl="1"/>
+            <a:r>
+              <a:rPr lang="en-US" dirty="0"/>
+              <a:t>Second ‘L’: leftmost derivation (descend into the parse tree from left to right)</a:t>
+            </a:r>
+          </a:p>
+          <a:p>
+            <a:pPr lvl="1"/>
+            <a:r>
+              <a:rPr lang="en-US" dirty="0"/>
+              <a:t>Number ‘k’: number of lookahead symbols</a:t>
+            </a:r>
+          </a:p>
+          <a:p>
+            <a:r>
+              <a:rPr lang="en-US" sz="2350" dirty="0"/>
+              <a:t>In practice, the syntax of most programming languages can be defined, or at least closely approximated, by an LL(k) grammar</a:t>
+            </a:r>
+          </a:p>
+          <a:p>
+            <a:pPr lvl="1"/>
+            <a:r>
+              <a:rPr lang="en-US" dirty="0"/>
+              <a:t>e.g., by using grammar transformations such as eliminating left recursion and left factoring</a:t>
+            </a:r>
+          </a:p>
+          <a:p>
+            <a:r>
+              <a:rPr lang="en-US" sz="2350" dirty="0"/>
+              <a:t>The phrase “recursive descent” refers to the fact that we descend (top-down) the parse tree using recursive method/function calls.</a:t>
+            </a:r>
+          </a:p>
+          <a:p>
+            <a:endParaRPr lang="en-US" dirty="0"/>
+          </a:p>
+          <a:p>
+            <a:endParaRPr lang="en-US" dirty="0"/>
+          </a:p>
+        </p:txBody>
+      </p:sp>
+      <p:sp>
+        <p:nvSpPr>
+          <p:cNvPr id="3" name="Slide Number Placeholder 2">
+            <a:extLst>
+              <a:ext uri="{FF2B5EF4-FFF2-40B4-BE49-F238E27FC236}">
+                <a16:creationId xmlns:a16="http://schemas.microsoft.com/office/drawing/2014/main" id="{F7451FA2-76FA-348B-4C0D-137AF9D10AA3}"/>
+              </a:ext>
+            </a:extLst>
+          </p:cNvPr>
           <p:cNvSpPr>
             <a:spLocks noGrp="1"/>
           </p:cNvSpPr>
@@ -20105,121 +22141,26 @@
             <p:ph type="sldNum" sz="quarter" idx="11"/>
           </p:nvPr>
         </p:nvSpPr>
-        <p:spPr>
-          <a:noFill/>
-        </p:spPr>
-        <p:txBody>
-          <a:bodyPr/>
-          <a:lstStyle/>
-          <a:p>
+        <p:spPr/>
+        <p:txBody>
+          <a:bodyPr/>
+          <a:lstStyle/>
+          <a:p>
+            <a:pPr>
+              <a:defRPr/>
+            </a:pPr>
             <a:r>
               <a:rPr lang="en-US"/>
               <a:t>Slide </a:t>
             </a:r>
-            <a:fld id="{74DA72EF-C538-422F-84F3-E7E30703B4D9}" type="slidenum">
-              <a:rPr lang="en-US"/>
-              <a:pPr/>
+            <a:fld id="{0F05040F-3DD5-4422-8E21-6095A5B4132F}" type="slidenum">
+              <a:rPr lang="en-US" smtClean="0"/>
+              <a:pPr>
+                <a:defRPr/>
+              </a:pPr>
               <a:t>41</a:t>
             </a:fld>
             <a:endParaRPr lang="en-US"/>
-          </a:p>
-        </p:txBody>
-      </p:sp>
-      <p:sp>
-        <p:nvSpPr>
-          <p:cNvPr id="25604" name="Rectangle 2"/>
-          <p:cNvSpPr>
-            <a:spLocks noGrp="1" noChangeArrowheads="1"/>
-          </p:cNvSpPr>
-          <p:nvPr>
-            <p:ph type="title"/>
-          </p:nvPr>
-        </p:nvSpPr>
-        <p:spPr/>
-        <p:txBody>
-          <a:bodyPr/>
-          <a:lstStyle/>
-          <a:p>
-            <a:r>
-              <a:rPr lang="en-US" dirty="0"/>
-              <a:t>LL(k) Grammars</a:t>
-            </a:r>
-            <a:br>
-              <a:rPr lang="en-US" dirty="0"/>
-            </a:br>
-            <a:r>
-              <a:rPr lang="en-US" sz="2400" dirty="0"/>
-              <a:t>(continued)</a:t>
-            </a:r>
-            <a:endParaRPr lang="en-US" dirty="0"/>
-          </a:p>
-        </p:txBody>
-      </p:sp>
-      <p:sp>
-        <p:nvSpPr>
-          <p:cNvPr id="25605" name="Rectangle 3"/>
-          <p:cNvSpPr>
-            <a:spLocks noGrp="1" noChangeArrowheads="1"/>
-          </p:cNvSpPr>
-          <p:nvPr>
-            <p:ph type="body" idx="1"/>
-          </p:nvPr>
-        </p:nvSpPr>
-        <p:spPr/>
-        <p:txBody>
-          <a:bodyPr/>
-          <a:lstStyle/>
-          <a:p>
-            <a:r>
-              <a:rPr lang="en-US" sz="2350" dirty="0"/>
-              <a:t>Interpretation of “LL(k)”</a:t>
-            </a:r>
-          </a:p>
-          <a:p>
-            <a:pPr lvl="1"/>
-            <a:r>
-              <a:rPr lang="en-US" dirty="0"/>
-              <a:t>First ‘L’: left-to-right parse (read the source file from left to right)</a:t>
-            </a:r>
-          </a:p>
-          <a:p>
-            <a:pPr lvl="1"/>
-            <a:r>
-              <a:rPr lang="en-US" dirty="0"/>
-              <a:t>Second ‘L’: leftmost derivation (descend into the parse tree from left to right)</a:t>
-            </a:r>
-          </a:p>
-          <a:p>
-            <a:pPr lvl="1"/>
-            <a:r>
-              <a:rPr lang="en-US" dirty="0"/>
-              <a:t>Number ‘k’: number of lookahead symbols</a:t>
-            </a:r>
-          </a:p>
-          <a:p>
-            <a:r>
-              <a:rPr lang="en-US" sz="2350" dirty="0"/>
-              <a:t>In practice, the syntax of most programming languages can be defined, or at least closely approximated, by an LL(k) grammar</a:t>
-            </a:r>
-          </a:p>
-          <a:p>
-            <a:pPr lvl="1"/>
-            <a:r>
-              <a:rPr lang="en-US" dirty="0"/>
-              <a:t>e.g., by using grammar transformations such as eliminating left recursion and left factoring</a:t>
-            </a:r>
-          </a:p>
-          <a:p>
-            <a:r>
-              <a:rPr lang="en-US" sz="2350" dirty="0"/>
-              <a:t>The phrase “recursive descent” refers to the fact that we descend (top-down) the parse tree using recursive method/function calls.</a:t>
-            </a:r>
-          </a:p>
-          <a:p>
-            <a:endParaRPr lang="en-US" dirty="0"/>
-          </a:p>
-          <a:p>
-            <a:endParaRPr lang="en-US" dirty="0"/>
           </a:p>
         </p:txBody>
       </p:sp>
@@ -20340,7 +22281,13 @@
       </p:sp>
       <p:sp>
         <p:nvSpPr>
-          <p:cNvPr id="5" name="Slide Number Placeholder 4"/>
+          <p:cNvPr id="7" name="Slide Number Placeholder 6">
+            <a:extLst>
+              <a:ext uri="{FF2B5EF4-FFF2-40B4-BE49-F238E27FC236}">
+                <a16:creationId xmlns:a16="http://schemas.microsoft.com/office/drawing/2014/main" id="{B2F5039D-B707-186F-7F8B-F976A6704681}"/>
+              </a:ext>
+            </a:extLst>
+          </p:cNvPr>
           <p:cNvSpPr>
             <a:spLocks noGrp="1"/>
           </p:cNvSpPr>
@@ -20667,10 +22614,10 @@
       </p:sp>
       <p:sp>
         <p:nvSpPr>
-          <p:cNvPr id="5" name="Slide Number Placeholder 4">
+          <p:cNvPr id="7" name="Slide Number Placeholder 6">
             <a:extLst>
               <a:ext uri="{FF2B5EF4-FFF2-40B4-BE49-F238E27FC236}">
-                <a16:creationId xmlns:a16="http://schemas.microsoft.com/office/drawing/2014/main" id="{B9372F66-7751-4D6D-AC42-D44C5B66E1E8}"/>
+                <a16:creationId xmlns:a16="http://schemas.microsoft.com/office/drawing/2014/main" id="{B00C26F6-E575-A5E8-0D78-96A021E199EE}"/>
               </a:ext>
             </a:extLst>
           </p:cNvPr>
@@ -20797,45 +22744,6 @@
               <a:rPr lang="en-US"/>
               <a:t>©SoftMoore Consulting</a:t>
             </a:r>
-          </a:p>
-        </p:txBody>
-      </p:sp>
-      <p:sp>
-        <p:nvSpPr>
-          <p:cNvPr id="4" name="Slide Number Placeholder 3">
-            <a:extLst>
-              <a:ext uri="{FF2B5EF4-FFF2-40B4-BE49-F238E27FC236}">
-                <a16:creationId xmlns:a16="http://schemas.microsoft.com/office/drawing/2014/main" id="{80A99388-C9C7-44C2-A554-7A72486E3992}"/>
-              </a:ext>
-            </a:extLst>
-          </p:cNvPr>
-          <p:cNvSpPr>
-            <a:spLocks noGrp="1"/>
-          </p:cNvSpPr>
-          <p:nvPr>
-            <p:ph type="sldNum" sz="quarter" idx="11"/>
-          </p:nvPr>
-        </p:nvSpPr>
-        <p:spPr/>
-        <p:txBody>
-          <a:bodyPr/>
-          <a:lstStyle/>
-          <a:p>
-            <a:pPr>
-              <a:defRPr/>
-            </a:pPr>
-            <a:r>
-              <a:rPr lang="en-US"/>
-              <a:t>Slide </a:t>
-            </a:r>
-            <a:fld id="{AE0313BD-28D9-42AB-B321-D9B25AE6CB4F}" type="slidenum">
-              <a:rPr lang="en-US" smtClean="0"/>
-              <a:pPr>
-                <a:defRPr/>
-              </a:pPr>
-              <a:t>44</a:t>
-            </a:fld>
-            <a:endParaRPr lang="en-US"/>
           </a:p>
         </p:txBody>
       </p:sp>
@@ -21601,6 +23509,45 @@
           </p:txBody>
         </p:sp>
       </p:grpSp>
+      <p:sp>
+        <p:nvSpPr>
+          <p:cNvPr id="6" name="Slide Number Placeholder 5">
+            <a:extLst>
+              <a:ext uri="{FF2B5EF4-FFF2-40B4-BE49-F238E27FC236}">
+                <a16:creationId xmlns:a16="http://schemas.microsoft.com/office/drawing/2014/main" id="{E38A72AD-2501-A2FF-AB06-02B6941567B8}"/>
+              </a:ext>
+            </a:extLst>
+          </p:cNvPr>
+          <p:cNvSpPr>
+            <a:spLocks noGrp="1"/>
+          </p:cNvSpPr>
+          <p:nvPr>
+            <p:ph type="sldNum" sz="quarter" idx="11"/>
+          </p:nvPr>
+        </p:nvSpPr>
+        <p:spPr/>
+        <p:txBody>
+          <a:bodyPr/>
+          <a:lstStyle/>
+          <a:p>
+            <a:pPr>
+              <a:defRPr/>
+            </a:pPr>
+            <a:r>
+              <a:rPr lang="en-US"/>
+              <a:t>Slide </a:t>
+            </a:r>
+            <a:fld id="{AE0313BD-28D9-42AB-B321-D9B25AE6CB4F}" type="slidenum">
+              <a:rPr lang="en-US" smtClean="0"/>
+              <a:pPr>
+                <a:defRPr/>
+              </a:pPr>
+              <a:t>44</a:t>
+            </a:fld>
+            <a:endParaRPr lang="en-US"/>
+          </a:p>
+        </p:txBody>
+      </p:sp>
     </p:spTree>
     <p:extLst>
       <p:ext uri="{BB962C8B-B14F-4D97-AF65-F5344CB8AC3E}">
@@ -21806,10 +23753,10 @@
       </p:sp>
       <p:sp>
         <p:nvSpPr>
-          <p:cNvPr id="4" name="Slide Number Placeholder 3">
+          <p:cNvPr id="7" name="Slide Number Placeholder 6">
             <a:extLst>
               <a:ext uri="{FF2B5EF4-FFF2-40B4-BE49-F238E27FC236}">
-                <a16:creationId xmlns:a16="http://schemas.microsoft.com/office/drawing/2014/main" id="{80A99388-C9C7-44C2-A554-7A72486E3992}"/>
+                <a16:creationId xmlns:a16="http://schemas.microsoft.com/office/drawing/2014/main" id="{4722D821-F488-2B32-A694-F7AA7AD9854F}"/>
               </a:ext>
             </a:extLst>
           </p:cNvPr>
@@ -21832,7 +23779,7 @@
               <a:rPr lang="en-US"/>
               <a:t>Slide </a:t>
             </a:r>
-            <a:fld id="{AE0313BD-28D9-42AB-B321-D9B25AE6CB4F}" type="slidenum">
+            <a:fld id="{0F05040F-3DD5-4422-8E21-6095A5B4132F}" type="slidenum">
               <a:rPr lang="en-US" smtClean="0"/>
               <a:pPr>
                 <a:defRPr/>
@@ -21899,7 +23846,79 @@
       </p:sp>
       <p:sp>
         <p:nvSpPr>
-          <p:cNvPr id="32771" name="Slide Number Placeholder 4"/>
+          <p:cNvPr id="32772" name="Rectangle 2"/>
+          <p:cNvSpPr>
+            <a:spLocks noGrp="1" noChangeArrowheads="1"/>
+          </p:cNvSpPr>
+          <p:nvPr>
+            <p:ph type="title"/>
+          </p:nvPr>
+        </p:nvSpPr>
+        <p:spPr/>
+        <p:txBody>
+          <a:bodyPr/>
+          <a:lstStyle/>
+          <a:p>
+            <a:r>
+              <a:rPr lang="en-US"/>
+              <a:t>Developing a Parser</a:t>
+            </a:r>
+          </a:p>
+        </p:txBody>
+      </p:sp>
+      <p:sp>
+        <p:nvSpPr>
+          <p:cNvPr id="32773" name="Rectangle 3"/>
+          <p:cNvSpPr>
+            <a:spLocks noGrp="1" noChangeArrowheads="1"/>
+          </p:cNvSpPr>
+          <p:nvPr>
+            <p:ph type="body" idx="1"/>
+          </p:nvPr>
+        </p:nvSpPr>
+        <p:spPr/>
+        <p:txBody>
+          <a:bodyPr/>
+          <a:lstStyle/>
+          <a:p>
+            <a:pPr>
+              <a:buFontTx/>
+              <a:buNone/>
+            </a:pPr>
+            <a:r>
+              <a:rPr lang="en-US" dirty="0"/>
+              <a:t>Three major versions of the parser for the compiler project.</a:t>
+            </a:r>
+          </a:p>
+          <a:p>
+            <a:r>
+              <a:rPr lang="en-US" dirty="0"/>
+              <a:t>Version 1: Language recognition based on a context-free grammar (with minor checking of language constraints)</a:t>
+            </a:r>
+          </a:p>
+          <a:p>
+            <a:r>
+              <a:rPr lang="en-US" dirty="0"/>
+              <a:t>Version 2: Add error-recovery</a:t>
+            </a:r>
+          </a:p>
+          <a:p>
+            <a:r>
+              <a:rPr lang="en-US" dirty="0"/>
+              <a:t>Version 3: Add generation of abstract syntax trees</a:t>
+            </a:r>
+          </a:p>
+        </p:txBody>
+      </p:sp>
+      <p:sp>
+        <p:nvSpPr>
+          <p:cNvPr id="3" name="Slide Number Placeholder 2">
+            <a:extLst>
+              <a:ext uri="{FF2B5EF4-FFF2-40B4-BE49-F238E27FC236}">
+                <a16:creationId xmlns:a16="http://schemas.microsoft.com/office/drawing/2014/main" id="{83B1FC40-1351-08D8-C97C-D2C012FA9EA1}"/>
+              </a:ext>
+            </a:extLst>
+          </p:cNvPr>
           <p:cNvSpPr>
             <a:spLocks noGrp="1"/>
           </p:cNvSpPr>
@@ -21907,89 +23926,26 @@
             <p:ph type="sldNum" sz="quarter" idx="11"/>
           </p:nvPr>
         </p:nvSpPr>
-        <p:spPr>
-          <a:noFill/>
-        </p:spPr>
-        <p:txBody>
-          <a:bodyPr/>
-          <a:lstStyle/>
-          <a:p>
+        <p:spPr/>
+        <p:txBody>
+          <a:bodyPr/>
+          <a:lstStyle/>
+          <a:p>
+            <a:pPr>
+              <a:defRPr/>
+            </a:pPr>
             <a:r>
               <a:rPr lang="en-US"/>
               <a:t>Slide </a:t>
             </a:r>
-            <a:fld id="{0F8ACA0C-D3FD-4880-BD81-21D6557BCFA8}" type="slidenum">
-              <a:rPr lang="en-US"/>
-              <a:pPr/>
+            <a:fld id="{0F05040F-3DD5-4422-8E21-6095A5B4132F}" type="slidenum">
+              <a:rPr lang="en-US" smtClean="0"/>
+              <a:pPr>
+                <a:defRPr/>
+              </a:pPr>
               <a:t>46</a:t>
             </a:fld>
             <a:endParaRPr lang="en-US"/>
-          </a:p>
-        </p:txBody>
-      </p:sp>
-      <p:sp>
-        <p:nvSpPr>
-          <p:cNvPr id="32772" name="Rectangle 2"/>
-          <p:cNvSpPr>
-            <a:spLocks noGrp="1" noChangeArrowheads="1"/>
-          </p:cNvSpPr>
-          <p:nvPr>
-            <p:ph type="title"/>
-          </p:nvPr>
-        </p:nvSpPr>
-        <p:spPr/>
-        <p:txBody>
-          <a:bodyPr/>
-          <a:lstStyle/>
-          <a:p>
-            <a:r>
-              <a:rPr lang="en-US"/>
-              <a:t>Developing a Parser</a:t>
-            </a:r>
-          </a:p>
-        </p:txBody>
-      </p:sp>
-      <p:sp>
-        <p:nvSpPr>
-          <p:cNvPr id="32773" name="Rectangle 3"/>
-          <p:cNvSpPr>
-            <a:spLocks noGrp="1" noChangeArrowheads="1"/>
-          </p:cNvSpPr>
-          <p:nvPr>
-            <p:ph type="body" idx="1"/>
-          </p:nvPr>
-        </p:nvSpPr>
-        <p:spPr/>
-        <p:txBody>
-          <a:bodyPr/>
-          <a:lstStyle/>
-          <a:p>
-            <a:pPr>
-              <a:buFontTx/>
-              <a:buNone/>
-            </a:pPr>
-            <a:r>
-              <a:rPr lang="en-US" dirty="0"/>
-              <a:t>Three major versions of the parser for the compiler project.</a:t>
-            </a:r>
-          </a:p>
-          <a:p>
-            <a:r>
-              <a:rPr lang="en-US" dirty="0"/>
-              <a:t>Version 1: Language recognition based on a context-free grammar (with minor checking of language constraints)</a:t>
-            </a:r>
-          </a:p>
-          <a:p>
-            <a:r>
-              <a:rPr lang="en-US" dirty="0"/>
-              <a:t>Version 2: Add error-recovery</a:t>
-            </a:r>
-          </a:p>
-          <a:p>
-            <a:r>
-              <a:rPr lang="en-US" dirty="0"/>
-              <a:t>Version 3: Add generation of abstract syntax trees</a:t>
-            </a:r>
           </a:p>
         </p:txBody>
       </p:sp>
@@ -22044,7 +24000,90 @@
       </p:sp>
       <p:sp>
         <p:nvSpPr>
-          <p:cNvPr id="33795" name="Slide Number Placeholder 4"/>
+          <p:cNvPr id="33796" name="Rectangle 1026"/>
+          <p:cNvSpPr>
+            <a:spLocks noGrp="1" noChangeArrowheads="1"/>
+          </p:cNvSpPr>
+          <p:nvPr>
+            <p:ph type="title"/>
+          </p:nvPr>
+        </p:nvSpPr>
+        <p:spPr/>
+        <p:txBody>
+          <a:bodyPr/>
+          <a:lstStyle/>
+          <a:p>
+            <a:r>
+              <a:rPr lang="en-US" dirty="0"/>
+              <a:t>Developing a Parser for CPRL</a:t>
+            </a:r>
+            <a:br>
+              <a:rPr lang="en-US" dirty="0"/>
+            </a:br>
+            <a:r>
+              <a:rPr lang="en-US" dirty="0"/>
+              <a:t>Version 1: Language Recognition</a:t>
+            </a:r>
+          </a:p>
+        </p:txBody>
+      </p:sp>
+      <p:sp>
+        <p:nvSpPr>
+          <p:cNvPr id="33797" name="Rectangle 1027"/>
+          <p:cNvSpPr>
+            <a:spLocks noGrp="1" noChangeArrowheads="1"/>
+          </p:cNvSpPr>
+          <p:nvPr>
+            <p:ph type="body" idx="1"/>
+          </p:nvPr>
+        </p:nvSpPr>
+        <p:spPr/>
+        <p:txBody>
+          <a:bodyPr/>
+          <a:lstStyle/>
+          <a:p>
+            <a:r>
+              <a:rPr lang="en-US" dirty="0"/>
+              <a:t>Use the parsing refinements discussed earlier.</a:t>
+            </a:r>
+          </a:p>
+          <a:p>
+            <a:r>
+              <a:rPr lang="en-US" dirty="0"/>
+              <a:t>Verify that the grammar restrictions are satisfied by the grammar for CPRL.</a:t>
+            </a:r>
+          </a:p>
+          <a:p>
+            <a:r>
+              <a:rPr lang="en-US" dirty="0"/>
+              <a:t>Use the grammar to develop version 1 of the parser.</a:t>
+            </a:r>
+          </a:p>
+          <a:p>
+            <a:pPr lvl="1"/>
+            <a:r>
+              <a:rPr lang="en-US" dirty="0"/>
+              <a:t>requires grammar analysis</a:t>
+            </a:r>
+          </a:p>
+          <a:p>
+            <a:pPr lvl="1"/>
+            <a:r>
+              <a:rPr lang="en-US" dirty="0"/>
+              <a:t>computation of first and follow sets</a:t>
+            </a:r>
+          </a:p>
+        </p:txBody>
+      </p:sp>
+      <p:sp>
+        <p:nvSpPr>
+          <p:cNvPr id="3" name="Slide Number Placeholder 2">
+            <a:extLst>
+              <a:ext uri="{FF2B5EF4-FFF2-40B4-BE49-F238E27FC236}">
+                <a16:creationId xmlns:a16="http://schemas.microsoft.com/office/drawing/2014/main" id="{48EAF73E-1D9B-C4DE-16D3-523F314EBC2D}"/>
+              </a:ext>
+            </a:extLst>
+          </p:cNvPr>
           <p:cNvSpPr>
             <a:spLocks noGrp="1"/>
           </p:cNvSpPr>
@@ -22052,100 +24091,26 @@
             <p:ph type="sldNum" sz="quarter" idx="11"/>
           </p:nvPr>
         </p:nvSpPr>
-        <p:spPr>
-          <a:noFill/>
-        </p:spPr>
-        <p:txBody>
-          <a:bodyPr/>
-          <a:lstStyle/>
-          <a:p>
+        <p:spPr/>
+        <p:txBody>
+          <a:bodyPr/>
+          <a:lstStyle/>
+          <a:p>
+            <a:pPr>
+              <a:defRPr/>
+            </a:pPr>
             <a:r>
               <a:rPr lang="en-US"/>
               <a:t>Slide </a:t>
             </a:r>
-            <a:fld id="{046E2ABD-3650-496A-92B8-532A265AD86B}" type="slidenum">
-              <a:rPr lang="en-US"/>
-              <a:pPr/>
+            <a:fld id="{0F05040F-3DD5-4422-8E21-6095A5B4132F}" type="slidenum">
+              <a:rPr lang="en-US" smtClean="0"/>
+              <a:pPr>
+                <a:defRPr/>
+              </a:pPr>
               <a:t>47</a:t>
             </a:fld>
             <a:endParaRPr lang="en-US"/>
-          </a:p>
-        </p:txBody>
-      </p:sp>
-      <p:sp>
-        <p:nvSpPr>
-          <p:cNvPr id="33796" name="Rectangle 1026"/>
-          <p:cNvSpPr>
-            <a:spLocks noGrp="1" noChangeArrowheads="1"/>
-          </p:cNvSpPr>
-          <p:nvPr>
-            <p:ph type="title"/>
-          </p:nvPr>
-        </p:nvSpPr>
-        <p:spPr/>
-        <p:txBody>
-          <a:bodyPr/>
-          <a:lstStyle/>
-          <a:p>
-            <a:r>
-              <a:rPr lang="en-US" dirty="0"/>
-              <a:t>Developing a Parser for CPRL</a:t>
-            </a:r>
-            <a:br>
-              <a:rPr lang="en-US" dirty="0"/>
-            </a:br>
-            <a:r>
-              <a:rPr lang="en-US" dirty="0"/>
-              <a:t>Version 1: Language Recognition</a:t>
-            </a:r>
-          </a:p>
-        </p:txBody>
-      </p:sp>
-      <p:sp>
-        <p:nvSpPr>
-          <p:cNvPr id="33797" name="Rectangle 1027"/>
-          <p:cNvSpPr>
-            <a:spLocks noGrp="1" noChangeArrowheads="1"/>
-          </p:cNvSpPr>
-          <p:nvPr>
-            <p:ph type="body" idx="1"/>
-          </p:nvPr>
-        </p:nvSpPr>
-        <p:spPr/>
-        <p:txBody>
-          <a:bodyPr/>
-          <a:lstStyle/>
-          <a:p>
-            <a:r>
-              <a:rPr lang="en-US" dirty="0"/>
-              <a:t>Use the parsing refinements discussed earlier.</a:t>
-            </a:r>
-          </a:p>
-          <a:p>
-            <a:r>
-              <a:rPr lang="en-US" dirty="0"/>
-              <a:t>Verify that the grammar restrictions are satisfied by the grammar for CPRL.</a:t>
-            </a:r>
-          </a:p>
-          <a:p>
-            <a:r>
-              <a:rPr lang="en-US" dirty="0"/>
-              <a:t>Use the grammar to develop version 1 of the parser.</a:t>
-            </a:r>
-          </a:p>
-          <a:p>
-            <a:pPr lvl="1"/>
-            <a:r>
-              <a:rPr lang="en-US" dirty="0"/>
-              <a:t>requires grammar analysis</a:t>
-            </a:r>
-          </a:p>
-          <a:p>
-            <a:pPr lvl="1"/>
-            <a:r>
-              <a:rPr lang="en-US" dirty="0"/>
-              <a:t>computation of first and follow sets</a:t>
-            </a:r>
           </a:p>
         </p:txBody>
       </p:sp>
@@ -22248,30 +24213,31 @@
               <a:rPr lang="en-US" sz="1800" dirty="0">
                 <a:latin typeface="Consolas" panose="020B0609020204030204" pitchFamily="49" charset="0"/>
               </a:rPr>
-              <a:t>)</a:t>
-            </a:r>
-          </a:p>
-          <a:p>
-            <a:pPr marL="457200" lvl="1" indent="0">
-              <a:buNone/>
-            </a:pPr>
-            <a:r>
-              <a:rPr lang="en-US" sz="1800" dirty="0">
-                <a:latin typeface="Consolas" panose="020B0609020204030204" pitchFamily="49" charset="0"/>
-              </a:rPr>
-              <a:t>              { ( "[" expression "]" ) | ( "." </a:t>
+              <a:t> ) { </a:t>
             </a:r>
             <a:r>
               <a:rPr lang="en-US" sz="1800" dirty="0" err="1">
                 <a:latin typeface="Consolas" panose="020B0609020204030204" pitchFamily="49" charset="0"/>
               </a:rPr>
-              <a:t>fieldId</a:t>
-            </a:r>
-            <a:r>
-              <a:rPr lang="en-US" sz="1800" dirty="0">
-                <a:latin typeface="Consolas" panose="020B0609020204030204" pitchFamily="49" charset="0"/>
-              </a:rPr>
-              <a:t> ) } .</a:t>
+              <a:t>indexExpr</a:t>
+            </a:r>
+            <a:r>
+              <a:rPr lang="en-US" sz="1800" dirty="0">
+                <a:latin typeface="Consolas" panose="020B0609020204030204" pitchFamily="49" charset="0"/>
+              </a:rPr>
+              <a:t> | </a:t>
+            </a:r>
+            <a:r>
+              <a:rPr lang="en-US" sz="1800" dirty="0" err="1">
+                <a:latin typeface="Consolas" panose="020B0609020204030204" pitchFamily="49" charset="0"/>
+              </a:rPr>
+              <a:t>fieldExpr</a:t>
+            </a:r>
+            <a:r>
+              <a:rPr lang="en-US" sz="1800" dirty="0">
+                <a:latin typeface="Consolas" panose="020B0609020204030204" pitchFamily="49" charset="0"/>
+              </a:rPr>
+              <a:t> } .</a:t>
             </a:r>
           </a:p>
           <a:p>
@@ -22372,7 +24338,13 @@
       </p:sp>
       <p:sp>
         <p:nvSpPr>
-          <p:cNvPr id="5" name="Slide Number Placeholder 4"/>
+          <p:cNvPr id="7" name="Slide Number Placeholder 6">
+            <a:extLst>
+              <a:ext uri="{FF2B5EF4-FFF2-40B4-BE49-F238E27FC236}">
+                <a16:creationId xmlns:a16="http://schemas.microsoft.com/office/drawing/2014/main" id="{944EF61C-6E4C-FC6D-C4F8-17BB31A49642}"/>
+              </a:ext>
+            </a:extLst>
+          </p:cNvPr>
           <p:cNvSpPr>
             <a:spLocks noGrp="1"/>
           </p:cNvSpPr>
@@ -22385,13 +24357,18 @@
           <a:bodyPr/>
           <a:lstStyle/>
           <a:p>
+            <a:pPr>
+              <a:defRPr/>
+            </a:pPr>
             <a:r>
               <a:rPr lang="en-US"/>
               <a:t>Slide </a:t>
             </a:r>
             <a:fld id="{0F05040F-3DD5-4422-8E21-6095A5B4132F}" type="slidenum">
               <a:rPr lang="en-US" smtClean="0"/>
-              <a:pPr/>
+              <a:pPr>
+                <a:defRPr/>
+              </a:pPr>
               <a:t>48</a:t>
             </a:fld>
             <a:endParaRPr lang="en-US"/>
@@ -22401,7 +24378,7 @@
     </p:spTree>
     <p:extLst>
       <p:ext uri="{BB962C8B-B14F-4D97-AF65-F5344CB8AC3E}">
-        <p14:creationId xmlns:p14="http://schemas.microsoft.com/office/powerpoint/2010/main" val="1869712967"/>
+        <p14:creationId xmlns:p14="http://schemas.microsoft.com/office/powerpoint/2010/main" val="1028964161"/>
       </p:ext>
     </p:extLst>
   </p:cSld>
@@ -22513,7 +24490,13 @@
       </p:sp>
       <p:sp>
         <p:nvSpPr>
-          <p:cNvPr id="5" name="Slide Number Placeholder 4"/>
+          <p:cNvPr id="7" name="Slide Number Placeholder 6">
+            <a:extLst>
+              <a:ext uri="{FF2B5EF4-FFF2-40B4-BE49-F238E27FC236}">
+                <a16:creationId xmlns:a16="http://schemas.microsoft.com/office/drawing/2014/main" id="{959F3FF0-0503-163E-741A-B73C3DE86A2F}"/>
+              </a:ext>
+            </a:extLst>
+          </p:cNvPr>
           <p:cNvSpPr>
             <a:spLocks noGrp="1"/>
           </p:cNvSpPr>
@@ -22600,7 +24583,83 @@
       </p:sp>
       <p:sp>
         <p:nvSpPr>
-          <p:cNvPr id="4099" name="Slide Number Placeholder 4"/>
+          <p:cNvPr id="4100" name="Rectangle 2"/>
+          <p:cNvSpPr>
+            <a:spLocks noGrp="1" noChangeArrowheads="1"/>
+          </p:cNvSpPr>
+          <p:nvPr>
+            <p:ph type="title"/>
+          </p:nvPr>
+        </p:nvSpPr>
+        <p:spPr/>
+        <p:txBody>
+          <a:bodyPr/>
+          <a:lstStyle/>
+          <a:p>
+            <a:r>
+              <a:rPr lang="en-US"/>
+              <a:t>Parser</a:t>
+            </a:r>
+            <a:endParaRPr lang="en-US" sz="2600"/>
+          </a:p>
+        </p:txBody>
+      </p:sp>
+      <p:sp>
+        <p:nvSpPr>
+          <p:cNvPr id="4101" name="Rectangle 3"/>
+          <p:cNvSpPr>
+            <a:spLocks noGrp="1" noChangeArrowheads="1"/>
+          </p:cNvSpPr>
+          <p:nvPr>
+            <p:ph type="body" idx="1"/>
+          </p:nvPr>
+        </p:nvSpPr>
+        <p:spPr/>
+        <p:txBody>
+          <a:bodyPr/>
+          <a:lstStyle/>
+          <a:p>
+            <a:r>
+              <a:rPr lang="en-US" dirty="0"/>
+              <a:t>Verifies that the grammatical rules of the language are satisfied</a:t>
+            </a:r>
+          </a:p>
+          <a:p>
+            <a:r>
+              <a:rPr lang="en-US" dirty="0"/>
+              <a:t>Overall parser structure is based on a context-free grammar (a.k.a. BNF/EBNF grammar)</a:t>
+            </a:r>
+          </a:p>
+          <a:p>
+            <a:r>
+              <a:rPr lang="en-US" dirty="0"/>
+              <a:t>Input: stream of tokens from the scanner</a:t>
+            </a:r>
+            <a:br>
+              <a:rPr lang="en-US" dirty="0"/>
+            </a:br>
+            <a:r>
+              <a:rPr lang="en-US" dirty="0"/>
+              <a:t>From the perspective of the parser, each token is treated as a terminal symbol.</a:t>
+            </a:r>
+          </a:p>
+          <a:p>
+            <a:r>
+              <a:rPr lang="en-US" dirty="0"/>
+              <a:t>Output: intermediate representation of the source code (e.g., abstract syntax trees)</a:t>
+            </a:r>
+          </a:p>
+        </p:txBody>
+      </p:sp>
+      <p:sp>
+        <p:nvSpPr>
+          <p:cNvPr id="3" name="Slide Number Placeholder 2">
+            <a:extLst>
+              <a:ext uri="{FF2B5EF4-FFF2-40B4-BE49-F238E27FC236}">
+                <a16:creationId xmlns:a16="http://schemas.microsoft.com/office/drawing/2014/main" id="{F72829E6-8FA2-C6C1-65BD-016350F9FAE1}"/>
+              </a:ext>
+            </a:extLst>
+          </p:cNvPr>
           <p:cNvSpPr>
             <a:spLocks noGrp="1"/>
           </p:cNvSpPr>
@@ -22608,93 +24667,26 @@
             <p:ph type="sldNum" sz="quarter" idx="11"/>
           </p:nvPr>
         </p:nvSpPr>
-        <p:spPr>
-          <a:noFill/>
-        </p:spPr>
-        <p:txBody>
-          <a:bodyPr/>
-          <a:lstStyle/>
-          <a:p>
+        <p:spPr/>
+        <p:txBody>
+          <a:bodyPr/>
+          <a:lstStyle/>
+          <a:p>
+            <a:pPr>
+              <a:defRPr/>
+            </a:pPr>
             <a:r>
               <a:rPr lang="en-US"/>
               <a:t>Slide </a:t>
             </a:r>
-            <a:fld id="{E82D8318-779E-4481-8FD9-998642D600A8}" type="slidenum">
-              <a:rPr lang="en-US"/>
-              <a:pPr/>
+            <a:fld id="{0F05040F-3DD5-4422-8E21-6095A5B4132F}" type="slidenum">
+              <a:rPr lang="en-US" smtClean="0"/>
+              <a:pPr>
+                <a:defRPr/>
+              </a:pPr>
               <a:t>5</a:t>
             </a:fld>
             <a:endParaRPr lang="en-US"/>
-          </a:p>
-        </p:txBody>
-      </p:sp>
-      <p:sp>
-        <p:nvSpPr>
-          <p:cNvPr id="4100" name="Rectangle 2"/>
-          <p:cNvSpPr>
-            <a:spLocks noGrp="1" noChangeArrowheads="1"/>
-          </p:cNvSpPr>
-          <p:nvPr>
-            <p:ph type="title"/>
-          </p:nvPr>
-        </p:nvSpPr>
-        <p:spPr/>
-        <p:txBody>
-          <a:bodyPr/>
-          <a:lstStyle/>
-          <a:p>
-            <a:r>
-              <a:rPr lang="en-US"/>
-              <a:t>Parser</a:t>
-            </a:r>
-            <a:endParaRPr lang="en-US" sz="2600"/>
-          </a:p>
-        </p:txBody>
-      </p:sp>
-      <p:sp>
-        <p:nvSpPr>
-          <p:cNvPr id="4101" name="Rectangle 3"/>
-          <p:cNvSpPr>
-            <a:spLocks noGrp="1" noChangeArrowheads="1"/>
-          </p:cNvSpPr>
-          <p:nvPr>
-            <p:ph type="body" idx="1"/>
-          </p:nvPr>
-        </p:nvSpPr>
-        <p:spPr/>
-        <p:txBody>
-          <a:bodyPr/>
-          <a:lstStyle/>
-          <a:p>
-            <a:r>
-              <a:rPr lang="en-US" dirty="0"/>
-              <a:t>Verifies that the grammatical rules of the language are satisfied</a:t>
-            </a:r>
-          </a:p>
-          <a:p>
-            <a:r>
-              <a:rPr lang="en-US" dirty="0"/>
-              <a:t>Overall parser structure is based on a context-free grammar (a.k.a. BNF/EBNF grammar)</a:t>
-            </a:r>
-          </a:p>
-          <a:p>
-            <a:r>
-              <a:rPr lang="en-US" dirty="0"/>
-              <a:t>Input: stream of tokens from the scanner</a:t>
-            </a:r>
-            <a:br>
-              <a:rPr lang="en-US" dirty="0"/>
-            </a:br>
-            <a:r>
-              <a:rPr lang="en-US" dirty="0"/>
-              <a:t>From the perspective of the parser, each token is treated as a terminal symbol.</a:t>
-            </a:r>
-          </a:p>
-          <a:p>
-            <a:r>
-              <a:rPr lang="en-US" dirty="0"/>
-              <a:t>Output: intermediate representation of the source code (e.g., abstract syntax trees)</a:t>
-            </a:r>
           </a:p>
         </p:txBody>
       </p:sp>
@@ -23122,7 +25114,13 @@
       </p:sp>
       <p:sp>
         <p:nvSpPr>
-          <p:cNvPr id="5" name="Slide Number Placeholder 4"/>
+          <p:cNvPr id="7" name="Slide Number Placeholder 6">
+            <a:extLst>
+              <a:ext uri="{FF2B5EF4-FFF2-40B4-BE49-F238E27FC236}">
+                <a16:creationId xmlns:a16="http://schemas.microsoft.com/office/drawing/2014/main" id="{2D928E95-9C21-0F8E-6222-7B7DC48D999F}"/>
+              </a:ext>
+            </a:extLst>
+          </p:cNvPr>
           <p:cNvSpPr>
             <a:spLocks noGrp="1"/>
           </p:cNvSpPr>
@@ -23462,7 +25460,13 @@
       </p:sp>
       <p:sp>
         <p:nvSpPr>
-          <p:cNvPr id="5" name="Slide Number Placeholder 4"/>
+          <p:cNvPr id="7" name="Slide Number Placeholder 6">
+            <a:extLst>
+              <a:ext uri="{FF2B5EF4-FFF2-40B4-BE49-F238E27FC236}">
+                <a16:creationId xmlns:a16="http://schemas.microsoft.com/office/drawing/2014/main" id="{0CDFC17E-B3F0-67DF-073E-E7F372E93955}"/>
+              </a:ext>
+            </a:extLst>
+          </p:cNvPr>
           <p:cNvSpPr>
             <a:spLocks noGrp="1"/>
           </p:cNvSpPr>
@@ -23780,7 +25784,13 @@
       </p:sp>
       <p:sp>
         <p:nvSpPr>
-          <p:cNvPr id="12293" name="Slide Number Placeholder 4"/>
+          <p:cNvPr id="3" name="Slide Number Placeholder 2">
+            <a:extLst>
+              <a:ext uri="{FF2B5EF4-FFF2-40B4-BE49-F238E27FC236}">
+                <a16:creationId xmlns:a16="http://schemas.microsoft.com/office/drawing/2014/main" id="{A63DF56A-99FD-42A3-824C-8179107DE951}"/>
+              </a:ext>
+            </a:extLst>
+          </p:cNvPr>
           <p:cNvSpPr>
             <a:spLocks noGrp="1"/>
           </p:cNvSpPr>
@@ -23788,20 +25798,23 @@
             <p:ph type="sldNum" sz="quarter" idx="11"/>
           </p:nvPr>
         </p:nvSpPr>
-        <p:spPr>
-          <a:noFill/>
-        </p:spPr>
-        <p:txBody>
-          <a:bodyPr/>
-          <a:lstStyle/>
-          <a:p>
+        <p:spPr/>
+        <p:txBody>
+          <a:bodyPr/>
+          <a:lstStyle/>
+          <a:p>
+            <a:pPr>
+              <a:defRPr/>
+            </a:pPr>
             <a:r>
               <a:rPr lang="en-US"/>
               <a:t>Slide </a:t>
             </a:r>
-            <a:fld id="{44F16403-B530-477B-88E2-332BD9BA9350}" type="slidenum">
+            <a:fld id="{0F05040F-3DD5-4422-8E21-6095A5B4132F}" type="slidenum">
               <a:rPr lang="en-US" smtClean="0"/>
-              <a:pPr/>
+              <a:pPr>
+                <a:defRPr/>
+              </a:pPr>
               <a:t>52</a:t>
             </a:fld>
             <a:endParaRPr lang="en-US"/>
@@ -23938,36 +25951,6 @@
       </p:sp>
       <p:sp>
         <p:nvSpPr>
-          <p:cNvPr id="12293" name="Slide Number Placeholder 4"/>
-          <p:cNvSpPr>
-            <a:spLocks noGrp="1"/>
-          </p:cNvSpPr>
-          <p:nvPr>
-            <p:ph type="sldNum" sz="quarter" idx="11"/>
-          </p:nvPr>
-        </p:nvSpPr>
-        <p:spPr>
-          <a:noFill/>
-        </p:spPr>
-        <p:txBody>
-          <a:bodyPr/>
-          <a:lstStyle/>
-          <a:p>
-            <a:r>
-              <a:rPr lang="en-US"/>
-              <a:t>Slide </a:t>
-            </a:r>
-            <a:fld id="{44F16403-B530-477B-88E2-332BD9BA9350}" type="slidenum">
-              <a:rPr lang="en-US" smtClean="0"/>
-              <a:pPr/>
-              <a:t>53</a:t>
-            </a:fld>
-            <a:endParaRPr lang="en-US"/>
-          </a:p>
-        </p:txBody>
-      </p:sp>
-      <p:sp>
-        <p:nvSpPr>
           <p:cNvPr id="12294" name="TextBox 5"/>
           <p:cNvSpPr txBox="1">
             <a:spLocks noChangeArrowheads="1"/>
@@ -24002,6 +25985,45 @@
               <a:rPr lang="en-US" dirty="0"/>
               <a:t>We will use a combination of approaches 1 and 3.</a:t>
             </a:r>
+          </a:p>
+        </p:txBody>
+      </p:sp>
+      <p:sp>
+        <p:nvSpPr>
+          <p:cNvPr id="3" name="Slide Number Placeholder 2">
+            <a:extLst>
+              <a:ext uri="{FF2B5EF4-FFF2-40B4-BE49-F238E27FC236}">
+                <a16:creationId xmlns:a16="http://schemas.microsoft.com/office/drawing/2014/main" id="{1F7B5C60-FE95-A2E2-463F-8284D344806B}"/>
+              </a:ext>
+            </a:extLst>
+          </p:cNvPr>
+          <p:cNvSpPr>
+            <a:spLocks noGrp="1"/>
+          </p:cNvSpPr>
+          <p:nvPr>
+            <p:ph type="sldNum" sz="quarter" idx="11"/>
+          </p:nvPr>
+        </p:nvSpPr>
+        <p:spPr/>
+        <p:txBody>
+          <a:bodyPr/>
+          <a:lstStyle/>
+          <a:p>
+            <a:pPr>
+              <a:defRPr/>
+            </a:pPr>
+            <a:r>
+              <a:rPr lang="en-US"/>
+              <a:t>Slide </a:t>
+            </a:r>
+            <a:fld id="{0F05040F-3DD5-4422-8E21-6095A5B4132F}" type="slidenum">
+              <a:rPr lang="en-US" smtClean="0"/>
+              <a:pPr>
+                <a:defRPr/>
+              </a:pPr>
+              <a:t>53</a:t>
+            </a:fld>
+            <a:endParaRPr lang="en-US"/>
           </a:p>
         </p:txBody>
       </p:sp>
@@ -24158,10 +26180,10 @@
       </p:sp>
       <p:sp>
         <p:nvSpPr>
-          <p:cNvPr id="5" name="Slide Number Placeholder 4">
+          <p:cNvPr id="7" name="Slide Number Placeholder 6">
             <a:extLst>
               <a:ext uri="{FF2B5EF4-FFF2-40B4-BE49-F238E27FC236}">
-                <a16:creationId xmlns:a16="http://schemas.microsoft.com/office/drawing/2014/main" id="{5C1608A2-C8A9-0C68-BB56-484AEDCAD41F}"/>
+                <a16:creationId xmlns:a16="http://schemas.microsoft.com/office/drawing/2014/main" id="{62D4CF9C-1B8C-EB40-B457-EE808A4E87E8}"/>
               </a:ext>
             </a:extLst>
           </p:cNvPr>
@@ -24384,10 +26406,10 @@
       </p:sp>
       <p:sp>
         <p:nvSpPr>
-          <p:cNvPr id="5" name="Slide Number Placeholder 4">
+          <p:cNvPr id="7" name="Slide Number Placeholder 6">
             <a:extLst>
               <a:ext uri="{FF2B5EF4-FFF2-40B4-BE49-F238E27FC236}">
-                <a16:creationId xmlns:a16="http://schemas.microsoft.com/office/drawing/2014/main" id="{8EF7F418-AE86-80CA-E326-F8CAF46F8316}"/>
+                <a16:creationId xmlns:a16="http://schemas.microsoft.com/office/drawing/2014/main" id="{A6D4AA40-E83E-AAB8-88D4-704445A72E4B}"/>
               </a:ext>
             </a:extLst>
           </p:cNvPr>
@@ -24778,7 +26800,13 @@
       </p:sp>
       <p:sp>
         <p:nvSpPr>
-          <p:cNvPr id="5125" name="Slide Number Placeholder 4"/>
+          <p:cNvPr id="3" name="Slide Number Placeholder 2">
+            <a:extLst>
+              <a:ext uri="{FF2B5EF4-FFF2-40B4-BE49-F238E27FC236}">
+                <a16:creationId xmlns:a16="http://schemas.microsoft.com/office/drawing/2014/main" id="{6CF60918-8E96-01BD-715F-113088D023B2}"/>
+              </a:ext>
+            </a:extLst>
+          </p:cNvPr>
           <p:cNvSpPr>
             <a:spLocks noGrp="1"/>
           </p:cNvSpPr>
@@ -24786,20 +26814,23 @@
             <p:ph type="sldNum" sz="quarter" idx="11"/>
           </p:nvPr>
         </p:nvSpPr>
-        <p:spPr>
-          <a:noFill/>
-        </p:spPr>
-        <p:txBody>
-          <a:bodyPr/>
-          <a:lstStyle/>
-          <a:p>
+        <p:spPr/>
+        <p:txBody>
+          <a:bodyPr/>
+          <a:lstStyle/>
+          <a:p>
+            <a:pPr>
+              <a:defRPr/>
+            </a:pPr>
             <a:r>
               <a:rPr lang="en-US"/>
               <a:t>Slide </a:t>
             </a:r>
-            <a:fld id="{600675E6-18E2-4D72-94B0-4C625CEA6DEC}" type="slidenum">
+            <a:fld id="{0F05040F-3DD5-4422-8E21-6095A5B4132F}" type="slidenum">
               <a:rPr lang="en-US" smtClean="0"/>
-              <a:pPr/>
+              <a:pPr>
+                <a:defRPr/>
+              </a:pPr>
               <a:t>56</a:t>
             </a:fld>
             <a:endParaRPr lang="en-US"/>
@@ -25270,36 +27301,6 @@
       </p:sp>
       <p:sp>
         <p:nvSpPr>
-          <p:cNvPr id="5125" name="Slide Number Placeholder 4"/>
-          <p:cNvSpPr>
-            <a:spLocks noGrp="1"/>
-          </p:cNvSpPr>
-          <p:nvPr>
-            <p:ph type="sldNum" sz="quarter" idx="11"/>
-          </p:nvPr>
-        </p:nvSpPr>
-        <p:spPr>
-          <a:noFill/>
-        </p:spPr>
-        <p:txBody>
-          <a:bodyPr/>
-          <a:lstStyle/>
-          <a:p>
-            <a:r>
-              <a:rPr lang="en-US"/>
-              <a:t>Slide </a:t>
-            </a:r>
-            <a:fld id="{600675E6-18E2-4D72-94B0-4C625CEA6DEC}" type="slidenum">
-              <a:rPr lang="en-US" smtClean="0"/>
-              <a:pPr/>
-              <a:t>57</a:t>
-            </a:fld>
-            <a:endParaRPr lang="en-US"/>
-          </a:p>
-        </p:txBody>
-      </p:sp>
-      <p:sp>
-        <p:nvSpPr>
           <p:cNvPr id="3" name="TextBox 2">
             <a:extLst>
               <a:ext uri="{FF2B5EF4-FFF2-40B4-BE49-F238E27FC236}">
@@ -25411,6 +27412,45 @@
               <a:rPr lang="en-US" sz="2000" dirty="0"/>
               <a:t>two different scopes.</a:t>
             </a:r>
+          </a:p>
+        </p:txBody>
+      </p:sp>
+      <p:sp>
+        <p:nvSpPr>
+          <p:cNvPr id="4" name="Slide Number Placeholder 3">
+            <a:extLst>
+              <a:ext uri="{FF2B5EF4-FFF2-40B4-BE49-F238E27FC236}">
+                <a16:creationId xmlns:a16="http://schemas.microsoft.com/office/drawing/2014/main" id="{FA515792-AC85-E0F7-5004-75A766009F46}"/>
+              </a:ext>
+            </a:extLst>
+          </p:cNvPr>
+          <p:cNvSpPr>
+            <a:spLocks noGrp="1"/>
+          </p:cNvSpPr>
+          <p:nvPr>
+            <p:ph type="sldNum" sz="quarter" idx="11"/>
+          </p:nvPr>
+        </p:nvSpPr>
+        <p:spPr/>
+        <p:txBody>
+          <a:bodyPr/>
+          <a:lstStyle/>
+          <a:p>
+            <a:pPr>
+              <a:defRPr/>
+            </a:pPr>
+            <a:r>
+              <a:rPr lang="en-US"/>
+              <a:t>Slide </a:t>
+            </a:r>
+            <a:fld id="{0F05040F-3DD5-4422-8E21-6095A5B4132F}" type="slidenum">
+              <a:rPr lang="en-US" smtClean="0"/>
+              <a:pPr>
+                <a:defRPr/>
+              </a:pPr>
+              <a:t>57</a:t>
+            </a:fld>
+            <a:endParaRPr lang="en-US"/>
           </a:p>
         </p:txBody>
       </p:sp>
@@ -25470,36 +27510,6 @@
       </p:sp>
       <p:sp>
         <p:nvSpPr>
-          <p:cNvPr id="13315" name="Slide Number Placeholder 4"/>
-          <p:cNvSpPr>
-            <a:spLocks noGrp="1"/>
-          </p:cNvSpPr>
-          <p:nvPr>
-            <p:ph type="sldNum" sz="quarter" idx="11"/>
-          </p:nvPr>
-        </p:nvSpPr>
-        <p:spPr>
-          <a:noFill/>
-        </p:spPr>
-        <p:txBody>
-          <a:bodyPr/>
-          <a:lstStyle/>
-          <a:p>
-            <a:r>
-              <a:rPr lang="en-US"/>
-              <a:t>Slide </a:t>
-            </a:r>
-            <a:fld id="{215F8AD4-EFF1-4D97-A806-F056EC1DAA3C}" type="slidenum">
-              <a:rPr lang="en-US" smtClean="0"/>
-              <a:pPr/>
-              <a:t>58</a:t>
-            </a:fld>
-            <a:endParaRPr lang="en-US"/>
-          </a:p>
-        </p:txBody>
-      </p:sp>
-      <p:sp>
-        <p:nvSpPr>
           <p:cNvPr id="13316" name="Rectangle 2"/>
           <p:cNvSpPr>
             <a:spLocks noGrp="1" noChangeArrowheads="1"/>
@@ -25748,6 +27758,45 @@
               <a:rPr lang="en-US" dirty="0"/>
               <a:t>CPRL type and scope rules.</a:t>
             </a:r>
+          </a:p>
+        </p:txBody>
+      </p:sp>
+      <p:sp>
+        <p:nvSpPr>
+          <p:cNvPr id="4" name="Slide Number Placeholder 3">
+            <a:extLst>
+              <a:ext uri="{FF2B5EF4-FFF2-40B4-BE49-F238E27FC236}">
+                <a16:creationId xmlns:a16="http://schemas.microsoft.com/office/drawing/2014/main" id="{2157A49F-3040-3FA5-A594-A9ABA974DD21}"/>
+              </a:ext>
+            </a:extLst>
+          </p:cNvPr>
+          <p:cNvSpPr>
+            <a:spLocks noGrp="1"/>
+          </p:cNvSpPr>
+          <p:nvPr>
+            <p:ph type="sldNum" sz="quarter" idx="11"/>
+          </p:nvPr>
+        </p:nvSpPr>
+        <p:spPr/>
+        <p:txBody>
+          <a:bodyPr/>
+          <a:lstStyle/>
+          <a:p>
+            <a:pPr>
+              <a:defRPr/>
+            </a:pPr>
+            <a:r>
+              <a:rPr lang="en-US"/>
+              <a:t>Slide </a:t>
+            </a:r>
+            <a:fld id="{0F05040F-3DD5-4422-8E21-6095A5B4132F}" type="slidenum">
+              <a:rPr lang="en-US" smtClean="0"/>
+              <a:pPr>
+                <a:defRPr/>
+              </a:pPr>
+              <a:t>58</a:t>
+            </a:fld>
+            <a:endParaRPr lang="en-US"/>
           </a:p>
         </p:txBody>
       </p:sp>
@@ -26043,7 +28092,13 @@
       </p:sp>
       <p:sp>
         <p:nvSpPr>
-          <p:cNvPr id="15365" name="Slide Number Placeholder 4"/>
+          <p:cNvPr id="3" name="Slide Number Placeholder 2">
+            <a:extLst>
+              <a:ext uri="{FF2B5EF4-FFF2-40B4-BE49-F238E27FC236}">
+                <a16:creationId xmlns:a16="http://schemas.microsoft.com/office/drawing/2014/main" id="{27C37A00-9832-4710-BC5F-239E8ABBC16F}"/>
+              </a:ext>
+            </a:extLst>
+          </p:cNvPr>
           <p:cNvSpPr>
             <a:spLocks noGrp="1"/>
           </p:cNvSpPr>
@@ -26051,20 +28106,23 @@
             <p:ph type="sldNum" sz="quarter" idx="11"/>
           </p:nvPr>
         </p:nvSpPr>
-        <p:spPr>
-          <a:noFill/>
-        </p:spPr>
-        <p:txBody>
-          <a:bodyPr/>
-          <a:lstStyle/>
-          <a:p>
+        <p:spPr/>
+        <p:txBody>
+          <a:bodyPr/>
+          <a:lstStyle/>
+          <a:p>
+            <a:pPr>
+              <a:defRPr/>
+            </a:pPr>
             <a:r>
               <a:rPr lang="en-US"/>
               <a:t>Slide </a:t>
             </a:r>
-            <a:fld id="{6760E73F-8E99-40BA-8BA1-07C33AED2795}" type="slidenum">
+            <a:fld id="{0F05040F-3DD5-4422-8E21-6095A5B4132F}" type="slidenum">
               <a:rPr lang="en-US" smtClean="0"/>
-              <a:pPr/>
+              <a:pPr>
+                <a:defRPr/>
+              </a:pPr>
               <a:t>59</a:t>
             </a:fld>
             <a:endParaRPr lang="en-US"/>
@@ -26117,36 +28175,6 @@
               <a:rPr lang="en-US"/>
               <a:t>©SoftMoore Consulting</a:t>
             </a:r>
-          </a:p>
-        </p:txBody>
-      </p:sp>
-      <p:sp>
-        <p:nvSpPr>
-          <p:cNvPr id="5123" name="Slide Number Placeholder 3"/>
-          <p:cNvSpPr>
-            <a:spLocks noGrp="1"/>
-          </p:cNvSpPr>
-          <p:nvPr>
-            <p:ph type="sldNum" sz="quarter" idx="11"/>
-          </p:nvPr>
-        </p:nvSpPr>
-        <p:spPr>
-          <a:noFill/>
-        </p:spPr>
-        <p:txBody>
-          <a:bodyPr/>
-          <a:lstStyle/>
-          <a:p>
-            <a:r>
-              <a:rPr lang="en-US"/>
-              <a:t>Slide </a:t>
-            </a:r>
-            <a:fld id="{92E4CD9C-C1A0-4A19-91B2-E12FAB715195}" type="slidenum">
-              <a:rPr lang="en-US"/>
-              <a:pPr/>
-              <a:t>6</a:t>
-            </a:fld>
-            <a:endParaRPr lang="en-US"/>
           </a:p>
         </p:txBody>
       </p:sp>
@@ -26939,6 +28967,45 @@
           </p:txBody>
         </p:sp>
       </p:grpSp>
+      <p:sp>
+        <p:nvSpPr>
+          <p:cNvPr id="6" name="Slide Number Placeholder 5">
+            <a:extLst>
+              <a:ext uri="{FF2B5EF4-FFF2-40B4-BE49-F238E27FC236}">
+                <a16:creationId xmlns:a16="http://schemas.microsoft.com/office/drawing/2014/main" id="{E1D109F3-7550-F5E6-6434-6B58F0D1519C}"/>
+              </a:ext>
+            </a:extLst>
+          </p:cNvPr>
+          <p:cNvSpPr>
+            <a:spLocks noGrp="1"/>
+          </p:cNvSpPr>
+          <p:nvPr>
+            <p:ph type="sldNum" sz="quarter" idx="11"/>
+          </p:nvPr>
+        </p:nvSpPr>
+        <p:spPr/>
+        <p:txBody>
+          <a:bodyPr/>
+          <a:lstStyle/>
+          <a:p>
+            <a:pPr>
+              <a:defRPr/>
+            </a:pPr>
+            <a:r>
+              <a:rPr lang="en-US"/>
+              <a:t>Slide </a:t>
+            </a:r>
+            <a:fld id="{AE0313BD-28D9-42AB-B321-D9B25AE6CB4F}" type="slidenum">
+              <a:rPr lang="en-US" smtClean="0"/>
+              <a:pPr>
+                <a:defRPr/>
+              </a:pPr>
+              <a:t>6</a:t>
+            </a:fld>
+            <a:endParaRPr lang="en-US"/>
+          </a:p>
+        </p:txBody>
+      </p:sp>
     </p:spTree>
   </p:cSld>
   <p:clrMapOvr>
@@ -27277,7 +29344,13 @@
       </p:sp>
       <p:sp>
         <p:nvSpPr>
-          <p:cNvPr id="15365" name="Slide Number Placeholder 4"/>
+          <p:cNvPr id="3" name="Slide Number Placeholder 2">
+            <a:extLst>
+              <a:ext uri="{FF2B5EF4-FFF2-40B4-BE49-F238E27FC236}">
+                <a16:creationId xmlns:a16="http://schemas.microsoft.com/office/drawing/2014/main" id="{504E3907-E640-E558-AB3D-8CFCBA1F1762}"/>
+              </a:ext>
+            </a:extLst>
+          </p:cNvPr>
           <p:cNvSpPr>
             <a:spLocks noGrp="1"/>
           </p:cNvSpPr>
@@ -27285,20 +29358,23 @@
             <p:ph type="sldNum" sz="quarter" idx="11"/>
           </p:nvPr>
         </p:nvSpPr>
-        <p:spPr>
-          <a:noFill/>
-        </p:spPr>
-        <p:txBody>
-          <a:bodyPr/>
-          <a:lstStyle/>
-          <a:p>
+        <p:spPr/>
+        <p:txBody>
+          <a:bodyPr/>
+          <a:lstStyle/>
+          <a:p>
+            <a:pPr>
+              <a:defRPr/>
+            </a:pPr>
             <a:r>
               <a:rPr lang="en-US"/>
               <a:t>Slide </a:t>
             </a:r>
-            <a:fld id="{6760E73F-8E99-40BA-8BA1-07C33AED2795}" type="slidenum">
+            <a:fld id="{0F05040F-3DD5-4422-8E21-6095A5B4132F}" type="slidenum">
               <a:rPr lang="en-US" smtClean="0"/>
-              <a:pPr/>
+              <a:pPr>
+                <a:defRPr/>
+              </a:pPr>
               <a:t>60</a:t>
             </a:fld>
             <a:endParaRPr lang="en-US"/>
@@ -27558,19 +29634,7 @@
               <a:rPr lang="en-US" dirty="0">
                 <a:latin typeface="Consolas" panose="020B0609020204030204" pitchFamily="49" charset="0"/>
               </a:rPr>
-              <a:t>public IdType get(</a:t>
-            </a:r>
-            <a:r>
-              <a:rPr lang="en-US" dirty="0" err="1">
-                <a:latin typeface="Consolas" panose="020B0609020204030204" pitchFamily="49" charset="0"/>
-              </a:rPr>
-              <a:t>Strine</a:t>
-            </a:r>
-            <a:r>
-              <a:rPr lang="en-US" dirty="0">
-                <a:latin typeface="Consolas" panose="020B0609020204030204" pitchFamily="49" charset="0"/>
-              </a:rPr>
-              <a:t> </a:t>
+              <a:t>public IdType get(String </a:t>
             </a:r>
             <a:r>
               <a:rPr lang="en-US" dirty="0" err="1">
@@ -27613,7 +29677,13 @@
       </p:sp>
       <p:sp>
         <p:nvSpPr>
-          <p:cNvPr id="15365" name="Slide Number Placeholder 4"/>
+          <p:cNvPr id="3" name="Slide Number Placeholder 2">
+            <a:extLst>
+              <a:ext uri="{FF2B5EF4-FFF2-40B4-BE49-F238E27FC236}">
+                <a16:creationId xmlns:a16="http://schemas.microsoft.com/office/drawing/2014/main" id="{34E323D5-B93C-9EB1-667C-BE06E01CDBE0}"/>
+              </a:ext>
+            </a:extLst>
+          </p:cNvPr>
           <p:cNvSpPr>
             <a:spLocks noGrp="1"/>
           </p:cNvSpPr>
@@ -27621,20 +29691,23 @@
             <p:ph type="sldNum" sz="quarter" idx="11"/>
           </p:nvPr>
         </p:nvSpPr>
-        <p:spPr>
-          <a:noFill/>
-        </p:spPr>
-        <p:txBody>
-          <a:bodyPr/>
-          <a:lstStyle/>
-          <a:p>
+        <p:spPr/>
+        <p:txBody>
+          <a:bodyPr/>
+          <a:lstStyle/>
+          <a:p>
+            <a:pPr>
+              <a:defRPr/>
+            </a:pPr>
             <a:r>
               <a:rPr lang="en-US"/>
               <a:t>Slide </a:t>
             </a:r>
-            <a:fld id="{6760E73F-8E99-40BA-8BA1-07C33AED2795}" type="slidenum">
+            <a:fld id="{0F05040F-3DD5-4422-8E21-6095A5B4132F}" type="slidenum">
               <a:rPr lang="en-US" smtClean="0"/>
-              <a:pPr/>
+              <a:pPr>
+                <a:defRPr/>
+              </a:pPr>
               <a:t>61</a:t>
             </a:fld>
             <a:endParaRPr lang="en-US"/>
@@ -27692,36 +29765,6 @@
               <a:rPr lang="en-US"/>
               <a:t>©SoftMoore Consulting</a:t>
             </a:r>
-          </a:p>
-        </p:txBody>
-      </p:sp>
-      <p:sp>
-        <p:nvSpPr>
-          <p:cNvPr id="14339" name="Slide Number Placeholder 4"/>
-          <p:cNvSpPr>
-            <a:spLocks noGrp="1"/>
-          </p:cNvSpPr>
-          <p:nvPr>
-            <p:ph type="sldNum" sz="quarter" idx="11"/>
-          </p:nvPr>
-        </p:nvSpPr>
-        <p:spPr>
-          <a:noFill/>
-        </p:spPr>
-        <p:txBody>
-          <a:bodyPr/>
-          <a:lstStyle/>
-          <a:p>
-            <a:r>
-              <a:rPr lang="en-US"/>
-              <a:t>Slide </a:t>
-            </a:r>
-            <a:fld id="{98EAF293-B99F-44EE-BE90-4690CF15C962}" type="slidenum">
-              <a:rPr lang="en-US" smtClean="0"/>
-              <a:pPr/>
-              <a:t>62</a:t>
-            </a:fld>
-            <a:endParaRPr lang="en-US"/>
           </a:p>
         </p:txBody>
       </p:sp>
@@ -27972,6 +30015,45 @@
           </a:p>
         </p:txBody>
       </p:sp>
+      <p:sp>
+        <p:nvSpPr>
+          <p:cNvPr id="4" name="Slide Number Placeholder 3">
+            <a:extLst>
+              <a:ext uri="{FF2B5EF4-FFF2-40B4-BE49-F238E27FC236}">
+                <a16:creationId xmlns:a16="http://schemas.microsoft.com/office/drawing/2014/main" id="{EF74AA3C-1F85-AB03-DA05-F8935925D8B2}"/>
+              </a:ext>
+            </a:extLst>
+          </p:cNvPr>
+          <p:cNvSpPr>
+            <a:spLocks noGrp="1"/>
+          </p:cNvSpPr>
+          <p:nvPr>
+            <p:ph type="sldNum" sz="quarter" idx="11"/>
+          </p:nvPr>
+        </p:nvSpPr>
+        <p:spPr/>
+        <p:txBody>
+          <a:bodyPr/>
+          <a:lstStyle/>
+          <a:p>
+            <a:pPr>
+              <a:defRPr/>
+            </a:pPr>
+            <a:r>
+              <a:rPr lang="en-US"/>
+              <a:t>Slide </a:t>
+            </a:r>
+            <a:fld id="{0F05040F-3DD5-4422-8E21-6095A5B4132F}" type="slidenum">
+              <a:rPr lang="en-US" smtClean="0"/>
+              <a:pPr>
+                <a:defRPr/>
+              </a:pPr>
+              <a:t>62</a:t>
+            </a:fld>
+            <a:endParaRPr lang="en-US"/>
+          </a:p>
+        </p:txBody>
+      </p:sp>
     </p:spTree>
   </p:cSld>
   <p:clrMapOvr>
@@ -28097,7 +30179,13 @@
       </p:sp>
       <p:sp>
         <p:nvSpPr>
-          <p:cNvPr id="14339" name="Slide Number Placeholder 4"/>
+          <p:cNvPr id="3" name="Slide Number Placeholder 2">
+            <a:extLst>
+              <a:ext uri="{FF2B5EF4-FFF2-40B4-BE49-F238E27FC236}">
+                <a16:creationId xmlns:a16="http://schemas.microsoft.com/office/drawing/2014/main" id="{7D85EAE5-C73B-34EE-BD33-EF72E359D288}"/>
+              </a:ext>
+            </a:extLst>
+          </p:cNvPr>
           <p:cNvSpPr>
             <a:spLocks noGrp="1"/>
           </p:cNvSpPr>
@@ -28110,13 +30198,18 @@
           <a:bodyPr/>
           <a:lstStyle/>
           <a:p>
+            <a:pPr>
+              <a:defRPr/>
+            </a:pPr>
             <a:r>
               <a:rPr lang="en-US"/>
               <a:t>Slide </a:t>
             </a:r>
-            <a:fld id="{98EAF293-B99F-44EE-BE90-4690CF15C962}" type="slidenum">
+            <a:fld id="{0F05040F-3DD5-4422-8E21-6095A5B4132F}" type="slidenum">
               <a:rPr lang="en-US" smtClean="0"/>
-              <a:pPr/>
+              <a:pPr>
+                <a:defRPr/>
+              </a:pPr>
               <a:t>63</a:t>
             </a:fld>
             <a:endParaRPr lang="en-US"/>
@@ -28179,36 +30272,6 @@
       </p:sp>
       <p:sp>
         <p:nvSpPr>
-          <p:cNvPr id="14339" name="Slide Number Placeholder 4"/>
-          <p:cNvSpPr>
-            <a:spLocks noGrp="1"/>
-          </p:cNvSpPr>
-          <p:nvPr>
-            <p:ph type="sldNum" sz="quarter" idx="11"/>
-          </p:nvPr>
-        </p:nvSpPr>
-        <p:spPr>
-          <a:noFill/>
-        </p:spPr>
-        <p:txBody>
-          <a:bodyPr/>
-          <a:lstStyle/>
-          <a:p>
-            <a:r>
-              <a:rPr lang="en-US"/>
-              <a:t>Slide </a:t>
-            </a:r>
-            <a:fld id="{98EAF293-B99F-44EE-BE90-4690CF15C962}" type="slidenum">
-              <a:rPr lang="en-US" smtClean="0"/>
-              <a:pPr/>
-              <a:t>64</a:t>
-            </a:fld>
-            <a:endParaRPr lang="en-US"/>
-          </a:p>
-        </p:txBody>
-      </p:sp>
-      <p:sp>
-        <p:nvSpPr>
           <p:cNvPr id="14340" name="Rectangle 2"/>
           <p:cNvSpPr>
             <a:spLocks noGrp="1" noChangeArrowheads="1"/>
@@ -28577,6 +30640,45 @@
               </a:rPr>
               <a:t>();</a:t>
             </a:r>
+          </a:p>
+        </p:txBody>
+      </p:sp>
+      <p:sp>
+        <p:nvSpPr>
+          <p:cNvPr id="3" name="Slide Number Placeholder 2">
+            <a:extLst>
+              <a:ext uri="{FF2B5EF4-FFF2-40B4-BE49-F238E27FC236}">
+                <a16:creationId xmlns:a16="http://schemas.microsoft.com/office/drawing/2014/main" id="{48D07115-7F78-6D32-4928-F1E8B01A570E}"/>
+              </a:ext>
+            </a:extLst>
+          </p:cNvPr>
+          <p:cNvSpPr>
+            <a:spLocks noGrp="1"/>
+          </p:cNvSpPr>
+          <p:nvPr>
+            <p:ph type="sldNum" sz="quarter" idx="11"/>
+          </p:nvPr>
+        </p:nvSpPr>
+        <p:spPr/>
+        <p:txBody>
+          <a:bodyPr/>
+          <a:lstStyle/>
+          <a:p>
+            <a:pPr>
+              <a:defRPr/>
+            </a:pPr>
+            <a:r>
+              <a:rPr lang="en-US"/>
+              <a:t>Slide </a:t>
+            </a:r>
+            <a:fld id="{0F05040F-3DD5-4422-8E21-6095A5B4132F}" type="slidenum">
+              <a:rPr lang="en-US" smtClean="0"/>
+              <a:pPr>
+                <a:defRPr/>
+              </a:pPr>
+              <a:t>64</a:t>
+            </a:fld>
+            <a:endParaRPr lang="en-US"/>
           </a:p>
         </p:txBody>
       </p:sp>
@@ -28636,36 +30738,6 @@
       </p:sp>
       <p:sp>
         <p:nvSpPr>
-          <p:cNvPr id="14339" name="Slide Number Placeholder 4"/>
-          <p:cNvSpPr>
-            <a:spLocks noGrp="1"/>
-          </p:cNvSpPr>
-          <p:nvPr>
-            <p:ph type="sldNum" sz="quarter" idx="11"/>
-          </p:nvPr>
-        </p:nvSpPr>
-        <p:spPr>
-          <a:noFill/>
-        </p:spPr>
-        <p:txBody>
-          <a:bodyPr/>
-          <a:lstStyle/>
-          <a:p>
-            <a:r>
-              <a:rPr lang="en-US"/>
-              <a:t>Slide </a:t>
-            </a:r>
-            <a:fld id="{98EAF293-B99F-44EE-BE90-4690CF15C962}" type="slidenum">
-              <a:rPr lang="en-US" smtClean="0"/>
-              <a:pPr/>
-              <a:t>65</a:t>
-            </a:fld>
-            <a:endParaRPr lang="en-US"/>
-          </a:p>
-        </p:txBody>
-      </p:sp>
-      <p:sp>
-        <p:nvSpPr>
           <p:cNvPr id="14340" name="Rectangle 2"/>
           <p:cNvSpPr>
             <a:spLocks noGrp="1" noChangeArrowheads="1"/>
@@ -28979,6 +31051,45 @@
             <a:endParaRPr lang="en-US" sz="1800" dirty="0">
               <a:latin typeface="Consolas" panose="020B0609020204030204" pitchFamily="49" charset="0"/>
             </a:endParaRPr>
+          </a:p>
+        </p:txBody>
+      </p:sp>
+      <p:sp>
+        <p:nvSpPr>
+          <p:cNvPr id="3" name="Slide Number Placeholder 2">
+            <a:extLst>
+              <a:ext uri="{FF2B5EF4-FFF2-40B4-BE49-F238E27FC236}">
+                <a16:creationId xmlns:a16="http://schemas.microsoft.com/office/drawing/2014/main" id="{D9781588-E9E1-0C55-B58D-C93876C4DE7F}"/>
+              </a:ext>
+            </a:extLst>
+          </p:cNvPr>
+          <p:cNvSpPr>
+            <a:spLocks noGrp="1"/>
+          </p:cNvSpPr>
+          <p:nvPr>
+            <p:ph type="sldNum" sz="quarter" idx="11"/>
+          </p:nvPr>
+        </p:nvSpPr>
+        <p:spPr/>
+        <p:txBody>
+          <a:bodyPr/>
+          <a:lstStyle/>
+          <a:p>
+            <a:pPr>
+              <a:defRPr/>
+            </a:pPr>
+            <a:r>
+              <a:rPr lang="en-US"/>
+              <a:t>Slide </a:t>
+            </a:r>
+            <a:fld id="{0F05040F-3DD5-4422-8E21-6095A5B4132F}" type="slidenum">
+              <a:rPr lang="en-US" smtClean="0"/>
+              <a:pPr>
+                <a:defRPr/>
+              </a:pPr>
+              <a:t>65</a:t>
+            </a:fld>
+            <a:endParaRPr lang="en-US"/>
           </a:p>
         </p:txBody>
       </p:sp>
@@ -29455,44 +31566,6 @@
               <a:rPr lang="en-US"/>
               <a:t>©SoftMoore Consulting</a:t>
             </a:r>
-          </a:p>
-        </p:txBody>
-      </p:sp>
-      <p:sp>
-        <p:nvSpPr>
-          <p:cNvPr id="5" name="Slide Number Placeholder 4"/>
-          <p:cNvSpPr>
-            <a:spLocks noGrp="1"/>
-          </p:cNvSpPr>
-          <p:nvPr>
-            <p:ph type="sldNum" sz="quarter" idx="11"/>
-          </p:nvPr>
-        </p:nvSpPr>
-        <p:spPr>
-          <a:xfrm>
-            <a:off x="6578600" y="6477000"/>
-            <a:ext cx="1828800" cy="274638"/>
-          </a:xfrm>
-        </p:spPr>
-        <p:txBody>
-          <a:bodyPr/>
-          <a:lstStyle/>
-          <a:p>
-            <a:pPr>
-              <a:defRPr/>
-            </a:pPr>
-            <a:r>
-              <a:rPr lang="en-US" dirty="0"/>
-              <a:t>Slide </a:t>
-            </a:r>
-            <a:fld id="{0F05040F-3DD5-4422-8E21-6095A5B4132F}" type="slidenum">
-              <a:rPr lang="en-US" smtClean="0"/>
-              <a:pPr>
-                <a:defRPr/>
-              </a:pPr>
-              <a:t>66</a:t>
-            </a:fld>
-            <a:endParaRPr lang="en-US" dirty="0"/>
           </a:p>
         </p:txBody>
       </p:sp>
@@ -30067,6 +32140,45 @@
           </a:p>
         </p:txBody>
       </p:sp>
+      <p:sp>
+        <p:nvSpPr>
+          <p:cNvPr id="13" name="Slide Number Placeholder 12">
+            <a:extLst>
+              <a:ext uri="{FF2B5EF4-FFF2-40B4-BE49-F238E27FC236}">
+                <a16:creationId xmlns:a16="http://schemas.microsoft.com/office/drawing/2014/main" id="{275D8E81-8666-7024-9297-6343E2D0D532}"/>
+              </a:ext>
+            </a:extLst>
+          </p:cNvPr>
+          <p:cNvSpPr>
+            <a:spLocks noGrp="1"/>
+          </p:cNvSpPr>
+          <p:nvPr>
+            <p:ph type="sldNum" sz="quarter" idx="11"/>
+          </p:nvPr>
+        </p:nvSpPr>
+        <p:spPr/>
+        <p:txBody>
+          <a:bodyPr/>
+          <a:lstStyle/>
+          <a:p>
+            <a:pPr>
+              <a:defRPr/>
+            </a:pPr>
+            <a:r>
+              <a:rPr lang="en-US"/>
+              <a:t>Slide </a:t>
+            </a:r>
+            <a:fld id="{0F05040F-3DD5-4422-8E21-6095A5B4132F}" type="slidenum">
+              <a:rPr lang="en-US" smtClean="0"/>
+              <a:pPr>
+                <a:defRPr/>
+              </a:pPr>
+              <a:t>66</a:t>
+            </a:fld>
+            <a:endParaRPr lang="en-US"/>
+          </a:p>
+        </p:txBody>
+      </p:sp>
     </p:spTree>
   </p:cSld>
   <p:clrMapOvr>
@@ -30278,7 +32390,13 @@
       </p:sp>
       <p:sp>
         <p:nvSpPr>
-          <p:cNvPr id="5" name="Slide Number Placeholder 4"/>
+          <p:cNvPr id="7" name="Slide Number Placeholder 6">
+            <a:extLst>
+              <a:ext uri="{FF2B5EF4-FFF2-40B4-BE49-F238E27FC236}">
+                <a16:creationId xmlns:a16="http://schemas.microsoft.com/office/drawing/2014/main" id="{961C38CA-DD68-CFDE-AC39-AA4AA0CDE2B4}"/>
+              </a:ext>
+            </a:extLst>
+          </p:cNvPr>
           <p:cNvSpPr>
             <a:spLocks noGrp="1"/>
           </p:cNvSpPr>
@@ -30286,12 +32404,7 @@
             <p:ph type="sldNum" sz="quarter" idx="11"/>
           </p:nvPr>
         </p:nvSpPr>
-        <p:spPr>
-          <a:xfrm>
-            <a:off x="6578600" y="6477000"/>
-            <a:ext cx="1828800" cy="274638"/>
-          </a:xfrm>
-        </p:spPr>
+        <p:spPr/>
         <p:txBody>
           <a:bodyPr/>
           <a:lstStyle/>
@@ -30300,7 +32413,7 @@
               <a:defRPr/>
             </a:pPr>
             <a:r>
-              <a:rPr lang="en-US" dirty="0"/>
+              <a:rPr lang="en-US"/>
               <a:t>Slide </a:t>
             </a:r>
             <a:fld id="{0F05040F-3DD5-4422-8E21-6095A5B4132F}" type="slidenum">
@@ -30310,7 +32423,7 @@
               </a:pPr>
               <a:t>67</a:t>
             </a:fld>
-            <a:endParaRPr lang="en-US" dirty="0"/>
+            <a:endParaRPr lang="en-US"/>
           </a:p>
         </p:txBody>
       </p:sp>
@@ -30725,39 +32838,6 @@
       </p:sp>
       <p:sp>
         <p:nvSpPr>
-          <p:cNvPr id="5" name="Slide Number Placeholder 4"/>
-          <p:cNvSpPr>
-            <a:spLocks noGrp="1"/>
-          </p:cNvSpPr>
-          <p:nvPr>
-            <p:ph type="sldNum" sz="quarter" idx="11"/>
-          </p:nvPr>
-        </p:nvSpPr>
-        <p:spPr/>
-        <p:txBody>
-          <a:bodyPr/>
-          <a:lstStyle/>
-          <a:p>
-            <a:pPr>
-              <a:defRPr/>
-            </a:pPr>
-            <a:r>
-              <a:rPr lang="en-US"/>
-              <a:t>Slide </a:t>
-            </a:r>
-            <a:fld id="{0F05040F-3DD5-4422-8E21-6095A5B4132F}" type="slidenum">
-              <a:rPr lang="en-US" smtClean="0"/>
-              <a:pPr>
-                <a:defRPr/>
-              </a:pPr>
-              <a:t>68</a:t>
-            </a:fld>
-            <a:endParaRPr lang="en-US"/>
-          </a:p>
-        </p:txBody>
-      </p:sp>
-      <p:sp>
-        <p:nvSpPr>
           <p:cNvPr id="6" name="TextBox 5"/>
           <p:cNvSpPr txBox="1"/>
           <p:nvPr/>
@@ -30782,6 +32862,45 @@
               <a:rPr lang="en-US" sz="2000" dirty="0"/>
               <a:t>(continued on next slide)</a:t>
             </a:r>
+          </a:p>
+        </p:txBody>
+      </p:sp>
+      <p:sp>
+        <p:nvSpPr>
+          <p:cNvPr id="8" name="Slide Number Placeholder 7">
+            <a:extLst>
+              <a:ext uri="{FF2B5EF4-FFF2-40B4-BE49-F238E27FC236}">
+                <a16:creationId xmlns:a16="http://schemas.microsoft.com/office/drawing/2014/main" id="{B3E46F11-B854-E66C-E8B0-97436DEFDC65}"/>
+              </a:ext>
+            </a:extLst>
+          </p:cNvPr>
+          <p:cNvSpPr>
+            <a:spLocks noGrp="1"/>
+          </p:cNvSpPr>
+          <p:nvPr>
+            <p:ph type="sldNum" sz="quarter" idx="11"/>
+          </p:nvPr>
+        </p:nvSpPr>
+        <p:spPr/>
+        <p:txBody>
+          <a:bodyPr/>
+          <a:lstStyle/>
+          <a:p>
+            <a:pPr>
+              <a:defRPr/>
+            </a:pPr>
+            <a:r>
+              <a:rPr lang="en-US"/>
+              <a:t>Slide </a:t>
+            </a:r>
+            <a:fld id="{0F05040F-3DD5-4422-8E21-6095A5B4132F}" type="slidenum">
+              <a:rPr lang="en-US" smtClean="0"/>
+              <a:pPr>
+                <a:defRPr/>
+              </a:pPr>
+              <a:t>68</a:t>
+            </a:fld>
+            <a:endParaRPr lang="en-US"/>
           </a:p>
         </p:txBody>
       </p:sp>
@@ -31220,7 +33339,13 @@
       </p:sp>
       <p:sp>
         <p:nvSpPr>
-          <p:cNvPr id="5" name="Slide Number Placeholder 4"/>
+          <p:cNvPr id="7" name="Slide Number Placeholder 6">
+            <a:extLst>
+              <a:ext uri="{FF2B5EF4-FFF2-40B4-BE49-F238E27FC236}">
+                <a16:creationId xmlns:a16="http://schemas.microsoft.com/office/drawing/2014/main" id="{BC8FD600-EBB0-4DD8-6F1B-87BA9491C5E6}"/>
+              </a:ext>
+            </a:extLst>
+          </p:cNvPr>
           <p:cNvSpPr>
             <a:spLocks noGrp="1"/>
           </p:cNvSpPr>
@@ -31307,36 +33432,6 @@
       </p:sp>
       <p:sp>
         <p:nvSpPr>
-          <p:cNvPr id="6147" name="Slide Number Placeholder 4"/>
-          <p:cNvSpPr>
-            <a:spLocks noGrp="1"/>
-          </p:cNvSpPr>
-          <p:nvPr>
-            <p:ph type="sldNum" sz="quarter" idx="11"/>
-          </p:nvPr>
-        </p:nvSpPr>
-        <p:spPr>
-          <a:noFill/>
-        </p:spPr>
-        <p:txBody>
-          <a:bodyPr/>
-          <a:lstStyle/>
-          <a:p>
-            <a:r>
-              <a:rPr lang="en-US"/>
-              <a:t>Slide </a:t>
-            </a:r>
-            <a:fld id="{0D663E8A-341C-42FF-A6D8-EA5F992DFDFB}" type="slidenum">
-              <a:rPr lang="en-US"/>
-              <a:pPr/>
-              <a:t>7</a:t>
-            </a:fld>
-            <a:endParaRPr lang="en-US"/>
-          </a:p>
-        </p:txBody>
-      </p:sp>
-      <p:sp>
-        <p:nvSpPr>
           <p:cNvPr id="6148" name="Rectangle 2"/>
           <p:cNvSpPr>
             <a:spLocks noGrp="1" noChangeArrowheads="1"/>
@@ -31445,6 +33540,45 @@
               <a:rPr lang="en-US" dirty="0"/>
               <a:t>recovery and generation of abstract syntax trees.</a:t>
             </a:r>
+          </a:p>
+        </p:txBody>
+      </p:sp>
+      <p:sp>
+        <p:nvSpPr>
+          <p:cNvPr id="4" name="Slide Number Placeholder 3">
+            <a:extLst>
+              <a:ext uri="{FF2B5EF4-FFF2-40B4-BE49-F238E27FC236}">
+                <a16:creationId xmlns:a16="http://schemas.microsoft.com/office/drawing/2014/main" id="{E3CCEBAD-830C-878F-AC8E-F66CD75C54EE}"/>
+              </a:ext>
+            </a:extLst>
+          </p:cNvPr>
+          <p:cNvSpPr>
+            <a:spLocks noGrp="1"/>
+          </p:cNvSpPr>
+          <p:nvPr>
+            <p:ph type="sldNum" sz="quarter" idx="11"/>
+          </p:nvPr>
+        </p:nvSpPr>
+        <p:spPr/>
+        <p:txBody>
+          <a:bodyPr/>
+          <a:lstStyle/>
+          <a:p>
+            <a:pPr>
+              <a:defRPr/>
+            </a:pPr>
+            <a:r>
+              <a:rPr lang="en-US"/>
+              <a:t>Slide </a:t>
+            </a:r>
+            <a:fld id="{0F05040F-3DD5-4422-8E21-6095A5B4132F}" type="slidenum">
+              <a:rPr lang="en-US" smtClean="0"/>
+              <a:pPr>
+                <a:defRPr/>
+              </a:pPr>
+              <a:t>7</a:t>
+            </a:fld>
+            <a:endParaRPr lang="en-US"/>
           </a:p>
         </p:txBody>
       </p:sp>
@@ -31749,10 +33883,10 @@
       </p:sp>
       <p:sp>
         <p:nvSpPr>
-          <p:cNvPr id="5" name="Slide Number Placeholder 4">
+          <p:cNvPr id="7" name="Slide Number Placeholder 6">
             <a:extLst>
               <a:ext uri="{FF2B5EF4-FFF2-40B4-BE49-F238E27FC236}">
-                <a16:creationId xmlns:a16="http://schemas.microsoft.com/office/drawing/2014/main" id="{8B954548-66F9-4D15-9852-0D4C8EA3853C}"/>
+                <a16:creationId xmlns:a16="http://schemas.microsoft.com/office/drawing/2014/main" id="{75040AED-F23B-9789-1EE6-79D86174B7BD}"/>
               </a:ext>
             </a:extLst>
           </p:cNvPr>
@@ -31992,10 +34126,10 @@
       </p:sp>
       <p:sp>
         <p:nvSpPr>
-          <p:cNvPr id="5" name="Slide Number Placeholder 4">
+          <p:cNvPr id="7" name="Slide Number Placeholder 6">
             <a:extLst>
               <a:ext uri="{FF2B5EF4-FFF2-40B4-BE49-F238E27FC236}">
-                <a16:creationId xmlns:a16="http://schemas.microsoft.com/office/drawing/2014/main" id="{8B954548-66F9-4D15-9852-0D4C8EA3853C}"/>
+                <a16:creationId xmlns:a16="http://schemas.microsoft.com/office/drawing/2014/main" id="{F8E510A8-38BD-641B-ABC9-FCE52BBC8F82}"/>
               </a:ext>
             </a:extLst>
           </p:cNvPr>
@@ -32534,10 +34668,10 @@
       </p:sp>
       <p:sp>
         <p:nvSpPr>
-          <p:cNvPr id="5" name="Slide Number Placeholder 4">
+          <p:cNvPr id="7" name="Slide Number Placeholder 6">
             <a:extLst>
               <a:ext uri="{FF2B5EF4-FFF2-40B4-BE49-F238E27FC236}">
-                <a16:creationId xmlns:a16="http://schemas.microsoft.com/office/drawing/2014/main" id="{728869E2-78C3-49BB-BACE-112C4C8FC6E9}"/>
+                <a16:creationId xmlns:a16="http://schemas.microsoft.com/office/drawing/2014/main" id="{3044A394-A422-5B56-3FEF-9C136BDA0E33}"/>
               </a:ext>
             </a:extLst>
           </p:cNvPr>
@@ -32863,10 +34997,10 @@
       </p:sp>
       <p:sp>
         <p:nvSpPr>
-          <p:cNvPr id="5" name="Slide Number Placeholder 4">
+          <p:cNvPr id="7" name="Slide Number Placeholder 6">
             <a:extLst>
               <a:ext uri="{FF2B5EF4-FFF2-40B4-BE49-F238E27FC236}">
-                <a16:creationId xmlns:a16="http://schemas.microsoft.com/office/drawing/2014/main" id="{728869E2-78C3-49BB-BACE-112C4C8FC6E9}"/>
+                <a16:creationId xmlns:a16="http://schemas.microsoft.com/office/drawing/2014/main" id="{52597A7C-F89E-C965-DB0C-16604F1C2F62}"/>
               </a:ext>
             </a:extLst>
           </p:cNvPr>
@@ -33301,10 +35435,10 @@
       </p:sp>
       <p:sp>
         <p:nvSpPr>
-          <p:cNvPr id="5" name="Slide Number Placeholder 4">
+          <p:cNvPr id="7" name="Slide Number Placeholder 6">
             <a:extLst>
               <a:ext uri="{FF2B5EF4-FFF2-40B4-BE49-F238E27FC236}">
-                <a16:creationId xmlns:a16="http://schemas.microsoft.com/office/drawing/2014/main" id="{04201881-4FEB-4BF8-9EAB-F3CF14EC5D77}"/>
+                <a16:creationId xmlns:a16="http://schemas.microsoft.com/office/drawing/2014/main" id="{B1C7B876-6B52-9932-D7C6-322B73260257}"/>
               </a:ext>
             </a:extLst>
           </p:cNvPr>
@@ -33825,10 +35959,10 @@
       </p:sp>
       <p:sp>
         <p:nvSpPr>
-          <p:cNvPr id="5" name="Slide Number Placeholder 4">
+          <p:cNvPr id="7" name="Slide Number Placeholder 6">
             <a:extLst>
               <a:ext uri="{FF2B5EF4-FFF2-40B4-BE49-F238E27FC236}">
-                <a16:creationId xmlns:a16="http://schemas.microsoft.com/office/drawing/2014/main" id="{66F6448F-77D9-BF75-F94C-CB05B32BBA89}"/>
+                <a16:creationId xmlns:a16="http://schemas.microsoft.com/office/drawing/2014/main" id="{4FB98722-715A-DFC9-FE51-49387E126D4B}"/>
               </a:ext>
             </a:extLst>
           </p:cNvPr>
@@ -34236,10 +36370,10 @@
       </p:sp>
       <p:sp>
         <p:nvSpPr>
-          <p:cNvPr id="5" name="Slide Number Placeholder 4">
+          <p:cNvPr id="7" name="Slide Number Placeholder 6">
             <a:extLst>
               <a:ext uri="{FF2B5EF4-FFF2-40B4-BE49-F238E27FC236}">
-                <a16:creationId xmlns:a16="http://schemas.microsoft.com/office/drawing/2014/main" id="{66F6448F-77D9-BF75-F94C-CB05B32BBA89}"/>
+                <a16:creationId xmlns:a16="http://schemas.microsoft.com/office/drawing/2014/main" id="{F2F4EB83-DE27-F31B-7BB0-CC9A18BB3189}"/>
               </a:ext>
             </a:extLst>
           </p:cNvPr>
@@ -34329,7 +36463,79 @@
       </p:sp>
       <p:sp>
         <p:nvSpPr>
-          <p:cNvPr id="7171" name="Slide Number Placeholder 4"/>
+          <p:cNvPr id="7172" name="Rectangle 2"/>
+          <p:cNvSpPr>
+            <a:spLocks noGrp="1" noChangeArrowheads="1"/>
+          </p:cNvSpPr>
+          <p:nvPr>
+            <p:ph type="title"/>
+          </p:nvPr>
+        </p:nvSpPr>
+        <p:spPr/>
+        <p:txBody>
+          <a:bodyPr/>
+          <a:lstStyle/>
+          <a:p>
+            <a:r>
+              <a:rPr lang="en-US"/>
+              <a:t>Recursive Descent Parsing</a:t>
+            </a:r>
+          </a:p>
+        </p:txBody>
+      </p:sp>
+      <p:sp>
+        <p:nvSpPr>
+          <p:cNvPr id="7173" name="Rectangle 3"/>
+          <p:cNvSpPr>
+            <a:spLocks noGrp="1" noChangeArrowheads="1"/>
+          </p:cNvSpPr>
+          <p:nvPr>
+            <p:ph type="body" idx="1"/>
+          </p:nvPr>
+        </p:nvSpPr>
+        <p:spPr/>
+        <p:txBody>
+          <a:bodyPr/>
+          <a:lstStyle/>
+          <a:p>
+            <a:r>
+              <a:rPr lang="en-US" dirty="0"/>
+              <a:t>Parsing technique used in this course: recursive descent with k lookahead tokens.</a:t>
+            </a:r>
+          </a:p>
+          <a:p>
+            <a:pPr lvl="1">
+              <a:buFontTx/>
+              <a:buNone/>
+            </a:pPr>
+            <a:r>
+              <a:rPr lang="en-US" dirty="0"/>
+              <a:t>(Briefly discuss other options.)</a:t>
+            </a:r>
+          </a:p>
+          <a:p>
+            <a:r>
+              <a:rPr lang="en-US" dirty="0"/>
+              <a:t>Uses recursive methods to “descend” through the parse tree (top-down parsing) as it parses a program.</a:t>
+            </a:r>
+          </a:p>
+          <a:p>
+            <a:r>
+              <a:rPr lang="en-US" dirty="0"/>
+              <a:t>The parser is constructed systematically from the grammar using a set of programming refinements.</a:t>
+            </a:r>
+          </a:p>
+        </p:txBody>
+      </p:sp>
+      <p:sp>
+        <p:nvSpPr>
+          <p:cNvPr id="3" name="Slide Number Placeholder 2">
+            <a:extLst>
+              <a:ext uri="{FF2B5EF4-FFF2-40B4-BE49-F238E27FC236}">
+                <a16:creationId xmlns:a16="http://schemas.microsoft.com/office/drawing/2014/main" id="{AF56BB08-1872-08FB-D61C-A1076682C100}"/>
+              </a:ext>
+            </a:extLst>
+          </p:cNvPr>
           <p:cNvSpPr>
             <a:spLocks noGrp="1"/>
           </p:cNvSpPr>
@@ -34337,89 +36543,26 @@
             <p:ph type="sldNum" sz="quarter" idx="11"/>
           </p:nvPr>
         </p:nvSpPr>
-        <p:spPr>
-          <a:noFill/>
-        </p:spPr>
-        <p:txBody>
-          <a:bodyPr/>
-          <a:lstStyle/>
-          <a:p>
+        <p:spPr/>
+        <p:txBody>
+          <a:bodyPr/>
+          <a:lstStyle/>
+          <a:p>
+            <a:pPr>
+              <a:defRPr/>
+            </a:pPr>
             <a:r>
               <a:rPr lang="en-US"/>
               <a:t>Slide </a:t>
             </a:r>
-            <a:fld id="{D18A10B3-1160-4182-AAD1-273787EA6877}" type="slidenum">
-              <a:rPr lang="en-US"/>
-              <a:pPr/>
+            <a:fld id="{0F05040F-3DD5-4422-8E21-6095A5B4132F}" type="slidenum">
+              <a:rPr lang="en-US" smtClean="0"/>
+              <a:pPr>
+                <a:defRPr/>
+              </a:pPr>
               <a:t>8</a:t>
             </a:fld>
             <a:endParaRPr lang="en-US"/>
-          </a:p>
-        </p:txBody>
-      </p:sp>
-      <p:sp>
-        <p:nvSpPr>
-          <p:cNvPr id="7172" name="Rectangle 2"/>
-          <p:cNvSpPr>
-            <a:spLocks noGrp="1" noChangeArrowheads="1"/>
-          </p:cNvSpPr>
-          <p:nvPr>
-            <p:ph type="title"/>
-          </p:nvPr>
-        </p:nvSpPr>
-        <p:spPr/>
-        <p:txBody>
-          <a:bodyPr/>
-          <a:lstStyle/>
-          <a:p>
-            <a:r>
-              <a:rPr lang="en-US"/>
-              <a:t>Recursive Descent Parsing</a:t>
-            </a:r>
-          </a:p>
-        </p:txBody>
-      </p:sp>
-      <p:sp>
-        <p:nvSpPr>
-          <p:cNvPr id="7173" name="Rectangle 3"/>
-          <p:cNvSpPr>
-            <a:spLocks noGrp="1" noChangeArrowheads="1"/>
-          </p:cNvSpPr>
-          <p:nvPr>
-            <p:ph type="body" idx="1"/>
-          </p:nvPr>
-        </p:nvSpPr>
-        <p:spPr/>
-        <p:txBody>
-          <a:bodyPr/>
-          <a:lstStyle/>
-          <a:p>
-            <a:r>
-              <a:rPr lang="en-US" dirty="0"/>
-              <a:t>Parsing technique used in this course: recursive descent with k lookahead tokens.</a:t>
-            </a:r>
-          </a:p>
-          <a:p>
-            <a:pPr lvl="1">
-              <a:buFontTx/>
-              <a:buNone/>
-            </a:pPr>
-            <a:r>
-              <a:rPr lang="en-US" dirty="0"/>
-              <a:t>(Briefly discuss other options.)</a:t>
-            </a:r>
-          </a:p>
-          <a:p>
-            <a:r>
-              <a:rPr lang="en-US" dirty="0"/>
-              <a:t>Uses recursive methods to “descend” through the parse tree (top-down parsing) as it parses a program.</a:t>
-            </a:r>
-          </a:p>
-          <a:p>
-            <a:r>
-              <a:rPr lang="en-US" dirty="0"/>
-              <a:t>The parser is constructed systematically from the grammar using a set of programming refinements.</a:t>
-            </a:r>
           </a:p>
         </p:txBody>
       </p:sp>
@@ -34474,7 +36617,111 @@
       </p:sp>
       <p:sp>
         <p:nvSpPr>
-          <p:cNvPr id="8195" name="Slide Number Placeholder 4"/>
+          <p:cNvPr id="8196" name="Rectangle 1026"/>
+          <p:cNvSpPr>
+            <a:spLocks noGrp="1" noChangeArrowheads="1"/>
+          </p:cNvSpPr>
+          <p:nvPr>
+            <p:ph type="title"/>
+          </p:nvPr>
+        </p:nvSpPr>
+        <p:spPr/>
+        <p:txBody>
+          <a:bodyPr/>
+          <a:lstStyle/>
+          <a:p>
+            <a:r>
+              <a:rPr lang="en-US"/>
+              <a:t>Initial Grammar Transformations</a:t>
+            </a:r>
+          </a:p>
+        </p:txBody>
+      </p:sp>
+      <p:sp>
+        <p:nvSpPr>
+          <p:cNvPr id="8197" name="Rectangle 1027"/>
+          <p:cNvSpPr>
+            <a:spLocks noGrp="1" noChangeArrowheads="1"/>
+          </p:cNvSpPr>
+          <p:nvPr>
+            <p:ph type="body" idx="1"/>
+          </p:nvPr>
+        </p:nvSpPr>
+        <p:spPr/>
+        <p:txBody>
+          <a:bodyPr/>
+          <a:lstStyle/>
+          <a:p>
+            <a:r>
+              <a:rPr lang="en-US" dirty="0"/>
+              <a:t>Start with a context-free grammar.</a:t>
+            </a:r>
+          </a:p>
+          <a:p>
+            <a:r>
+              <a:rPr lang="en-US" dirty="0"/>
+              <a:t>Separate lexical grammar rules from structural rules.</a:t>
+            </a:r>
+          </a:p>
+          <a:p>
+            <a:pPr lvl="1"/>
+            <a:r>
+              <a:rPr lang="en-US" dirty="0"/>
+              <a:t>Let the scanner handle simple rules (identifiers, literals, etc.).</a:t>
+            </a:r>
+          </a:p>
+          <a:p>
+            <a:pPr lvl="1"/>
+            <a:r>
+              <a:rPr lang="en-US" dirty="0"/>
+              <a:t>Symbols returned by the scanner become terminal symbols in the grammar for the parser.</a:t>
+            </a:r>
+          </a:p>
+          <a:p>
+            <a:r>
+              <a:rPr lang="en-US" b="1" dirty="0"/>
+              <a:t>Grammar Restriction 1</a:t>
+            </a:r>
+            <a:r>
+              <a:rPr lang="en-US" dirty="0"/>
+              <a:t>: Each nonterminal appears on the left side of exactly one rule.</a:t>
+            </a:r>
+          </a:p>
+          <a:p>
+            <a:r>
+              <a:rPr lang="en-US" b="1" dirty="0"/>
+              <a:t>Grammar Restriction 2</a:t>
+            </a:r>
+            <a:r>
+              <a:rPr lang="en-US" dirty="0"/>
+              <a:t>: Left recursion has been eliminated.</a:t>
+            </a:r>
+          </a:p>
+          <a:p>
+            <a:r>
+              <a:rPr lang="en-US" dirty="0"/>
+              <a:t>Substitute </a:t>
+            </a:r>
+            <a:r>
+              <a:rPr lang="en-US" dirty="0" err="1"/>
+              <a:t>nonterminals</a:t>
+            </a:r>
+            <a:r>
+              <a:rPr lang="en-US" dirty="0"/>
+              <a:t> and left factor as appropriate.</a:t>
+            </a:r>
+          </a:p>
+        </p:txBody>
+      </p:sp>
+      <p:sp>
+        <p:nvSpPr>
+          <p:cNvPr id="3" name="Slide Number Placeholder 2">
+            <a:extLst>
+              <a:ext uri="{FF2B5EF4-FFF2-40B4-BE49-F238E27FC236}">
+                <a16:creationId xmlns:a16="http://schemas.microsoft.com/office/drawing/2014/main" id="{43B8BC66-4366-56A7-80C2-DC698188952A}"/>
+              </a:ext>
+            </a:extLst>
+          </p:cNvPr>
           <p:cNvSpPr>
             <a:spLocks noGrp="1"/>
           </p:cNvSpPr>
@@ -34482,121 +36729,26 @@
             <p:ph type="sldNum" sz="quarter" idx="11"/>
           </p:nvPr>
         </p:nvSpPr>
-        <p:spPr>
-          <a:noFill/>
-        </p:spPr>
-        <p:txBody>
-          <a:bodyPr/>
-          <a:lstStyle/>
-          <a:p>
+        <p:spPr/>
+        <p:txBody>
+          <a:bodyPr/>
+          <a:lstStyle/>
+          <a:p>
+            <a:pPr>
+              <a:defRPr/>
+            </a:pPr>
             <a:r>
               <a:rPr lang="en-US"/>
               <a:t>Slide </a:t>
             </a:r>
-            <a:fld id="{27679F83-E64D-463F-8393-AF3964C9EBBC}" type="slidenum">
-              <a:rPr lang="en-US"/>
-              <a:pPr/>
+            <a:fld id="{0F05040F-3DD5-4422-8E21-6095A5B4132F}" type="slidenum">
+              <a:rPr lang="en-US" smtClean="0"/>
+              <a:pPr>
+                <a:defRPr/>
+              </a:pPr>
               <a:t>9</a:t>
             </a:fld>
             <a:endParaRPr lang="en-US"/>
-          </a:p>
-        </p:txBody>
-      </p:sp>
-      <p:sp>
-        <p:nvSpPr>
-          <p:cNvPr id="8196" name="Rectangle 1026"/>
-          <p:cNvSpPr>
-            <a:spLocks noGrp="1" noChangeArrowheads="1"/>
-          </p:cNvSpPr>
-          <p:nvPr>
-            <p:ph type="title"/>
-          </p:nvPr>
-        </p:nvSpPr>
-        <p:spPr/>
-        <p:txBody>
-          <a:bodyPr/>
-          <a:lstStyle/>
-          <a:p>
-            <a:r>
-              <a:rPr lang="en-US"/>
-              <a:t>Initial Grammar Transformations</a:t>
-            </a:r>
-          </a:p>
-        </p:txBody>
-      </p:sp>
-      <p:sp>
-        <p:nvSpPr>
-          <p:cNvPr id="8197" name="Rectangle 1027"/>
-          <p:cNvSpPr>
-            <a:spLocks noGrp="1" noChangeArrowheads="1"/>
-          </p:cNvSpPr>
-          <p:nvPr>
-            <p:ph type="body" idx="1"/>
-          </p:nvPr>
-        </p:nvSpPr>
-        <p:spPr/>
-        <p:txBody>
-          <a:bodyPr/>
-          <a:lstStyle/>
-          <a:p>
-            <a:r>
-              <a:rPr lang="en-US" dirty="0"/>
-              <a:t>Start with a context-free grammar.</a:t>
-            </a:r>
-          </a:p>
-          <a:p>
-            <a:r>
-              <a:rPr lang="en-US" dirty="0"/>
-              <a:t>Separate lexical grammar rules from structural rules.</a:t>
-            </a:r>
-          </a:p>
-          <a:p>
-            <a:pPr lvl="1"/>
-            <a:r>
-              <a:rPr lang="en-US" dirty="0"/>
-              <a:t>Let the scanner handle simple rules (identifiers, literals, etc.).</a:t>
-            </a:r>
-          </a:p>
-          <a:p>
-            <a:pPr lvl="1"/>
-            <a:r>
-              <a:rPr lang="en-US" dirty="0"/>
-              <a:t>Symbols returned by the scanner become terminal symbols in the grammar for the parser.</a:t>
-            </a:r>
-          </a:p>
-          <a:p>
-            <a:r>
-              <a:rPr lang="en-US" b="1" dirty="0"/>
-              <a:t>Grammar Restriction 1</a:t>
-            </a:r>
-            <a:r>
-              <a:rPr lang="en-US" dirty="0"/>
-              <a:t>: Each nonterminal appears on the left side of exactly one rule.</a:t>
-            </a:r>
-          </a:p>
-          <a:p>
-            <a:r>
-              <a:rPr lang="en-US" b="1" dirty="0"/>
-              <a:t>Grammar Restriction 2</a:t>
-            </a:r>
-            <a:r>
-              <a:rPr lang="en-US" dirty="0"/>
-              <a:t>: Left recursion has been eliminated.</a:t>
-            </a:r>
-          </a:p>
-          <a:p>
-            <a:r>
-              <a:rPr lang="en-US" dirty="0"/>
-              <a:t>Substitute </a:t>
-            </a:r>
-            <a:r>
-              <a:rPr lang="en-US" dirty="0" err="1"/>
-              <a:t>nonterminals</a:t>
-            </a:r>
-            <a:r>
-              <a:rPr lang="en-US" dirty="0"/>
-              <a:t> and left factor as appropriate.</a:t>
-            </a:r>
           </a:p>
         </p:txBody>
       </p:sp>

--- a/PowerPoints/06 - Syntax Analysis.pptx
+++ b/PowerPoints/06 - Syntax Analysis.pptx
@@ -34185,10 +34185,16 @@
               <a:t>paramId</a:t>
             </a:r>
             <a:r>
-              <a:rPr lang="en-US" sz="1800" dirty="0">
-                <a:latin typeface="Consolas" panose="020B0609020204030204" pitchFamily="49" charset="0"/>
-              </a:rPr>
-              <a:t>) { </a:t>
+              <a:rPr lang="en-US" sz="1800">
+                <a:latin typeface="Consolas" panose="020B0609020204030204" pitchFamily="49" charset="0"/>
+              </a:rPr>
+              <a:t> ) </a:t>
+            </a:r>
+            <a:r>
+              <a:rPr lang="en-US" sz="1800" dirty="0">
+                <a:latin typeface="Consolas" panose="020B0609020204030204" pitchFamily="49" charset="0"/>
+              </a:rPr>
+              <a:t>{ </a:t>
             </a:r>
             <a:r>
               <a:rPr lang="en-US" sz="1800" dirty="0" err="1">

--- a/PowerPoints/06 - Syntax Analysis.pptx
+++ b/PowerPoints/06 - Syntax Analysis.pptx
@@ -35222,7 +35222,7 @@
               <a:rPr lang="en-US" dirty="0" err="1">
                 <a:latin typeface="Consolas" panose="020B0609020204030204" pitchFamily="49" charset="0"/>
               </a:rPr>
-              <a:t>parseVariableExpr</a:t>
+              <a:t>parseVariableCommon</a:t>
             </a:r>
             <a:r>
               <a:rPr lang="en-US" dirty="0">
@@ -35271,7 +35271,19 @@
               <a:rPr lang="en-US" sz="1800" dirty="0">
                 <a:latin typeface="Consolas" panose="020B0609020204030204" pitchFamily="49" charset="0"/>
               </a:rPr>
-              <a:t>    while (scanner.getSymbol().</a:t>
+              <a:t>    while (</a:t>
+            </a:r>
+            <a:r>
+              <a:rPr lang="en-US" sz="1800" dirty="0" err="1">
+                <a:latin typeface="Consolas" panose="020B0609020204030204" pitchFamily="49" charset="0"/>
+              </a:rPr>
+              <a:t>scanner.getSymbol</a:t>
+            </a:r>
+            <a:r>
+              <a:rPr lang="en-US" sz="1800" dirty="0">
+                <a:latin typeface="Consolas" panose="020B0609020204030204" pitchFamily="49" charset="0"/>
+              </a:rPr>
+              <a:t>().</a:t>
             </a:r>
             <a:r>
               <a:rPr lang="en-US" sz="1800" dirty="0" err="1">
@@ -35311,7 +35323,19 @@
               <a:rPr lang="en-US" sz="1800" dirty="0">
                 <a:latin typeface="Consolas" panose="020B0609020204030204" pitchFamily="49" charset="0"/>
               </a:rPr>
-              <a:t>        if (scanner.getSymbol() == </a:t>
+              <a:t>        if (</a:t>
+            </a:r>
+            <a:r>
+              <a:rPr lang="en-US" sz="1800" dirty="0" err="1">
+                <a:latin typeface="Consolas" panose="020B0609020204030204" pitchFamily="49" charset="0"/>
+              </a:rPr>
+              <a:t>scanner.getSymbol</a:t>
+            </a:r>
+            <a:r>
+              <a:rPr lang="en-US" sz="1800" dirty="0">
+                <a:latin typeface="Consolas" panose="020B0609020204030204" pitchFamily="49" charset="0"/>
+              </a:rPr>
+              <a:t>() == </a:t>
             </a:r>
             <a:r>
               <a:rPr lang="en-US" sz="1800" dirty="0" err="1">
@@ -35337,19 +35361,7 @@
               <a:rPr lang="en-US" sz="1800" dirty="0">
                 <a:latin typeface="Consolas" panose="020B0609020204030204" pitchFamily="49" charset="0"/>
               </a:rPr>
-              <a:t>            </a:t>
-            </a:r>
-            <a:r>
-              <a:rPr lang="en-US" sz="1800" dirty="0" err="1">
-                <a:latin typeface="Consolas" panose="020B0609020204030204" pitchFamily="49" charset="0"/>
-              </a:rPr>
-              <a:t>parseIndexExpr</a:t>
-            </a:r>
-            <a:r>
-              <a:rPr lang="en-US" sz="1800" dirty="0">
-                <a:latin typeface="Consolas" panose="020B0609020204030204" pitchFamily="49" charset="0"/>
-              </a:rPr>
-              <a:t>();</a:t>
+              <a:t>          {</a:t>
             </a:r>
           </a:p>
           <a:p>
@@ -35363,7 +35375,19 @@
               <a:rPr lang="en-US" sz="1800" dirty="0">
                 <a:latin typeface="Consolas" panose="020B0609020204030204" pitchFamily="49" charset="0"/>
               </a:rPr>
-              <a:t>        else if (scanner.getSymbol() == Symbol.dot)</a:t>
+              <a:t>            match(</a:t>
+            </a:r>
+            <a:r>
+              <a:rPr lang="en-US" sz="1800" dirty="0" err="1">
+                <a:latin typeface="Consolas" panose="020B0609020204030204" pitchFamily="49" charset="0"/>
+              </a:rPr>
+              <a:t>Symbol.leftBracket</a:t>
+            </a:r>
+            <a:r>
+              <a:rPr lang="en-US" sz="1800" dirty="0">
+                <a:latin typeface="Consolas" panose="020B0609020204030204" pitchFamily="49" charset="0"/>
+              </a:rPr>
+              <a:t>);</a:t>
             </a:r>
           </a:p>
           <a:p>
@@ -35383,13 +35407,147 @@
               <a:rPr lang="en-US" sz="1800" dirty="0" err="1">
                 <a:latin typeface="Consolas" panose="020B0609020204030204" pitchFamily="49" charset="0"/>
               </a:rPr>
-              <a:t>parseFieldExpr</a:t>
+              <a:t>parseExpression</a:t>
             </a:r>
             <a:r>
               <a:rPr lang="en-US" sz="1800" dirty="0">
                 <a:latin typeface="Consolas" panose="020B0609020204030204" pitchFamily="49" charset="0"/>
               </a:rPr>
               <a:t>();</a:t>
+            </a:r>
+          </a:p>
+          <a:p>
+            <a:pPr marL="91440" indent="0">
+              <a:spcBef>
+                <a:spcPts val="100"/>
+              </a:spcBef>
+              <a:buNone/>
+            </a:pPr>
+            <a:r>
+              <a:rPr lang="en-US" sz="1800" dirty="0">
+                <a:latin typeface="Consolas" panose="020B0609020204030204" pitchFamily="49" charset="0"/>
+              </a:rPr>
+              <a:t>            match(</a:t>
+            </a:r>
+            <a:r>
+              <a:rPr lang="en-US" sz="1800" dirty="0" err="1">
+                <a:latin typeface="Consolas" panose="020B0609020204030204" pitchFamily="49" charset="0"/>
+              </a:rPr>
+              <a:t>Symbol.rightBracket</a:t>
+            </a:r>
+            <a:r>
+              <a:rPr lang="en-US" sz="1800" dirty="0">
+                <a:latin typeface="Consolas" panose="020B0609020204030204" pitchFamily="49" charset="0"/>
+              </a:rPr>
+              <a:t>);</a:t>
+            </a:r>
+          </a:p>
+          <a:p>
+            <a:pPr marL="91440" indent="0">
+              <a:spcBef>
+                <a:spcPts val="100"/>
+              </a:spcBef>
+              <a:buNone/>
+            </a:pPr>
+            <a:r>
+              <a:rPr lang="en-US" sz="1800" dirty="0">
+                <a:latin typeface="Consolas" panose="020B0609020204030204" pitchFamily="49" charset="0"/>
+              </a:rPr>
+              <a:t>          }</a:t>
+            </a:r>
+          </a:p>
+          <a:p>
+            <a:pPr marL="91440" indent="0">
+              <a:spcBef>
+                <a:spcPts val="100"/>
+              </a:spcBef>
+              <a:buNone/>
+            </a:pPr>
+            <a:r>
+              <a:rPr lang="en-US" sz="1800" dirty="0">
+                <a:latin typeface="Consolas" panose="020B0609020204030204" pitchFamily="49" charset="0"/>
+              </a:rPr>
+              <a:t>        else if (</a:t>
+            </a:r>
+            <a:r>
+              <a:rPr lang="en-US" sz="1800" dirty="0" err="1">
+                <a:latin typeface="Consolas" panose="020B0609020204030204" pitchFamily="49" charset="0"/>
+              </a:rPr>
+              <a:t>scanner.getSymbol</a:t>
+            </a:r>
+            <a:r>
+              <a:rPr lang="en-US" sz="1800" dirty="0">
+                <a:latin typeface="Consolas" panose="020B0609020204030204" pitchFamily="49" charset="0"/>
+              </a:rPr>
+              <a:t>() == Symbol.dot)</a:t>
+            </a:r>
+          </a:p>
+          <a:p>
+            <a:pPr marL="91440" indent="0">
+              <a:spcBef>
+                <a:spcPts val="100"/>
+              </a:spcBef>
+              <a:buNone/>
+            </a:pPr>
+            <a:r>
+              <a:rPr lang="en-US" sz="1800" dirty="0">
+                <a:latin typeface="Consolas" panose="020B0609020204030204" pitchFamily="49" charset="0"/>
+              </a:rPr>
+              <a:t>          {</a:t>
+            </a:r>
+          </a:p>
+          <a:p>
+            <a:pPr marL="91440" indent="0">
+              <a:spcBef>
+                <a:spcPts val="100"/>
+              </a:spcBef>
+              <a:buNone/>
+            </a:pPr>
+            <a:r>
+              <a:rPr lang="en-US" sz="1800" dirty="0">
+                <a:latin typeface="Consolas" panose="020B0609020204030204" pitchFamily="49" charset="0"/>
+              </a:rPr>
+              <a:t>            match(Symbol.dot);</a:t>
+            </a:r>
+          </a:p>
+          <a:p>
+            <a:pPr marL="91440" indent="0">
+              <a:spcBef>
+                <a:spcPts val="100"/>
+              </a:spcBef>
+              <a:buNone/>
+            </a:pPr>
+            <a:r>
+              <a:rPr lang="en-US" sz="1800" dirty="0">
+                <a:latin typeface="Consolas" panose="020B0609020204030204" pitchFamily="49" charset="0"/>
+              </a:rPr>
+              <a:t>            match(</a:t>
+            </a:r>
+            <a:r>
+              <a:rPr lang="en-US" sz="1800" dirty="0" err="1">
+                <a:latin typeface="Consolas" panose="020B0609020204030204" pitchFamily="49" charset="0"/>
+              </a:rPr>
+              <a:t>Symbol.identifier</a:t>
+            </a:r>
+            <a:r>
+              <a:rPr lang="en-US" sz="1800" dirty="0">
+                <a:latin typeface="Consolas" panose="020B0609020204030204" pitchFamily="49" charset="0"/>
+              </a:rPr>
+              <a:t>);</a:t>
+            </a:r>
+          </a:p>
+          <a:p>
+            <a:pPr marL="91440" indent="0">
+              <a:spcBef>
+                <a:spcPts val="100"/>
+              </a:spcBef>
+              <a:buNone/>
+            </a:pPr>
+            <a:r>
+              <a:rPr lang="en-US" sz="1800" dirty="0">
+                <a:latin typeface="Consolas" panose="020B0609020204030204" pitchFamily="49" charset="0"/>
+              </a:rPr>
+              <a:t>          }</a:t>
             </a:r>
           </a:p>
           <a:p>

--- a/PowerPoints/06 - Syntax Analysis.pptx
+++ b/PowerPoints/06 - Syntax Analysis.pptx
@@ -12901,14 +12901,7 @@
           <a:p>
             <a:r>
               <a:rPr lang="en-US" dirty="0"/>
-              <a:t>Example: Recursive Descent Parsing</a:t>
-            </a:r>
-            <a:br>
-              <a:rPr lang="en-US" dirty="0"/>
-            </a:br>
-            <a:r>
-              <a:rPr lang="en-US" dirty="0"/>
-              <a:t>Refinement 2</a:t>
+              <a:t>Example: Parsing Guideline 2</a:t>
             </a:r>
           </a:p>
         </p:txBody>
@@ -18842,8 +18835,19 @@
                 <a:latin typeface="Consolas" pitchFamily="49" charset="0"/>
                 <a:cs typeface="Consolas" pitchFamily="49" charset="0"/>
               </a:rPr>
-              <a:t>     || this == writer</a:t>
-            </a:r>
+              <a:t>     || this == </a:t>
+            </a:r>
+            <a:r>
+              <a:rPr lang="en-US" sz="1800">
+                <a:latin typeface="Consolas" pitchFamily="49" charset="0"/>
+                <a:cs typeface="Consolas" pitchFamily="49" charset="0"/>
+              </a:rPr>
+              <a:t>writeRW</a:t>
+            </a:r>
+            <a:endParaRPr lang="en-US" sz="1800" dirty="0">
+              <a:latin typeface="Consolas" pitchFamily="49" charset="0"/>
+              <a:cs typeface="Consolas" pitchFamily="49" charset="0"/>
+            </a:endParaRPr>
           </a:p>
           <a:p>
             <a:pPr marL="0" indent="0">
@@ -21175,7 +21179,7 @@
           <a:bodyPr/>
           <a:lstStyle/>
           <a:p>
-            <a:pPr marL="0" indent="0">
+            <a:pPr marL="182880" indent="0">
               <a:spcBef>
                 <a:spcPts val="0"/>
               </a:spcBef>
@@ -21198,7 +21202,7 @@
             </a:endParaRPr>
           </a:p>
           <a:p>
-            <a:pPr marL="0" indent="0">
+            <a:pPr marL="182880" indent="0">
               <a:spcBef>
                 <a:spcPts val="0"/>
               </a:spcBef>
@@ -21212,7 +21216,7 @@
             </a:r>
           </a:p>
           <a:p>
-            <a:pPr marL="0" indent="0">
+            <a:pPr marL="182880" indent="0">
               <a:spcBef>
                 <a:spcPts val="0"/>
               </a:spcBef>
@@ -21226,7 +21230,7 @@
             </a:r>
           </a:p>
           <a:p>
-            <a:pPr marL="0" indent="0">
+            <a:pPr marL="182880" indent="0">
               <a:spcBef>
                 <a:spcPts val="0"/>
               </a:spcBef>
@@ -21240,7 +21244,7 @@
             </a:r>
           </a:p>
           <a:p>
-            <a:pPr marL="0" indent="0">
+            <a:pPr marL="182880" indent="0">
               <a:spcBef>
                 <a:spcPts val="0"/>
               </a:spcBef>
@@ -21254,7 +21258,7 @@
             </a:r>
           </a:p>
           <a:p>
-            <a:pPr marL="0" indent="0">
+            <a:pPr marL="182880" indent="0">
               <a:spcBef>
                 <a:spcPts val="0"/>
               </a:spcBef>
@@ -21268,7 +21272,7 @@
             </a:r>
           </a:p>
           <a:p>
-            <a:pPr marL="0" indent="0">
+            <a:pPr marL="182880" indent="0">
               <a:spcBef>
                 <a:spcPts val="0"/>
               </a:spcBef>
@@ -21282,7 +21286,7 @@
             </a:r>
           </a:p>
           <a:p>
-            <a:pPr marL="0" indent="0">
+            <a:pPr marL="182880" indent="0">
               <a:spcBef>
                 <a:spcPts val="0"/>
               </a:spcBef>
@@ -21308,7 +21312,7 @@
             </a:r>
           </a:p>
           <a:p>
-            <a:pPr marL="0" indent="0">
+            <a:pPr marL="182880" indent="0">
               <a:spcBef>
                 <a:spcPts val="0"/>
               </a:spcBef>
@@ -21322,7 +21326,7 @@
             </a:r>
           </a:p>
           <a:p>
-            <a:pPr marL="0" indent="0">
+            <a:pPr marL="182880" indent="0">
               <a:spcBef>
                 <a:spcPts val="0"/>
               </a:spcBef>
@@ -21333,7 +21337,7 @@
             </a:endParaRPr>
           </a:p>
           <a:p>
-            <a:pPr marL="0" indent="0">
+            <a:pPr marL="182880" indent="0">
               <a:spcBef>
                 <a:spcPts val="0"/>
               </a:spcBef>
@@ -21347,7 +21351,7 @@
             </a:r>
           </a:p>
           <a:p>
-            <a:pPr marL="0" indent="0">
+            <a:pPr marL="182880" indent="0">
               <a:spcBef>
                 <a:spcPts val="0"/>
               </a:spcBef>
@@ -21361,7 +21365,7 @@
             </a:r>
           </a:p>
           <a:p>
-            <a:pPr marL="0" indent="0">
+            <a:pPr marL="182880" indent="0">
               <a:spcBef>
                 <a:spcPts val="0"/>
               </a:spcBef>
@@ -21375,7 +21379,7 @@
             </a:r>
           </a:p>
           <a:p>
-            <a:pPr marL="0" indent="0">
+            <a:pPr marL="182880" indent="0">
               <a:spcBef>
                 <a:spcPts val="0"/>
               </a:spcBef>
@@ -21401,7 +21405,7 @@
             </a:r>
           </a:p>
           <a:p>
-            <a:pPr marL="0" indent="0">
+            <a:pPr marL="182880" indent="0">
               <a:spcBef>
                 <a:spcPts val="0"/>
               </a:spcBef>
@@ -21415,7 +21419,7 @@
             </a:r>
           </a:p>
           <a:p>
-            <a:pPr marL="0" indent="0">
+            <a:pPr marL="182880" indent="0">
               <a:spcBef>
                 <a:spcPts val="0"/>
               </a:spcBef>
@@ -21441,7 +21445,7 @@
             </a:r>
           </a:p>
           <a:p>
-            <a:pPr marL="0" indent="0">
+            <a:pPr marL="182880" indent="0">
               <a:spcBef>
                 <a:spcPts val="0"/>
               </a:spcBef>
@@ -21467,7 +21471,7 @@
             </a:r>
           </a:p>
           <a:p>
-            <a:pPr marL="0" indent="0">
+            <a:pPr marL="182880" indent="0">
               <a:spcBef>
                 <a:spcPts val="0"/>
               </a:spcBef>
@@ -21481,7 +21485,7 @@
             </a:r>
           </a:p>
           <a:p>
-            <a:pPr marL="0" indent="0">
+            <a:pPr marL="182880" indent="0">
               <a:spcBef>
                 <a:spcPts val="0"/>
               </a:spcBef>
@@ -24933,8 +24937,12 @@
           <a:p>
             <a:pPr lvl="1"/>
             <a:r>
-              <a:rPr lang="en-US" dirty="0"/>
-              <a:t>ignore  its parameter</a:t>
+              <a:rPr lang="en-US"/>
+              <a:t>ignore </a:t>
+            </a:r>
+            <a:r>
+              <a:rPr lang="en-US" dirty="0"/>
+              <a:t>its parameter</a:t>
             </a:r>
           </a:p>
           <a:p>
@@ -26080,17 +26088,48 @@
             </a:pPr>
             <a:r>
               <a:rPr lang="en-US" dirty="0"/>
-              <a:t>If the symbol following the identifier is “</a:t>
+              <a:t>In </a:t>
+            </a:r>
+            <a:r>
+              <a:rPr lang="en-US" dirty="0" err="1">
+                <a:latin typeface="Consolas" panose="020B0609020204030204" pitchFamily="49" charset="0"/>
+              </a:rPr>
+              <a:t>parseStatement</a:t>
             </a:r>
             <a:r>
               <a:rPr lang="en-US" dirty="0">
                 <a:latin typeface="Consolas" panose="020B0609020204030204" pitchFamily="49" charset="0"/>
               </a:rPr>
+              <a:t>()</a:t>
+            </a:r>
+            <a:r>
+              <a:rPr lang="en-US" dirty="0"/>
+              <a:t>, if the symbol following the </a:t>
+            </a:r>
+            <a:r>
+              <a:rPr lang="en-US"/>
+              <a:t>identifier is</a:t>
+            </a:r>
+            <a:br>
+              <a:rPr lang="en-US"/>
+            </a:br>
+            <a:r>
+              <a:rPr lang="en-US"/>
+              <a:t>“</a:t>
+            </a:r>
+            <a:r>
+              <a:rPr lang="en-US">
+                <a:latin typeface="Consolas" panose="020B0609020204030204" pitchFamily="49" charset="0"/>
+              </a:rPr>
               <a:t>[</a:t>
             </a:r>
             <a:r>
-              <a:rPr lang="en-US" dirty="0"/>
-              <a:t>”, “</a:t>
+              <a:rPr lang="en-US"/>
+              <a:t>”, </a:t>
+            </a:r>
+            <a:r>
+              <a:rPr lang="en-US" dirty="0"/>
+              <a:t>“</a:t>
             </a:r>
             <a:r>
               <a:rPr lang="en-US" dirty="0">
@@ -28128,7 +28167,21 @@
                 <a:latin typeface="Consolas" pitchFamily="49" charset="0"/>
                 <a:cs typeface="Consolas" pitchFamily="49" charset="0"/>
               </a:rPr>
-              <a:t>    constantId,  variableId, arrayTypeId, </a:t>
+              <a:t>    constantId,   </a:t>
+            </a:r>
+            <a:r>
+              <a:rPr lang="en-US" sz="1800" dirty="0" err="1">
+                <a:latin typeface="Consolas" pitchFamily="49" charset="0"/>
+                <a:cs typeface="Consolas" pitchFamily="49" charset="0"/>
+              </a:rPr>
+              <a:t>variableId</a:t>
+            </a:r>
+            <a:r>
+              <a:rPr lang="en-US" sz="1800" dirty="0">
+                <a:latin typeface="Consolas" pitchFamily="49" charset="0"/>
+                <a:cs typeface="Consolas" pitchFamily="49" charset="0"/>
+              </a:rPr>
+              <a:t>, arrayTypeId, </a:t>
             </a:r>
             <a:r>
               <a:rPr lang="en-US" sz="1800" dirty="0" err="1">
@@ -28171,7 +28224,28 @@
                 <a:latin typeface="Consolas" pitchFamily="49" charset="0"/>
                 <a:cs typeface="Consolas" pitchFamily="49" charset="0"/>
               </a:rPr>
-              <a:t>, procedureId, functionId</a:t>
+              <a:t>, </a:t>
+            </a:r>
+            <a:r>
+              <a:rPr lang="en-US" sz="1800" dirty="0" err="1">
+                <a:latin typeface="Consolas" pitchFamily="49" charset="0"/>
+                <a:cs typeface="Consolas" pitchFamily="49" charset="0"/>
+              </a:rPr>
+              <a:t>fieldId</a:t>
+            </a:r>
+            <a:r>
+              <a:rPr lang="en-US" sz="1800">
+                <a:latin typeface="Consolas" pitchFamily="49" charset="0"/>
+                <a:cs typeface="Consolas" pitchFamily="49" charset="0"/>
+              </a:rPr>
+              <a:t>,    procedureId</a:t>
+            </a:r>
+            <a:r>
+              <a:rPr lang="en-US" sz="1800" dirty="0">
+                <a:latin typeface="Consolas" pitchFamily="49" charset="0"/>
+                <a:cs typeface="Consolas" pitchFamily="49" charset="0"/>
+              </a:rPr>
+              <a:t>, functionId</a:t>
             </a:r>
           </a:p>
           <a:p>

--- a/PowerPoints/06 - Syntax Analysis.pptx
+++ b/PowerPoints/06 - Syntax Analysis.pptx
@@ -31,7 +31,7 @@
     <p:sldId id="294" r:id="rId19"/>
     <p:sldId id="295" r:id="rId20"/>
     <p:sldId id="296" r:id="rId21"/>
-    <p:sldId id="372" r:id="rId22"/>
+    <p:sldId id="403" r:id="rId22"/>
     <p:sldId id="373" r:id="rId23"/>
     <p:sldId id="345" r:id="rId24"/>
     <p:sldId id="339" r:id="rId25"/>
@@ -2403,34 +2403,6 @@
               </a:pPr>
               <a:t>21</a:t>
             </a:fld>
-            <a:endParaRPr lang="en-US"/>
-          </a:p>
-        </p:txBody>
-      </p:sp>
-      <p:sp>
-        <p:nvSpPr>
-          <p:cNvPr id="6" name="Footer Placeholder 5">
-            <a:extLst>
-              <a:ext uri="{FF2B5EF4-FFF2-40B4-BE49-F238E27FC236}">
-                <a16:creationId xmlns:a16="http://schemas.microsoft.com/office/drawing/2014/main" id="{8A61B463-FF55-8966-B3BF-F9BCFB15F983}"/>
-              </a:ext>
-            </a:extLst>
-          </p:cNvPr>
-          <p:cNvSpPr>
-            <a:spLocks noGrp="1"/>
-          </p:cNvSpPr>
-          <p:nvPr>
-            <p:ph type="ftr" sz="quarter" idx="4"/>
-          </p:nvPr>
-        </p:nvSpPr>
-        <p:spPr/>
-        <p:txBody>
-          <a:bodyPr/>
-          <a:lstStyle/>
-          <a:p>
-            <a:pPr>
-              <a:defRPr/>
-            </a:pPr>
             <a:endParaRPr lang="en-US"/>
           </a:p>
         </p:txBody>
@@ -14729,66 +14701,71 @@
             <p:ph type="body" idx="1"/>
           </p:nvPr>
         </p:nvSpPr>
-        <p:spPr/>
-        <p:txBody>
-          <a:bodyPr/>
-          <a:lstStyle/>
-          <a:p>
-            <a:r>
-              <a:rPr lang="en-US" sz="2000" dirty="0" err="1">
+        <p:spPr>
+          <a:xfrm>
+            <a:off x="458788" y="1295400"/>
+            <a:ext cx="8226425" cy="4935537"/>
+          </a:xfrm>
+        </p:spPr>
+        <p:txBody>
+          <a:bodyPr/>
+          <a:lstStyle/>
+          <a:p>
+            <a:r>
+              <a:rPr lang="en-US" sz="1800" dirty="0" err="1">
                 <a:latin typeface="Consolas" panose="020B0609020204030204" pitchFamily="49" charset="0"/>
               </a:rPr>
               <a:t>constDecl</a:t>
             </a:r>
             <a:r>
-              <a:rPr lang="en-US" sz="2000" dirty="0">
+              <a:rPr lang="en-US" sz="1800" dirty="0">
                 <a:latin typeface="Consolas" panose="020B0609020204030204" pitchFamily="49" charset="0"/>
               </a:rPr>
               <a:t> = "</a:t>
             </a:r>
             <a:r>
-              <a:rPr lang="en-US" sz="2000" dirty="0" err="1">
+              <a:rPr lang="en-US" sz="1800" dirty="0" err="1">
                 <a:latin typeface="Consolas" panose="020B0609020204030204" pitchFamily="49" charset="0"/>
               </a:rPr>
               <a:t>const</a:t>
             </a:r>
             <a:r>
-              <a:rPr lang="en-US" sz="2000" dirty="0">
+              <a:rPr lang="en-US" sz="1800" dirty="0">
                 <a:latin typeface="Consolas" panose="020B0609020204030204" pitchFamily="49" charset="0"/>
               </a:rPr>
               <a:t>" </a:t>
             </a:r>
             <a:r>
-              <a:rPr lang="en-US" sz="2000" dirty="0" err="1">
+              <a:rPr lang="en-US" sz="1800" dirty="0" err="1">
                 <a:latin typeface="Consolas" panose="020B0609020204030204" pitchFamily="49" charset="0"/>
               </a:rPr>
               <a:t>constId</a:t>
             </a:r>
             <a:r>
-              <a:rPr lang="en-US" sz="2000" dirty="0">
+              <a:rPr lang="en-US" sz="1800" dirty="0">
                 <a:latin typeface="Consolas" panose="020B0609020204030204" pitchFamily="49" charset="0"/>
               </a:rPr>
               <a:t> ":=" literal ";" .</a:t>
             </a:r>
             <a:br>
-              <a:rPr lang="en-US" sz="2000" dirty="0">
+              <a:rPr lang="en-US" sz="1800" dirty="0">
                 <a:latin typeface="Consolas" panose="020B0609020204030204" pitchFamily="49" charset="0"/>
               </a:rPr>
             </a:br>
             <a:r>
-              <a:rPr lang="en-US" sz="2000" dirty="0">
+              <a:rPr lang="en-US" sz="1800" dirty="0">
                 <a:latin typeface="Consolas" panose="020B0609020204030204" pitchFamily="49" charset="0"/>
               </a:rPr>
               <a:t>First(</a:t>
             </a:r>
             <a:r>
-              <a:rPr lang="en-US" sz="2000" dirty="0" err="1">
+              <a:rPr lang="en-US" sz="1800" dirty="0" err="1">
                 <a:latin typeface="Consolas" panose="020B0609020204030204" pitchFamily="49" charset="0"/>
               </a:rPr>
               <a:t>constDecl</a:t>
             </a:r>
             <a:r>
-              <a:rPr lang="en-US" sz="2000" dirty="0">
+              <a:rPr lang="en-US" sz="1800" dirty="0">
                 <a:latin typeface="Consolas" panose="020B0609020204030204" pitchFamily="49" charset="0"/>
               </a:rPr>
               <a:t>) = { "const" }</a:t>
@@ -14796,48 +14773,48 @@
           </a:p>
           <a:p>
             <a:r>
-              <a:rPr lang="en-US" sz="2000" dirty="0" err="1">
+              <a:rPr lang="en-US" sz="1800" dirty="0" err="1">
                 <a:latin typeface="Consolas" panose="020B0609020204030204" pitchFamily="49" charset="0"/>
               </a:rPr>
               <a:t>varDecl</a:t>
             </a:r>
             <a:r>
-              <a:rPr lang="en-US" sz="2000" dirty="0">
+              <a:rPr lang="en-US" sz="1800" dirty="0">
                 <a:latin typeface="Consolas" panose="020B0609020204030204" pitchFamily="49" charset="0"/>
               </a:rPr>
               <a:t> = "</a:t>
             </a:r>
             <a:r>
-              <a:rPr lang="en-US" sz="2000" dirty="0" err="1">
+              <a:rPr lang="en-US" sz="1800" dirty="0" err="1">
                 <a:latin typeface="Consolas" panose="020B0609020204030204" pitchFamily="49" charset="0"/>
               </a:rPr>
               <a:t>var</a:t>
             </a:r>
             <a:r>
-              <a:rPr lang="en-US" sz="2000" dirty="0">
+              <a:rPr lang="en-US" sz="1800" dirty="0">
                 <a:latin typeface="Consolas" panose="020B0609020204030204" pitchFamily="49" charset="0"/>
               </a:rPr>
               <a:t>" identifiers ":" </a:t>
             </a:r>
             <a:r>
-              <a:rPr lang="en-US" sz="2000" dirty="0" err="1">
+              <a:rPr lang="en-US" sz="1800" dirty="0" err="1">
                 <a:latin typeface="Consolas" panose="020B0609020204030204" pitchFamily="49" charset="0"/>
               </a:rPr>
               <a:t>typeName</a:t>
             </a:r>
             <a:r>
-              <a:rPr lang="en-US" sz="2000" dirty="0">
+              <a:rPr lang="en-US" sz="1800" dirty="0">
                 <a:latin typeface="Consolas" panose="020B0609020204030204" pitchFamily="49" charset="0"/>
               </a:rPr>
               <a:t> ";" .</a:t>
             </a:r>
             <a:br>
-              <a:rPr lang="en-US" sz="2000" dirty="0">
+              <a:rPr lang="en-US" sz="1800" dirty="0">
                 <a:latin typeface="Consolas" panose="020B0609020204030204" pitchFamily="49" charset="0"/>
               </a:rPr>
             </a:br>
             <a:r>
-              <a:rPr lang="en-US" sz="2000" dirty="0">
+              <a:rPr lang="en-US" sz="1800" dirty="0">
                 <a:latin typeface="Consolas" panose="020B0609020204030204" pitchFamily="49" charset="0"/>
               </a:rPr>
               <a:t>First(varDecl) = { "var" }</a:t>
@@ -14845,254 +14822,321 @@
           </a:p>
           <a:p>
             <a:r>
-              <a:rPr lang="en-US" sz="2000" dirty="0" err="1">
+              <a:rPr lang="en-US" sz="1800" dirty="0" err="1">
+                <a:latin typeface="Consolas" panose="020B0609020204030204" pitchFamily="49" charset="0"/>
+              </a:rPr>
+              <a:t>arrayTypeDecl</a:t>
+            </a:r>
+            <a:r>
+              <a:rPr lang="en-US" sz="1800" dirty="0">
+                <a:latin typeface="Consolas" panose="020B0609020204030204" pitchFamily="49" charset="0"/>
+              </a:rPr>
+              <a:t> = "type" </a:t>
+            </a:r>
+            <a:r>
+              <a:rPr lang="en-US" sz="1800" dirty="0" err="1">
+                <a:latin typeface="Consolas" panose="020B0609020204030204" pitchFamily="49" charset="0"/>
+              </a:rPr>
+              <a:t>typeId</a:t>
+            </a:r>
+            <a:r>
+              <a:rPr lang="en-US" sz="1800" dirty="0">
+                <a:latin typeface="Consolas" panose="020B0609020204030204" pitchFamily="49" charset="0"/>
+              </a:rPr>
+              <a:t> "=" "array" </a:t>
+            </a:r>
+            <a:br>
+              <a:rPr lang="en-US" sz="1800" dirty="0">
+                <a:latin typeface="Consolas" panose="020B0609020204030204" pitchFamily="49" charset="0"/>
+              </a:rPr>
+            </a:br>
+            <a:r>
+              <a:rPr lang="en-US" sz="1800" dirty="0">
+                <a:latin typeface="Consolas" panose="020B0609020204030204" pitchFamily="49" charset="0"/>
+              </a:rPr>
+              <a:t>                "[" </a:t>
+            </a:r>
+            <a:r>
+              <a:rPr lang="en-US" sz="1800" dirty="0" err="1">
+                <a:latin typeface="Consolas" panose="020B0609020204030204" pitchFamily="49" charset="0"/>
+              </a:rPr>
+              <a:t>intConstValue</a:t>
+            </a:r>
+            <a:r>
+              <a:rPr lang="en-US" sz="1800" dirty="0">
+                <a:latin typeface="Consolas" panose="020B0609020204030204" pitchFamily="49" charset="0"/>
+              </a:rPr>
+              <a:t> "]" "of" </a:t>
+            </a:r>
+            <a:r>
+              <a:rPr lang="en-US" sz="1800" dirty="0" err="1">
+                <a:latin typeface="Consolas" panose="020B0609020204030204" pitchFamily="49" charset="0"/>
+              </a:rPr>
+              <a:t>typeName</a:t>
+            </a:r>
+            <a:r>
+              <a:rPr lang="en-US" sz="1800" dirty="0">
+                <a:latin typeface="Consolas" panose="020B0609020204030204" pitchFamily="49" charset="0"/>
+              </a:rPr>
+              <a:t> ";" </a:t>
+            </a:r>
+            <a:br>
+              <a:rPr lang="en-US" sz="1800" dirty="0">
+                <a:latin typeface="Consolas" panose="020B0609020204030204" pitchFamily="49" charset="0"/>
+              </a:rPr>
+            </a:br>
+            <a:r>
+              <a:rPr lang="en-US" sz="1800" dirty="0">
+                <a:latin typeface="Consolas" panose="020B0609020204030204" pitchFamily="49" charset="0"/>
+              </a:rPr>
+              <a:t>First(</a:t>
+            </a:r>
+            <a:r>
+              <a:rPr lang="en-US" sz="1800" dirty="0" err="1">
+                <a:latin typeface="Consolas" panose="020B0609020204030204" pitchFamily="49" charset="0"/>
+              </a:rPr>
+              <a:t>arrayTypeDecl</a:t>
+            </a:r>
+            <a:r>
+              <a:rPr lang="en-US" sz="1800" dirty="0">
+                <a:latin typeface="Consolas" panose="020B0609020204030204" pitchFamily="49" charset="0"/>
+              </a:rPr>
+              <a:t>) = { "type" }</a:t>
+            </a:r>
+          </a:p>
+          <a:p>
+            <a:r>
+              <a:rPr lang="en-US" sz="1800" dirty="0" err="1">
                 <a:latin typeface="Consolas" panose="020B0609020204030204" pitchFamily="49" charset="0"/>
               </a:rPr>
               <a:t>typeDecl</a:t>
             </a:r>
             <a:r>
-              <a:rPr lang="en-US" sz="2000" dirty="0">
-                <a:latin typeface="Consolas" panose="020B0609020204030204" pitchFamily="49" charset="0"/>
-              </a:rPr>
-              <a:t> = "type" </a:t>
-            </a:r>
-            <a:r>
-              <a:rPr lang="en-US" sz="2000" dirty="0" err="1">
-                <a:latin typeface="Consolas" panose="020B0609020204030204" pitchFamily="49" charset="0"/>
-              </a:rPr>
-              <a:t>typeId</a:t>
-            </a:r>
-            <a:r>
-              <a:rPr lang="en-US" sz="2000" dirty="0">
-                <a:latin typeface="Consolas" panose="020B0609020204030204" pitchFamily="49" charset="0"/>
-              </a:rPr>
-              <a:t> "="</a:t>
+              <a:rPr lang="en-US" sz="1800" dirty="0">
+                <a:latin typeface="Consolas" panose="020B0609020204030204" pitchFamily="49" charset="0"/>
+              </a:rPr>
+              <a:t> = </a:t>
+            </a:r>
+            <a:r>
+              <a:rPr lang="en-US" sz="1800" dirty="0" err="1">
+                <a:latin typeface="Consolas" panose="020B0609020204030204" pitchFamily="49" charset="0"/>
+              </a:rPr>
+              <a:t>arrayTypeDecl</a:t>
+            </a:r>
+            <a:r>
+              <a:rPr lang="en-US" sz="1800" dirty="0">
+                <a:latin typeface="Consolas" panose="020B0609020204030204" pitchFamily="49" charset="0"/>
+              </a:rPr>
+              <a:t> | </a:t>
+            </a:r>
+            <a:r>
+              <a:rPr lang="en-US" sz="1800" dirty="0" err="1">
+                <a:latin typeface="Consolas" panose="020B0609020204030204" pitchFamily="49" charset="0"/>
+              </a:rPr>
+              <a:t>recordTypeDecl</a:t>
+            </a:r>
+            <a:r>
+              <a:rPr lang="en-US" sz="1800" dirty="0">
+                <a:latin typeface="Consolas" panose="020B0609020204030204" pitchFamily="49" charset="0"/>
+              </a:rPr>
+              <a:t> | </a:t>
+            </a:r>
+            <a:r>
+              <a:rPr lang="en-US" sz="1800" dirty="0" err="1">
+                <a:latin typeface="Consolas" panose="020B0609020204030204" pitchFamily="49" charset="0"/>
+              </a:rPr>
+              <a:t>stringTypeDec</a:t>
             </a:r>
             <a:br>
-              <a:rPr lang="en-US" sz="2000" dirty="0">
+              <a:rPr lang="en-US" sz="1800" dirty="0">
                 <a:latin typeface="Consolas" panose="020B0609020204030204" pitchFamily="49" charset="0"/>
               </a:rPr>
             </a:br>
             <a:r>
-              <a:rPr lang="en-US" sz="2000" dirty="0">
-                <a:latin typeface="Consolas" panose="020B0609020204030204" pitchFamily="49" charset="0"/>
-              </a:rPr>
-              <a:t>    ( </a:t>
-            </a:r>
-            <a:r>
-              <a:rPr lang="en-US" sz="2000" dirty="0" err="1">
-                <a:latin typeface="Consolas" panose="020B0609020204030204" pitchFamily="49" charset="0"/>
-              </a:rPr>
-              <a:t>arrayTypeDecl</a:t>
-            </a:r>
-            <a:r>
-              <a:rPr lang="en-US" sz="2000" dirty="0">
+              <a:rPr lang="en-US" sz="1800" dirty="0">
+                <a:latin typeface="Consolas" panose="020B0609020204030204" pitchFamily="49" charset="0"/>
+              </a:rPr>
+              <a:t>First(</a:t>
+            </a:r>
+            <a:r>
+              <a:rPr lang="en-US" sz="1800" dirty="0" err="1">
+                <a:latin typeface="Consolas" panose="020B0609020204030204" pitchFamily="49" charset="0"/>
+              </a:rPr>
+              <a:t>typeDecl</a:t>
+            </a:r>
+            <a:r>
+              <a:rPr lang="en-US" sz="1800" dirty="0">
+                <a:latin typeface="Consolas" panose="020B0609020204030204" pitchFamily="49" charset="0"/>
+              </a:rPr>
+              <a:t>) = { "type" )</a:t>
+            </a:r>
+          </a:p>
+          <a:p>
+            <a:r>
+              <a:rPr lang="en-US" sz="1800" dirty="0" err="1">
+                <a:latin typeface="Consolas" panose="020B0609020204030204" pitchFamily="49" charset="0"/>
+              </a:rPr>
+              <a:t>initialDecl</a:t>
+            </a:r>
+            <a:r>
+              <a:rPr lang="en-US" sz="1800" dirty="0">
+                <a:latin typeface="Consolas" panose="020B0609020204030204" pitchFamily="49" charset="0"/>
+              </a:rPr>
+              <a:t> = </a:t>
+            </a:r>
+            <a:r>
+              <a:rPr lang="en-US" sz="1800" dirty="0" err="1">
+                <a:latin typeface="Consolas" panose="020B0609020204030204" pitchFamily="49" charset="0"/>
+              </a:rPr>
+              <a:t>constDecl</a:t>
+            </a:r>
+            <a:r>
+              <a:rPr lang="en-US" sz="1800" dirty="0">
+                <a:latin typeface="Consolas" panose="020B0609020204030204" pitchFamily="49" charset="0"/>
+              </a:rPr>
+              <a:t> | varDecl | </a:t>
+            </a:r>
+            <a:r>
+              <a:rPr lang="en-US" sz="1800" dirty="0" err="1">
+                <a:latin typeface="Consolas" panose="020B0609020204030204" pitchFamily="49" charset="0"/>
+              </a:rPr>
+              <a:t>typeDecl</a:t>
+            </a:r>
+            <a:r>
+              <a:rPr lang="en-US" sz="1800" dirty="0">
+                <a:latin typeface="Consolas" panose="020B0609020204030204" pitchFamily="49" charset="0"/>
+              </a:rPr>
+              <a:t> .</a:t>
+            </a:r>
+            <a:br>
+              <a:rPr lang="en-US" sz="1800" dirty="0">
+                <a:latin typeface="Consolas" panose="020B0609020204030204" pitchFamily="49" charset="0"/>
+              </a:rPr>
+            </a:br>
+            <a:r>
+              <a:rPr lang="en-US" sz="1800" dirty="0">
+                <a:latin typeface="Consolas" panose="020B0609020204030204" pitchFamily="49" charset="0"/>
+              </a:rPr>
+              <a:t>First(</a:t>
+            </a:r>
+            <a:r>
+              <a:rPr lang="en-US" sz="1800" dirty="0" err="1">
+                <a:latin typeface="Consolas" panose="020B0609020204030204" pitchFamily="49" charset="0"/>
+              </a:rPr>
+              <a:t>initialDecl</a:t>
+            </a:r>
+            <a:r>
+              <a:rPr lang="en-US" sz="1800" dirty="0">
+                <a:latin typeface="Consolas" panose="020B0609020204030204" pitchFamily="49" charset="0"/>
+              </a:rPr>
+              <a:t>) = { "const", "var", "type" }</a:t>
+            </a:r>
+          </a:p>
+          <a:p>
+            <a:r>
+              <a:rPr lang="en-US" sz="1800" dirty="0" err="1">
+                <a:latin typeface="Consolas" panose="020B0609020204030204" pitchFamily="49" charset="0"/>
+              </a:rPr>
+              <a:t>subprogramDecl</a:t>
+            </a:r>
+            <a:r>
+              <a:rPr lang="en-US" sz="1800" dirty="0">
+                <a:latin typeface="Consolas" panose="020B0609020204030204" pitchFamily="49" charset="0"/>
+              </a:rPr>
+              <a:t> = </a:t>
+            </a:r>
+            <a:r>
+              <a:rPr lang="en-US" sz="1800" dirty="0" err="1">
+                <a:latin typeface="Consolas" panose="020B0609020204030204" pitchFamily="49" charset="0"/>
+              </a:rPr>
+              <a:t>procedureDecl</a:t>
+            </a:r>
+            <a:r>
+              <a:rPr lang="en-US" sz="1800" dirty="0">
                 <a:latin typeface="Consolas" panose="020B0609020204030204" pitchFamily="49" charset="0"/>
               </a:rPr>
               <a:t> | </a:t>
             </a:r>
             <a:r>
-              <a:rPr lang="en-US" sz="2000" dirty="0" err="1">
-                <a:latin typeface="Consolas" panose="020B0609020204030204" pitchFamily="49" charset="0"/>
-              </a:rPr>
-              <a:t>recordTypeDecl</a:t>
-            </a:r>
-            <a:r>
-              <a:rPr lang="en-US" sz="2000" dirty="0">
-                <a:latin typeface="Consolas" panose="020B0609020204030204" pitchFamily="49" charset="0"/>
-              </a:rPr>
-              <a:t> | </a:t>
-            </a:r>
-            <a:r>
-              <a:rPr lang="en-US" sz="2000" dirty="0" err="1">
-                <a:latin typeface="Consolas" panose="020B0609020204030204" pitchFamily="49" charset="0"/>
-              </a:rPr>
-              <a:t>stringTypeDecl</a:t>
-            </a:r>
-            <a:r>
-              <a:rPr lang="en-US" sz="2000" dirty="0">
-                <a:latin typeface="Consolas" panose="020B0609020204030204" pitchFamily="49" charset="0"/>
-              </a:rPr>
-              <a:t>).</a:t>
+              <a:rPr lang="en-US" sz="1800" dirty="0" err="1">
+                <a:latin typeface="Consolas" panose="020B0609020204030204" pitchFamily="49" charset="0"/>
+              </a:rPr>
+              <a:t>functionDecl</a:t>
+            </a:r>
+            <a:r>
+              <a:rPr lang="en-US" sz="1800" dirty="0">
+                <a:latin typeface="Consolas" panose="020B0609020204030204" pitchFamily="49" charset="0"/>
+              </a:rPr>
+              <a:t> .</a:t>
             </a:r>
             <a:br>
-              <a:rPr lang="en-US" sz="2000" dirty="0">
+              <a:rPr lang="en-US" sz="1800" dirty="0">
                 <a:latin typeface="Consolas" panose="020B0609020204030204" pitchFamily="49" charset="0"/>
               </a:rPr>
             </a:br>
             <a:r>
-              <a:rPr lang="en-US" sz="2000" dirty="0">
+              <a:rPr lang="en-US" sz="1800" dirty="0">
                 <a:latin typeface="Consolas" panose="020B0609020204030204" pitchFamily="49" charset="0"/>
               </a:rPr>
               <a:t>First(</a:t>
             </a:r>
             <a:r>
-              <a:rPr lang="en-US" sz="2000" dirty="0" err="1">
-                <a:latin typeface="Consolas" panose="020B0609020204030204" pitchFamily="49" charset="0"/>
-              </a:rPr>
-              <a:t>typeDecl</a:t>
-            </a:r>
-            <a:r>
-              <a:rPr lang="en-US" sz="2000" dirty="0">
-                <a:latin typeface="Consolas" panose="020B0609020204030204" pitchFamily="49" charset="0"/>
-              </a:rPr>
-              <a:t>) = { "type" }</a:t>
-            </a:r>
-          </a:p>
-          <a:p>
-            <a:r>
-              <a:rPr lang="en-US" sz="2000" dirty="0" err="1">
-                <a:latin typeface="Consolas" panose="020B0609020204030204" pitchFamily="49" charset="0"/>
-              </a:rPr>
-              <a:t>initialDecl</a:t>
-            </a:r>
-            <a:r>
-              <a:rPr lang="en-US" sz="2000" dirty="0">
-                <a:latin typeface="Consolas" panose="020B0609020204030204" pitchFamily="49" charset="0"/>
-              </a:rPr>
-              <a:t> = </a:t>
-            </a:r>
-            <a:r>
-              <a:rPr lang="en-US" sz="2000" dirty="0" err="1">
-                <a:latin typeface="Consolas" panose="020B0609020204030204" pitchFamily="49" charset="0"/>
-              </a:rPr>
-              <a:t>constDecl</a:t>
-            </a:r>
-            <a:r>
-              <a:rPr lang="en-US" sz="2000" dirty="0">
-                <a:latin typeface="Consolas" panose="020B0609020204030204" pitchFamily="49" charset="0"/>
-              </a:rPr>
-              <a:t> | varDecl | </a:t>
-            </a:r>
-            <a:r>
-              <a:rPr lang="en-US" sz="2000" dirty="0" err="1">
-                <a:latin typeface="Consolas" panose="020B0609020204030204" pitchFamily="49" charset="0"/>
-              </a:rPr>
-              <a:t>typeDecl</a:t>
-            </a:r>
-            <a:r>
-              <a:rPr lang="en-US" sz="2000" dirty="0">
-                <a:latin typeface="Consolas" panose="020B0609020204030204" pitchFamily="49" charset="0"/>
-              </a:rPr>
-              <a:t> .</a:t>
+              <a:rPr lang="en-US" sz="1800" dirty="0" err="1">
+                <a:latin typeface="Consolas" panose="020B0609020204030204" pitchFamily="49" charset="0"/>
+              </a:rPr>
+              <a:t>subprogramDecl</a:t>
+            </a:r>
+            <a:r>
+              <a:rPr lang="en-US" sz="1800" dirty="0">
+                <a:latin typeface="Consolas" panose="020B0609020204030204" pitchFamily="49" charset="0"/>
+              </a:rPr>
+              <a:t>) = { "proc", "fun" }</a:t>
+            </a:r>
+          </a:p>
+          <a:p>
+            <a:r>
+              <a:rPr lang="en-US" sz="1800" dirty="0" err="1">
+                <a:latin typeface="Consolas" panose="020B0609020204030204" pitchFamily="49" charset="0"/>
+              </a:rPr>
+              <a:t>loopStmt</a:t>
+            </a:r>
+            <a:r>
+              <a:rPr lang="en-US" sz="1800" dirty="0">
+                <a:latin typeface="Consolas" panose="020B0609020204030204" pitchFamily="49" charset="0"/>
+              </a:rPr>
+              <a:t> = [ "while" </a:t>
+            </a:r>
+            <a:r>
+              <a:rPr lang="en-US" sz="1800" dirty="0" err="1">
+                <a:latin typeface="Consolas" panose="020B0609020204030204" pitchFamily="49" charset="0"/>
+              </a:rPr>
+              <a:t>booleanExpr</a:t>
+            </a:r>
+            <a:r>
+              <a:rPr lang="en-US" sz="1800" dirty="0">
+                <a:latin typeface="Consolas" panose="020B0609020204030204" pitchFamily="49" charset="0"/>
+              </a:rPr>
+              <a:t> ] "loop" statement .</a:t>
             </a:r>
             <a:br>
-              <a:rPr lang="en-US" sz="2000" dirty="0">
+              <a:rPr lang="en-US" sz="1800" dirty="0">
                 <a:latin typeface="Consolas" panose="020B0609020204030204" pitchFamily="49" charset="0"/>
               </a:rPr>
             </a:br>
             <a:r>
-              <a:rPr lang="en-US" sz="2000" dirty="0">
+              <a:rPr lang="en-US" sz="1800" dirty="0">
                 <a:latin typeface="Consolas" panose="020B0609020204030204" pitchFamily="49" charset="0"/>
               </a:rPr>
               <a:t>First(</a:t>
             </a:r>
             <a:r>
-              <a:rPr lang="en-US" sz="2000" dirty="0" err="1">
-                <a:latin typeface="Consolas" panose="020B0609020204030204" pitchFamily="49" charset="0"/>
-              </a:rPr>
-              <a:t>initialDecl</a:t>
-            </a:r>
-            <a:r>
-              <a:rPr lang="en-US" sz="2000" dirty="0">
-                <a:latin typeface="Consolas" panose="020B0609020204030204" pitchFamily="49" charset="0"/>
-              </a:rPr>
-              <a:t>) = { "const", "var", "type" }</a:t>
-            </a:r>
-          </a:p>
-          <a:p>
-            <a:r>
-              <a:rPr lang="en-US" sz="2000" dirty="0" err="1">
-                <a:latin typeface="Consolas" panose="020B0609020204030204" pitchFamily="49" charset="0"/>
-              </a:rPr>
-              <a:t>procedureDecl</a:t>
-            </a:r>
-            <a:r>
-              <a:rPr lang="en-US" sz="2000" dirty="0">
-                <a:latin typeface="Consolas" panose="020B0609020204030204" pitchFamily="49" charset="0"/>
-              </a:rPr>
-              <a:t> = "proc" </a:t>
-            </a:r>
-            <a:r>
-              <a:rPr lang="en-US" sz="2000" dirty="0" err="1">
-                <a:latin typeface="Consolas" panose="020B0609020204030204" pitchFamily="49" charset="0"/>
-              </a:rPr>
-              <a:t>procId</a:t>
-            </a:r>
-            <a:r>
-              <a:rPr lang="en-US" sz="2000" dirty="0">
-                <a:latin typeface="Consolas" panose="020B0609020204030204" pitchFamily="49" charset="0"/>
-              </a:rPr>
-              <a:t> "(" ...</a:t>
-            </a:r>
-            <a:br>
-              <a:rPr lang="en-US" sz="2000" dirty="0">
-                <a:latin typeface="Consolas" panose="020B0609020204030204" pitchFamily="49" charset="0"/>
-              </a:rPr>
-            </a:br>
-            <a:r>
-              <a:rPr lang="en-US" sz="2000" dirty="0">
-                <a:latin typeface="Consolas" panose="020B0609020204030204" pitchFamily="49" charset="0"/>
-              </a:rPr>
-              <a:t>First(</a:t>
-            </a:r>
-            <a:r>
-              <a:rPr lang="en-US" sz="2000" dirty="0" err="1">
-                <a:latin typeface="Consolas" panose="020B0609020204030204" pitchFamily="49" charset="0"/>
-              </a:rPr>
-              <a:t>procedureDecl</a:t>
-            </a:r>
-            <a:r>
-              <a:rPr lang="en-US" sz="2000" dirty="0">
-                <a:latin typeface="Consolas" panose="020B0609020204030204" pitchFamily="49" charset="0"/>
-              </a:rPr>
-              <a:t>) = { "proc" }</a:t>
-            </a:r>
-          </a:p>
-          <a:p>
-            <a:r>
-              <a:rPr lang="en-US" sz="2000" dirty="0" err="1">
+              <a:rPr lang="en-US" sz="1800" dirty="0" err="1">
                 <a:latin typeface="Consolas" panose="020B0609020204030204" pitchFamily="49" charset="0"/>
               </a:rPr>
               <a:t>loopStmt</a:t>
             </a:r>
             <a:r>
-              <a:rPr lang="en-US" sz="2000" dirty="0">
-                <a:latin typeface="Consolas" panose="020B0609020204030204" pitchFamily="49" charset="0"/>
-              </a:rPr>
-              <a:t> = [ "while" </a:t>
-            </a:r>
-            <a:r>
-              <a:rPr lang="en-US" sz="2000" dirty="0" err="1">
-                <a:latin typeface="Consolas" panose="020B0609020204030204" pitchFamily="49" charset="0"/>
-              </a:rPr>
-              <a:t>booleanExpr</a:t>
-            </a:r>
-            <a:r>
-              <a:rPr lang="en-US" sz="2000" dirty="0">
-                <a:latin typeface="Consolas" panose="020B0609020204030204" pitchFamily="49" charset="0"/>
-              </a:rPr>
-              <a:t> ] "loop" statement .</a:t>
-            </a:r>
-            <a:br>
-              <a:rPr lang="en-US" sz="2000" dirty="0">
-                <a:latin typeface="Consolas" panose="020B0609020204030204" pitchFamily="49" charset="0"/>
-              </a:rPr>
-            </a:br>
-            <a:r>
-              <a:rPr lang="en-US" sz="2000" dirty="0">
-                <a:latin typeface="Consolas" panose="020B0609020204030204" pitchFamily="49" charset="0"/>
-              </a:rPr>
-              <a:t>First(</a:t>
-            </a:r>
-            <a:r>
-              <a:rPr lang="en-US" sz="2000" dirty="0" err="1">
-                <a:latin typeface="Consolas" panose="020B0609020204030204" pitchFamily="49" charset="0"/>
-              </a:rPr>
-              <a:t>loopStmt</a:t>
-            </a:r>
-            <a:r>
-              <a:rPr lang="en-US" sz="2000" dirty="0">
+              <a:rPr lang="en-US" sz="1800" dirty="0">
                 <a:latin typeface="Consolas" panose="020B0609020204030204" pitchFamily="49" charset="0"/>
               </a:rPr>
               <a:t>) = { "while", "loop" }</a:t>
@@ -15124,13 +15168,7 @@
       </p:sp>
       <p:sp>
         <p:nvSpPr>
-          <p:cNvPr id="3" name="Slide Number Placeholder 2">
-            <a:extLst>
-              <a:ext uri="{FF2B5EF4-FFF2-40B4-BE49-F238E27FC236}">
-                <a16:creationId xmlns:a16="http://schemas.microsoft.com/office/drawing/2014/main" id="{D98086D2-23CB-0C4E-D860-26083CF3D278}"/>
-              </a:ext>
-            </a:extLst>
-          </p:cNvPr>
+          <p:cNvPr id="16387" name="Slide Number Placeholder 4"/>
           <p:cNvSpPr>
             <a:spLocks noGrp="1"/>
           </p:cNvSpPr>
@@ -15143,18 +15181,13 @@
           <a:bodyPr/>
           <a:lstStyle/>
           <a:p>
-            <a:pPr>
-              <a:defRPr/>
-            </a:pPr>
             <a:r>
               <a:rPr lang="en-US"/>
               <a:t>Slide </a:t>
             </a:r>
-            <a:fld id="{0F05040F-3DD5-4422-8E21-6095A5B4132F}" type="slidenum">
-              <a:rPr lang="en-US" smtClean="0"/>
-              <a:pPr>
-                <a:defRPr/>
-              </a:pPr>
+            <a:fld id="{2EF38682-C549-4590-B6B3-FA0D681E0236}" type="slidenum">
+              <a:rPr lang="en-US"/>
+              <a:pPr/>
               <a:t>21</a:t>
             </a:fld>
             <a:endParaRPr lang="en-US"/>
@@ -15164,7 +15197,7 @@
     </p:spTree>
     <p:extLst>
       <p:ext uri="{BB962C8B-B14F-4D97-AF65-F5344CB8AC3E}">
-        <p14:creationId xmlns:p14="http://schemas.microsoft.com/office/powerpoint/2010/main" val="2121325082"/>
+        <p14:creationId xmlns:p14="http://schemas.microsoft.com/office/powerpoint/2010/main" val="3633296902"/>
       </p:ext>
     </p:extLst>
   </p:cSld>
